--- a/Final_Presentation_Borvendeg_Hantke.pptx
+++ b/Final_Presentation_Borvendeg_Hantke.pptx
@@ -196,2497 +196,6 @@
     </p:ext>
   </p:extLst>
 </p:presentation>
-</file>
-
-<file path=ppt/charts/chart1.xml><?xml version="1.0" encoding="utf-8"?>
-<c:chartSpace xmlns:c="http://schemas.openxmlformats.org/drawingml/2006/chart" xmlns:a="http://schemas.openxmlformats.org/drawingml/2006/main" xmlns:r="http://schemas.openxmlformats.org/officeDocument/2006/relationships" xmlns:c16r2="http://schemas.microsoft.com/office/drawing/2015/06/chart">
-  <c:date1904 val="0"/>
-  <c:lang val="de-DE"/>
-  <c:roundedCorners val="0"/>
-  <mc:AlternateContent xmlns:mc="http://schemas.openxmlformats.org/markup-compatibility/2006">
-    <mc:Choice xmlns:c14="http://schemas.microsoft.com/office/drawing/2007/8/2/chart" Requires="c14">
-      <c14:style val="102"/>
-    </mc:Choice>
-    <mc:Fallback>
-      <c:style val="2"/>
-    </mc:Fallback>
-  </mc:AlternateContent>
-  <c:chart>
-    <c:title>
-      <c:tx>
-        <c:rich>
-          <a:bodyPr rot="0" spcFirstLastPara="1" vertOverflow="ellipsis" vert="horz" wrap="square" anchor="ctr" anchorCtr="1"/>
-          <a:lstStyle/>
-          <a:p>
-            <a:pPr>
-              <a:defRPr sz="1400" b="0" i="0" u="none" strike="noStrike" kern="1200" spc="0" baseline="0">
-                <a:solidFill>
-                  <a:schemeClr val="tx1"/>
-                </a:solidFill>
-                <a:latin typeface="+mn-lt"/>
-                <a:ea typeface="+mn-ea"/>
-                <a:cs typeface="+mn-cs"/>
-              </a:defRPr>
-            </a:pPr>
-            <a:r>
-              <a:rPr lang="hu-HU" sz="1200" dirty="0">
-                <a:solidFill>
-                  <a:schemeClr val="tx1"/>
-                </a:solidFill>
-              </a:rPr>
-              <a:t>NYISO ICAP Spot Auction Prices in $/MW-month </a:t>
-            </a:r>
-            <a:endParaRPr lang="en-GB" sz="1200" dirty="0">
-              <a:solidFill>
-                <a:schemeClr val="tx1"/>
-              </a:solidFill>
-            </a:endParaRPr>
-          </a:p>
-        </c:rich>
-      </c:tx>
-      <c:overlay val="0"/>
-      <c:spPr>
-        <a:noFill/>
-        <a:ln>
-          <a:noFill/>
-        </a:ln>
-        <a:effectLst/>
-      </c:spPr>
-      <c:txPr>
-        <a:bodyPr rot="0" spcFirstLastPara="1" vertOverflow="ellipsis" vert="horz" wrap="square" anchor="ctr" anchorCtr="1"/>
-        <a:lstStyle/>
-        <a:p>
-          <a:pPr>
-            <a:defRPr sz="1400" b="0" i="0" u="none" strike="noStrike" kern="1200" spc="0" baseline="0">
-              <a:solidFill>
-                <a:schemeClr val="tx1"/>
-              </a:solidFill>
-              <a:latin typeface="+mn-lt"/>
-              <a:ea typeface="+mn-ea"/>
-              <a:cs typeface="+mn-cs"/>
-            </a:defRPr>
-          </a:pPr>
-          <a:endParaRPr lang="en-US"/>
-        </a:p>
-      </c:txPr>
-    </c:title>
-    <c:autoTitleDeleted val="0"/>
-    <c:plotArea>
-      <c:layout/>
-      <c:lineChart>
-        <c:grouping val="standard"/>
-        <c:varyColors val="0"/>
-        <c:ser>
-          <c:idx val="0"/>
-          <c:order val="0"/>
-          <c:tx>
-            <c:strRef>
-              <c:f>Sheet1!$B$1</c:f>
-              <c:strCache>
-                <c:ptCount val="1"/>
-                <c:pt idx="0">
-                  <c:v>NYCA</c:v>
-                </c:pt>
-              </c:strCache>
-            </c:strRef>
-          </c:tx>
-          <c:spPr>
-            <a:ln w="28575" cap="rnd">
-              <a:solidFill>
-                <a:schemeClr val="accent1"/>
-              </a:solidFill>
-              <a:round/>
-            </a:ln>
-            <a:effectLst/>
-          </c:spPr>
-          <c:marker>
-            <c:symbol val="none"/>
-          </c:marker>
-          <c:cat>
-            <c:numRef>
-              <c:f>Sheet1!$A$3:$A$63</c:f>
-              <c:numCache>
-                <c:formatCode>mmm\-yy</c:formatCode>
-                <c:ptCount val="61"/>
-                <c:pt idx="0">
-                  <c:v>45047</c:v>
-                </c:pt>
-                <c:pt idx="1">
-                  <c:v>45017</c:v>
-                </c:pt>
-                <c:pt idx="2">
-                  <c:v>44986</c:v>
-                </c:pt>
-                <c:pt idx="3">
-                  <c:v>44958</c:v>
-                </c:pt>
-                <c:pt idx="4">
-                  <c:v>44927</c:v>
-                </c:pt>
-                <c:pt idx="5">
-                  <c:v>44896</c:v>
-                </c:pt>
-                <c:pt idx="6">
-                  <c:v>44866</c:v>
-                </c:pt>
-                <c:pt idx="7">
-                  <c:v>44835</c:v>
-                </c:pt>
-                <c:pt idx="8">
-                  <c:v>44805</c:v>
-                </c:pt>
-                <c:pt idx="9">
-                  <c:v>44774</c:v>
-                </c:pt>
-                <c:pt idx="10">
-                  <c:v>44743</c:v>
-                </c:pt>
-                <c:pt idx="11">
-                  <c:v>44713</c:v>
-                </c:pt>
-                <c:pt idx="12">
-                  <c:v>44682</c:v>
-                </c:pt>
-                <c:pt idx="13">
-                  <c:v>44652</c:v>
-                </c:pt>
-                <c:pt idx="14">
-                  <c:v>44621</c:v>
-                </c:pt>
-                <c:pt idx="15">
-                  <c:v>44593</c:v>
-                </c:pt>
-                <c:pt idx="16">
-                  <c:v>44562</c:v>
-                </c:pt>
-                <c:pt idx="17">
-                  <c:v>44531</c:v>
-                </c:pt>
-                <c:pt idx="18">
-                  <c:v>44501</c:v>
-                </c:pt>
-                <c:pt idx="19">
-                  <c:v>44470</c:v>
-                </c:pt>
-                <c:pt idx="20">
-                  <c:v>44440</c:v>
-                </c:pt>
-                <c:pt idx="21">
-                  <c:v>44409</c:v>
-                </c:pt>
-                <c:pt idx="22">
-                  <c:v>44378</c:v>
-                </c:pt>
-                <c:pt idx="23">
-                  <c:v>44348</c:v>
-                </c:pt>
-                <c:pt idx="24">
-                  <c:v>44317</c:v>
-                </c:pt>
-                <c:pt idx="25">
-                  <c:v>44287</c:v>
-                </c:pt>
-                <c:pt idx="26">
-                  <c:v>44256</c:v>
-                </c:pt>
-                <c:pt idx="27">
-                  <c:v>44228</c:v>
-                </c:pt>
-                <c:pt idx="28">
-                  <c:v>44197</c:v>
-                </c:pt>
-                <c:pt idx="29">
-                  <c:v>44166</c:v>
-                </c:pt>
-                <c:pt idx="30">
-                  <c:v>44136</c:v>
-                </c:pt>
-                <c:pt idx="31">
-                  <c:v>44105</c:v>
-                </c:pt>
-                <c:pt idx="32">
-                  <c:v>44075</c:v>
-                </c:pt>
-                <c:pt idx="33">
-                  <c:v>44044</c:v>
-                </c:pt>
-                <c:pt idx="34">
-                  <c:v>44013</c:v>
-                </c:pt>
-                <c:pt idx="35">
-                  <c:v>43983</c:v>
-                </c:pt>
-                <c:pt idx="36">
-                  <c:v>43952</c:v>
-                </c:pt>
-                <c:pt idx="37">
-                  <c:v>43922</c:v>
-                </c:pt>
-                <c:pt idx="38">
-                  <c:v>43891</c:v>
-                </c:pt>
-                <c:pt idx="39">
-                  <c:v>43862</c:v>
-                </c:pt>
-                <c:pt idx="40">
-                  <c:v>43831</c:v>
-                </c:pt>
-                <c:pt idx="41">
-                  <c:v>43800</c:v>
-                </c:pt>
-                <c:pt idx="42">
-                  <c:v>43770</c:v>
-                </c:pt>
-                <c:pt idx="43">
-                  <c:v>43739</c:v>
-                </c:pt>
-                <c:pt idx="44">
-                  <c:v>43709</c:v>
-                </c:pt>
-                <c:pt idx="45">
-                  <c:v>43678</c:v>
-                </c:pt>
-                <c:pt idx="46">
-                  <c:v>43647</c:v>
-                </c:pt>
-                <c:pt idx="47">
-                  <c:v>43617</c:v>
-                </c:pt>
-                <c:pt idx="48">
-                  <c:v>43586</c:v>
-                </c:pt>
-                <c:pt idx="49">
-                  <c:v>43556</c:v>
-                </c:pt>
-                <c:pt idx="50">
-                  <c:v>43525</c:v>
-                </c:pt>
-                <c:pt idx="51">
-                  <c:v>43497</c:v>
-                </c:pt>
-                <c:pt idx="52">
-                  <c:v>43466</c:v>
-                </c:pt>
-                <c:pt idx="53">
-                  <c:v>43435</c:v>
-                </c:pt>
-                <c:pt idx="54">
-                  <c:v>43405</c:v>
-                </c:pt>
-                <c:pt idx="55">
-                  <c:v>43374</c:v>
-                </c:pt>
-                <c:pt idx="56">
-                  <c:v>43344</c:v>
-                </c:pt>
-                <c:pt idx="57">
-                  <c:v>43313</c:v>
-                </c:pt>
-                <c:pt idx="58">
-                  <c:v>43282</c:v>
-                </c:pt>
-                <c:pt idx="59">
-                  <c:v>43252</c:v>
-                </c:pt>
-                <c:pt idx="60">
-                  <c:v>43221</c:v>
-                </c:pt>
-              </c:numCache>
-            </c:numRef>
-          </c:cat>
-          <c:val>
-            <c:numRef>
-              <c:f>Sheet1!$D$3:$D$63</c:f>
-              <c:numCache>
-                <c:formatCode>"$"#,##0.00_);\("$"#,##0.00\)</c:formatCode>
-                <c:ptCount val="61"/>
-                <c:pt idx="0">
-                  <c:v>5.7</c:v>
-                </c:pt>
-                <c:pt idx="1">
-                  <c:v>1.1000000000000001</c:v>
-                </c:pt>
-                <c:pt idx="2">
-                  <c:v>1.1399999999999999</c:v>
-                </c:pt>
-                <c:pt idx="3">
-                  <c:v>3.8</c:v>
-                </c:pt>
-                <c:pt idx="4">
-                  <c:v>4.3899999999999997</c:v>
-                </c:pt>
-                <c:pt idx="5">
-                  <c:v>2.06</c:v>
-                </c:pt>
-                <c:pt idx="6">
-                  <c:v>1.54</c:v>
-                </c:pt>
-                <c:pt idx="7">
-                  <c:v>2.92</c:v>
-                </c:pt>
-                <c:pt idx="8">
-                  <c:v>2.95</c:v>
-                </c:pt>
-                <c:pt idx="9">
-                  <c:v>3.47</c:v>
-                </c:pt>
-                <c:pt idx="10">
-                  <c:v>3.32</c:v>
-                </c:pt>
-                <c:pt idx="11">
-                  <c:v>3.33</c:v>
-                </c:pt>
-                <c:pt idx="12">
-                  <c:v>2.72</c:v>
-                </c:pt>
-                <c:pt idx="13">
-                  <c:v>0.76</c:v>
-                </c:pt>
-                <c:pt idx="14">
-                  <c:v>0.89</c:v>
-                </c:pt>
-                <c:pt idx="15">
-                  <c:v>2.95</c:v>
-                </c:pt>
-                <c:pt idx="16">
-                  <c:v>3.82</c:v>
-                </c:pt>
-                <c:pt idx="17">
-                  <c:v>2.95</c:v>
-                </c:pt>
-                <c:pt idx="18">
-                  <c:v>1.65</c:v>
-                </c:pt>
-                <c:pt idx="19">
-                  <c:v>4.21</c:v>
-                </c:pt>
-                <c:pt idx="20">
-                  <c:v>4.6500000000000004</c:v>
-                </c:pt>
-                <c:pt idx="21">
-                  <c:v>5.43</c:v>
-                </c:pt>
-                <c:pt idx="22">
-                  <c:v>5.5</c:v>
-                </c:pt>
-                <c:pt idx="23">
-                  <c:v>5.32</c:v>
-                </c:pt>
-                <c:pt idx="24">
-                  <c:v>5.35</c:v>
-                </c:pt>
-                <c:pt idx="25">
-                  <c:v>0.89</c:v>
-                </c:pt>
-                <c:pt idx="26">
-                  <c:v>0.89</c:v>
-                </c:pt>
-                <c:pt idx="27">
-                  <c:v>0.89</c:v>
-                </c:pt>
-                <c:pt idx="28">
-                  <c:v>0.06</c:v>
-                </c:pt>
-                <c:pt idx="29">
-                  <c:v>0.1</c:v>
-                </c:pt>
-                <c:pt idx="30">
-                  <c:v>0.1</c:v>
-                </c:pt>
-                <c:pt idx="31">
-                  <c:v>2.0299999999999998</c:v>
-                </c:pt>
-                <c:pt idx="32">
-                  <c:v>2.78</c:v>
-                </c:pt>
-                <c:pt idx="33">
-                  <c:v>2.37</c:v>
-                </c:pt>
-                <c:pt idx="34">
-                  <c:v>2.69</c:v>
-                </c:pt>
-                <c:pt idx="35">
-                  <c:v>3.35</c:v>
-                </c:pt>
-                <c:pt idx="36">
-                  <c:v>3.15</c:v>
-                </c:pt>
-                <c:pt idx="37">
-                  <c:v>0.1</c:v>
-                </c:pt>
-                <c:pt idx="38">
-                  <c:v>0.01</c:v>
-                </c:pt>
-                <c:pt idx="39">
-                  <c:v>0.01</c:v>
-                </c:pt>
-                <c:pt idx="40">
-                  <c:v>0.09</c:v>
-                </c:pt>
-                <c:pt idx="41">
-                  <c:v>0.03</c:v>
-                </c:pt>
-                <c:pt idx="42">
-                  <c:v>0.1</c:v>
-                </c:pt>
-                <c:pt idx="43">
-                  <c:v>0.75</c:v>
-                </c:pt>
-                <c:pt idx="44">
-                  <c:v>1.35</c:v>
-                </c:pt>
-                <c:pt idx="45">
-                  <c:v>1.36</c:v>
-                </c:pt>
-                <c:pt idx="46">
-                  <c:v>1.39</c:v>
-                </c:pt>
-                <c:pt idx="47">
-                  <c:v>1.8</c:v>
-                </c:pt>
-                <c:pt idx="48">
-                  <c:v>1.1399999999999999</c:v>
-                </c:pt>
-                <c:pt idx="49">
-                  <c:v>0.26</c:v>
-                </c:pt>
-                <c:pt idx="50">
-                  <c:v>1.0900000000000001</c:v>
-                </c:pt>
-                <c:pt idx="51">
-                  <c:v>0.84</c:v>
-                </c:pt>
-                <c:pt idx="52">
-                  <c:v>0.13</c:v>
-                </c:pt>
-                <c:pt idx="53">
-                  <c:v>0.1</c:v>
-                </c:pt>
-                <c:pt idx="54">
-                  <c:v>0.1</c:v>
-                </c:pt>
-                <c:pt idx="55">
-                  <c:v>2.52</c:v>
-                </c:pt>
-                <c:pt idx="56">
-                  <c:v>2.87</c:v>
-                </c:pt>
-                <c:pt idx="57">
-                  <c:v>3.88</c:v>
-                </c:pt>
-                <c:pt idx="58">
-                  <c:v>4.22</c:v>
-                </c:pt>
-                <c:pt idx="59">
-                  <c:v>4.33</c:v>
-                </c:pt>
-                <c:pt idx="60">
-                  <c:v>2.7</c:v>
-                </c:pt>
-              </c:numCache>
-              <c:extLst/>
-            </c:numRef>
-          </c:val>
-          <c:smooth val="0"/>
-          <c:extLst>
-            <c:ext xmlns:c16="http://schemas.microsoft.com/office/drawing/2014/chart" uri="{C3380CC4-5D6E-409C-BE32-E72D297353CC}">
-              <c16:uniqueId val="{00000000-27E7-407D-810D-6F3D37007B17}"/>
-            </c:ext>
-          </c:extLst>
-        </c:ser>
-        <c:ser>
-          <c:idx val="1"/>
-          <c:order val="1"/>
-          <c:tx>
-            <c:strRef>
-              <c:f>Sheet1!$E$1</c:f>
-              <c:strCache>
-                <c:ptCount val="1"/>
-                <c:pt idx="0">
-                  <c:v>GHIJ</c:v>
-                </c:pt>
-              </c:strCache>
-            </c:strRef>
-          </c:tx>
-          <c:spPr>
-            <a:ln w="28575" cap="rnd">
-              <a:solidFill>
-                <a:schemeClr val="accent2"/>
-              </a:solidFill>
-              <a:round/>
-            </a:ln>
-            <a:effectLst/>
-          </c:spPr>
-          <c:marker>
-            <c:symbol val="none"/>
-          </c:marker>
-          <c:cat>
-            <c:numRef>
-              <c:f>Sheet1!$A$3:$A$63</c:f>
-              <c:numCache>
-                <c:formatCode>mmm\-yy</c:formatCode>
-                <c:ptCount val="61"/>
-                <c:pt idx="0">
-                  <c:v>45047</c:v>
-                </c:pt>
-                <c:pt idx="1">
-                  <c:v>45017</c:v>
-                </c:pt>
-                <c:pt idx="2">
-                  <c:v>44986</c:v>
-                </c:pt>
-                <c:pt idx="3">
-                  <c:v>44958</c:v>
-                </c:pt>
-                <c:pt idx="4">
-                  <c:v>44927</c:v>
-                </c:pt>
-                <c:pt idx="5">
-                  <c:v>44896</c:v>
-                </c:pt>
-                <c:pt idx="6">
-                  <c:v>44866</c:v>
-                </c:pt>
-                <c:pt idx="7">
-                  <c:v>44835</c:v>
-                </c:pt>
-                <c:pt idx="8">
-                  <c:v>44805</c:v>
-                </c:pt>
-                <c:pt idx="9">
-                  <c:v>44774</c:v>
-                </c:pt>
-                <c:pt idx="10">
-                  <c:v>44743</c:v>
-                </c:pt>
-                <c:pt idx="11">
-                  <c:v>44713</c:v>
-                </c:pt>
-                <c:pt idx="12">
-                  <c:v>44682</c:v>
-                </c:pt>
-                <c:pt idx="13">
-                  <c:v>44652</c:v>
-                </c:pt>
-                <c:pt idx="14">
-                  <c:v>44621</c:v>
-                </c:pt>
-                <c:pt idx="15">
-                  <c:v>44593</c:v>
-                </c:pt>
-                <c:pt idx="16">
-                  <c:v>44562</c:v>
-                </c:pt>
-                <c:pt idx="17">
-                  <c:v>44531</c:v>
-                </c:pt>
-                <c:pt idx="18">
-                  <c:v>44501</c:v>
-                </c:pt>
-                <c:pt idx="19">
-                  <c:v>44470</c:v>
-                </c:pt>
-                <c:pt idx="20">
-                  <c:v>44440</c:v>
-                </c:pt>
-                <c:pt idx="21">
-                  <c:v>44409</c:v>
-                </c:pt>
-                <c:pt idx="22">
-                  <c:v>44378</c:v>
-                </c:pt>
-                <c:pt idx="23">
-                  <c:v>44348</c:v>
-                </c:pt>
-                <c:pt idx="24">
-                  <c:v>44317</c:v>
-                </c:pt>
-                <c:pt idx="25">
-                  <c:v>44287</c:v>
-                </c:pt>
-                <c:pt idx="26">
-                  <c:v>44256</c:v>
-                </c:pt>
-                <c:pt idx="27">
-                  <c:v>44228</c:v>
-                </c:pt>
-                <c:pt idx="28">
-                  <c:v>44197</c:v>
-                </c:pt>
-                <c:pt idx="29">
-                  <c:v>44166</c:v>
-                </c:pt>
-                <c:pt idx="30">
-                  <c:v>44136</c:v>
-                </c:pt>
-                <c:pt idx="31">
-                  <c:v>44105</c:v>
-                </c:pt>
-                <c:pt idx="32">
-                  <c:v>44075</c:v>
-                </c:pt>
-                <c:pt idx="33">
-                  <c:v>44044</c:v>
-                </c:pt>
-                <c:pt idx="34">
-                  <c:v>44013</c:v>
-                </c:pt>
-                <c:pt idx="35">
-                  <c:v>43983</c:v>
-                </c:pt>
-                <c:pt idx="36">
-                  <c:v>43952</c:v>
-                </c:pt>
-                <c:pt idx="37">
-                  <c:v>43922</c:v>
-                </c:pt>
-                <c:pt idx="38">
-                  <c:v>43891</c:v>
-                </c:pt>
-                <c:pt idx="39">
-                  <c:v>43862</c:v>
-                </c:pt>
-                <c:pt idx="40">
-                  <c:v>43831</c:v>
-                </c:pt>
-                <c:pt idx="41">
-                  <c:v>43800</c:v>
-                </c:pt>
-                <c:pt idx="42">
-                  <c:v>43770</c:v>
-                </c:pt>
-                <c:pt idx="43">
-                  <c:v>43739</c:v>
-                </c:pt>
-                <c:pt idx="44">
-                  <c:v>43709</c:v>
-                </c:pt>
-                <c:pt idx="45">
-                  <c:v>43678</c:v>
-                </c:pt>
-                <c:pt idx="46">
-                  <c:v>43647</c:v>
-                </c:pt>
-                <c:pt idx="47">
-                  <c:v>43617</c:v>
-                </c:pt>
-                <c:pt idx="48">
-                  <c:v>43586</c:v>
-                </c:pt>
-                <c:pt idx="49">
-                  <c:v>43556</c:v>
-                </c:pt>
-                <c:pt idx="50">
-                  <c:v>43525</c:v>
-                </c:pt>
-                <c:pt idx="51">
-                  <c:v>43497</c:v>
-                </c:pt>
-                <c:pt idx="52">
-                  <c:v>43466</c:v>
-                </c:pt>
-                <c:pt idx="53">
-                  <c:v>43435</c:v>
-                </c:pt>
-                <c:pt idx="54">
-                  <c:v>43405</c:v>
-                </c:pt>
-                <c:pt idx="55">
-                  <c:v>43374</c:v>
-                </c:pt>
-                <c:pt idx="56">
-                  <c:v>43344</c:v>
-                </c:pt>
-                <c:pt idx="57">
-                  <c:v>43313</c:v>
-                </c:pt>
-                <c:pt idx="58">
-                  <c:v>43282</c:v>
-                </c:pt>
-                <c:pt idx="59">
-                  <c:v>43252</c:v>
-                </c:pt>
-                <c:pt idx="60">
-                  <c:v>43221</c:v>
-                </c:pt>
-              </c:numCache>
-            </c:numRef>
-          </c:cat>
-          <c:val>
-            <c:numRef>
-              <c:f>Sheet1!$G$3:$G$63</c:f>
-              <c:numCache>
-                <c:formatCode>"$"#,##0.00_);\("$"#,##0.00\)</c:formatCode>
-                <c:ptCount val="61"/>
-                <c:pt idx="0">
-                  <c:v>5.7</c:v>
-                </c:pt>
-                <c:pt idx="1">
-                  <c:v>1.1000000000000001</c:v>
-                </c:pt>
-                <c:pt idx="2">
-                  <c:v>1.1399999999999999</c:v>
-                </c:pt>
-                <c:pt idx="3">
-                  <c:v>3.8</c:v>
-                </c:pt>
-                <c:pt idx="4">
-                  <c:v>4.3899999999999997</c:v>
-                </c:pt>
-                <c:pt idx="5">
-                  <c:v>2.06</c:v>
-                </c:pt>
-                <c:pt idx="6">
-                  <c:v>1.54</c:v>
-                </c:pt>
-                <c:pt idx="7">
-                  <c:v>3.18</c:v>
-                </c:pt>
-                <c:pt idx="8">
-                  <c:v>3.12</c:v>
-                </c:pt>
-                <c:pt idx="9">
-                  <c:v>3.74</c:v>
-                </c:pt>
-                <c:pt idx="10">
-                  <c:v>3.32</c:v>
-                </c:pt>
-                <c:pt idx="11">
-                  <c:v>3.33</c:v>
-                </c:pt>
-                <c:pt idx="12">
-                  <c:v>3.46</c:v>
-                </c:pt>
-                <c:pt idx="13">
-                  <c:v>0.76</c:v>
-                </c:pt>
-                <c:pt idx="14">
-                  <c:v>0.89</c:v>
-                </c:pt>
-                <c:pt idx="15">
-                  <c:v>2.95</c:v>
-                </c:pt>
-                <c:pt idx="16">
-                  <c:v>3.82</c:v>
-                </c:pt>
-                <c:pt idx="17">
-                  <c:v>2.95</c:v>
-                </c:pt>
-                <c:pt idx="18">
-                  <c:v>1.65</c:v>
-                </c:pt>
-                <c:pt idx="19">
-                  <c:v>4.21</c:v>
-                </c:pt>
-                <c:pt idx="20">
-                  <c:v>4.6500000000000004</c:v>
-                </c:pt>
-                <c:pt idx="21">
-                  <c:v>5.43</c:v>
-                </c:pt>
-                <c:pt idx="22">
-                  <c:v>5.5</c:v>
-                </c:pt>
-                <c:pt idx="23">
-                  <c:v>5.32</c:v>
-                </c:pt>
-                <c:pt idx="24">
-                  <c:v>5.35</c:v>
-                </c:pt>
-                <c:pt idx="25">
-                  <c:v>0.89</c:v>
-                </c:pt>
-                <c:pt idx="26">
-                  <c:v>0.89</c:v>
-                </c:pt>
-                <c:pt idx="27">
-                  <c:v>0.89</c:v>
-                </c:pt>
-                <c:pt idx="28">
-                  <c:v>0.06</c:v>
-                </c:pt>
-                <c:pt idx="29">
-                  <c:v>0.1</c:v>
-                </c:pt>
-                <c:pt idx="30">
-                  <c:v>0.1</c:v>
-                </c:pt>
-                <c:pt idx="31">
-                  <c:v>2.0299999999999998</c:v>
-                </c:pt>
-                <c:pt idx="32">
-                  <c:v>2.78</c:v>
-                </c:pt>
-                <c:pt idx="33">
-                  <c:v>2.37</c:v>
-                </c:pt>
-                <c:pt idx="34">
-                  <c:v>2.69</c:v>
-                </c:pt>
-                <c:pt idx="35">
-                  <c:v>3.35</c:v>
-                </c:pt>
-                <c:pt idx="36">
-                  <c:v>3.15</c:v>
-                </c:pt>
-                <c:pt idx="37">
-                  <c:v>0.1</c:v>
-                </c:pt>
-                <c:pt idx="38">
-                  <c:v>0.01</c:v>
-                </c:pt>
-                <c:pt idx="39">
-                  <c:v>0.01</c:v>
-                </c:pt>
-                <c:pt idx="40">
-                  <c:v>0.09</c:v>
-                </c:pt>
-                <c:pt idx="41">
-                  <c:v>0.03</c:v>
-                </c:pt>
-                <c:pt idx="42">
-                  <c:v>0.1</c:v>
-                </c:pt>
-                <c:pt idx="43">
-                  <c:v>4.51</c:v>
-                </c:pt>
-                <c:pt idx="44">
-                  <c:v>4.79</c:v>
-                </c:pt>
-                <c:pt idx="45">
-                  <c:v>4.78</c:v>
-                </c:pt>
-                <c:pt idx="46">
-                  <c:v>4.83</c:v>
-                </c:pt>
-                <c:pt idx="47">
-                  <c:v>5.21</c:v>
-                </c:pt>
-                <c:pt idx="48">
-                  <c:v>5.43</c:v>
-                </c:pt>
-                <c:pt idx="49">
-                  <c:v>1.45</c:v>
-                </c:pt>
-                <c:pt idx="50">
-                  <c:v>1.54</c:v>
-                </c:pt>
-                <c:pt idx="51">
-                  <c:v>1.51</c:v>
-                </c:pt>
-                <c:pt idx="52">
-                  <c:v>1.52</c:v>
-                </c:pt>
-                <c:pt idx="53">
-                  <c:v>1.52</c:v>
-                </c:pt>
-                <c:pt idx="54">
-                  <c:v>1.59</c:v>
-                </c:pt>
-                <c:pt idx="55">
-                  <c:v>8.84</c:v>
-                </c:pt>
-                <c:pt idx="56">
-                  <c:v>9.32</c:v>
-                </c:pt>
-                <c:pt idx="57">
-                  <c:v>9.58</c:v>
-                </c:pt>
-                <c:pt idx="58">
-                  <c:v>10.16</c:v>
-                </c:pt>
-                <c:pt idx="59">
-                  <c:v>10.24</c:v>
-                </c:pt>
-                <c:pt idx="60">
-                  <c:v>11.86</c:v>
-                </c:pt>
-              </c:numCache>
-              <c:extLst/>
-            </c:numRef>
-          </c:val>
-          <c:smooth val="0"/>
-          <c:extLst>
-            <c:ext xmlns:c16="http://schemas.microsoft.com/office/drawing/2014/chart" uri="{C3380CC4-5D6E-409C-BE32-E72D297353CC}">
-              <c16:uniqueId val="{00000001-27E7-407D-810D-6F3D37007B17}"/>
-            </c:ext>
-          </c:extLst>
-        </c:ser>
-        <c:ser>
-          <c:idx val="2"/>
-          <c:order val="2"/>
-          <c:tx>
-            <c:strRef>
-              <c:f>Sheet1!$H$1</c:f>
-              <c:strCache>
-                <c:ptCount val="1"/>
-                <c:pt idx="0">
-                  <c:v>NYC</c:v>
-                </c:pt>
-              </c:strCache>
-            </c:strRef>
-          </c:tx>
-          <c:spPr>
-            <a:ln w="28575" cap="rnd">
-              <a:solidFill>
-                <a:schemeClr val="accent3"/>
-              </a:solidFill>
-              <a:round/>
-            </a:ln>
-            <a:effectLst/>
-          </c:spPr>
-          <c:marker>
-            <c:symbol val="none"/>
-          </c:marker>
-          <c:cat>
-            <c:numRef>
-              <c:f>Sheet1!$A$3:$A$63</c:f>
-              <c:numCache>
-                <c:formatCode>mmm\-yy</c:formatCode>
-                <c:ptCount val="61"/>
-                <c:pt idx="0">
-                  <c:v>45047</c:v>
-                </c:pt>
-                <c:pt idx="1">
-                  <c:v>45017</c:v>
-                </c:pt>
-                <c:pt idx="2">
-                  <c:v>44986</c:v>
-                </c:pt>
-                <c:pt idx="3">
-                  <c:v>44958</c:v>
-                </c:pt>
-                <c:pt idx="4">
-                  <c:v>44927</c:v>
-                </c:pt>
-                <c:pt idx="5">
-                  <c:v>44896</c:v>
-                </c:pt>
-                <c:pt idx="6">
-                  <c:v>44866</c:v>
-                </c:pt>
-                <c:pt idx="7">
-                  <c:v>44835</c:v>
-                </c:pt>
-                <c:pt idx="8">
-                  <c:v>44805</c:v>
-                </c:pt>
-                <c:pt idx="9">
-                  <c:v>44774</c:v>
-                </c:pt>
-                <c:pt idx="10">
-                  <c:v>44743</c:v>
-                </c:pt>
-                <c:pt idx="11">
-                  <c:v>44713</c:v>
-                </c:pt>
-                <c:pt idx="12">
-                  <c:v>44682</c:v>
-                </c:pt>
-                <c:pt idx="13">
-                  <c:v>44652</c:v>
-                </c:pt>
-                <c:pt idx="14">
-                  <c:v>44621</c:v>
-                </c:pt>
-                <c:pt idx="15">
-                  <c:v>44593</c:v>
-                </c:pt>
-                <c:pt idx="16">
-                  <c:v>44562</c:v>
-                </c:pt>
-                <c:pt idx="17">
-                  <c:v>44531</c:v>
-                </c:pt>
-                <c:pt idx="18">
-                  <c:v>44501</c:v>
-                </c:pt>
-                <c:pt idx="19">
-                  <c:v>44470</c:v>
-                </c:pt>
-                <c:pt idx="20">
-                  <c:v>44440</c:v>
-                </c:pt>
-                <c:pt idx="21">
-                  <c:v>44409</c:v>
-                </c:pt>
-                <c:pt idx="22">
-                  <c:v>44378</c:v>
-                </c:pt>
-                <c:pt idx="23">
-                  <c:v>44348</c:v>
-                </c:pt>
-                <c:pt idx="24">
-                  <c:v>44317</c:v>
-                </c:pt>
-                <c:pt idx="25">
-                  <c:v>44287</c:v>
-                </c:pt>
-                <c:pt idx="26">
-                  <c:v>44256</c:v>
-                </c:pt>
-                <c:pt idx="27">
-                  <c:v>44228</c:v>
-                </c:pt>
-                <c:pt idx="28">
-                  <c:v>44197</c:v>
-                </c:pt>
-                <c:pt idx="29">
-                  <c:v>44166</c:v>
-                </c:pt>
-                <c:pt idx="30">
-                  <c:v>44136</c:v>
-                </c:pt>
-                <c:pt idx="31">
-                  <c:v>44105</c:v>
-                </c:pt>
-                <c:pt idx="32">
-                  <c:v>44075</c:v>
-                </c:pt>
-                <c:pt idx="33">
-                  <c:v>44044</c:v>
-                </c:pt>
-                <c:pt idx="34">
-                  <c:v>44013</c:v>
-                </c:pt>
-                <c:pt idx="35">
-                  <c:v>43983</c:v>
-                </c:pt>
-                <c:pt idx="36">
-                  <c:v>43952</c:v>
-                </c:pt>
-                <c:pt idx="37">
-                  <c:v>43922</c:v>
-                </c:pt>
-                <c:pt idx="38">
-                  <c:v>43891</c:v>
-                </c:pt>
-                <c:pt idx="39">
-                  <c:v>43862</c:v>
-                </c:pt>
-                <c:pt idx="40">
-                  <c:v>43831</c:v>
-                </c:pt>
-                <c:pt idx="41">
-                  <c:v>43800</c:v>
-                </c:pt>
-                <c:pt idx="42">
-                  <c:v>43770</c:v>
-                </c:pt>
-                <c:pt idx="43">
-                  <c:v>43739</c:v>
-                </c:pt>
-                <c:pt idx="44">
-                  <c:v>43709</c:v>
-                </c:pt>
-                <c:pt idx="45">
-                  <c:v>43678</c:v>
-                </c:pt>
-                <c:pt idx="46">
-                  <c:v>43647</c:v>
-                </c:pt>
-                <c:pt idx="47">
-                  <c:v>43617</c:v>
-                </c:pt>
-                <c:pt idx="48">
-                  <c:v>43586</c:v>
-                </c:pt>
-                <c:pt idx="49">
-                  <c:v>43556</c:v>
-                </c:pt>
-                <c:pt idx="50">
-                  <c:v>43525</c:v>
-                </c:pt>
-                <c:pt idx="51">
-                  <c:v>43497</c:v>
-                </c:pt>
-                <c:pt idx="52">
-                  <c:v>43466</c:v>
-                </c:pt>
-                <c:pt idx="53">
-                  <c:v>43435</c:v>
-                </c:pt>
-                <c:pt idx="54">
-                  <c:v>43405</c:v>
-                </c:pt>
-                <c:pt idx="55">
-                  <c:v>43374</c:v>
-                </c:pt>
-                <c:pt idx="56">
-                  <c:v>43344</c:v>
-                </c:pt>
-                <c:pt idx="57">
-                  <c:v>43313</c:v>
-                </c:pt>
-                <c:pt idx="58">
-                  <c:v>43282</c:v>
-                </c:pt>
-                <c:pt idx="59">
-                  <c:v>43252</c:v>
-                </c:pt>
-                <c:pt idx="60">
-                  <c:v>43221</c:v>
-                </c:pt>
-              </c:numCache>
-            </c:numRef>
-          </c:cat>
-          <c:val>
-            <c:numRef>
-              <c:f>Sheet1!$J$3:$J$63</c:f>
-              <c:numCache>
-                <c:formatCode>"$"#,##0.00_);\("$"#,##0.00\)</c:formatCode>
-                <c:ptCount val="61"/>
-                <c:pt idx="0">
-                  <c:v>18.579999999999998</c:v>
-                </c:pt>
-                <c:pt idx="1">
-                  <c:v>1.1000000000000001</c:v>
-                </c:pt>
-                <c:pt idx="2">
-                  <c:v>1.1399999999999999</c:v>
-                </c:pt>
-                <c:pt idx="3">
-                  <c:v>3.8</c:v>
-                </c:pt>
-                <c:pt idx="4">
-                  <c:v>4.3899999999999997</c:v>
-                </c:pt>
-                <c:pt idx="5">
-                  <c:v>2.06</c:v>
-                </c:pt>
-                <c:pt idx="6">
-                  <c:v>1.54</c:v>
-                </c:pt>
-                <c:pt idx="7">
-                  <c:v>3.27</c:v>
-                </c:pt>
-                <c:pt idx="8">
-                  <c:v>3.21</c:v>
-                </c:pt>
-                <c:pt idx="9">
-                  <c:v>4.41</c:v>
-                </c:pt>
-                <c:pt idx="10">
-                  <c:v>3.55</c:v>
-                </c:pt>
-                <c:pt idx="11">
-                  <c:v>3.51</c:v>
-                </c:pt>
-                <c:pt idx="12">
-                  <c:v>3.7</c:v>
-                </c:pt>
-                <c:pt idx="13">
-                  <c:v>0.76</c:v>
-                </c:pt>
-                <c:pt idx="14">
-                  <c:v>0.89</c:v>
-                </c:pt>
-                <c:pt idx="15">
-                  <c:v>2.95</c:v>
-                </c:pt>
-                <c:pt idx="16">
-                  <c:v>3.82</c:v>
-                </c:pt>
-                <c:pt idx="17">
-                  <c:v>2.95</c:v>
-                </c:pt>
-                <c:pt idx="18">
-                  <c:v>1.65</c:v>
-                </c:pt>
-                <c:pt idx="19">
-                  <c:v>5.07</c:v>
-                </c:pt>
-                <c:pt idx="20">
-                  <c:v>5.08</c:v>
-                </c:pt>
-                <c:pt idx="21">
-                  <c:v>5.43</c:v>
-                </c:pt>
-                <c:pt idx="22">
-                  <c:v>5.5</c:v>
-                </c:pt>
-                <c:pt idx="23">
-                  <c:v>5.32</c:v>
-                </c:pt>
-                <c:pt idx="24">
-                  <c:v>5.35</c:v>
-                </c:pt>
-                <c:pt idx="25">
-                  <c:v>8.44</c:v>
-                </c:pt>
-                <c:pt idx="26">
-                  <c:v>8.7100000000000009</c:v>
-                </c:pt>
-                <c:pt idx="27">
-                  <c:v>8.76</c:v>
-                </c:pt>
-                <c:pt idx="28">
-                  <c:v>8.56</c:v>
-                </c:pt>
-                <c:pt idx="29">
-                  <c:v>8.57</c:v>
-                </c:pt>
-                <c:pt idx="30">
-                  <c:v>8.5399999999999991</c:v>
-                </c:pt>
-                <c:pt idx="31">
-                  <c:v>18.149999999999999</c:v>
-                </c:pt>
-                <c:pt idx="32">
-                  <c:v>18.62</c:v>
-                </c:pt>
-                <c:pt idx="33">
-                  <c:v>18.72</c:v>
-                </c:pt>
-                <c:pt idx="34">
-                  <c:v>19.03</c:v>
-                </c:pt>
-                <c:pt idx="35">
-                  <c:v>19.149999999999999</c:v>
-                </c:pt>
-                <c:pt idx="36">
-                  <c:v>19.170000000000002</c:v>
-                </c:pt>
-                <c:pt idx="37">
-                  <c:v>3.49</c:v>
-                </c:pt>
-                <c:pt idx="38">
-                  <c:v>3.72</c:v>
-                </c:pt>
-                <c:pt idx="39">
-                  <c:v>3.71</c:v>
-                </c:pt>
-                <c:pt idx="40">
-                  <c:v>3.71</c:v>
-                </c:pt>
-                <c:pt idx="41">
-                  <c:v>3.99</c:v>
-                </c:pt>
-                <c:pt idx="42">
-                  <c:v>4.01</c:v>
-                </c:pt>
-                <c:pt idx="43">
-                  <c:v>13.09</c:v>
-                </c:pt>
-                <c:pt idx="44">
-                  <c:v>13.34</c:v>
-                </c:pt>
-                <c:pt idx="45">
-                  <c:v>13.39</c:v>
-                </c:pt>
-                <c:pt idx="46">
-                  <c:v>13.46</c:v>
-                </c:pt>
-                <c:pt idx="47">
-                  <c:v>13.79</c:v>
-                </c:pt>
-                <c:pt idx="48">
-                  <c:v>13.92</c:v>
-                </c:pt>
-                <c:pt idx="49">
-                  <c:v>1.45</c:v>
-                </c:pt>
-                <c:pt idx="50">
-                  <c:v>1.54</c:v>
-                </c:pt>
-                <c:pt idx="51">
-                  <c:v>1.51</c:v>
-                </c:pt>
-                <c:pt idx="52">
-                  <c:v>1.52</c:v>
-                </c:pt>
-                <c:pt idx="53">
-                  <c:v>1.52</c:v>
-                </c:pt>
-                <c:pt idx="54">
-                  <c:v>1.59</c:v>
-                </c:pt>
-                <c:pt idx="55">
-                  <c:v>8.84</c:v>
-                </c:pt>
-                <c:pt idx="56">
-                  <c:v>9.32</c:v>
-                </c:pt>
-                <c:pt idx="57">
-                  <c:v>9.58</c:v>
-                </c:pt>
-                <c:pt idx="58">
-                  <c:v>10.16</c:v>
-                </c:pt>
-                <c:pt idx="59">
-                  <c:v>10.24</c:v>
-                </c:pt>
-                <c:pt idx="60">
-                  <c:v>11.86</c:v>
-                </c:pt>
-              </c:numCache>
-              <c:extLst/>
-            </c:numRef>
-          </c:val>
-          <c:smooth val="0"/>
-          <c:extLst>
-            <c:ext xmlns:c16="http://schemas.microsoft.com/office/drawing/2014/chart" uri="{C3380CC4-5D6E-409C-BE32-E72D297353CC}">
-              <c16:uniqueId val="{00000002-27E7-407D-810D-6F3D37007B17}"/>
-            </c:ext>
-          </c:extLst>
-        </c:ser>
-        <c:ser>
-          <c:idx val="3"/>
-          <c:order val="3"/>
-          <c:tx>
-            <c:strRef>
-              <c:f>Sheet1!$K$1</c:f>
-              <c:strCache>
-                <c:ptCount val="1"/>
-                <c:pt idx="0">
-                  <c:v>LI</c:v>
-                </c:pt>
-              </c:strCache>
-            </c:strRef>
-          </c:tx>
-          <c:spPr>
-            <a:ln w="28575" cap="rnd">
-              <a:solidFill>
-                <a:schemeClr val="accent4"/>
-              </a:solidFill>
-              <a:round/>
-            </a:ln>
-            <a:effectLst/>
-          </c:spPr>
-          <c:marker>
-            <c:symbol val="none"/>
-          </c:marker>
-          <c:cat>
-            <c:numRef>
-              <c:f>Sheet1!$A$3:$A$63</c:f>
-              <c:numCache>
-                <c:formatCode>mmm\-yy</c:formatCode>
-                <c:ptCount val="61"/>
-                <c:pt idx="0">
-                  <c:v>45047</c:v>
-                </c:pt>
-                <c:pt idx="1">
-                  <c:v>45017</c:v>
-                </c:pt>
-                <c:pt idx="2">
-                  <c:v>44986</c:v>
-                </c:pt>
-                <c:pt idx="3">
-                  <c:v>44958</c:v>
-                </c:pt>
-                <c:pt idx="4">
-                  <c:v>44927</c:v>
-                </c:pt>
-                <c:pt idx="5">
-                  <c:v>44896</c:v>
-                </c:pt>
-                <c:pt idx="6">
-                  <c:v>44866</c:v>
-                </c:pt>
-                <c:pt idx="7">
-                  <c:v>44835</c:v>
-                </c:pt>
-                <c:pt idx="8">
-                  <c:v>44805</c:v>
-                </c:pt>
-                <c:pt idx="9">
-                  <c:v>44774</c:v>
-                </c:pt>
-                <c:pt idx="10">
-                  <c:v>44743</c:v>
-                </c:pt>
-                <c:pt idx="11">
-                  <c:v>44713</c:v>
-                </c:pt>
-                <c:pt idx="12">
-                  <c:v>44682</c:v>
-                </c:pt>
-                <c:pt idx="13">
-                  <c:v>44652</c:v>
-                </c:pt>
-                <c:pt idx="14">
-                  <c:v>44621</c:v>
-                </c:pt>
-                <c:pt idx="15">
-                  <c:v>44593</c:v>
-                </c:pt>
-                <c:pt idx="16">
-                  <c:v>44562</c:v>
-                </c:pt>
-                <c:pt idx="17">
-                  <c:v>44531</c:v>
-                </c:pt>
-                <c:pt idx="18">
-                  <c:v>44501</c:v>
-                </c:pt>
-                <c:pt idx="19">
-                  <c:v>44470</c:v>
-                </c:pt>
-                <c:pt idx="20">
-                  <c:v>44440</c:v>
-                </c:pt>
-                <c:pt idx="21">
-                  <c:v>44409</c:v>
-                </c:pt>
-                <c:pt idx="22">
-                  <c:v>44378</c:v>
-                </c:pt>
-                <c:pt idx="23">
-                  <c:v>44348</c:v>
-                </c:pt>
-                <c:pt idx="24">
-                  <c:v>44317</c:v>
-                </c:pt>
-                <c:pt idx="25">
-                  <c:v>44287</c:v>
-                </c:pt>
-                <c:pt idx="26">
-                  <c:v>44256</c:v>
-                </c:pt>
-                <c:pt idx="27">
-                  <c:v>44228</c:v>
-                </c:pt>
-                <c:pt idx="28">
-                  <c:v>44197</c:v>
-                </c:pt>
-                <c:pt idx="29">
-                  <c:v>44166</c:v>
-                </c:pt>
-                <c:pt idx="30">
-                  <c:v>44136</c:v>
-                </c:pt>
-                <c:pt idx="31">
-                  <c:v>44105</c:v>
-                </c:pt>
-                <c:pt idx="32">
-                  <c:v>44075</c:v>
-                </c:pt>
-                <c:pt idx="33">
-                  <c:v>44044</c:v>
-                </c:pt>
-                <c:pt idx="34">
-                  <c:v>44013</c:v>
-                </c:pt>
-                <c:pt idx="35">
-                  <c:v>43983</c:v>
-                </c:pt>
-                <c:pt idx="36">
-                  <c:v>43952</c:v>
-                </c:pt>
-                <c:pt idx="37">
-                  <c:v>43922</c:v>
-                </c:pt>
-                <c:pt idx="38">
-                  <c:v>43891</c:v>
-                </c:pt>
-                <c:pt idx="39">
-                  <c:v>43862</c:v>
-                </c:pt>
-                <c:pt idx="40">
-                  <c:v>43831</c:v>
-                </c:pt>
-                <c:pt idx="41">
-                  <c:v>43800</c:v>
-                </c:pt>
-                <c:pt idx="42">
-                  <c:v>43770</c:v>
-                </c:pt>
-                <c:pt idx="43">
-                  <c:v>43739</c:v>
-                </c:pt>
-                <c:pt idx="44">
-                  <c:v>43709</c:v>
-                </c:pt>
-                <c:pt idx="45">
-                  <c:v>43678</c:v>
-                </c:pt>
-                <c:pt idx="46">
-                  <c:v>43647</c:v>
-                </c:pt>
-                <c:pt idx="47">
-                  <c:v>43617</c:v>
-                </c:pt>
-                <c:pt idx="48">
-                  <c:v>43586</c:v>
-                </c:pt>
-                <c:pt idx="49">
-                  <c:v>43556</c:v>
-                </c:pt>
-                <c:pt idx="50">
-                  <c:v>43525</c:v>
-                </c:pt>
-                <c:pt idx="51">
-                  <c:v>43497</c:v>
-                </c:pt>
-                <c:pt idx="52">
-                  <c:v>43466</c:v>
-                </c:pt>
-                <c:pt idx="53">
-                  <c:v>43435</c:v>
-                </c:pt>
-                <c:pt idx="54">
-                  <c:v>43405</c:v>
-                </c:pt>
-                <c:pt idx="55">
-                  <c:v>43374</c:v>
-                </c:pt>
-                <c:pt idx="56">
-                  <c:v>43344</c:v>
-                </c:pt>
-                <c:pt idx="57">
-                  <c:v>43313</c:v>
-                </c:pt>
-                <c:pt idx="58">
-                  <c:v>43282</c:v>
-                </c:pt>
-                <c:pt idx="59">
-                  <c:v>43252</c:v>
-                </c:pt>
-                <c:pt idx="60">
-                  <c:v>43221</c:v>
-                </c:pt>
-              </c:numCache>
-            </c:numRef>
-          </c:cat>
-          <c:val>
-            <c:numRef>
-              <c:f>Sheet1!$M$3:$M$63</c:f>
-              <c:numCache>
-                <c:formatCode>"$"#,##0.00_);\("$"#,##0.00\)</c:formatCode>
-                <c:ptCount val="61"/>
-                <c:pt idx="0">
-                  <c:v>5.7</c:v>
-                </c:pt>
-                <c:pt idx="1">
-                  <c:v>1.1000000000000001</c:v>
-                </c:pt>
-                <c:pt idx="2">
-                  <c:v>1.1399999999999999</c:v>
-                </c:pt>
-                <c:pt idx="3">
-                  <c:v>3.8</c:v>
-                </c:pt>
-                <c:pt idx="4">
-                  <c:v>4.3899999999999997</c:v>
-                </c:pt>
-                <c:pt idx="5">
-                  <c:v>2.06</c:v>
-                </c:pt>
-                <c:pt idx="6">
-                  <c:v>1.54</c:v>
-                </c:pt>
-                <c:pt idx="7">
-                  <c:v>6.48</c:v>
-                </c:pt>
-                <c:pt idx="8">
-                  <c:v>6.43</c:v>
-                </c:pt>
-                <c:pt idx="9">
-                  <c:v>6.71</c:v>
-                </c:pt>
-                <c:pt idx="10">
-                  <c:v>6.71</c:v>
-                </c:pt>
-                <c:pt idx="11">
-                  <c:v>6.74</c:v>
-                </c:pt>
-                <c:pt idx="12">
-                  <c:v>5.93</c:v>
-                </c:pt>
-                <c:pt idx="13">
-                  <c:v>1.81</c:v>
-                </c:pt>
-                <c:pt idx="14">
-                  <c:v>1.8</c:v>
-                </c:pt>
-                <c:pt idx="15">
-                  <c:v>2.95</c:v>
-                </c:pt>
-                <c:pt idx="16">
-                  <c:v>3.82</c:v>
-                </c:pt>
-                <c:pt idx="17">
-                  <c:v>2.95</c:v>
-                </c:pt>
-                <c:pt idx="18">
-                  <c:v>1.65</c:v>
-                </c:pt>
-                <c:pt idx="19">
-                  <c:v>9.2799999999999994</c:v>
-                </c:pt>
-                <c:pt idx="20">
-                  <c:v>9.3000000000000007</c:v>
-                </c:pt>
-                <c:pt idx="21">
-                  <c:v>10.56</c:v>
-                </c:pt>
-                <c:pt idx="22">
-                  <c:v>9.2899999999999991</c:v>
-                </c:pt>
-                <c:pt idx="23">
-                  <c:v>9.34</c:v>
-                </c:pt>
-                <c:pt idx="24">
-                  <c:v>9.5299999999999994</c:v>
-                </c:pt>
-                <c:pt idx="25">
-                  <c:v>0.89</c:v>
-                </c:pt>
-                <c:pt idx="26">
-                  <c:v>0.89</c:v>
-                </c:pt>
-                <c:pt idx="27">
-                  <c:v>0.89</c:v>
-                </c:pt>
-                <c:pt idx="28">
-                  <c:v>0.06</c:v>
-                </c:pt>
-                <c:pt idx="29">
-                  <c:v>0.1</c:v>
-                </c:pt>
-                <c:pt idx="30">
-                  <c:v>0.1</c:v>
-                </c:pt>
-                <c:pt idx="31">
-                  <c:v>5.21</c:v>
-                </c:pt>
-                <c:pt idx="32">
-                  <c:v>5.18</c:v>
-                </c:pt>
-                <c:pt idx="33">
-                  <c:v>5.17</c:v>
-                </c:pt>
-                <c:pt idx="34">
-                  <c:v>5.32</c:v>
-                </c:pt>
-                <c:pt idx="35">
-                  <c:v>6.28</c:v>
-                </c:pt>
-                <c:pt idx="36">
-                  <c:v>6.3</c:v>
-                </c:pt>
-                <c:pt idx="37">
-                  <c:v>0.1</c:v>
-                </c:pt>
-                <c:pt idx="38">
-                  <c:v>0.01</c:v>
-                </c:pt>
-                <c:pt idx="39">
-                  <c:v>0.01</c:v>
-                </c:pt>
-                <c:pt idx="40">
-                  <c:v>0.09</c:v>
-                </c:pt>
-                <c:pt idx="41">
-                  <c:v>0.03</c:v>
-                </c:pt>
-                <c:pt idx="42">
-                  <c:v>0.1</c:v>
-                </c:pt>
-                <c:pt idx="43">
-                  <c:v>5.52</c:v>
-                </c:pt>
-                <c:pt idx="44">
-                  <c:v>5.53</c:v>
-                </c:pt>
-                <c:pt idx="45">
-                  <c:v>5.51</c:v>
-                </c:pt>
-                <c:pt idx="46">
-                  <c:v>5.94</c:v>
-                </c:pt>
-                <c:pt idx="47">
-                  <c:v>5.94</c:v>
-                </c:pt>
-                <c:pt idx="48">
-                  <c:v>5.98</c:v>
-                </c:pt>
-                <c:pt idx="49">
-                  <c:v>0.41</c:v>
-                </c:pt>
-                <c:pt idx="50">
-                  <c:v>1.0900000000000001</c:v>
-                </c:pt>
-                <c:pt idx="51">
-                  <c:v>0.84</c:v>
-                </c:pt>
-                <c:pt idx="52">
-                  <c:v>0.43</c:v>
-                </c:pt>
-                <c:pt idx="53">
-                  <c:v>1.95</c:v>
-                </c:pt>
-                <c:pt idx="54">
-                  <c:v>0.67</c:v>
-                </c:pt>
-                <c:pt idx="55">
-                  <c:v>6.57</c:v>
-                </c:pt>
-                <c:pt idx="56">
-                  <c:v>6.63</c:v>
-                </c:pt>
-                <c:pt idx="57">
-                  <c:v>6.68</c:v>
-                </c:pt>
-                <c:pt idx="58">
-                  <c:v>6.68</c:v>
-                </c:pt>
-                <c:pt idx="59">
-                  <c:v>6.8</c:v>
-                </c:pt>
-                <c:pt idx="60">
-                  <c:v>6.81</c:v>
-                </c:pt>
-              </c:numCache>
-              <c:extLst/>
-            </c:numRef>
-          </c:val>
-          <c:smooth val="0"/>
-          <c:extLst>
-            <c:ext xmlns:c16="http://schemas.microsoft.com/office/drawing/2014/chart" uri="{C3380CC4-5D6E-409C-BE32-E72D297353CC}">
-              <c16:uniqueId val="{00000003-27E7-407D-810D-6F3D37007B17}"/>
-            </c:ext>
-          </c:extLst>
-        </c:ser>
-        <c:dLbls>
-          <c:showLegendKey val="0"/>
-          <c:showVal val="0"/>
-          <c:showCatName val="0"/>
-          <c:showSerName val="0"/>
-          <c:showPercent val="0"/>
-          <c:showBubbleSize val="0"/>
-        </c:dLbls>
-        <c:smooth val="0"/>
-        <c:axId val="1137379999"/>
-        <c:axId val="1137379039"/>
-      </c:lineChart>
-      <c:dateAx>
-        <c:axId val="1137379999"/>
-        <c:scaling>
-          <c:orientation val="minMax"/>
-        </c:scaling>
-        <c:delete val="0"/>
-        <c:axPos val="b"/>
-        <c:numFmt formatCode="mmm\-yy" sourceLinked="1"/>
-        <c:majorTickMark val="none"/>
-        <c:minorTickMark val="none"/>
-        <c:tickLblPos val="nextTo"/>
-        <c:spPr>
-          <a:noFill/>
-          <a:ln w="9525" cap="flat" cmpd="sng" algn="ctr">
-            <a:solidFill>
-              <a:schemeClr val="tx1">
-                <a:lumMod val="15000"/>
-                <a:lumOff val="85000"/>
-              </a:schemeClr>
-            </a:solidFill>
-            <a:round/>
-          </a:ln>
-          <a:effectLst/>
-        </c:spPr>
-        <c:txPr>
-          <a:bodyPr rot="-60000000" spcFirstLastPara="1" vertOverflow="ellipsis" vert="horz" wrap="square" anchor="ctr" anchorCtr="1"/>
-          <a:lstStyle/>
-          <a:p>
-            <a:pPr>
-              <a:defRPr sz="900" b="0" i="0" u="none" strike="noStrike" kern="1200" baseline="0">
-                <a:solidFill>
-                  <a:schemeClr val="tx1"/>
-                </a:solidFill>
-                <a:latin typeface="+mn-lt"/>
-                <a:ea typeface="+mn-ea"/>
-                <a:cs typeface="+mn-cs"/>
-              </a:defRPr>
-            </a:pPr>
-            <a:endParaRPr lang="en-US"/>
-          </a:p>
-        </c:txPr>
-        <c:crossAx val="1137379039"/>
-        <c:crosses val="autoZero"/>
-        <c:auto val="1"/>
-        <c:lblOffset val="100"/>
-        <c:baseTimeUnit val="months"/>
-      </c:dateAx>
-      <c:valAx>
-        <c:axId val="1137379039"/>
-        <c:scaling>
-          <c:orientation val="minMax"/>
-        </c:scaling>
-        <c:delete val="0"/>
-        <c:axPos val="l"/>
-        <c:majorGridlines>
-          <c:spPr>
-            <a:ln w="9525" cap="flat" cmpd="sng" algn="ctr">
-              <a:solidFill>
-                <a:schemeClr val="tx1">
-                  <a:lumMod val="15000"/>
-                  <a:lumOff val="85000"/>
-                </a:schemeClr>
-              </a:solidFill>
-              <a:round/>
-            </a:ln>
-            <a:effectLst/>
-          </c:spPr>
-        </c:majorGridlines>
-        <c:numFmt formatCode="&quot;$&quot;#,##0.00_);\(&quot;$&quot;#,##0.00\)" sourceLinked="1"/>
-        <c:majorTickMark val="none"/>
-        <c:minorTickMark val="none"/>
-        <c:tickLblPos val="nextTo"/>
-        <c:spPr>
-          <a:noFill/>
-          <a:ln>
-            <a:noFill/>
-          </a:ln>
-          <a:effectLst/>
-        </c:spPr>
-        <c:txPr>
-          <a:bodyPr rot="-60000000" spcFirstLastPara="1" vertOverflow="ellipsis" vert="horz" wrap="square" anchor="ctr" anchorCtr="1"/>
-          <a:lstStyle/>
-          <a:p>
-            <a:pPr>
-              <a:defRPr sz="900" b="0" i="0" u="none" strike="noStrike" kern="1200" baseline="0">
-                <a:solidFill>
-                  <a:schemeClr val="tx1"/>
-                </a:solidFill>
-                <a:latin typeface="+mn-lt"/>
-                <a:ea typeface="+mn-ea"/>
-                <a:cs typeface="+mn-cs"/>
-              </a:defRPr>
-            </a:pPr>
-            <a:endParaRPr lang="en-US"/>
-          </a:p>
-        </c:txPr>
-        <c:crossAx val="1137379999"/>
-        <c:crosses val="autoZero"/>
-        <c:crossBetween val="between"/>
-      </c:valAx>
-      <c:spPr>
-        <a:noFill/>
-        <a:ln>
-          <a:noFill/>
-        </a:ln>
-        <a:effectLst/>
-      </c:spPr>
-    </c:plotArea>
-    <c:legend>
-      <c:legendPos val="b"/>
-      <c:overlay val="0"/>
-      <c:spPr>
-        <a:noFill/>
-        <a:ln>
-          <a:noFill/>
-        </a:ln>
-        <a:effectLst/>
-      </c:spPr>
-      <c:txPr>
-        <a:bodyPr rot="0" spcFirstLastPara="1" vertOverflow="ellipsis" vert="horz" wrap="square" anchor="ctr" anchorCtr="1"/>
-        <a:lstStyle/>
-        <a:p>
-          <a:pPr>
-            <a:defRPr sz="900" b="0" i="0" u="none" strike="noStrike" kern="1200" baseline="0">
-              <a:solidFill>
-                <a:schemeClr val="tx1">
-                  <a:lumMod val="65000"/>
-                  <a:lumOff val="35000"/>
-                </a:schemeClr>
-              </a:solidFill>
-              <a:latin typeface="+mn-lt"/>
-              <a:ea typeface="+mn-ea"/>
-              <a:cs typeface="+mn-cs"/>
-            </a:defRPr>
-          </a:pPr>
-          <a:endParaRPr lang="en-US"/>
-        </a:p>
-      </c:txPr>
-    </c:legend>
-    <c:plotVisOnly val="1"/>
-    <c:dispBlanksAs val="gap"/>
-    <c:extLst>
-      <c:ext xmlns:c16r3="http://schemas.microsoft.com/office/drawing/2017/03/chart" uri="{56B9EC1D-385E-4148-901F-78D8002777C0}">
-        <c16r3:dataDisplayOptions16>
-          <c16r3:dispNaAsBlank val="1"/>
-        </c16r3:dataDisplayOptions16>
-      </c:ext>
-    </c:extLst>
-    <c:showDLblsOverMax val="0"/>
-  </c:chart>
-  <c:spPr>
-    <a:noFill/>
-    <a:ln>
-      <a:noFill/>
-    </a:ln>
-    <a:effectLst/>
-  </c:spPr>
-  <c:txPr>
-    <a:bodyPr/>
-    <a:lstStyle/>
-    <a:p>
-      <a:pPr>
-        <a:defRPr/>
-      </a:pPr>
-      <a:endParaRPr lang="en-US"/>
-    </a:p>
-  </c:txPr>
-  <c:externalData r:id="rId3">
-    <c:autoUpdate val="0"/>
-  </c:externalData>
-</c:chartSpace>
-</file>
-
-<file path=ppt/charts/colors1.xml><?xml version="1.0" encoding="utf-8"?>
-<cs:colorStyle xmlns:cs="http://schemas.microsoft.com/office/drawing/2012/chartStyle" xmlns:a="http://schemas.openxmlformats.org/drawingml/2006/main" meth="cycle" id="10">
-  <a:schemeClr val="accent1"/>
-  <a:schemeClr val="accent2"/>
-  <a:schemeClr val="accent3"/>
-  <a:schemeClr val="accent4"/>
-  <a:schemeClr val="accent5"/>
-  <a:schemeClr val="accent6"/>
-  <cs:variation/>
-  <cs:variation>
-    <a:lumMod val="60000"/>
-  </cs:variation>
-  <cs:variation>
-    <a:lumMod val="80000"/>
-    <a:lumOff val="20000"/>
-  </cs:variation>
-  <cs:variation>
-    <a:lumMod val="80000"/>
-  </cs:variation>
-  <cs:variation>
-    <a:lumMod val="60000"/>
-    <a:lumOff val="40000"/>
-  </cs:variation>
-  <cs:variation>
-    <a:lumMod val="50000"/>
-  </cs:variation>
-  <cs:variation>
-    <a:lumMod val="70000"/>
-    <a:lumOff val="30000"/>
-  </cs:variation>
-  <cs:variation>
-    <a:lumMod val="70000"/>
-  </cs:variation>
-  <cs:variation>
-    <a:lumMod val="50000"/>
-    <a:lumOff val="50000"/>
-  </cs:variation>
-</cs:colorStyle>
-</file>
-
-<file path=ppt/charts/style1.xml><?xml version="1.0" encoding="utf-8"?>
-<cs:chartStyle xmlns:cs="http://schemas.microsoft.com/office/drawing/2012/chartStyle" xmlns:a="http://schemas.openxmlformats.org/drawingml/2006/main" id="227">
-  <cs:axisTitle>
-    <cs:lnRef idx="0"/>
-    <cs:fillRef idx="0"/>
-    <cs:effectRef idx="0"/>
-    <cs:fontRef idx="minor">
-      <a:schemeClr val="tx1">
-        <a:lumMod val="65000"/>
-        <a:lumOff val="35000"/>
-      </a:schemeClr>
-    </cs:fontRef>
-    <cs:defRPr sz="1000" kern="1200"/>
-  </cs:axisTitle>
-  <cs:categoryAxis>
-    <cs:lnRef idx="0"/>
-    <cs:fillRef idx="0"/>
-    <cs:effectRef idx="0"/>
-    <cs:fontRef idx="minor">
-      <a:schemeClr val="tx1">
-        <a:lumMod val="65000"/>
-        <a:lumOff val="35000"/>
-      </a:schemeClr>
-    </cs:fontRef>
-    <cs:spPr>
-      <a:ln w="9525" cap="flat" cmpd="sng" algn="ctr">
-        <a:solidFill>
-          <a:schemeClr val="tx1">
-            <a:lumMod val="15000"/>
-            <a:lumOff val="85000"/>
-          </a:schemeClr>
-        </a:solidFill>
-        <a:round/>
-      </a:ln>
-    </cs:spPr>
-    <cs:defRPr sz="900" kern="1200"/>
-  </cs:categoryAxis>
-  <cs:chartArea mods="allowNoFillOverride allowNoLineOverride">
-    <cs:lnRef idx="0"/>
-    <cs:fillRef idx="0"/>
-    <cs:effectRef idx="0"/>
-    <cs:fontRef idx="minor">
-      <a:schemeClr val="tx1"/>
-    </cs:fontRef>
-    <cs:spPr>
-      <a:solidFill>
-        <a:schemeClr val="bg1"/>
-      </a:solidFill>
-      <a:ln w="9525" cap="flat" cmpd="sng" algn="ctr">
-        <a:solidFill>
-          <a:schemeClr val="tx1">
-            <a:lumMod val="15000"/>
-            <a:lumOff val="85000"/>
-          </a:schemeClr>
-        </a:solidFill>
-        <a:round/>
-      </a:ln>
-    </cs:spPr>
-    <cs:defRPr sz="1000" kern="1200"/>
-  </cs:chartArea>
-  <cs:dataLabel>
-    <cs:lnRef idx="0"/>
-    <cs:fillRef idx="0"/>
-    <cs:effectRef idx="0"/>
-    <cs:fontRef idx="minor">
-      <a:schemeClr val="tx1">
-        <a:lumMod val="75000"/>
-        <a:lumOff val="25000"/>
-      </a:schemeClr>
-    </cs:fontRef>
-    <cs:defRPr sz="900" kern="1200"/>
-  </cs:dataLabel>
-  <cs:dataLabelCallout>
-    <cs:lnRef idx="0"/>
-    <cs:fillRef idx="0"/>
-    <cs:effectRef idx="0"/>
-    <cs:fontRef idx="minor">
-      <a:schemeClr val="dk1">
-        <a:lumMod val="65000"/>
-        <a:lumOff val="35000"/>
-      </a:schemeClr>
-    </cs:fontRef>
-    <cs:spPr>
-      <a:solidFill>
-        <a:schemeClr val="lt1"/>
-      </a:solidFill>
-      <a:ln>
-        <a:solidFill>
-          <a:schemeClr val="dk1">
-            <a:lumMod val="25000"/>
-            <a:lumOff val="75000"/>
-          </a:schemeClr>
-        </a:solidFill>
-      </a:ln>
-    </cs:spPr>
-    <cs:defRPr sz="900" kern="1200"/>
-    <cs:bodyPr rot="0" spcFirstLastPara="1" vertOverflow="clip" horzOverflow="clip" vert="horz" wrap="square" lIns="36576" tIns="18288" rIns="36576" bIns="18288" anchor="ctr" anchorCtr="1">
-      <a:spAutoFit/>
-    </cs:bodyPr>
-  </cs:dataLabelCallout>
-  <cs:dataPoint>
-    <cs:lnRef idx="0"/>
-    <cs:fillRef idx="1">
-      <cs:styleClr val="auto"/>
-    </cs:fillRef>
-    <cs:effectRef idx="0"/>
-    <cs:fontRef idx="minor">
-      <a:schemeClr val="tx1"/>
-    </cs:fontRef>
-    <cs:spPr>
-      <a:solidFill>
-        <a:schemeClr val="phClr"/>
-      </a:solidFill>
-    </cs:spPr>
-  </cs:dataPoint>
-  <cs:dataPoint3D>
-    <cs:lnRef idx="0"/>
-    <cs:fillRef idx="1">
-      <cs:styleClr val="auto"/>
-    </cs:fillRef>
-    <cs:effectRef idx="0"/>
-    <cs:fontRef idx="minor">
-      <a:schemeClr val="tx1"/>
-    </cs:fontRef>
-    <cs:spPr>
-      <a:solidFill>
-        <a:schemeClr val="phClr"/>
-      </a:solidFill>
-    </cs:spPr>
-  </cs:dataPoint3D>
-  <cs:dataPointLine>
-    <cs:lnRef idx="0">
-      <cs:styleClr val="auto"/>
-    </cs:lnRef>
-    <cs:fillRef idx="1"/>
-    <cs:effectRef idx="0"/>
-    <cs:fontRef idx="minor">
-      <a:schemeClr val="tx1"/>
-    </cs:fontRef>
-    <cs:spPr>
-      <a:ln w="28575" cap="rnd">
-        <a:solidFill>
-          <a:schemeClr val="phClr"/>
-        </a:solidFill>
-        <a:round/>
-      </a:ln>
-    </cs:spPr>
-  </cs:dataPointLine>
-  <cs:dataPointMarker>
-    <cs:lnRef idx="0">
-      <cs:styleClr val="auto"/>
-    </cs:lnRef>
-    <cs:fillRef idx="1">
-      <cs:styleClr val="auto"/>
-    </cs:fillRef>
-    <cs:effectRef idx="0"/>
-    <cs:fontRef idx="minor">
-      <a:schemeClr val="tx1"/>
-    </cs:fontRef>
-    <cs:spPr>
-      <a:solidFill>
-        <a:schemeClr val="phClr"/>
-      </a:solidFill>
-      <a:ln w="9525">
-        <a:solidFill>
-          <a:schemeClr val="phClr"/>
-        </a:solidFill>
-      </a:ln>
-    </cs:spPr>
-  </cs:dataPointMarker>
-  <cs:dataPointMarkerLayout symbol="circle" size="5"/>
-  <cs:dataPointWireframe>
-    <cs:lnRef idx="0">
-      <cs:styleClr val="auto"/>
-    </cs:lnRef>
-    <cs:fillRef idx="1"/>
-    <cs:effectRef idx="0"/>
-    <cs:fontRef idx="minor">
-      <a:schemeClr val="tx1"/>
-    </cs:fontRef>
-    <cs:spPr>
-      <a:ln w="9525" cap="rnd">
-        <a:solidFill>
-          <a:schemeClr val="phClr"/>
-        </a:solidFill>
-        <a:round/>
-      </a:ln>
-    </cs:spPr>
-  </cs:dataPointWireframe>
-  <cs:dataTable>
-    <cs:lnRef idx="0"/>
-    <cs:fillRef idx="0"/>
-    <cs:effectRef idx="0"/>
-    <cs:fontRef idx="minor">
-      <a:schemeClr val="tx1">
-        <a:lumMod val="65000"/>
-        <a:lumOff val="35000"/>
-      </a:schemeClr>
-    </cs:fontRef>
-    <cs:spPr>
-      <a:noFill/>
-      <a:ln w="9525" cap="flat" cmpd="sng" algn="ctr">
-        <a:solidFill>
-          <a:schemeClr val="tx1">
-            <a:lumMod val="15000"/>
-            <a:lumOff val="85000"/>
-          </a:schemeClr>
-        </a:solidFill>
-        <a:round/>
-      </a:ln>
-    </cs:spPr>
-    <cs:defRPr sz="900" kern="1200"/>
-  </cs:dataTable>
-  <cs:downBar>
-    <cs:lnRef idx="0"/>
-    <cs:fillRef idx="0"/>
-    <cs:effectRef idx="0"/>
-    <cs:fontRef idx="minor">
-      <a:schemeClr val="dk1"/>
-    </cs:fontRef>
-    <cs:spPr>
-      <a:solidFill>
-        <a:schemeClr val="dk1">
-          <a:lumMod val="65000"/>
-          <a:lumOff val="35000"/>
-        </a:schemeClr>
-      </a:solidFill>
-      <a:ln w="9525">
-        <a:solidFill>
-          <a:schemeClr val="tx1">
-            <a:lumMod val="65000"/>
-            <a:lumOff val="35000"/>
-          </a:schemeClr>
-        </a:solidFill>
-      </a:ln>
-    </cs:spPr>
-  </cs:downBar>
-  <cs:dropLine>
-    <cs:lnRef idx="0"/>
-    <cs:fillRef idx="0"/>
-    <cs:effectRef idx="0"/>
-    <cs:fontRef idx="minor">
-      <a:schemeClr val="tx1"/>
-    </cs:fontRef>
-    <cs:spPr>
-      <a:ln w="9525" cap="flat" cmpd="sng" algn="ctr">
-        <a:solidFill>
-          <a:schemeClr val="tx1">
-            <a:lumMod val="35000"/>
-            <a:lumOff val="65000"/>
-          </a:schemeClr>
-        </a:solidFill>
-        <a:round/>
-      </a:ln>
-    </cs:spPr>
-  </cs:dropLine>
-  <cs:errorBar>
-    <cs:lnRef idx="0"/>
-    <cs:fillRef idx="0"/>
-    <cs:effectRef idx="0"/>
-    <cs:fontRef idx="minor">
-      <a:schemeClr val="tx1"/>
-    </cs:fontRef>
-    <cs:spPr>
-      <a:ln w="9525" cap="flat" cmpd="sng" algn="ctr">
-        <a:solidFill>
-          <a:schemeClr val="tx1">
-            <a:lumMod val="65000"/>
-            <a:lumOff val="35000"/>
-          </a:schemeClr>
-        </a:solidFill>
-        <a:round/>
-      </a:ln>
-    </cs:spPr>
-  </cs:errorBar>
-  <cs:floor>
-    <cs:lnRef idx="0"/>
-    <cs:fillRef idx="0"/>
-    <cs:effectRef idx="0"/>
-    <cs:fontRef idx="minor">
-      <a:schemeClr val="tx1"/>
-    </cs:fontRef>
-    <cs:spPr>
-      <a:noFill/>
-      <a:ln>
-        <a:noFill/>
-      </a:ln>
-    </cs:spPr>
-  </cs:floor>
-  <cs:gridlineMajor>
-    <cs:lnRef idx="0"/>
-    <cs:fillRef idx="0"/>
-    <cs:effectRef idx="0"/>
-    <cs:fontRef idx="minor">
-      <a:schemeClr val="tx1"/>
-    </cs:fontRef>
-    <cs:spPr>
-      <a:ln w="9525" cap="flat" cmpd="sng" algn="ctr">
-        <a:solidFill>
-          <a:schemeClr val="tx1">
-            <a:lumMod val="15000"/>
-            <a:lumOff val="85000"/>
-          </a:schemeClr>
-        </a:solidFill>
-        <a:round/>
-      </a:ln>
-    </cs:spPr>
-  </cs:gridlineMajor>
-  <cs:gridlineMinor>
-    <cs:lnRef idx="0"/>
-    <cs:fillRef idx="0"/>
-    <cs:effectRef idx="0"/>
-    <cs:fontRef idx="minor">
-      <a:schemeClr val="tx1"/>
-    </cs:fontRef>
-    <cs:spPr>
-      <a:ln w="9525" cap="flat" cmpd="sng" algn="ctr">
-        <a:solidFill>
-          <a:schemeClr val="tx1">
-            <a:lumMod val="5000"/>
-            <a:lumOff val="95000"/>
-          </a:schemeClr>
-        </a:solidFill>
-        <a:round/>
-      </a:ln>
-    </cs:spPr>
-  </cs:gridlineMinor>
-  <cs:hiLoLine>
-    <cs:lnRef idx="0"/>
-    <cs:fillRef idx="0"/>
-    <cs:effectRef idx="0"/>
-    <cs:fontRef idx="minor">
-      <a:schemeClr val="tx1"/>
-    </cs:fontRef>
-    <cs:spPr>
-      <a:ln w="9525" cap="flat" cmpd="sng" algn="ctr">
-        <a:solidFill>
-          <a:schemeClr val="tx1">
-            <a:lumMod val="75000"/>
-            <a:lumOff val="25000"/>
-          </a:schemeClr>
-        </a:solidFill>
-        <a:round/>
-      </a:ln>
-    </cs:spPr>
-  </cs:hiLoLine>
-  <cs:leaderLine>
-    <cs:lnRef idx="0"/>
-    <cs:fillRef idx="0"/>
-    <cs:effectRef idx="0"/>
-    <cs:fontRef idx="minor">
-      <a:schemeClr val="tx1"/>
-    </cs:fontRef>
-    <cs:spPr>
-      <a:ln w="9525" cap="flat" cmpd="sng" algn="ctr">
-        <a:solidFill>
-          <a:schemeClr val="tx1">
-            <a:lumMod val="35000"/>
-            <a:lumOff val="65000"/>
-          </a:schemeClr>
-        </a:solidFill>
-        <a:round/>
-      </a:ln>
-    </cs:spPr>
-  </cs:leaderLine>
-  <cs:legend>
-    <cs:lnRef idx="0"/>
-    <cs:fillRef idx="0"/>
-    <cs:effectRef idx="0"/>
-    <cs:fontRef idx="minor">
-      <a:schemeClr val="tx1">
-        <a:lumMod val="65000"/>
-        <a:lumOff val="35000"/>
-      </a:schemeClr>
-    </cs:fontRef>
-    <cs:defRPr sz="900" kern="1200"/>
-  </cs:legend>
-  <cs:plotArea mods="allowNoFillOverride allowNoLineOverride">
-    <cs:lnRef idx="0"/>
-    <cs:fillRef idx="0"/>
-    <cs:effectRef idx="0"/>
-    <cs:fontRef idx="minor">
-      <a:schemeClr val="tx1"/>
-    </cs:fontRef>
-  </cs:plotArea>
-  <cs:plotArea3D mods="allowNoFillOverride allowNoLineOverride">
-    <cs:lnRef idx="0"/>
-    <cs:fillRef idx="0"/>
-    <cs:effectRef idx="0"/>
-    <cs:fontRef idx="minor">
-      <a:schemeClr val="tx1"/>
-    </cs:fontRef>
-  </cs:plotArea3D>
-  <cs:seriesAxis>
-    <cs:lnRef idx="0"/>
-    <cs:fillRef idx="0"/>
-    <cs:effectRef idx="0"/>
-    <cs:fontRef idx="minor">
-      <a:schemeClr val="tx1">
-        <a:lumMod val="65000"/>
-        <a:lumOff val="35000"/>
-      </a:schemeClr>
-    </cs:fontRef>
-    <cs:defRPr sz="900" kern="1200"/>
-  </cs:seriesAxis>
-  <cs:seriesLine>
-    <cs:lnRef idx="0"/>
-    <cs:fillRef idx="0"/>
-    <cs:effectRef idx="0"/>
-    <cs:fontRef idx="minor">
-      <a:schemeClr val="tx1"/>
-    </cs:fontRef>
-    <cs:spPr>
-      <a:ln w="9525" cap="flat" cmpd="sng" algn="ctr">
-        <a:solidFill>
-          <a:schemeClr val="tx1">
-            <a:lumMod val="35000"/>
-            <a:lumOff val="65000"/>
-          </a:schemeClr>
-        </a:solidFill>
-        <a:round/>
-      </a:ln>
-    </cs:spPr>
-  </cs:seriesLine>
-  <cs:title>
-    <cs:lnRef idx="0"/>
-    <cs:fillRef idx="0"/>
-    <cs:effectRef idx="0"/>
-    <cs:fontRef idx="minor">
-      <a:schemeClr val="tx1">
-        <a:lumMod val="65000"/>
-        <a:lumOff val="35000"/>
-      </a:schemeClr>
-    </cs:fontRef>
-    <cs:defRPr sz="1400" b="0" kern="1200" spc="0" baseline="0"/>
-  </cs:title>
-  <cs:trendline>
-    <cs:lnRef idx="0">
-      <cs:styleClr val="auto"/>
-    </cs:lnRef>
-    <cs:fillRef idx="0"/>
-    <cs:effectRef idx="0"/>
-    <cs:fontRef idx="minor">
-      <a:schemeClr val="tx1"/>
-    </cs:fontRef>
-    <cs:spPr>
-      <a:ln w="19050" cap="rnd">
-        <a:solidFill>
-          <a:schemeClr val="phClr"/>
-        </a:solidFill>
-        <a:prstDash val="sysDot"/>
-      </a:ln>
-    </cs:spPr>
-  </cs:trendline>
-  <cs:trendlineLabel>
-    <cs:lnRef idx="0"/>
-    <cs:fillRef idx="0"/>
-    <cs:effectRef idx="0"/>
-    <cs:fontRef idx="minor">
-      <a:schemeClr val="tx1">
-        <a:lumMod val="65000"/>
-        <a:lumOff val="35000"/>
-      </a:schemeClr>
-    </cs:fontRef>
-    <cs:defRPr sz="900" kern="1200"/>
-  </cs:trendlineLabel>
-  <cs:upBar>
-    <cs:lnRef idx="0"/>
-    <cs:fillRef idx="0"/>
-    <cs:effectRef idx="0"/>
-    <cs:fontRef idx="minor">
-      <a:schemeClr val="dk1"/>
-    </cs:fontRef>
-    <cs:spPr>
-      <a:solidFill>
-        <a:schemeClr val="lt1"/>
-      </a:solidFill>
-      <a:ln w="9525">
-        <a:solidFill>
-          <a:schemeClr val="tx1">
-            <a:lumMod val="15000"/>
-            <a:lumOff val="85000"/>
-          </a:schemeClr>
-        </a:solidFill>
-      </a:ln>
-    </cs:spPr>
-  </cs:upBar>
-  <cs:valueAxis>
-    <cs:lnRef idx="0"/>
-    <cs:fillRef idx="0"/>
-    <cs:effectRef idx="0"/>
-    <cs:fontRef idx="minor">
-      <a:schemeClr val="tx1">
-        <a:lumMod val="65000"/>
-        <a:lumOff val="35000"/>
-      </a:schemeClr>
-    </cs:fontRef>
-    <cs:defRPr sz="900" kern="1200"/>
-  </cs:valueAxis>
-  <cs:wall>
-    <cs:lnRef idx="0"/>
-    <cs:fillRef idx="0"/>
-    <cs:effectRef idx="0"/>
-    <cs:fontRef idx="minor">
-      <a:schemeClr val="tx1"/>
-    </cs:fontRef>
-    <cs:spPr>
-      <a:noFill/>
-      <a:ln>
-        <a:noFill/>
-      </a:ln>
-    </cs:spPr>
-  </cs:wall>
-</cs:chartStyle>
 </file>
 
 <file path=ppt/diagrams/colors1.xml><?xml version="1.0" encoding="utf-8"?>
@@ -5718,7 +3227,7 @@
               <a:pPr>
                 <a:defRPr/>
               </a:pPr>
-              <a:t>17/06/2023</a:t>
+              <a:t>18/06/2023</a:t>
             </a:fld>
             <a:endParaRPr lang="en-GB"/>
           </a:p>
@@ -5937,7 +3446,7 @@
               <a:pPr>
                 <a:defRPr/>
               </a:pPr>
-              <a:t>17/06/2023</a:t>
+              <a:t>18/06/2023</a:t>
             </a:fld>
             <a:endParaRPr lang="en-GB"/>
           </a:p>
@@ -17706,7 +15215,10 @@
           <a:bodyPr/>
           <a:lstStyle/>
           <a:p>
-            <a:pPr marL="285750" indent="-285750">
+            <a:pPr marL="285750" indent="-285750" defTabSz="360000">
+              <a:spcBef>
+                <a:spcPts val="1200"/>
+              </a:spcBef>
               <a:buFontTx/>
               <a:buChar char="-"/>
             </a:pPr>
@@ -17765,226 +15277,14 @@
             <a:endParaRPr lang="de-DE" dirty="0"/>
           </a:p>
           <a:p>
-            <a:pPr marL="285750" indent="-285750">
-              <a:buFontTx/>
-              <a:buChar char="-"/>
+            <a:pPr defTabSz="360000">
+              <a:spcBef>
+                <a:spcPts val="1200"/>
+              </a:spcBef>
             </a:pPr>
             <a:r>
               <a:rPr lang="de-DE" dirty="0"/>
-              <a:t>Main </a:t>
-            </a:r>
-            <a:r>
-              <a:rPr lang="de-DE" dirty="0" err="1"/>
-              <a:t>driver</a:t>
-            </a:r>
-            <a:r>
-              <a:rPr lang="de-DE" dirty="0"/>
-              <a:t> </a:t>
-            </a:r>
-            <a:r>
-              <a:rPr lang="de-DE" dirty="0" err="1"/>
-              <a:t>according</a:t>
-            </a:r>
-            <a:r>
-              <a:rPr lang="de-DE" dirty="0"/>
-              <a:t> </a:t>
-            </a:r>
-            <a:r>
-              <a:rPr lang="de-DE" dirty="0" err="1"/>
-              <a:t>to</a:t>
-            </a:r>
-            <a:r>
-              <a:rPr lang="de-DE" dirty="0"/>
-              <a:t> </a:t>
-            </a:r>
-            <a:r>
-              <a:rPr lang="de-DE" dirty="0" err="1"/>
-              <a:t>model</a:t>
-            </a:r>
-            <a:r>
-              <a:rPr lang="de-DE" dirty="0"/>
-              <a:t> </a:t>
-            </a:r>
-            <a:r>
-              <a:rPr lang="de-DE" dirty="0" err="1"/>
-              <a:t>is</a:t>
-            </a:r>
-            <a:r>
-              <a:rPr lang="de-DE" dirty="0"/>
-              <a:t> </a:t>
-            </a:r>
-            <a:r>
-              <a:rPr lang="de-DE" dirty="0" err="1"/>
-              <a:t>xy</a:t>
-            </a:r>
-            <a:r>
-              <a:rPr lang="de-DE" dirty="0"/>
-              <a:t> / Other </a:t>
-            </a:r>
-            <a:r>
-              <a:rPr lang="de-DE" dirty="0" err="1"/>
-              <a:t>drivers</a:t>
-            </a:r>
-            <a:endParaRPr lang="de-DE" dirty="0"/>
-          </a:p>
-          <a:p>
-            <a:pPr marL="285750" indent="-285750">
-              <a:buFontTx/>
-              <a:buChar char="-"/>
-            </a:pPr>
-            <a:r>
-              <a:rPr lang="de-DE" dirty="0" err="1"/>
-              <a:t>However</a:t>
-            </a:r>
-            <a:r>
-              <a:rPr lang="de-DE" dirty="0"/>
-              <a:t>, in </a:t>
-            </a:r>
-            <a:r>
-              <a:rPr lang="de-DE" dirty="0" err="1"/>
-              <a:t>first</a:t>
-            </a:r>
-            <a:r>
-              <a:rPr lang="de-DE" dirty="0"/>
-              <a:t> </a:t>
-            </a:r>
-            <a:r>
-              <a:rPr lang="de-DE" dirty="0" err="1"/>
-              <a:t>years</a:t>
-            </a:r>
-            <a:r>
-              <a:rPr lang="de-DE" dirty="0"/>
-              <a:t> after </a:t>
-            </a:r>
-            <a:r>
-              <a:rPr lang="de-DE" dirty="0" err="1"/>
-              <a:t>installation</a:t>
-            </a:r>
-            <a:r>
-              <a:rPr lang="de-DE" dirty="0"/>
-              <a:t> </a:t>
-            </a:r>
-            <a:r>
-              <a:rPr lang="de-DE" dirty="0" err="1"/>
-              <a:t>of</a:t>
-            </a:r>
-            <a:r>
-              <a:rPr lang="de-DE" dirty="0"/>
-              <a:t> </a:t>
-            </a:r>
-            <a:r>
-              <a:rPr lang="de-DE" dirty="0" err="1"/>
-              <a:t>capacity</a:t>
-            </a:r>
-            <a:r>
-              <a:rPr lang="de-DE" dirty="0"/>
-              <a:t> </a:t>
-            </a:r>
-            <a:r>
-              <a:rPr lang="de-DE" dirty="0" err="1"/>
-              <a:t>markets</a:t>
-            </a:r>
-            <a:r>
-              <a:rPr lang="de-DE" dirty="0"/>
-              <a:t> (</a:t>
-            </a:r>
-            <a:r>
-              <a:rPr lang="de-DE" dirty="0" err="1"/>
-              <a:t>early</a:t>
-            </a:r>
-            <a:r>
-              <a:rPr lang="de-DE" dirty="0"/>
-              <a:t> 2000‘s), </a:t>
-            </a:r>
-            <a:r>
-              <a:rPr lang="de-DE" dirty="0" err="1"/>
-              <a:t>we</a:t>
-            </a:r>
-            <a:r>
-              <a:rPr lang="de-DE" dirty="0"/>
-              <a:t> </a:t>
-            </a:r>
-            <a:r>
-              <a:rPr lang="de-DE" dirty="0" err="1"/>
-              <a:t>see</a:t>
-            </a:r>
-            <a:r>
-              <a:rPr lang="de-DE" dirty="0"/>
-              <a:t> an </a:t>
-            </a:r>
-            <a:r>
-              <a:rPr lang="de-DE" dirty="0" err="1"/>
-              <a:t>increase</a:t>
-            </a:r>
-            <a:r>
-              <a:rPr lang="de-DE" dirty="0"/>
-              <a:t> in </a:t>
-            </a:r>
-            <a:r>
-              <a:rPr lang="de-DE" dirty="0" err="1"/>
-              <a:t>installed</a:t>
-            </a:r>
-            <a:r>
-              <a:rPr lang="de-DE" dirty="0"/>
-              <a:t> </a:t>
-            </a:r>
-            <a:r>
-              <a:rPr lang="de-DE" dirty="0" err="1"/>
-              <a:t>capacity</a:t>
-            </a:r>
-            <a:endParaRPr lang="de-DE" dirty="0"/>
-          </a:p>
-          <a:p>
-            <a:pPr marL="285750" indent="-285750">
-              <a:buFontTx/>
-              <a:buChar char="-"/>
-            </a:pPr>
-            <a:r>
-              <a:rPr lang="de-DE" dirty="0"/>
-              <a:t>Security </a:t>
-            </a:r>
-            <a:r>
-              <a:rPr lang="de-DE" dirty="0" err="1"/>
-              <a:t>of</a:t>
-            </a:r>
-            <a:r>
-              <a:rPr lang="de-DE" dirty="0"/>
-              <a:t> </a:t>
-            </a:r>
-            <a:r>
-              <a:rPr lang="de-DE" dirty="0" err="1"/>
-              <a:t>supply</a:t>
-            </a:r>
-            <a:r>
-              <a:rPr lang="de-DE" dirty="0"/>
-              <a:t> </a:t>
-            </a:r>
-            <a:r>
-              <a:rPr lang="de-DE" dirty="0" err="1"/>
-              <a:t>is</a:t>
-            </a:r>
-            <a:r>
-              <a:rPr lang="de-DE" dirty="0"/>
-              <a:t> </a:t>
-            </a:r>
-            <a:r>
-              <a:rPr lang="de-DE" dirty="0" err="1"/>
-              <a:t>given</a:t>
-            </a:r>
-            <a:endParaRPr lang="de-DE" dirty="0"/>
-          </a:p>
-          <a:p>
-            <a:pPr marL="285750" indent="-285750">
-              <a:buFontTx/>
-              <a:buChar char="-"/>
-            </a:pPr>
-            <a:r>
-              <a:rPr lang="de-DE" dirty="0" err="1"/>
-              <a:t>Oversupply</a:t>
-            </a:r>
-            <a:r>
-              <a:rPr lang="de-DE" dirty="0"/>
-              <a:t> </a:t>
+              <a:t>	</a:t>
             </a:r>
             <a:r>
               <a:rPr lang="de-DE" dirty="0">
@@ -17993,10 +15293,318 @@
               <a:t> </a:t>
             </a:r>
             <a:r>
+              <a:rPr lang="de-DE" dirty="0"/>
+              <a:t>Main </a:t>
+            </a:r>
+            <a:r>
+              <a:rPr lang="de-DE" dirty="0" err="1"/>
+              <a:t>driver</a:t>
+            </a:r>
+            <a:r>
+              <a:rPr lang="de-DE" dirty="0"/>
+              <a:t> </a:t>
+            </a:r>
+            <a:r>
+              <a:rPr lang="de-DE" dirty="0" err="1"/>
+              <a:t>according</a:t>
+            </a:r>
+            <a:r>
+              <a:rPr lang="de-DE" dirty="0"/>
+              <a:t> </a:t>
+            </a:r>
+            <a:r>
+              <a:rPr lang="de-DE" dirty="0" err="1"/>
+              <a:t>to</a:t>
+            </a:r>
+            <a:r>
+              <a:rPr lang="de-DE" dirty="0"/>
+              <a:t> </a:t>
+            </a:r>
+            <a:r>
+              <a:rPr lang="de-DE" dirty="0" err="1"/>
+              <a:t>model</a:t>
+            </a:r>
+            <a:r>
+              <a:rPr lang="de-DE" dirty="0"/>
+              <a:t> </a:t>
+            </a:r>
+            <a:r>
+              <a:rPr lang="de-DE" dirty="0" err="1"/>
+              <a:t>is</a:t>
+            </a:r>
+            <a:r>
+              <a:rPr lang="de-DE" dirty="0"/>
+              <a:t> </a:t>
+            </a:r>
+            <a:r>
+              <a:rPr lang="de-DE" dirty="0" err="1"/>
+              <a:t>xy</a:t>
+            </a:r>
+            <a:r>
+              <a:rPr lang="de-DE" dirty="0"/>
+              <a:t> / Other </a:t>
+            </a:r>
+            <a:r>
+              <a:rPr lang="de-DE" dirty="0" err="1"/>
+              <a:t>drivers</a:t>
+            </a:r>
+            <a:endParaRPr lang="de-DE" dirty="0"/>
+          </a:p>
+          <a:p>
+            <a:pPr marL="285750" indent="-285750" defTabSz="360000">
+              <a:spcBef>
+                <a:spcPts val="1200"/>
+              </a:spcBef>
+              <a:buFontTx/>
+              <a:buChar char="-"/>
+            </a:pPr>
+            <a:r>
+              <a:rPr lang="de-DE" dirty="0" err="1"/>
+              <a:t>However</a:t>
+            </a:r>
+            <a:r>
+              <a:rPr lang="de-DE" dirty="0"/>
+              <a:t>, </a:t>
+            </a:r>
+            <a:r>
+              <a:rPr lang="de-DE" b="1" dirty="0"/>
+              <a:t>in </a:t>
+            </a:r>
+            <a:r>
+              <a:rPr lang="de-DE" b="1" dirty="0" err="1"/>
+              <a:t>first</a:t>
+            </a:r>
+            <a:r>
+              <a:rPr lang="de-DE" b="1" dirty="0"/>
+              <a:t> </a:t>
+            </a:r>
+            <a:r>
+              <a:rPr lang="de-DE" b="1" dirty="0" err="1"/>
+              <a:t>years</a:t>
+            </a:r>
+            <a:r>
+              <a:rPr lang="de-DE" b="1" dirty="0"/>
+              <a:t> </a:t>
+            </a:r>
+            <a:r>
+              <a:rPr lang="de-DE" dirty="0"/>
+              <a:t>after </a:t>
+            </a:r>
+            <a:r>
+              <a:rPr lang="de-DE" dirty="0" err="1"/>
+              <a:t>installation</a:t>
+            </a:r>
+            <a:r>
+              <a:rPr lang="de-DE" dirty="0"/>
+              <a:t> </a:t>
+            </a:r>
+            <a:r>
+              <a:rPr lang="de-DE" dirty="0" err="1"/>
+              <a:t>of</a:t>
+            </a:r>
+            <a:r>
+              <a:rPr lang="de-DE" dirty="0"/>
+              <a:t> </a:t>
+            </a:r>
+            <a:r>
+              <a:rPr lang="de-DE" dirty="0" err="1"/>
+              <a:t>capacity</a:t>
+            </a:r>
+            <a:r>
+              <a:rPr lang="de-DE" dirty="0"/>
+              <a:t> </a:t>
+            </a:r>
+            <a:r>
+              <a:rPr lang="de-DE" dirty="0" err="1"/>
+              <a:t>markets</a:t>
+            </a:r>
+            <a:r>
+              <a:rPr lang="de-DE" dirty="0"/>
+              <a:t> (</a:t>
+            </a:r>
+            <a:r>
+              <a:rPr lang="de-DE" dirty="0" err="1"/>
+              <a:t>early</a:t>
+            </a:r>
+            <a:r>
+              <a:rPr lang="de-DE" dirty="0"/>
+              <a:t> 2000‘s), </a:t>
+            </a:r>
+            <a:r>
+              <a:rPr lang="de-DE" dirty="0" err="1"/>
+              <a:t>we</a:t>
+            </a:r>
+            <a:r>
+              <a:rPr lang="de-DE" dirty="0"/>
+              <a:t> </a:t>
+            </a:r>
+            <a:r>
+              <a:rPr lang="de-DE" dirty="0" err="1"/>
+              <a:t>see</a:t>
+            </a:r>
+            <a:r>
+              <a:rPr lang="de-DE" dirty="0"/>
+              <a:t> an </a:t>
+            </a:r>
+            <a:r>
+              <a:rPr lang="de-DE" b="1" dirty="0" err="1"/>
+              <a:t>increase</a:t>
+            </a:r>
+            <a:r>
+              <a:rPr lang="de-DE" b="1" dirty="0"/>
+              <a:t> in </a:t>
+            </a:r>
+            <a:r>
+              <a:rPr lang="de-DE" b="1" dirty="0" err="1"/>
+              <a:t>installed</a:t>
+            </a:r>
+            <a:r>
+              <a:rPr lang="de-DE" b="1" dirty="0"/>
+              <a:t> </a:t>
+            </a:r>
+            <a:r>
+              <a:rPr lang="de-DE" b="1" dirty="0" err="1"/>
+              <a:t>capacity</a:t>
+            </a:r>
+            <a:endParaRPr lang="de-DE" b="1" dirty="0"/>
+          </a:p>
+          <a:p>
+            <a:pPr marL="285750" indent="-285750" defTabSz="360000">
+              <a:spcBef>
+                <a:spcPts val="1200"/>
+              </a:spcBef>
+              <a:buFontTx/>
+              <a:buChar char="-"/>
+            </a:pPr>
+            <a:r>
+              <a:rPr lang="de-DE" b="1" dirty="0"/>
+              <a:t>Security </a:t>
+            </a:r>
+            <a:r>
+              <a:rPr lang="de-DE" b="1" dirty="0" err="1"/>
+              <a:t>of</a:t>
+            </a:r>
+            <a:r>
+              <a:rPr lang="de-DE" b="1" dirty="0"/>
+              <a:t> </a:t>
+            </a:r>
+            <a:r>
+              <a:rPr lang="de-DE" b="1" dirty="0" err="1"/>
+              <a:t>supply</a:t>
+            </a:r>
+            <a:r>
+              <a:rPr lang="de-DE" b="1" dirty="0"/>
+              <a:t> </a:t>
+            </a:r>
+            <a:r>
+              <a:rPr lang="de-DE" dirty="0" err="1"/>
+              <a:t>is</a:t>
+            </a:r>
+            <a:r>
+              <a:rPr lang="de-DE" dirty="0"/>
+              <a:t> </a:t>
+            </a:r>
+            <a:r>
+              <a:rPr lang="de-DE" dirty="0" err="1"/>
+              <a:t>given</a:t>
+            </a:r>
+            <a:endParaRPr lang="de-DE" dirty="0"/>
+          </a:p>
+          <a:p>
+            <a:pPr defTabSz="360000">
+              <a:spcBef>
+                <a:spcPts val="600"/>
+              </a:spcBef>
+            </a:pPr>
+            <a:r>
+              <a:rPr lang="de-DE" dirty="0"/>
+              <a:t>	</a:t>
+            </a:r>
+            <a:r>
+              <a:rPr lang="de-DE" dirty="0">
+                <a:sym typeface="Wingdings" panose="05000000000000000000" pitchFamily="2" charset="2"/>
+              </a:rPr>
+              <a:t> Initial </a:t>
+            </a:r>
+            <a:r>
               <a:rPr lang="de-DE" dirty="0" err="1">
                 <a:sym typeface="Wingdings" panose="05000000000000000000" pitchFamily="2" charset="2"/>
               </a:rPr>
-              <a:t>refer</a:t>
+              <a:t>goal</a:t>
+            </a:r>
+            <a:r>
+              <a:rPr lang="de-DE" dirty="0">
+                <a:sym typeface="Wingdings" panose="05000000000000000000" pitchFamily="2" charset="2"/>
+              </a:rPr>
+              <a:t> “</a:t>
+            </a:r>
+            <a:r>
+              <a:rPr lang="de-DE" dirty="0" err="1"/>
+              <a:t>How</a:t>
+            </a:r>
+            <a:r>
+              <a:rPr lang="de-DE" dirty="0"/>
+              <a:t> </a:t>
+            </a:r>
+            <a:r>
+              <a:rPr lang="de-DE" dirty="0" err="1"/>
+              <a:t>to</a:t>
+            </a:r>
+            <a:r>
+              <a:rPr lang="de-DE" dirty="0"/>
+              <a:t> </a:t>
+            </a:r>
+            <a:r>
+              <a:rPr lang="de-DE" dirty="0" err="1"/>
+              <a:t>ensure</a:t>
+            </a:r>
+            <a:r>
+              <a:rPr lang="de-DE" dirty="0"/>
+              <a:t> </a:t>
+            </a:r>
+            <a:r>
+              <a:rPr lang="de-DE" dirty="0" err="1"/>
+              <a:t>sufficient</a:t>
+            </a:r>
+            <a:r>
+              <a:rPr lang="de-DE" dirty="0"/>
+              <a:t> </a:t>
+            </a:r>
+            <a:r>
+              <a:rPr lang="de-DE" dirty="0" err="1"/>
+              <a:t>investment</a:t>
+            </a:r>
+            <a:r>
+              <a:rPr lang="de-DE" dirty="0"/>
+              <a:t> in </a:t>
+            </a:r>
+            <a:r>
+              <a:rPr lang="de-DE" dirty="0" err="1"/>
+              <a:t>generation</a:t>
+            </a:r>
+            <a:r>
+              <a:rPr lang="de-DE" dirty="0"/>
+              <a:t> </a:t>
+            </a:r>
+            <a:r>
+              <a:rPr lang="de-DE" dirty="0" err="1"/>
+              <a:t>capacity</a:t>
+            </a:r>
+            <a:r>
+              <a:rPr lang="de-DE" dirty="0"/>
+              <a:t>?</a:t>
+            </a:r>
+            <a:r>
+              <a:rPr lang="de-DE" dirty="0">
+                <a:sym typeface="Wingdings" panose="05000000000000000000" pitchFamily="2" charset="2"/>
+              </a:rPr>
+              <a:t>“ </a:t>
+            </a:r>
+            <a:r>
+              <a:rPr lang="de-DE" dirty="0" err="1">
+                <a:sym typeface="Wingdings" panose="05000000000000000000" pitchFamily="2" charset="2"/>
+              </a:rPr>
+              <a:t>achieved</a:t>
             </a:r>
             <a:r>
               <a:rPr lang="de-DE" dirty="0">
@@ -18004,25 +15612,269 @@
               </a:rPr>
               <a:t> </a:t>
             </a:r>
-            <a:r>
-              <a:rPr lang="de-DE" dirty="0" err="1">
-                <a:sym typeface="Wingdings" panose="05000000000000000000" pitchFamily="2" charset="2"/>
-              </a:rPr>
+            <a:endParaRPr lang="de-DE" dirty="0"/>
+          </a:p>
+          <a:p>
+            <a:pPr marL="285750" indent="-285750" defTabSz="360000">
+              <a:spcBef>
+                <a:spcPts val="1200"/>
+              </a:spcBef>
+              <a:buFontTx/>
+              <a:buChar char="-"/>
+            </a:pPr>
+            <a:r>
+              <a:rPr lang="de-DE" dirty="0"/>
+              <a:t>Expert </a:t>
+            </a:r>
+            <a:r>
+              <a:rPr lang="de-DE" dirty="0" err="1"/>
+              <a:t>surveys</a:t>
+            </a:r>
+            <a:r>
+              <a:rPr lang="de-DE" dirty="0"/>
+              <a:t> </a:t>
+            </a:r>
+          </a:p>
+          <a:p>
+            <a:pPr marL="646113" lvl="2" indent="-285750" defTabSz="360000">
+              <a:lnSpc>
+                <a:spcPct val="113000"/>
+              </a:lnSpc>
+              <a:spcBef>
+                <a:spcPts val="0"/>
+              </a:spcBef>
+              <a:buFont typeface="Arial" panose="020B0604020202020204" pitchFamily="34" charset="0"/>
+              <a:buChar char="•"/>
+            </a:pPr>
+            <a:r>
+              <a:rPr lang="de-DE" dirty="0" err="1"/>
+              <a:t>confirm</a:t>
+            </a:r>
+            <a:r>
+              <a:rPr lang="de-DE" dirty="0"/>
+              <a:t> </a:t>
+            </a:r>
+            <a:r>
+              <a:rPr lang="de-DE" dirty="0" err="1"/>
+              <a:t>achieving</a:t>
+            </a:r>
+            <a:r>
+              <a:rPr lang="de-DE" dirty="0"/>
+              <a:t> </a:t>
+            </a:r>
+            <a:r>
+              <a:rPr lang="de-DE" dirty="0" err="1"/>
+              <a:t>the</a:t>
+            </a:r>
+            <a:r>
+              <a:rPr lang="de-DE" dirty="0"/>
+              <a:t> </a:t>
+            </a:r>
+            <a:r>
+              <a:rPr lang="de-DE" dirty="0" err="1"/>
+              <a:t>reliability</a:t>
+            </a:r>
+            <a:r>
+              <a:rPr lang="de-DE" dirty="0"/>
+              <a:t> </a:t>
+            </a:r>
+            <a:r>
+              <a:rPr lang="de-DE" dirty="0" err="1"/>
+              <a:t>goal</a:t>
+            </a:r>
+            <a:r>
+              <a:rPr lang="de-DE" dirty="0"/>
+              <a:t>,</a:t>
+            </a:r>
+          </a:p>
+          <a:p>
+            <a:pPr lvl="2" indent="0" defTabSz="360000">
+              <a:lnSpc>
+                <a:spcPct val="113000"/>
+              </a:lnSpc>
+              <a:spcBef>
+                <a:spcPts val="0"/>
+              </a:spcBef>
+              <a:buNone/>
+            </a:pPr>
+            <a:r>
+              <a:rPr lang="de-DE" dirty="0"/>
+              <a:t>	</a:t>
+            </a:r>
+            <a:r>
+              <a:rPr lang="de-DE" i="1" dirty="0"/>
+              <a:t>but</a:t>
+            </a:r>
+          </a:p>
+          <a:p>
+            <a:pPr marL="646113" lvl="2" indent="-285750" defTabSz="360000">
+              <a:lnSpc>
+                <a:spcPct val="113000"/>
+              </a:lnSpc>
+              <a:spcBef>
+                <a:spcPts val="0"/>
+              </a:spcBef>
+              <a:buFont typeface="Arial" panose="020B0604020202020204" pitchFamily="34" charset="0"/>
+              <a:buChar char="•"/>
+            </a:pPr>
+            <a:r>
+              <a:rPr lang="de-DE" dirty="0" err="1"/>
+              <a:t>suspect</a:t>
+            </a:r>
+            <a:r>
+              <a:rPr lang="de-DE" dirty="0"/>
+              <a:t> </a:t>
+            </a:r>
+            <a:r>
+              <a:rPr lang="de-DE" dirty="0" err="1"/>
+              <a:t>economically</a:t>
+            </a:r>
+            <a:r>
+              <a:rPr lang="de-DE" dirty="0"/>
+              <a:t> </a:t>
+            </a:r>
+            <a:r>
+              <a:rPr lang="de-DE" dirty="0" err="1"/>
+              <a:t>inefficient</a:t>
+            </a:r>
+            <a:r>
+              <a:rPr lang="de-DE" dirty="0"/>
+              <a:t> </a:t>
+            </a:r>
+            <a:r>
+              <a:rPr lang="de-DE" dirty="0" err="1"/>
+              <a:t>market</a:t>
+            </a:r>
+            <a:r>
+              <a:rPr lang="de-DE" dirty="0"/>
+              <a:t> design due </a:t>
+            </a:r>
+            <a:r>
+              <a:rPr lang="de-DE" dirty="0" err="1"/>
               <a:t>to</a:t>
             </a:r>
             <a:r>
-              <a:rPr lang="de-DE" dirty="0">
-                <a:sym typeface="Wingdings" panose="05000000000000000000" pitchFamily="2" charset="2"/>
-              </a:rPr>
+              <a:rPr lang="de-DE" dirty="0"/>
               <a:t> </a:t>
             </a:r>
             <a:r>
-              <a:rPr lang="de-DE" dirty="0" err="1">
-                <a:sym typeface="Wingdings" panose="05000000000000000000" pitchFamily="2" charset="2"/>
-              </a:rPr>
-              <a:t>paper</a:t>
-            </a:r>
-            <a:endParaRPr lang="en-GB" dirty="0"/>
+              <a:rPr lang="de-DE" b="1" dirty="0" err="1"/>
+              <a:t>excess</a:t>
+            </a:r>
+            <a:r>
+              <a:rPr lang="de-DE" b="1" dirty="0"/>
+              <a:t> </a:t>
+            </a:r>
+            <a:r>
+              <a:rPr lang="de-DE" b="1" dirty="0" err="1"/>
+              <a:t>generation</a:t>
+            </a:r>
+            <a:r>
+              <a:rPr lang="de-DE" b="1" dirty="0"/>
+              <a:t> </a:t>
+            </a:r>
+            <a:r>
+              <a:rPr lang="de-DE" b="1" dirty="0" err="1"/>
+              <a:t>capacity</a:t>
+            </a:r>
+            <a:endParaRPr lang="de-DE" b="1" dirty="0"/>
+          </a:p>
+          <a:p>
+            <a:pPr defTabSz="360000">
+              <a:lnSpc>
+                <a:spcPct val="113000"/>
+              </a:lnSpc>
+              <a:spcBef>
+                <a:spcPts val="0"/>
+              </a:spcBef>
+            </a:pPr>
+            <a:endParaRPr lang="de-DE" b="1" dirty="0"/>
+          </a:p>
+          <a:p>
+            <a:pPr defTabSz="360000">
+              <a:lnSpc>
+                <a:spcPct val="113000"/>
+              </a:lnSpc>
+              <a:spcBef>
+                <a:spcPts val="0"/>
+              </a:spcBef>
+            </a:pPr>
+            <a:r>
+              <a:rPr lang="de-DE" b="1" dirty="0"/>
+              <a:t>	</a:t>
+            </a:r>
+            <a:r>
+              <a:rPr lang="de-DE" b="1" dirty="0" err="1"/>
+              <a:t>Missing</a:t>
+            </a:r>
+            <a:r>
+              <a:rPr lang="de-DE" b="1" dirty="0"/>
+              <a:t> </a:t>
+            </a:r>
+            <a:r>
+              <a:rPr lang="de-DE" b="1" dirty="0" err="1"/>
+              <a:t>money</a:t>
+            </a:r>
+            <a:r>
+              <a:rPr lang="de-DE" b="1" dirty="0"/>
+              <a:t> </a:t>
+            </a:r>
+            <a:r>
+              <a:rPr lang="de-DE" b="1" dirty="0" err="1"/>
+              <a:t>problem</a:t>
+            </a:r>
+            <a:r>
+              <a:rPr lang="de-DE" b="1" dirty="0"/>
+              <a:t> </a:t>
+            </a:r>
+            <a:r>
+              <a:rPr lang="de-DE" b="1" dirty="0" err="1"/>
+              <a:t>solved</a:t>
+            </a:r>
+            <a:r>
+              <a:rPr lang="de-DE" b="1" dirty="0"/>
+              <a:t> but </a:t>
+            </a:r>
+            <a:r>
+              <a:rPr lang="de-DE" b="1" dirty="0" err="1"/>
+              <a:t>no</a:t>
+            </a:r>
+            <a:r>
+              <a:rPr lang="de-DE" b="1" dirty="0"/>
+              <a:t> </a:t>
+            </a:r>
+            <a:r>
+              <a:rPr lang="de-DE" b="1" dirty="0" err="1"/>
+              <a:t>increase</a:t>
+            </a:r>
+            <a:r>
+              <a:rPr lang="de-DE" b="1" dirty="0"/>
+              <a:t> in </a:t>
+            </a:r>
+            <a:r>
+              <a:rPr lang="de-DE" b="1" dirty="0" err="1"/>
+              <a:t>consumer</a:t>
+            </a:r>
+            <a:r>
+              <a:rPr lang="de-DE" b="1" dirty="0"/>
+              <a:t> </a:t>
+            </a:r>
+            <a:r>
+              <a:rPr lang="de-DE" b="1" dirty="0" err="1"/>
+              <a:t>benefit</a:t>
+            </a:r>
+            <a:endParaRPr lang="de-DE" b="1" dirty="0"/>
+          </a:p>
+          <a:p>
+            <a:pPr defTabSz="360000">
+              <a:lnSpc>
+                <a:spcPct val="113000"/>
+              </a:lnSpc>
+              <a:spcBef>
+                <a:spcPts val="0"/>
+              </a:spcBef>
+            </a:pPr>
+            <a:endParaRPr lang="de-DE" b="1" dirty="0"/>
           </a:p>
         </p:txBody>
       </p:sp>
@@ -18118,6 +15970,211 @@
           </a:p>
         </p:txBody>
       </p:sp>
+      <p:pic>
+        <p:nvPicPr>
+          <p:cNvPr id="7" name="Grafik 6" descr="Aufwärtstrend">
+            <a:extLst>
+              <a:ext uri="{FF2B5EF4-FFF2-40B4-BE49-F238E27FC236}">
+                <a16:creationId xmlns:a16="http://schemas.microsoft.com/office/drawing/2014/main" id="{8651AB66-2B0D-41FC-92BE-6A0A0455207A}"/>
+              </a:ext>
+            </a:extLst>
+          </p:cNvPr>
+          <p:cNvPicPr>
+            <a:picLocks noChangeAspect="1"/>
+          </p:cNvPicPr>
+          <p:nvPr/>
+        </p:nvPicPr>
+        <p:blipFill>
+          <a:blip r:embed="rId2">
+            <a:extLst>
+              <a:ext uri="{96DAC541-7B7A-43D3-8B79-37D633B846F1}">
+                <asvg:svgBlip xmlns:asvg="http://schemas.microsoft.com/office/drawing/2016/SVG/main" r:embed="rId3"/>
+              </a:ext>
+            </a:extLst>
+          </a:blip>
+          <a:stretch>
+            <a:fillRect/>
+          </a:stretch>
+        </p:blipFill>
+        <p:spPr>
+          <a:xfrm>
+            <a:off x="376505" y="2587973"/>
+            <a:ext cx="360000" cy="360000"/>
+          </a:xfrm>
+          <a:prstGeom prst="rect">
+            <a:avLst/>
+          </a:prstGeom>
+        </p:spPr>
+      </p:pic>
+      <p:pic>
+        <p:nvPicPr>
+          <p:cNvPr id="9" name="Grafik 8" descr="Häkchen">
+            <a:extLst>
+              <a:ext uri="{FF2B5EF4-FFF2-40B4-BE49-F238E27FC236}">
+                <a16:creationId xmlns:a16="http://schemas.microsoft.com/office/drawing/2014/main" id="{A2F3EA05-33B2-4FE8-8CF8-507CE2C0C91A}"/>
+              </a:ext>
+            </a:extLst>
+          </p:cNvPr>
+          <p:cNvPicPr>
+            <a:picLocks noChangeAspect="1"/>
+          </p:cNvPicPr>
+          <p:nvPr/>
+        </p:nvPicPr>
+        <p:blipFill>
+          <a:blip r:embed="rId4">
+            <a:extLst>
+              <a:ext uri="{96DAC541-7B7A-43D3-8B79-37D633B846F1}">
+                <asvg:svgBlip xmlns:asvg="http://schemas.microsoft.com/office/drawing/2016/SVG/main" r:embed="rId5"/>
+              </a:ext>
+            </a:extLst>
+          </a:blip>
+          <a:stretch>
+            <a:fillRect/>
+          </a:stretch>
+        </p:blipFill>
+        <p:spPr>
+          <a:xfrm>
+            <a:off x="412505" y="3324328"/>
+            <a:ext cx="288000" cy="288000"/>
+          </a:xfrm>
+          <a:prstGeom prst="rect">
+            <a:avLst/>
+          </a:prstGeom>
+        </p:spPr>
+      </p:pic>
+      <p:pic>
+        <p:nvPicPr>
+          <p:cNvPr id="13" name="Grafik 12" descr="Kundenbewertung">
+            <a:extLst>
+              <a:ext uri="{FF2B5EF4-FFF2-40B4-BE49-F238E27FC236}">
+                <a16:creationId xmlns:a16="http://schemas.microsoft.com/office/drawing/2014/main" id="{D0FD874D-E105-4AEB-930F-69C06669F0BC}"/>
+              </a:ext>
+            </a:extLst>
+          </p:cNvPr>
+          <p:cNvPicPr>
+            <a:picLocks noChangeAspect="1"/>
+          </p:cNvPicPr>
+          <p:nvPr/>
+        </p:nvPicPr>
+        <p:blipFill>
+          <a:blip r:embed="rId6">
+            <a:extLst>
+              <a:ext uri="{96DAC541-7B7A-43D3-8B79-37D633B846F1}">
+                <asvg:svgBlip xmlns:asvg="http://schemas.microsoft.com/office/drawing/2016/SVG/main" r:embed="rId7"/>
+              </a:ext>
+            </a:extLst>
+          </a:blip>
+          <a:stretch>
+            <a:fillRect/>
+          </a:stretch>
+        </p:blipFill>
+        <p:spPr>
+          <a:xfrm>
+            <a:off x="376505" y="4092310"/>
+            <a:ext cx="360000" cy="360000"/>
+          </a:xfrm>
+          <a:prstGeom prst="rect">
+            <a:avLst/>
+          </a:prstGeom>
+        </p:spPr>
+      </p:pic>
+      <p:pic>
+        <p:nvPicPr>
+          <p:cNvPr id="15" name="Grafik 14" descr="Chevron Pfeile">
+            <a:extLst>
+              <a:ext uri="{FF2B5EF4-FFF2-40B4-BE49-F238E27FC236}">
+                <a16:creationId xmlns:a16="http://schemas.microsoft.com/office/drawing/2014/main" id="{8E53A764-42EB-4DAF-9BDE-09C673A73EC4}"/>
+              </a:ext>
+            </a:extLst>
+          </p:cNvPr>
+          <p:cNvPicPr>
+            <a:picLocks noChangeAspect="1"/>
+          </p:cNvPicPr>
+          <p:nvPr/>
+        </p:nvPicPr>
+        <p:blipFill>
+          <a:blip r:embed="rId8">
+            <a:extLst>
+              <a:ext uri="{96DAC541-7B7A-43D3-8B79-37D633B846F1}">
+                <asvg:svgBlip xmlns:asvg="http://schemas.microsoft.com/office/drawing/2016/SVG/main" r:embed="rId9"/>
+              </a:ext>
+            </a:extLst>
+          </a:blip>
+          <a:stretch>
+            <a:fillRect/>
+          </a:stretch>
+        </p:blipFill>
+        <p:spPr>
+          <a:xfrm>
+            <a:off x="394505" y="1752356"/>
+            <a:ext cx="324000" cy="324000"/>
+          </a:xfrm>
+          <a:prstGeom prst="rect">
+            <a:avLst/>
+          </a:prstGeom>
+        </p:spPr>
+      </p:pic>
+      <p:sp>
+        <p:nvSpPr>
+          <p:cNvPr id="10" name="Pfeil: nach rechts 9">
+            <a:extLst>
+              <a:ext uri="{FF2B5EF4-FFF2-40B4-BE49-F238E27FC236}">
+                <a16:creationId xmlns:a16="http://schemas.microsoft.com/office/drawing/2014/main" id="{9E78CC71-EF8D-4D7B-8839-598757D7FAC4}"/>
+              </a:ext>
+            </a:extLst>
+          </p:cNvPr>
+          <p:cNvSpPr/>
+          <p:nvPr/>
+        </p:nvSpPr>
+        <p:spPr>
+          <a:xfrm>
+            <a:off x="634180" y="5760637"/>
+            <a:ext cx="344129" cy="304377"/>
+          </a:xfrm>
+          <a:prstGeom prst="rightArrow">
+            <a:avLst/>
+          </a:prstGeom>
+          <a:solidFill>
+            <a:srgbClr val="0065BD"/>
+          </a:solidFill>
+          <a:ln>
+            <a:noFill/>
+          </a:ln>
+        </p:spPr>
+        <p:style>
+          <a:lnRef idx="2">
+            <a:schemeClr val="accent1">
+              <a:shade val="50000"/>
+            </a:schemeClr>
+          </a:lnRef>
+          <a:fillRef idx="1">
+            <a:schemeClr val="accent1"/>
+          </a:fillRef>
+          <a:effectRef idx="0">
+            <a:schemeClr val="accent1"/>
+          </a:effectRef>
+          <a:fontRef idx="minor">
+            <a:schemeClr val="lt1"/>
+          </a:fontRef>
+        </p:style>
+        <p:txBody>
+          <a:bodyPr rot="0" spcFirstLastPara="0" vertOverflow="overflow" horzOverflow="overflow" vert="horz" wrap="square" lIns="91440" tIns="45720" rIns="91440" bIns="45720" numCol="1" spcCol="0" rtlCol="0" fromWordArt="0" anchor="t" anchorCtr="0" forceAA="0" compatLnSpc="1">
+            <a:prstTxWarp prst="textNoShape">
+              <a:avLst/>
+            </a:prstTxWarp>
+            <a:noAutofit/>
+          </a:bodyPr>
+          <a:lstStyle/>
+          <a:p>
+            <a:pPr algn="ctr">
+              <a:lnSpc>
+                <a:spcPct val="114000"/>
+              </a:lnSpc>
+            </a:pPr>
+            <a:endParaRPr lang="en-GB" dirty="0"/>
+          </a:p>
+        </p:txBody>
+      </p:sp>
     </p:spTree>
     <p:extLst>
       <p:ext uri="{BB962C8B-B14F-4D97-AF65-F5344CB8AC3E}">
@@ -18128,6 +16185,84 @@
   <p:clrMapOvr>
     <a:masterClrMapping/>
   </p:clrMapOvr>
+  <p:timing>
+    <p:tnLst>
+      <p:par>
+        <p:cTn id="1" dur="indefinite" restart="never" nodeType="tmRoot">
+          <p:childTnLst>
+            <p:seq concurrent="1" nextAc="seek">
+              <p:cTn id="2" dur="indefinite" nodeType="mainSeq">
+                <p:childTnLst>
+                  <p:par>
+                    <p:cTn id="3" fill="hold">
+                      <p:stCondLst>
+                        <p:cond delay="indefinite"/>
+                      </p:stCondLst>
+                      <p:childTnLst>
+                        <p:par>
+                          <p:cTn id="4" fill="hold">
+                            <p:stCondLst>
+                              <p:cond delay="0"/>
+                            </p:stCondLst>
+                            <p:childTnLst>
+                              <p:par>
+                                <p:cTn id="5" presetID="1" presetClass="entr" presetSubtype="0" fill="hold" grpId="0" nodeType="clickEffect">
+                                  <p:stCondLst>
+                                    <p:cond delay="0"/>
+                                  </p:stCondLst>
+                                  <p:childTnLst>
+                                    <p:set>
+                                      <p:cBhvr>
+                                        <p:cTn id="6" dur="1" fill="hold">
+                                          <p:stCondLst>
+                                            <p:cond delay="0"/>
+                                          </p:stCondLst>
+                                        </p:cTn>
+                                        <p:tgtEl>
+                                          <p:spTgt spid="10"/>
+                                        </p:tgtEl>
+                                        <p:attrNameLst>
+                                          <p:attrName>style.visibility</p:attrName>
+                                        </p:attrNameLst>
+                                      </p:cBhvr>
+                                      <p:to>
+                                        <p:strVal val="visible"/>
+                                      </p:to>
+                                    </p:set>
+                                  </p:childTnLst>
+                                </p:cTn>
+                              </p:par>
+                            </p:childTnLst>
+                          </p:cTn>
+                        </p:par>
+                      </p:childTnLst>
+                    </p:cTn>
+                  </p:par>
+                </p:childTnLst>
+              </p:cTn>
+              <p:prevCondLst>
+                <p:cond evt="onPrev" delay="0">
+                  <p:tgtEl>
+                    <p:sldTgt/>
+                  </p:tgtEl>
+                </p:cond>
+              </p:prevCondLst>
+              <p:nextCondLst>
+                <p:cond evt="onNext" delay="0">
+                  <p:tgtEl>
+                    <p:sldTgt/>
+                  </p:tgtEl>
+                </p:cond>
+              </p:nextCondLst>
+            </p:seq>
+          </p:childTnLst>
+        </p:cTn>
+      </p:par>
+    </p:tnLst>
+    <p:bldLst>
+      <p:bldP spid="10" grpId="0" animBg="1"/>
+    </p:bldLst>
+  </p:timing>
 </p:sld>
 </file>
 
@@ -18221,12 +16356,70 @@
               <a:buChar char="-"/>
             </a:pPr>
             <a:r>
-              <a:rPr lang="de-DE" sz="1200" dirty="0"/>
-              <a:t>N</a:t>
-            </a:r>
-            <a:r>
               <a:rPr lang="en-GB" sz="1200" dirty="0"/>
-              <a:t>Y ISO exact links (latest access)</a:t>
+              <a:t>https://www.eia.gov/electricity/data/eia860M/ (accessed on 03.05.2023)</a:t>
+            </a:r>
+          </a:p>
+          <a:p>
+            <a:pPr marL="285750" indent="-285750">
+              <a:buFontTx/>
+              <a:buChar char="-"/>
+            </a:pPr>
+            <a:r>
+              <a:rPr lang="en-GB" sz="1200" dirty="0"/>
+              <a:t>https://www.nyiso.com/installed-capacity-market (accessed on 20.05.2023)</a:t>
+            </a:r>
+          </a:p>
+          <a:p>
+            <a:pPr marL="285750" indent="-285750">
+              <a:buFontTx/>
+              <a:buChar char="-"/>
+            </a:pPr>
+            <a:r>
+              <a:rPr lang="de-DE" sz="1200" dirty="0">
+                <a:highlight>
+                  <a:srgbClr val="FFFF00"/>
+                </a:highlight>
+              </a:rPr>
+              <a:t>Day-</a:t>
+            </a:r>
+            <a:r>
+              <a:rPr lang="de-DE" sz="1200" dirty="0" err="1">
+                <a:highlight>
+                  <a:srgbClr val="FFFF00"/>
+                </a:highlight>
+              </a:rPr>
+              <a:t>Ahead</a:t>
+            </a:r>
+            <a:r>
+              <a:rPr lang="de-DE" sz="1200" dirty="0">
+                <a:highlight>
+                  <a:srgbClr val="FFFF00"/>
+                </a:highlight>
+              </a:rPr>
+              <a:t> Prices</a:t>
+            </a:r>
+          </a:p>
+          <a:p>
+            <a:pPr marL="285750" indent="-285750">
+              <a:buFontTx/>
+              <a:buChar char="-"/>
+            </a:pPr>
+            <a:r>
+              <a:rPr lang="de-DE" sz="1200" dirty="0" err="1">
+                <a:highlight>
+                  <a:srgbClr val="FFFF00"/>
+                </a:highlight>
+              </a:rPr>
+              <a:t>Capacity</a:t>
+            </a:r>
+            <a:r>
+              <a:rPr lang="de-DE" sz="1200" dirty="0">
+                <a:highlight>
+                  <a:srgbClr val="FFFF00"/>
+                </a:highlight>
+              </a:rPr>
+              <a:t> Prices</a:t>
             </a:r>
           </a:p>
           <a:p>
@@ -18356,6 +16549,32 @@
             <a:r>
               <a:rPr lang="en-GB" sz="1200" dirty="0"/>
               <a:t>NYISO Training Documents: Installed Capacity (ICAP) Market, LSEs Capacity Obligations (https://www.nyiso.com/documents)</a:t>
+            </a:r>
+          </a:p>
+          <a:p>
+            <a:pPr marL="285750" indent="-285750">
+              <a:buFontTx/>
+              <a:buChar char="-"/>
+            </a:pPr>
+            <a:r>
+              <a:rPr lang="en-GB" sz="1200" dirty="0"/>
+              <a:t>Bhagwat, P. C., de Vries, L. J., &amp; Hobbs, B. F. (2016). Expert survey on capacity markets in the US: Lessons for the EU. </a:t>
+            </a:r>
+            <a:r>
+              <a:rPr lang="en-GB" sz="1200" i="1" dirty="0"/>
+              <a:t>Utilities Policy</a:t>
+            </a:r>
+            <a:r>
+              <a:rPr lang="en-GB" sz="1200" dirty="0"/>
+              <a:t>, </a:t>
+            </a:r>
+            <a:r>
+              <a:rPr lang="en-GB" sz="1200" i="1" dirty="0"/>
+              <a:t>38</a:t>
+            </a:r>
+            <a:r>
+              <a:rPr lang="en-GB" sz="1200" dirty="0"/>
+              <a:t>, 11-17.</a:t>
             </a:r>
           </a:p>
           <a:p>
@@ -24957,8 +23176,8 @@
           <a:chExt cx="0" cy="0"/>
         </a:xfrm>
       </p:grpSpPr>
-      <mc:AlternateContent xmlns:mc="http://schemas.openxmlformats.org/markup-compatibility/2006">
-        <mc:Choice xmlns:a14="http://schemas.microsoft.com/office/drawing/2010/main" Requires="a14">
+      <mc:AlternateContent xmlns:mc="http://schemas.openxmlformats.org/markup-compatibility/2006" xmlns:a14="http://schemas.microsoft.com/office/drawing/2010/main">
+        <mc:Choice Requires="a14">
           <p:sp>
             <p:nvSpPr>
               <p:cNvPr id="2" name="Inhaltsplatzhalter 1">
@@ -25336,7 +23555,7 @@
             </p:txBody>
           </p:sp>
         </mc:Choice>
-        <mc:Fallback>
+        <mc:Fallback xmlns="">
           <p:sp>
             <p:nvSpPr>
               <p:cNvPr id="2" name="Inhaltsplatzhalter 1">
@@ -25488,8 +23707,8 @@
           </a:p>
         </p:txBody>
       </p:sp>
-      <mc:AlternateContent xmlns:mc="http://schemas.openxmlformats.org/markup-compatibility/2006">
-        <mc:Choice xmlns:a14="http://schemas.microsoft.com/office/drawing/2010/main" Requires="a14">
+      <mc:AlternateContent xmlns:mc="http://schemas.openxmlformats.org/markup-compatibility/2006" xmlns:a14="http://schemas.microsoft.com/office/drawing/2010/main">
+        <mc:Choice Requires="a14">
           <p:sp>
             <p:nvSpPr>
               <p:cNvPr id="6" name="Rechteck 5">
@@ -25840,7 +24059,7 @@
             </p:txBody>
           </p:sp>
         </mc:Choice>
-        <mc:Fallback>
+        <mc:Fallback xmlns="">
           <p:sp>
             <p:nvSpPr>
               <p:cNvPr id="6" name="Rechteck 5">
@@ -25890,8 +24109,8 @@
           </p:sp>
         </mc:Fallback>
       </mc:AlternateContent>
-      <mc:AlternateContent xmlns:mc="http://schemas.openxmlformats.org/markup-compatibility/2006">
-        <mc:Choice xmlns:a14="http://schemas.microsoft.com/office/drawing/2010/main" Requires="a14">
+      <mc:AlternateContent xmlns:mc="http://schemas.openxmlformats.org/markup-compatibility/2006" xmlns:a14="http://schemas.microsoft.com/office/drawing/2010/main">
+        <mc:Choice Requires="a14">
           <p:sp>
             <p:nvSpPr>
               <p:cNvPr id="7" name="Textfeld 6">
@@ -26061,7 +24280,7 @@
             </p:txBody>
           </p:sp>
         </mc:Choice>
-        <mc:Fallback>
+        <mc:Fallback xmlns="">
           <p:sp>
             <p:nvSpPr>
               <p:cNvPr id="7" name="Textfeld 6">
@@ -27185,174 +25404,6 @@
       </p:grpSpPr>
       <p:sp>
         <p:nvSpPr>
-          <p:cNvPr id="2" name="Inhaltsplatzhalter 1">
-            <a:extLst>
-              <a:ext uri="{FF2B5EF4-FFF2-40B4-BE49-F238E27FC236}">
-                <a16:creationId xmlns:a16="http://schemas.microsoft.com/office/drawing/2014/main" id="{33D76746-9FE6-4DE5-882F-6007EA08FE49}"/>
-              </a:ext>
-            </a:extLst>
-          </p:cNvPr>
-          <p:cNvSpPr>
-            <a:spLocks noGrp="1"/>
-          </p:cNvSpPr>
-          <p:nvPr>
-            <p:ph idx="1"/>
-          </p:nvPr>
-        </p:nvSpPr>
-        <p:spPr>
-          <a:xfrm>
-            <a:off x="319090" y="2499359"/>
-            <a:ext cx="8508999" cy="3973953"/>
-          </a:xfrm>
-        </p:spPr>
-        <p:txBody>
-          <a:bodyPr/>
-          <a:lstStyle/>
-          <a:p>
-            <a:r>
-              <a:rPr lang="de-DE" dirty="0" err="1">
-                <a:cs typeface="Arial"/>
-              </a:rPr>
-              <a:t>Installed</a:t>
-            </a:r>
-            <a:r>
-              <a:rPr lang="de-DE" dirty="0">
-                <a:cs typeface="Arial"/>
-              </a:rPr>
-              <a:t> </a:t>
-            </a:r>
-            <a:r>
-              <a:rPr lang="de-DE" dirty="0" err="1">
-                <a:cs typeface="Arial"/>
-              </a:rPr>
-              <a:t>Capacity</a:t>
-            </a:r>
-            <a:r>
-              <a:rPr lang="de-DE" dirty="0">
-                <a:cs typeface="Arial"/>
-              </a:rPr>
-              <a:t> Resources 2023: ca. 40 GW</a:t>
-            </a:r>
-          </a:p>
-          <a:p>
-            <a:endParaRPr lang="de-DE" dirty="0">
-              <a:cs typeface="Arial"/>
-            </a:endParaRPr>
-          </a:p>
-          <a:p>
-            <a:pPr>
-              <a:lnSpc>
-                <a:spcPct val="113999"/>
-              </a:lnSpc>
-            </a:pPr>
-            <a:endParaRPr lang="de-DE" dirty="0">
-              <a:cs typeface="Arial"/>
-            </a:endParaRPr>
-          </a:p>
-          <a:p>
-            <a:pPr>
-              <a:lnSpc>
-                <a:spcPct val="113999"/>
-              </a:lnSpc>
-            </a:pPr>
-            <a:endParaRPr lang="de-DE" dirty="0">
-              <a:cs typeface="Arial"/>
-            </a:endParaRPr>
-          </a:p>
-          <a:p>
-            <a:pPr>
-              <a:lnSpc>
-                <a:spcPct val="113999"/>
-              </a:lnSpc>
-            </a:pPr>
-            <a:endParaRPr lang="de-DE" dirty="0">
-              <a:cs typeface="Arial"/>
-            </a:endParaRPr>
-          </a:p>
-          <a:p>
-            <a:pPr>
-              <a:lnSpc>
-                <a:spcPct val="113999"/>
-              </a:lnSpc>
-            </a:pPr>
-            <a:endParaRPr lang="de-DE" dirty="0">
-              <a:cs typeface="Arial"/>
-            </a:endParaRPr>
-          </a:p>
-          <a:p>
-            <a:pPr>
-              <a:lnSpc>
-                <a:spcPct val="113999"/>
-              </a:lnSpc>
-            </a:pPr>
-            <a:endParaRPr lang="de-DE" dirty="0">
-              <a:cs typeface="Arial"/>
-            </a:endParaRPr>
-          </a:p>
-          <a:p>
-            <a:pPr>
-              <a:lnSpc>
-                <a:spcPct val="113999"/>
-              </a:lnSpc>
-            </a:pPr>
-            <a:endParaRPr lang="de-DE" dirty="0">
-              <a:cs typeface="Arial"/>
-            </a:endParaRPr>
-          </a:p>
-          <a:p>
-            <a:pPr>
-              <a:lnSpc>
-                <a:spcPct val="113999"/>
-              </a:lnSpc>
-            </a:pPr>
-            <a:endParaRPr lang="de-DE" dirty="0">
-              <a:cs typeface="Arial"/>
-            </a:endParaRPr>
-          </a:p>
-          <a:p>
-            <a:pPr>
-              <a:lnSpc>
-                <a:spcPct val="113999"/>
-              </a:lnSpc>
-            </a:pPr>
-            <a:endParaRPr lang="de-DE" dirty="0">
-              <a:cs typeface="Arial"/>
-            </a:endParaRPr>
-          </a:p>
-          <a:p>
-            <a:pPr>
-              <a:lnSpc>
-                <a:spcPct val="113999"/>
-              </a:lnSpc>
-            </a:pPr>
-            <a:endParaRPr lang="de-DE" dirty="0">
-              <a:cs typeface="Arial"/>
-            </a:endParaRPr>
-          </a:p>
-          <a:p>
-            <a:pPr>
-              <a:lnSpc>
-                <a:spcPct val="113999"/>
-              </a:lnSpc>
-            </a:pPr>
-            <a:endParaRPr lang="de-DE" dirty="0">
-              <a:cs typeface="Arial"/>
-            </a:endParaRPr>
-          </a:p>
-          <a:p>
-            <a:pPr>
-              <a:lnSpc>
-                <a:spcPct val="113999"/>
-              </a:lnSpc>
-            </a:pPr>
-            <a:endParaRPr lang="de-DE" dirty="0">
-              <a:cs typeface="Arial"/>
-            </a:endParaRPr>
-          </a:p>
-        </p:txBody>
-      </p:sp>
-      <p:sp>
-        <p:nvSpPr>
           <p:cNvPr id="3" name="Foliennummernplatzhalter 2">
             <a:extLst>
               <a:ext uri="{FF2B5EF4-FFF2-40B4-BE49-F238E27FC236}">
@@ -27456,8 +25507,8 @@
         </p:nvSpPr>
         <p:spPr>
           <a:xfrm>
-            <a:off x="319090" y="1762188"/>
-            <a:ext cx="4901840" cy="714951"/>
+            <a:off x="1042218" y="1772856"/>
+            <a:ext cx="4178711" cy="714951"/>
           </a:xfrm>
         </p:spPr>
         <p:txBody>
@@ -27523,310 +25574,36 @@
           </a:p>
         </p:txBody>
       </p:sp>
-      <p:grpSp>
-        <p:nvGrpSpPr>
-          <p:cNvPr id="31" name="Gruppieren 30">
+      <p:pic>
+        <p:nvPicPr>
+          <p:cNvPr id="7" name="Picture 7">
             <a:extLst>
               <a:ext uri="{FF2B5EF4-FFF2-40B4-BE49-F238E27FC236}">
-                <a16:creationId xmlns:a16="http://schemas.microsoft.com/office/drawing/2014/main" id="{D8019C80-A024-43C6-A56E-286BF53EC0A3}"/>
+                <a16:creationId xmlns:a16="http://schemas.microsoft.com/office/drawing/2014/main" id="{ECB9BAA2-6919-6EB4-C5B3-D27438FBC864}"/>
               </a:ext>
             </a:extLst>
           </p:cNvPr>
-          <p:cNvGrpSpPr/>
+          <p:cNvPicPr>
+            <a:picLocks noChangeAspect="1"/>
+          </p:cNvPicPr>
           <p:nvPr/>
-        </p:nvGrpSpPr>
-        <p:grpSpPr>
-          <a:xfrm>
-            <a:off x="210935" y="2949677"/>
-            <a:ext cx="5009995" cy="2862370"/>
-            <a:chOff x="483071" y="3057755"/>
-            <a:chExt cx="5568813" cy="3005223"/>
-          </a:xfrm>
-        </p:grpSpPr>
-        <p:pic>
-          <p:nvPicPr>
-            <p:cNvPr id="7" name="Picture 7">
-              <a:extLst>
-                <a:ext uri="{FF2B5EF4-FFF2-40B4-BE49-F238E27FC236}">
-                  <a16:creationId xmlns:a16="http://schemas.microsoft.com/office/drawing/2014/main" id="{ECB9BAA2-6919-6EB4-C5B3-D27438FBC864}"/>
-                </a:ext>
-              </a:extLst>
-            </p:cNvPr>
-            <p:cNvPicPr>
-              <a:picLocks noChangeAspect="1"/>
-            </p:cNvPicPr>
-            <p:nvPr/>
-          </p:nvPicPr>
-          <p:blipFill>
-            <a:blip r:embed="rId2"/>
-            <a:stretch>
-              <a:fillRect/>
-            </a:stretch>
-          </p:blipFill>
-          <p:spPr>
-            <a:xfrm>
-              <a:off x="483071" y="3256336"/>
-              <a:ext cx="5568813" cy="2806642"/>
-            </a:xfrm>
-            <a:prstGeom prst="rect">
-              <a:avLst/>
-            </a:prstGeom>
-          </p:spPr>
-        </p:pic>
-        <p:sp>
-          <p:nvSpPr>
-            <p:cNvPr id="25" name="Textfeld 24">
-              <a:extLst>
-                <a:ext uri="{FF2B5EF4-FFF2-40B4-BE49-F238E27FC236}">
-                  <a16:creationId xmlns:a16="http://schemas.microsoft.com/office/drawing/2014/main" id="{F7FB12D9-55C1-45A2-BC52-A4ED51BA7C64}"/>
-                </a:ext>
-              </a:extLst>
-            </p:cNvPr>
-            <p:cNvSpPr txBox="1"/>
-            <p:nvPr/>
-          </p:nvSpPr>
-          <p:spPr>
-            <a:xfrm>
-              <a:off x="2643116" y="3057755"/>
-              <a:ext cx="1248722" cy="198581"/>
-            </a:xfrm>
-            <a:prstGeom prst="rect">
-              <a:avLst/>
-            </a:prstGeom>
-            <a:noFill/>
-          </p:spPr>
-          <p:txBody>
-            <a:bodyPr wrap="square" lIns="0" tIns="0" rIns="0" bIns="0" rtlCol="0">
-              <a:spAutoFit/>
-            </a:bodyPr>
-            <a:lstStyle/>
-            <a:p>
-              <a:pPr>
-                <a:lnSpc>
-                  <a:spcPct val="114000"/>
-                </a:lnSpc>
-              </a:pPr>
-              <a:r>
-                <a:rPr lang="de-DE" sz="1200" dirty="0" err="1">
-                  <a:latin typeface="Calibri" panose="020F0502020204030204" pitchFamily="34" charset="0"/>
-                  <a:cs typeface="Calibri" panose="020F0502020204030204" pitchFamily="34" charset="0"/>
-                </a:rPr>
-                <a:t>Installed</a:t>
-              </a:r>
-              <a:r>
-                <a:rPr lang="de-DE" sz="1200" dirty="0">
-                  <a:latin typeface="Calibri" panose="020F0502020204030204" pitchFamily="34" charset="0"/>
-                  <a:cs typeface="Calibri" panose="020F0502020204030204" pitchFamily="34" charset="0"/>
-                </a:rPr>
-                <a:t> </a:t>
-              </a:r>
-              <a:r>
-                <a:rPr lang="de-DE" sz="1200" dirty="0" err="1">
-                  <a:latin typeface="Calibri" panose="020F0502020204030204" pitchFamily="34" charset="0"/>
-                  <a:cs typeface="Calibri" panose="020F0502020204030204" pitchFamily="34" charset="0"/>
-                </a:rPr>
-                <a:t>Capacity</a:t>
-              </a:r>
-              <a:endParaRPr lang="en-GB" sz="1200" dirty="0" err="1">
-                <a:latin typeface="Calibri" panose="020F0502020204030204" pitchFamily="34" charset="0"/>
-                <a:cs typeface="Calibri" panose="020F0502020204030204" pitchFamily="34" charset="0"/>
-              </a:endParaRPr>
-            </a:p>
-          </p:txBody>
-        </p:sp>
-      </p:grpSp>
-      <p:sp>
-        <p:nvSpPr>
-          <p:cNvPr id="9" name="Textfeld 8">
-            <a:extLst>
-              <a:ext uri="{FF2B5EF4-FFF2-40B4-BE49-F238E27FC236}">
-                <a16:creationId xmlns:a16="http://schemas.microsoft.com/office/drawing/2014/main" id="{1C4682BC-FD38-44EC-8DD2-27775D6F0835}"/>
-              </a:ext>
-            </a:extLst>
-          </p:cNvPr>
-          <p:cNvSpPr txBox="1"/>
-          <p:nvPr/>
-        </p:nvSpPr>
+        </p:nvPicPr>
+        <p:blipFill>
+          <a:blip r:embed="rId2"/>
+          <a:stretch>
+            <a:fillRect/>
+          </a:stretch>
+        </p:blipFill>
         <p:spPr>
           <a:xfrm>
-            <a:off x="311162" y="5906540"/>
-            <a:ext cx="5017922" cy="755913"/>
+            <a:off x="319090" y="2279687"/>
+            <a:ext cx="4815183" cy="2700000"/>
           </a:xfrm>
           <a:prstGeom prst="rect">
             <a:avLst/>
           </a:prstGeom>
-          <a:noFill/>
         </p:spPr>
-        <p:txBody>
-          <a:bodyPr wrap="square" lIns="0" tIns="0" rIns="0" bIns="0" rtlCol="0">
-            <a:spAutoFit/>
-          </a:bodyPr>
-          <a:lstStyle/>
-          <a:p>
-            <a:pPr>
-              <a:lnSpc>
-                <a:spcPct val="113999"/>
-              </a:lnSpc>
-            </a:pPr>
-            <a:r>
-              <a:rPr lang="de-DE" sz="1100" dirty="0">
-                <a:cs typeface="Arial"/>
-              </a:rPr>
-              <a:t>Source: </a:t>
-            </a:r>
-            <a:r>
-              <a:rPr lang="de-DE" sz="1100" dirty="0">
-                <a:ea typeface="+mn-lt"/>
-                <a:cs typeface="+mn-lt"/>
-              </a:rPr>
-              <a:t>NPCC 2022 Interim New York Area Review </a:t>
-            </a:r>
-            <a:r>
-              <a:rPr lang="de-DE" sz="1100" dirty="0" err="1">
-                <a:ea typeface="+mn-lt"/>
-                <a:cs typeface="+mn-lt"/>
-              </a:rPr>
-              <a:t>of</a:t>
-            </a:r>
-            <a:r>
-              <a:rPr lang="de-DE" sz="1100" dirty="0">
-                <a:ea typeface="+mn-lt"/>
-                <a:cs typeface="+mn-lt"/>
-              </a:rPr>
-              <a:t> </a:t>
-            </a:r>
-            <a:r>
-              <a:rPr lang="de-DE" sz="1100" dirty="0" err="1">
-                <a:ea typeface="+mn-lt"/>
-                <a:cs typeface="+mn-lt"/>
-              </a:rPr>
-              <a:t>Resource</a:t>
-            </a:r>
-            <a:r>
-              <a:rPr lang="de-DE" sz="1100" dirty="0">
-                <a:ea typeface="+mn-lt"/>
-                <a:cs typeface="+mn-lt"/>
-              </a:rPr>
-              <a:t> </a:t>
-            </a:r>
-            <a:r>
-              <a:rPr lang="de-DE" sz="1100" dirty="0" err="1">
-                <a:ea typeface="+mn-lt"/>
-                <a:cs typeface="+mn-lt"/>
-              </a:rPr>
-              <a:t>Adequacy</a:t>
-            </a:r>
-            <a:r>
-              <a:rPr lang="de-DE" sz="1100" dirty="0">
-                <a:ea typeface="+mn-lt"/>
-                <a:cs typeface="+mn-lt"/>
-              </a:rPr>
-              <a:t>, NYISO, 2022; </a:t>
-            </a:r>
-            <a:r>
-              <a:rPr lang="en-GB" sz="1100" dirty="0"/>
-              <a:t>Preliminary Monthly Electric Generator Inventory (https://www.eia.gov/electricity/data/eia860M/)</a:t>
-            </a:r>
-            <a:endParaRPr lang="de-DE" sz="1100" dirty="0"/>
-          </a:p>
-          <a:p>
-            <a:pPr>
-              <a:lnSpc>
-                <a:spcPct val="114000"/>
-              </a:lnSpc>
-            </a:pPr>
-            <a:endParaRPr lang="en-GB" sz="1100" dirty="0" err="1">
-              <a:latin typeface="+mn-lt"/>
-            </a:endParaRPr>
-          </a:p>
-        </p:txBody>
-      </p:sp>
-      <p:sp>
-        <p:nvSpPr>
-          <p:cNvPr id="20" name="Rechteck 19">
-            <a:extLst>
-              <a:ext uri="{FF2B5EF4-FFF2-40B4-BE49-F238E27FC236}">
-                <a16:creationId xmlns:a16="http://schemas.microsoft.com/office/drawing/2014/main" id="{76410824-6917-4F62-B969-A7C6E7E2E8F9}"/>
-              </a:ext>
-            </a:extLst>
-          </p:cNvPr>
-          <p:cNvSpPr/>
-          <p:nvPr/>
-        </p:nvSpPr>
-        <p:spPr>
-          <a:xfrm>
-            <a:off x="1609803" y="3917801"/>
-            <a:ext cx="2212258" cy="815444"/>
-          </a:xfrm>
-          <a:prstGeom prst="rect">
-            <a:avLst/>
-          </a:prstGeom>
-          <a:ln>
-            <a:noFill/>
-          </a:ln>
-        </p:spPr>
-        <p:style>
-          <a:lnRef idx="2">
-            <a:schemeClr val="accent1">
-              <a:shade val="50000"/>
-            </a:schemeClr>
-          </a:lnRef>
-          <a:fillRef idx="1">
-            <a:schemeClr val="accent1"/>
-          </a:fillRef>
-          <a:effectRef idx="0">
-            <a:schemeClr val="accent1"/>
-          </a:effectRef>
-          <a:fontRef idx="minor">
-            <a:schemeClr val="lt1"/>
-          </a:fontRef>
-        </p:style>
-        <p:txBody>
-          <a:bodyPr rot="0" spcFirstLastPara="0" vertOverflow="overflow" horzOverflow="overflow" vert="horz" wrap="square" lIns="91440" tIns="45720" rIns="91440" bIns="45720" numCol="1" spcCol="0" rtlCol="0" fromWordArt="0" anchor="t" anchorCtr="0" forceAA="0" compatLnSpc="1">
-            <a:prstTxWarp prst="textNoShape">
-              <a:avLst/>
-            </a:prstTxWarp>
-            <a:noAutofit/>
-          </a:bodyPr>
-          <a:lstStyle/>
-          <a:p>
-            <a:pPr algn="ctr">
-              <a:lnSpc>
-                <a:spcPct val="114000"/>
-              </a:lnSpc>
-            </a:pPr>
-            <a:r>
-              <a:rPr lang="de-DE" dirty="0"/>
-              <a:t>Title </a:t>
-            </a:r>
-            <a:r>
-              <a:rPr lang="de-DE" dirty="0" err="1"/>
-              <a:t>with</a:t>
-            </a:r>
-            <a:r>
-              <a:rPr lang="de-DE" dirty="0"/>
-              <a:t> Python, </a:t>
-            </a:r>
-            <a:r>
-              <a:rPr lang="de-DE" dirty="0" err="1"/>
-              <a:t>smaller</a:t>
-            </a:r>
-            <a:r>
-              <a:rPr lang="de-DE" dirty="0"/>
-              <a:t> </a:t>
-            </a:r>
-            <a:r>
-              <a:rPr lang="de-DE" dirty="0" err="1"/>
-              <a:t>width</a:t>
-            </a:r>
-            <a:r>
-              <a:rPr lang="de-DE" dirty="0"/>
-              <a:t> </a:t>
-            </a:r>
-            <a:endParaRPr lang="en-GB" dirty="0"/>
-          </a:p>
-        </p:txBody>
-      </p:sp>
+      </p:pic>
       <p:sp>
         <p:nvSpPr>
           <p:cNvPr id="21" name="Textplatzhalter 4">
@@ -27843,8 +25620,8 @@
         </p:nvSpPr>
         <p:spPr>
           <a:xfrm>
-            <a:off x="5437238" y="1784408"/>
-            <a:ext cx="3387671" cy="714951"/>
+            <a:off x="6046839" y="3279495"/>
+            <a:ext cx="2536722" cy="714951"/>
           </a:xfrm>
           <a:prstGeom prst="rect">
             <a:avLst/>
@@ -28043,198 +25820,36 @@
           </a:p>
         </p:txBody>
       </p:sp>
-      <p:sp>
-        <p:nvSpPr>
-          <p:cNvPr id="22" name="Rechteck 21">
+      <p:pic>
+        <p:nvPicPr>
+          <p:cNvPr id="8" name="Grafik 7">
             <a:extLst>
               <a:ext uri="{FF2B5EF4-FFF2-40B4-BE49-F238E27FC236}">
-                <a16:creationId xmlns:a16="http://schemas.microsoft.com/office/drawing/2014/main" id="{DA315097-AAF4-490B-8212-7A9F7795CED5}"/>
+                <a16:creationId xmlns:a16="http://schemas.microsoft.com/office/drawing/2014/main" id="{4C86A30B-5C1D-48EB-B17E-1365AE74E8B9}"/>
               </a:ext>
             </a:extLst>
           </p:cNvPr>
-          <p:cNvSpPr/>
+          <p:cNvPicPr>
+            <a:picLocks noChangeAspect="1"/>
+          </p:cNvPicPr>
           <p:nvPr/>
-        </p:nvSpPr>
+        </p:nvPicPr>
+        <p:blipFill>
+          <a:blip r:embed="rId3"/>
+          <a:stretch>
+            <a:fillRect/>
+          </a:stretch>
+        </p:blipFill>
         <p:spPr>
           <a:xfrm>
-            <a:off x="6026144" y="3672653"/>
-            <a:ext cx="2212258" cy="1060592"/>
+            <a:off x="4596146" y="3901360"/>
+            <a:ext cx="4242020" cy="2573285"/>
           </a:xfrm>
           <a:prstGeom prst="rect">
             <a:avLst/>
           </a:prstGeom>
-          <a:ln>
-            <a:noFill/>
-          </a:ln>
         </p:spPr>
-        <p:style>
-          <a:lnRef idx="2">
-            <a:schemeClr val="accent1">
-              <a:shade val="50000"/>
-            </a:schemeClr>
-          </a:lnRef>
-          <a:fillRef idx="1">
-            <a:schemeClr val="accent1"/>
-          </a:fillRef>
-          <a:effectRef idx="0">
-            <a:schemeClr val="accent1"/>
-          </a:effectRef>
-          <a:fontRef idx="minor">
-            <a:schemeClr val="lt1"/>
-          </a:fontRef>
-        </p:style>
-        <p:txBody>
-          <a:bodyPr rot="0" spcFirstLastPara="0" vertOverflow="overflow" horzOverflow="overflow" vert="horz" wrap="square" lIns="91440" tIns="45720" rIns="91440" bIns="45720" numCol="1" spcCol="0" rtlCol="0" fromWordArt="0" anchor="t" anchorCtr="0" forceAA="0" compatLnSpc="1">
-            <a:prstTxWarp prst="textNoShape">
-              <a:avLst/>
-            </a:prstTxWarp>
-            <a:noAutofit/>
-          </a:bodyPr>
-          <a:lstStyle/>
-          <a:p>
-            <a:pPr algn="ctr">
-              <a:lnSpc>
-                <a:spcPct val="114000"/>
-              </a:lnSpc>
-            </a:pPr>
-            <a:r>
-              <a:rPr lang="de-DE" dirty="0"/>
-              <a:t>Plot UCAP </a:t>
-            </a:r>
-            <a:r>
-              <a:rPr lang="de-DE" dirty="0" err="1"/>
-              <a:t>for</a:t>
-            </a:r>
-            <a:r>
-              <a:rPr lang="de-DE" dirty="0"/>
-              <a:t> all </a:t>
-            </a:r>
-            <a:r>
-              <a:rPr lang="de-DE" dirty="0" err="1"/>
-              <a:t>localities</a:t>
-            </a:r>
-            <a:r>
-              <a:rPr lang="de-DE" dirty="0"/>
-              <a:t> </a:t>
-            </a:r>
-            <a:r>
-              <a:rPr lang="de-DE" dirty="0" err="1"/>
-              <a:t>with</a:t>
-            </a:r>
-            <a:r>
-              <a:rPr lang="de-DE" dirty="0"/>
-              <a:t> Python</a:t>
-            </a:r>
-            <a:endParaRPr lang="en-GB" dirty="0"/>
-          </a:p>
-        </p:txBody>
-      </p:sp>
-      <p:sp>
-        <p:nvSpPr>
-          <p:cNvPr id="14" name="Rechteck 13">
-            <a:extLst>
-              <a:ext uri="{FF2B5EF4-FFF2-40B4-BE49-F238E27FC236}">
-                <a16:creationId xmlns:a16="http://schemas.microsoft.com/office/drawing/2014/main" id="{4C4E6866-6456-4E98-A285-707C321899E4}"/>
-              </a:ext>
-            </a:extLst>
-          </p:cNvPr>
-          <p:cNvSpPr/>
-          <p:nvPr/>
-        </p:nvSpPr>
-        <p:spPr>
-          <a:xfrm>
-            <a:off x="3839751" y="5064811"/>
-            <a:ext cx="2212258" cy="1032742"/>
-          </a:xfrm>
-          <a:prstGeom prst="rect">
-            <a:avLst/>
-          </a:prstGeom>
-          <a:ln>
-            <a:noFill/>
-          </a:ln>
-        </p:spPr>
-        <p:style>
-          <a:lnRef idx="2">
-            <a:schemeClr val="accent1">
-              <a:shade val="50000"/>
-            </a:schemeClr>
-          </a:lnRef>
-          <a:fillRef idx="1">
-            <a:schemeClr val="accent1"/>
-          </a:fillRef>
-          <a:effectRef idx="0">
-            <a:schemeClr val="accent1"/>
-          </a:effectRef>
-          <a:fontRef idx="minor">
-            <a:schemeClr val="lt1"/>
-          </a:fontRef>
-        </p:style>
-        <p:txBody>
-          <a:bodyPr rot="0" spcFirstLastPara="0" vertOverflow="overflow" horzOverflow="overflow" vert="horz" wrap="square" lIns="91440" tIns="45720" rIns="91440" bIns="45720" numCol="1" spcCol="0" rtlCol="0" fromWordArt="0" anchor="t" anchorCtr="0" forceAA="0" compatLnSpc="1">
-            <a:prstTxWarp prst="textNoShape">
-              <a:avLst/>
-            </a:prstTxWarp>
-            <a:noAutofit/>
-          </a:bodyPr>
-          <a:lstStyle/>
-          <a:p>
-            <a:pPr algn="ctr">
-              <a:lnSpc>
-                <a:spcPct val="114000"/>
-              </a:lnSpc>
-            </a:pPr>
-            <a:r>
-              <a:rPr lang="de-DE" dirty="0"/>
-              <a:t>X-</a:t>
-            </a:r>
-            <a:r>
-              <a:rPr lang="de-DE" dirty="0" err="1"/>
-              <a:t>axis</a:t>
-            </a:r>
-            <a:r>
-              <a:rPr lang="de-DE" dirty="0"/>
-              <a:t> </a:t>
-            </a:r>
-            <a:r>
-              <a:rPr lang="de-DE" dirty="0" err="1"/>
-              <a:t>as</a:t>
-            </a:r>
-            <a:r>
-              <a:rPr lang="de-DE" dirty="0"/>
-              <a:t> </a:t>
-            </a:r>
-            <a:r>
-              <a:rPr lang="de-DE" dirty="0" err="1"/>
-              <a:t>daterange</a:t>
-            </a:r>
-            <a:r>
-              <a:rPr lang="de-DE" dirty="0"/>
-              <a:t>, </a:t>
-            </a:r>
-            <a:r>
-              <a:rPr lang="de-DE" dirty="0" err="1"/>
-              <a:t>don‘t</a:t>
-            </a:r>
-            <a:r>
-              <a:rPr lang="de-DE" dirty="0"/>
-              <a:t> </a:t>
-            </a:r>
-            <a:r>
-              <a:rPr lang="de-DE" dirty="0" err="1"/>
-              <a:t>tilt</a:t>
-            </a:r>
-            <a:r>
-              <a:rPr lang="de-DE" dirty="0"/>
-              <a:t> </a:t>
-            </a:r>
-            <a:r>
-              <a:rPr lang="de-DE" dirty="0" err="1"/>
-              <a:t>years</a:t>
-            </a:r>
-            <a:endParaRPr lang="en-GB" dirty="0"/>
-          </a:p>
-        </p:txBody>
-      </p:sp>
+      </p:pic>
     </p:spTree>
     <p:extLst>
       <p:ext uri="{BB962C8B-B14F-4D97-AF65-F5344CB8AC3E}">
@@ -28370,8 +25985,8 @@
         </p:nvSpPr>
         <p:spPr>
           <a:xfrm>
-            <a:off x="319089" y="1762188"/>
-            <a:ext cx="3721969" cy="714951"/>
+            <a:off x="1032387" y="1762188"/>
+            <a:ext cx="3008671" cy="714951"/>
           </a:xfrm>
         </p:spPr>
         <p:txBody>
@@ -28439,153 +26054,39 @@
           </a:p>
         </p:txBody>
       </p:sp>
-      <p:sp>
-        <p:nvSpPr>
-          <p:cNvPr id="2" name="Textfeld 15">
+      <p:pic>
+        <p:nvPicPr>
+          <p:cNvPr id="13" name="Grafik 12">
             <a:extLst>
               <a:ext uri="{FF2B5EF4-FFF2-40B4-BE49-F238E27FC236}">
-                <a16:creationId xmlns:a16="http://schemas.microsoft.com/office/drawing/2014/main" id="{3F82065D-A39C-149D-C9F0-F595FE65C33A}"/>
+                <a16:creationId xmlns:a16="http://schemas.microsoft.com/office/drawing/2014/main" id="{3E38C3A4-A392-451D-AD10-65141C67EC5F}"/>
               </a:ext>
             </a:extLst>
           </p:cNvPr>
-          <p:cNvSpPr txBox="1"/>
+          <p:cNvPicPr>
+            <a:picLocks noChangeAspect="1"/>
+          </p:cNvPicPr>
           <p:nvPr/>
-        </p:nvSpPr>
+        </p:nvPicPr>
+        <p:blipFill>
+          <a:blip r:embed="rId2"/>
+          <a:stretch>
+            <a:fillRect/>
+          </a:stretch>
+        </p:blipFill>
         <p:spPr>
           <a:xfrm>
-            <a:off x="319089" y="6037454"/>
-            <a:ext cx="3721969" cy="562911"/>
+            <a:off x="311162" y="2249685"/>
+            <a:ext cx="4366533" cy="2700000"/>
           </a:xfrm>
           <a:prstGeom prst="rect">
             <a:avLst/>
           </a:prstGeom>
-          <a:noFill/>
         </p:spPr>
-        <p:txBody>
-          <a:bodyPr wrap="square" lIns="0" tIns="0" rIns="0" bIns="0" rtlCol="0">
-            <a:spAutoFit/>
-          </a:bodyPr>
-          <a:lstStyle/>
-          <a:p>
-            <a:pPr>
-              <a:lnSpc>
-                <a:spcPct val="114000"/>
-              </a:lnSpc>
-            </a:pPr>
-            <a:r>
-              <a:rPr lang="en-GB" sz="1100" dirty="0"/>
-              <a:t>From: NYISO </a:t>
-            </a:r>
-            <a:r>
-              <a:rPr lang="hu-HU" sz="1100" dirty="0"/>
-              <a:t>Market </a:t>
-            </a:r>
-            <a:r>
-              <a:rPr lang="hu-HU" sz="1100" dirty="0" err="1"/>
-              <a:t>Prices</a:t>
-            </a:r>
-            <a:r>
-              <a:rPr lang="hu-HU" sz="1100" dirty="0"/>
-              <a:t>, </a:t>
-            </a:r>
-            <a:r>
-              <a:rPr lang="hu-HU" sz="1100" dirty="0" err="1"/>
-              <a:t>Custom</a:t>
-            </a:r>
-            <a:r>
-              <a:rPr lang="hu-HU" sz="1100" dirty="0"/>
-              <a:t> </a:t>
-            </a:r>
-            <a:r>
-              <a:rPr lang="hu-HU" sz="1100" dirty="0" err="1"/>
-              <a:t>Report</a:t>
-            </a:r>
-            <a:r>
-              <a:rPr lang="hu-HU" sz="1100" dirty="0"/>
-              <a:t> </a:t>
-            </a:r>
-            <a:r>
-              <a:rPr lang="hu-HU" sz="1100" dirty="0" err="1"/>
-              <a:t>for</a:t>
-            </a:r>
-            <a:r>
-              <a:rPr lang="hu-HU" sz="1100" dirty="0"/>
-              <a:t> Day-</a:t>
-            </a:r>
-            <a:r>
-              <a:rPr lang="hu-HU" sz="1100" dirty="0" err="1"/>
-              <a:t>Ahead</a:t>
-            </a:r>
-            <a:r>
-              <a:rPr lang="hu-HU" sz="1100" dirty="0"/>
-              <a:t> </a:t>
-            </a:r>
-            <a:r>
-              <a:rPr lang="hu-HU" sz="1100" dirty="0" err="1"/>
-              <a:t>Electricity</a:t>
-            </a:r>
-            <a:r>
-              <a:rPr lang="hu-HU" sz="1100" dirty="0"/>
-              <a:t> </a:t>
-            </a:r>
-            <a:r>
-              <a:rPr lang="hu-HU" sz="1100" dirty="0" err="1"/>
-              <a:t>Prices</a:t>
-            </a:r>
-            <a:r>
-              <a:rPr lang="hu-HU" sz="1100" dirty="0"/>
-              <a:t>, NYISO, 2023 </a:t>
-            </a:r>
-            <a:r>
-              <a:rPr lang="en-GB" sz="1100" dirty="0"/>
-              <a:t>(https://www.nyiso.com)</a:t>
-            </a:r>
-          </a:p>
-          <a:p>
-            <a:pPr>
-              <a:lnSpc>
-                <a:spcPct val="114000"/>
-              </a:lnSpc>
-            </a:pPr>
-            <a:endParaRPr lang="en-GB" sz="1100" dirty="0">
-              <a:latin typeface="+mn-lt"/>
-            </a:endParaRPr>
-          </a:p>
-        </p:txBody>
-      </p:sp>
-      <p:graphicFrame>
-        <p:nvGraphicFramePr>
-          <p:cNvPr id="10" name="Chart 9">
-            <a:extLst>
-              <a:ext uri="{FF2B5EF4-FFF2-40B4-BE49-F238E27FC236}">
-                <a16:creationId xmlns:a16="http://schemas.microsoft.com/office/drawing/2014/main" id="{7A20749E-3599-462B-E518-347A8C45732A}"/>
-              </a:ext>
-            </a:extLst>
-          </p:cNvPr>
-          <p:cNvGraphicFramePr>
-            <a:graphicFrameLocks/>
-          </p:cNvGraphicFramePr>
-          <p:nvPr>
-            <p:extLst>
-              <p:ext uri="{D42A27DB-BD31-4B8C-83A1-F6EECF244321}">
-                <p14:modId xmlns:p14="http://schemas.microsoft.com/office/powerpoint/2010/main" val="120274238"/>
-              </p:ext>
-            </p:extLst>
-          </p:nvPr>
-        </p:nvGraphicFramePr>
-        <p:xfrm>
-          <a:off x="319089" y="2359742"/>
-          <a:ext cx="3721969" cy="3303639"/>
-        </p:xfrm>
-        <a:graphic>
-          <a:graphicData uri="http://schemas.openxmlformats.org/drawingml/2006/chart">
-            <c:chart xmlns:c="http://schemas.openxmlformats.org/drawingml/2006/chart" xmlns:r="http://schemas.openxmlformats.org/officeDocument/2006/relationships" r:id="rId2"/>
-          </a:graphicData>
-        </a:graphic>
-      </p:graphicFrame>
+      </p:pic>
       <p:pic>
         <p:nvPicPr>
-          <p:cNvPr id="8" name="Picture 7" descr="Chart&#10;&#10;Description automatically generated">
+          <p:cNvPr id="8" name="Picture 7">
             <a:extLst>
               <a:ext uri="{FF2B5EF4-FFF2-40B4-BE49-F238E27FC236}">
                 <a16:creationId xmlns:a16="http://schemas.microsoft.com/office/drawing/2014/main" id="{3B1E56E5-7EFC-4F68-82BC-844B583FDEDE}"/>
@@ -28607,131 +26108,17 @@
         </p:blipFill>
         <p:spPr>
           <a:xfrm>
-            <a:off x="4406911" y="2595717"/>
-            <a:ext cx="4418000" cy="3155840"/>
+            <a:off x="4406911" y="3661927"/>
+            <a:ext cx="4374113" cy="2700000"/>
           </a:xfrm>
         </p:spPr>
       </p:pic>
       <p:sp>
         <p:nvSpPr>
-          <p:cNvPr id="9" name="Textfeld 15">
+          <p:cNvPr id="14" name="Textplatzhalter 4">
             <a:extLst>
               <a:ext uri="{FF2B5EF4-FFF2-40B4-BE49-F238E27FC236}">
-                <a16:creationId xmlns:a16="http://schemas.microsoft.com/office/drawing/2014/main" id="{5F77D99B-8993-492E-868F-FD89704567E4}"/>
-              </a:ext>
-            </a:extLst>
-          </p:cNvPr>
-          <p:cNvSpPr txBox="1"/>
-          <p:nvPr/>
-        </p:nvSpPr>
-        <p:spPr>
-          <a:xfrm>
-            <a:off x="4572000" y="6036588"/>
-            <a:ext cx="4002355" cy="562911"/>
-          </a:xfrm>
-          <a:prstGeom prst="rect">
-            <a:avLst/>
-          </a:prstGeom>
-          <a:noFill/>
-        </p:spPr>
-        <p:txBody>
-          <a:bodyPr wrap="square" lIns="0" tIns="0" rIns="0" bIns="0" rtlCol="0">
-            <a:spAutoFit/>
-          </a:bodyPr>
-          <a:lstStyle/>
-          <a:p>
-            <a:pPr>
-              <a:lnSpc>
-                <a:spcPct val="114000"/>
-              </a:lnSpc>
-            </a:pPr>
-            <a:r>
-              <a:rPr lang="en-GB" sz="1100" dirty="0"/>
-              <a:t>From: NYISO </a:t>
-            </a:r>
-            <a:r>
-              <a:rPr lang="hu-HU" sz="1100" dirty="0"/>
-              <a:t>Market </a:t>
-            </a:r>
-            <a:r>
-              <a:rPr lang="hu-HU" sz="1100" dirty="0" err="1"/>
-              <a:t>Prices</a:t>
-            </a:r>
-            <a:r>
-              <a:rPr lang="hu-HU" sz="1100" dirty="0"/>
-              <a:t>, </a:t>
-            </a:r>
-            <a:r>
-              <a:rPr lang="hu-HU" sz="1100" dirty="0" err="1"/>
-              <a:t>Custom</a:t>
-            </a:r>
-            <a:r>
-              <a:rPr lang="hu-HU" sz="1100" dirty="0"/>
-              <a:t> </a:t>
-            </a:r>
-            <a:r>
-              <a:rPr lang="hu-HU" sz="1100" dirty="0" err="1"/>
-              <a:t>Report</a:t>
-            </a:r>
-            <a:r>
-              <a:rPr lang="hu-HU" sz="1100" dirty="0"/>
-              <a:t> </a:t>
-            </a:r>
-            <a:r>
-              <a:rPr lang="hu-HU" sz="1100" dirty="0" err="1"/>
-              <a:t>for</a:t>
-            </a:r>
-            <a:r>
-              <a:rPr lang="hu-HU" sz="1100" dirty="0"/>
-              <a:t> Day-</a:t>
-            </a:r>
-            <a:r>
-              <a:rPr lang="hu-HU" sz="1100" dirty="0" err="1"/>
-              <a:t>Ahead</a:t>
-            </a:r>
-            <a:r>
-              <a:rPr lang="hu-HU" sz="1100" dirty="0"/>
-              <a:t> </a:t>
-            </a:r>
-            <a:r>
-              <a:rPr lang="hu-HU" sz="1100" dirty="0" err="1"/>
-              <a:t>Electricity</a:t>
-            </a:r>
-            <a:r>
-              <a:rPr lang="hu-HU" sz="1100" dirty="0"/>
-              <a:t> </a:t>
-            </a:r>
-            <a:r>
-              <a:rPr lang="hu-HU" sz="1100" dirty="0" err="1"/>
-              <a:t>Prices</a:t>
-            </a:r>
-            <a:r>
-              <a:rPr lang="hu-HU" sz="1100" dirty="0"/>
-              <a:t>, NYISO, 2023 </a:t>
-            </a:r>
-            <a:r>
-              <a:rPr lang="en-GB" sz="1100" dirty="0"/>
-              <a:t>(https://www.nyiso.com)</a:t>
-            </a:r>
-          </a:p>
-          <a:p>
-            <a:pPr>
-              <a:lnSpc>
-                <a:spcPct val="114000"/>
-              </a:lnSpc>
-            </a:pPr>
-            <a:endParaRPr lang="en-GB" sz="1100" dirty="0">
-              <a:latin typeface="+mn-lt"/>
-            </a:endParaRPr>
-          </a:p>
-        </p:txBody>
-      </p:sp>
-      <p:sp>
-        <p:nvSpPr>
-          <p:cNvPr id="11" name="Textplatzhalter 4">
-            <a:extLst>
-              <a:ext uri="{FF2B5EF4-FFF2-40B4-BE49-F238E27FC236}">
-                <a16:creationId xmlns:a16="http://schemas.microsoft.com/office/drawing/2014/main" id="{43D2EAA3-691F-4E4B-85BD-317F868D0788}"/>
+                <a16:creationId xmlns:a16="http://schemas.microsoft.com/office/drawing/2014/main" id="{ACCCD1FA-C10D-4106-ADB2-EE4754C8B313}"/>
               </a:ext>
             </a:extLst>
           </p:cNvPr>
@@ -28742,8 +26129,8 @@
         </p:nvSpPr>
         <p:spPr>
           <a:xfrm>
-            <a:off x="4406911" y="1762187"/>
-            <a:ext cx="4294637" cy="714951"/>
+            <a:off x="5093109" y="3132013"/>
+            <a:ext cx="3490451" cy="714951"/>
           </a:xfrm>
           <a:prstGeom prst="rect">
             <a:avLst/>
@@ -28939,179 +26326,16 @@
               <a:rPr lang="de-DE" sz="2000" dirty="0" err="1"/>
               <a:t>Electricity</a:t>
             </a:r>
+            <a:r>
+              <a:rPr lang="de-DE" sz="2000" dirty="0"/>
+              <a:t> Prices</a:t>
+            </a:r>
             <a:endParaRPr lang="hu-HU" sz="2000" dirty="0"/>
           </a:p>
-        </p:txBody>
-      </p:sp>
-      <p:sp>
-        <p:nvSpPr>
-          <p:cNvPr id="7" name="Rechteck 6">
-            <a:extLst>
-              <a:ext uri="{FF2B5EF4-FFF2-40B4-BE49-F238E27FC236}">
-                <a16:creationId xmlns:a16="http://schemas.microsoft.com/office/drawing/2014/main" id="{7999F505-CA30-49DC-A03A-50DEDFDA8BD5}"/>
-              </a:ext>
-            </a:extLst>
-          </p:cNvPr>
-          <p:cNvSpPr/>
-          <p:nvPr/>
-        </p:nvSpPr>
-        <p:spPr>
-          <a:xfrm>
-            <a:off x="905598" y="4064856"/>
-            <a:ext cx="2212258" cy="410370"/>
-          </a:xfrm>
-          <a:prstGeom prst="rect">
-            <a:avLst/>
-          </a:prstGeom>
-          <a:ln>
-            <a:noFill/>
-          </a:ln>
-        </p:spPr>
-        <p:style>
-          <a:lnRef idx="2">
-            <a:schemeClr val="accent1">
-              <a:shade val="50000"/>
-            </a:schemeClr>
-          </a:lnRef>
-          <a:fillRef idx="1">
-            <a:schemeClr val="accent1"/>
-          </a:fillRef>
-          <a:effectRef idx="0">
-            <a:schemeClr val="accent1"/>
-          </a:effectRef>
-          <a:fontRef idx="minor">
-            <a:schemeClr val="lt1"/>
-          </a:fontRef>
-        </p:style>
-        <p:txBody>
-          <a:bodyPr rot="0" spcFirstLastPara="0" vertOverflow="overflow" horzOverflow="overflow" vert="horz" wrap="square" lIns="91440" tIns="45720" rIns="91440" bIns="45720" numCol="1" spcCol="0" rtlCol="0" fromWordArt="0" anchor="t" anchorCtr="0" forceAA="0" compatLnSpc="1">
-            <a:prstTxWarp prst="textNoShape">
-              <a:avLst/>
-            </a:prstTxWarp>
-            <a:noAutofit/>
-          </a:bodyPr>
-          <a:lstStyle/>
-          <a:p>
-            <a:pPr algn="ctr">
-              <a:lnSpc>
-                <a:spcPct val="114000"/>
-              </a:lnSpc>
-            </a:pPr>
-            <a:r>
-              <a:rPr lang="de-DE" dirty="0"/>
-              <a:t>Plot </a:t>
-            </a:r>
-            <a:r>
-              <a:rPr lang="de-DE" dirty="0" err="1"/>
-              <a:t>with</a:t>
-            </a:r>
-            <a:r>
-              <a:rPr lang="de-DE" dirty="0"/>
-              <a:t> Python</a:t>
-            </a:r>
-            <a:endParaRPr lang="en-GB" dirty="0"/>
-          </a:p>
-        </p:txBody>
-      </p:sp>
-      <p:sp>
-        <p:nvSpPr>
-          <p:cNvPr id="12" name="Rechteck 11">
-            <a:extLst>
-              <a:ext uri="{FF2B5EF4-FFF2-40B4-BE49-F238E27FC236}">
-                <a16:creationId xmlns:a16="http://schemas.microsoft.com/office/drawing/2014/main" id="{98B329DB-2DAD-4E29-B8D7-F05989AD9CEC}"/>
-              </a:ext>
-            </a:extLst>
-          </p:cNvPr>
-          <p:cNvSpPr/>
-          <p:nvPr/>
-        </p:nvSpPr>
-        <p:spPr>
-          <a:xfrm>
-            <a:off x="6554229" y="3074418"/>
-            <a:ext cx="1995949" cy="1163285"/>
-          </a:xfrm>
-          <a:prstGeom prst="rect">
-            <a:avLst/>
-          </a:prstGeom>
-          <a:ln>
-            <a:noFill/>
-          </a:ln>
-        </p:spPr>
-        <p:style>
-          <a:lnRef idx="2">
-            <a:schemeClr val="accent1">
-              <a:shade val="50000"/>
-            </a:schemeClr>
-          </a:lnRef>
-          <a:fillRef idx="1">
-            <a:schemeClr val="accent1"/>
-          </a:fillRef>
-          <a:effectRef idx="0">
-            <a:schemeClr val="accent1"/>
-          </a:effectRef>
-          <a:fontRef idx="minor">
-            <a:schemeClr val="lt1"/>
-          </a:fontRef>
-        </p:style>
-        <p:txBody>
-          <a:bodyPr rot="0" spcFirstLastPara="0" vertOverflow="overflow" horzOverflow="overflow" vert="horz" wrap="square" lIns="91440" tIns="45720" rIns="91440" bIns="45720" numCol="1" spcCol="0" rtlCol="0" fromWordArt="0" anchor="t" anchorCtr="0" forceAA="0" compatLnSpc="1">
-            <a:prstTxWarp prst="textNoShape">
-              <a:avLst/>
-            </a:prstTxWarp>
-            <a:noAutofit/>
-          </a:bodyPr>
-          <a:lstStyle/>
-          <a:p>
-            <a:pPr algn="ctr">
-              <a:lnSpc>
-                <a:spcPct val="114000"/>
-              </a:lnSpc>
-            </a:pPr>
-            <a:r>
-              <a:rPr lang="de-DE" dirty="0"/>
-              <a:t>Put legend outside, on </a:t>
-            </a:r>
-            <a:r>
-              <a:rPr lang="de-DE" dirty="0" err="1"/>
-              <a:t>the</a:t>
-            </a:r>
-            <a:r>
-              <a:rPr lang="de-DE" dirty="0"/>
-              <a:t> </a:t>
-            </a:r>
-            <a:r>
-              <a:rPr lang="de-DE" dirty="0" err="1"/>
-              <a:t>right</a:t>
-            </a:r>
-            <a:r>
-              <a:rPr lang="de-DE" dirty="0"/>
-              <a:t> </a:t>
-            </a:r>
-            <a:r>
-              <a:rPr lang="de-DE" dirty="0" err="1"/>
-              <a:t>to</a:t>
-            </a:r>
-            <a:r>
-              <a:rPr lang="de-DE" dirty="0"/>
-              <a:t> </a:t>
-            </a:r>
-            <a:r>
-              <a:rPr lang="de-DE" dirty="0" err="1"/>
-              <a:t>the</a:t>
-            </a:r>
-            <a:r>
-              <a:rPr lang="de-DE" dirty="0"/>
-              <a:t> </a:t>
-            </a:r>
-            <a:r>
-              <a:rPr lang="de-DE" dirty="0" err="1"/>
-              <a:t>plot</a:t>
-            </a:r>
-            <a:r>
-              <a:rPr lang="de-DE" dirty="0"/>
-              <a:t>?</a:t>
-            </a:r>
-            <a:endParaRPr lang="en-GB" dirty="0"/>
+          <a:p>
+            <a:endParaRPr lang="en-GB" sz="2000" dirty="0">
+              <a:cs typeface="Arial"/>
+            </a:endParaRPr>
           </a:p>
         </p:txBody>
       </p:sp>

--- a/Final_Presentation_Borvendeg_Hantke.pptx
+++ b/Final_Presentation_Borvendeg_Hantke.pptx
@@ -27,7 +27,7 @@
     <p:sldId id="399" r:id="rId15"/>
     <p:sldId id="387" r:id="rId16"/>
     <p:sldId id="389" r:id="rId17"/>
-    <p:sldId id="390" r:id="rId18"/>
+    <p:sldId id="401" r:id="rId18"/>
     <p:sldId id="391" r:id="rId19"/>
     <p:sldId id="392" r:id="rId20"/>
     <p:sldId id="393" r:id="rId21"/>
@@ -1062,7 +1062,7 @@
           </a:r>
           <a:r>
             <a:rPr lang="de-DE" sz="1400" dirty="0" err="1"/>
-            <a:t>collection</a:t>
+            <a:t>collec-tion</a:t>
           </a:r>
           <a:endParaRPr lang="en-GB" sz="1400" dirty="0"/>
         </a:p>
@@ -1218,7 +1218,7 @@
       <dgm:spPr/>
     </dgm:pt>
     <dgm:pt modelId="{A1B070B6-C756-436B-8BF8-8A5F19DD0237}" type="pres">
-      <dgm:prSet presAssocID="{7CB44F00-85B6-4BF6-9C05-6BCA801A9C7D}" presName="arrow1" presStyleLbl="fgShp" presStyleIdx="0" presStyleCnt="1"/>
+      <dgm:prSet presAssocID="{7CB44F00-85B6-4BF6-9C05-6BCA801A9C7D}" presName="arrow1" presStyleLbl="fgShp" presStyleIdx="0" presStyleCnt="1" custScaleX="101583"/>
       <dgm:spPr>
         <a:solidFill>
           <a:srgbClr val="0065BD"/>
@@ -1226,7 +1226,7 @@
       </dgm:spPr>
     </dgm:pt>
     <dgm:pt modelId="{043E6D0E-4070-4665-9F81-D2896D47E58D}" type="pres">
-      <dgm:prSet presAssocID="{7CB44F00-85B6-4BF6-9C05-6BCA801A9C7D}" presName="rectangle" presStyleLbl="revTx" presStyleIdx="0" presStyleCnt="1" custScaleX="134194">
+      <dgm:prSet presAssocID="{7CB44F00-85B6-4BF6-9C05-6BCA801A9C7D}" presName="rectangle" presStyleLbl="revTx" presStyleIdx="0" presStyleCnt="1" custScaleX="134194" custLinFactNeighborY="-4755">
         <dgm:presLayoutVars>
           <dgm:bulletEnabled val="1"/>
         </dgm:presLayoutVars>
@@ -1306,8 +1306,8 @@
       </dsp:nvSpPr>
       <dsp:spPr>
         <a:xfrm>
-          <a:off x="1404619" y="165099"/>
-          <a:ext cx="3276600" cy="1137920"/>
+          <a:off x="980613" y="145960"/>
+          <a:ext cx="2896758" cy="1006006"/>
         </a:xfrm>
         <a:prstGeom prst="ellipse">
           <a:avLst/>
@@ -1347,8 +1347,8 @@
       </dsp:nvSpPr>
       <dsp:spPr>
         <a:xfrm>
-          <a:off x="2730500" y="2951479"/>
-          <a:ext cx="635000" cy="406400"/>
+          <a:off x="2148346" y="2609328"/>
+          <a:ext cx="570274" cy="359287"/>
         </a:xfrm>
         <a:prstGeom prst="downArrow">
           <a:avLst/>
@@ -1389,8 +1389,8 @@
       </dsp:nvSpPr>
       <dsp:spPr>
         <a:xfrm>
-          <a:off x="1002883" y="3276600"/>
-          <a:ext cx="4090233" cy="762000"/>
+          <a:off x="625448" y="2864725"/>
+          <a:ext cx="3616071" cy="673664"/>
         </a:xfrm>
         <a:prstGeom prst="rect">
           <a:avLst/>
@@ -1467,8 +1467,8 @@
         </a:p>
       </dsp:txBody>
       <dsp:txXfrm>
-        <a:off x="1002883" y="3276600"/>
-        <a:ext cx="4090233" cy="762000"/>
+        <a:off x="625448" y="2864725"/>
+        <a:ext cx="3616071" cy="673664"/>
       </dsp:txXfrm>
     </dsp:sp>
     <dsp:sp modelId="{719F3D84-D845-48F7-B021-CC9E30BD0E2E}">
@@ -1478,8 +1478,8 @@
       </dsp:nvSpPr>
       <dsp:spPr>
         <a:xfrm>
-          <a:off x="2595880" y="1390904"/>
-          <a:ext cx="1143000" cy="1143000"/>
+          <a:off x="2033776" y="1229662"/>
+          <a:ext cx="1010497" cy="1010497"/>
         </a:xfrm>
         <a:prstGeom prst="ellipse">
           <a:avLst/>
@@ -1548,8 +1548,8 @@
         </a:p>
       </dsp:txBody>
       <dsp:txXfrm>
-        <a:off x="2763268" y="1558292"/>
-        <a:ext cx="808224" cy="808224"/>
+        <a:off x="2181760" y="1377646"/>
+        <a:ext cx="714529" cy="714529"/>
       </dsp:txXfrm>
     </dsp:sp>
     <dsp:sp modelId="{7F0AA842-4FB4-4C07-A71F-ADBF565A41BF}">
@@ -1559,8 +1559,8 @@
       </dsp:nvSpPr>
       <dsp:spPr>
         <a:xfrm>
-          <a:off x="1778000" y="533399"/>
-          <a:ext cx="1143000" cy="1143000"/>
+          <a:off x="1310709" y="471565"/>
+          <a:ext cx="1010497" cy="1010497"/>
         </a:xfrm>
         <a:prstGeom prst="ellipse">
           <a:avLst/>
@@ -1619,14 +1619,14 @@
           </a:r>
           <a:r>
             <a:rPr lang="de-DE" sz="1400" kern="1200" dirty="0" err="1"/>
-            <a:t>collection</a:t>
+            <a:t>collec-tion</a:t>
           </a:r>
           <a:endParaRPr lang="en-GB" sz="1400" kern="1200" dirty="0"/>
         </a:p>
       </dsp:txBody>
       <dsp:txXfrm>
-        <a:off x="1945388" y="700787"/>
-        <a:ext cx="808224" cy="808224"/>
+        <a:off x="1458693" y="619549"/>
+        <a:ext cx="714529" cy="714529"/>
       </dsp:txXfrm>
     </dsp:sp>
     <dsp:sp modelId="{4BEB8AA2-C4FF-413A-951F-2CDDD665266A}">
@@ -1636,8 +1636,8 @@
       </dsp:nvSpPr>
       <dsp:spPr>
         <a:xfrm>
-          <a:off x="2946400" y="257047"/>
-          <a:ext cx="1143000" cy="1143000"/>
+          <a:off x="2343662" y="227249"/>
+          <a:ext cx="1010497" cy="1010497"/>
         </a:xfrm>
         <a:prstGeom prst="ellipse">
           <a:avLst/>
@@ -1710,8 +1710,8 @@
         </a:p>
       </dsp:txBody>
       <dsp:txXfrm>
-        <a:off x="3113788" y="424435"/>
-        <a:ext cx="808224" cy="808224"/>
+        <a:off x="2491646" y="375233"/>
+        <a:ext cx="714529" cy="714529"/>
       </dsp:txXfrm>
     </dsp:sp>
     <dsp:sp modelId="{CAF0CDE4-88AC-477A-820A-FC44AA8A1D33}">
@@ -1721,8 +1721,8 @@
       </dsp:nvSpPr>
       <dsp:spPr>
         <a:xfrm>
-          <a:off x="1269999" y="25399"/>
-          <a:ext cx="3556000" cy="2844800"/>
+          <a:off x="861599" y="22455"/>
+          <a:ext cx="3143769" cy="2515015"/>
         </a:xfrm>
         <a:prstGeom prst="funnel">
           <a:avLst/>
@@ -3227,7 +3227,7 @@
               <a:pPr>
                 <a:defRPr/>
               </a:pPr>
-              <a:t>18/06/2023</a:t>
+              <a:t>19/06/2023</a:t>
             </a:fld>
             <a:endParaRPr lang="en-GB"/>
           </a:p>
@@ -3446,7 +3446,7 @@
               <a:pPr>
                 <a:defRPr/>
               </a:pPr>
-              <a:t>18/06/2023</a:t>
+              <a:t>19/06/2023</a:t>
             </a:fld>
             <a:endParaRPr lang="en-GB"/>
           </a:p>
@@ -12638,19 +12638,19 @@
           <a:lstStyle/>
           <a:p>
             <a:r>
-              <a:rPr lang="de-DE" dirty="0" err="1"/>
+              <a:rPr lang="de-DE" b="1" dirty="0" err="1"/>
               <a:t>Installed</a:t>
             </a:r>
             <a:r>
-              <a:rPr lang="de-DE" dirty="0"/>
+              <a:rPr lang="de-DE" b="1" dirty="0"/>
               <a:t> </a:t>
             </a:r>
             <a:r>
-              <a:rPr lang="de-DE" dirty="0" err="1"/>
+              <a:rPr lang="de-DE" b="1" dirty="0" err="1"/>
               <a:t>Capacities</a:t>
             </a:r>
             <a:r>
-              <a:rPr lang="de-DE" dirty="0"/>
+              <a:rPr lang="de-DE" b="1" dirty="0"/>
               <a:t>:</a:t>
             </a:r>
           </a:p>
@@ -12912,7 +12912,7 @@
           </a:p>
           <a:p>
             <a:r>
-              <a:rPr lang="de-DE" dirty="0">
+              <a:rPr lang="de-DE" b="1" dirty="0">
                 <a:sym typeface="Wingdings" panose="05000000000000000000" pitchFamily="2" charset="2"/>
               </a:rPr>
               <a:t>Prices:</a:t>
@@ -13375,18 +13375,34 @@
           <a:lstStyle/>
           <a:p>
             <a:r>
-              <a:rPr lang="de-DE" sz="2000" dirty="0"/>
+              <a:rPr lang="de-DE" sz="2000" dirty="0">
+                <a:solidFill>
+                  <a:srgbClr val="0065BD"/>
+                </a:solidFill>
+              </a:rPr>
               <a:t>Data </a:t>
             </a:r>
             <a:r>
-              <a:rPr lang="en-US" sz="2000" dirty="0"/>
+              <a:rPr lang="en-US" sz="2000" dirty="0">
+                <a:solidFill>
+                  <a:srgbClr val="0065BD"/>
+                </a:solidFill>
+              </a:rPr>
               <a:t>Wrangling</a:t>
             </a:r>
             <a:r>
-              <a:rPr lang="de-DE" sz="2000" dirty="0"/>
+              <a:rPr lang="de-DE" sz="2000" dirty="0">
+                <a:solidFill>
+                  <a:srgbClr val="0065BD"/>
+                </a:solidFill>
+              </a:rPr>
               <a:t> and Feature Engineering</a:t>
             </a:r>
-            <a:endParaRPr lang="en-GB" sz="2000" dirty="0"/>
+            <a:endParaRPr lang="en-GB" sz="2000" dirty="0">
+              <a:solidFill>
+                <a:srgbClr val="0065BD"/>
+              </a:solidFill>
+            </a:endParaRPr>
           </a:p>
         </p:txBody>
       </p:sp>
@@ -13812,30 +13828,52 @@
           <a:lstStyle/>
           <a:p>
             <a:r>
-              <a:rPr lang="de-DE" dirty="0"/>
+              <a:rPr lang="de-DE" dirty="0">
+                <a:highlight>
+                  <a:srgbClr val="FFFF00"/>
+                </a:highlight>
+              </a:rPr>
               <a:t>All </a:t>
             </a:r>
             <a:r>
-              <a:rPr lang="de-DE" dirty="0" err="1"/>
+              <a:rPr lang="de-DE" dirty="0" err="1">
+                <a:highlight>
+                  <a:srgbClr val="FFFF00"/>
+                </a:highlight>
+              </a:rPr>
               <a:t>parameters</a:t>
             </a:r>
             <a:r>
-              <a:rPr lang="de-DE" dirty="0"/>
+              <a:rPr lang="de-DE" dirty="0">
+                <a:highlight>
+                  <a:srgbClr val="FFFF00"/>
+                </a:highlight>
+              </a:rPr>
               <a:t> </a:t>
             </a:r>
             <a:r>
               <a:rPr lang="de-DE" dirty="0">
+                <a:highlight>
+                  <a:srgbClr val="FFFF00"/>
+                </a:highlight>
                 <a:sym typeface="Wingdings" panose="05000000000000000000" pitchFamily="2" charset="2"/>
               </a:rPr>
               <a:t> </a:t>
             </a:r>
             <a:r>
               <a:rPr lang="de-DE" dirty="0" err="1">
+                <a:highlight>
+                  <a:srgbClr val="FFFF00"/>
+                </a:highlight>
                 <a:sym typeface="Wingdings" panose="05000000000000000000" pitchFamily="2" charset="2"/>
               </a:rPr>
               <a:t>multicollinearity</a:t>
             </a:r>
-            <a:endParaRPr lang="en-GB" dirty="0"/>
+            <a:endParaRPr lang="en-GB" dirty="0">
+              <a:highlight>
+                <a:srgbClr val="FFFF00"/>
+              </a:highlight>
+            </a:endParaRPr>
           </a:p>
         </p:txBody>
       </p:sp>
@@ -13920,10 +13958,18 @@
           <a:lstStyle/>
           <a:p>
             <a:r>
-              <a:rPr lang="de-DE" sz="2000" dirty="0"/>
+              <a:rPr lang="de-DE" sz="2000" dirty="0">
+                <a:solidFill>
+                  <a:srgbClr val="0065BD"/>
+                </a:solidFill>
+              </a:rPr>
               <a:t>First Model</a:t>
             </a:r>
-            <a:endParaRPr lang="en-GB" sz="2000" dirty="0"/>
+            <a:endParaRPr lang="en-GB" sz="2000" dirty="0">
+              <a:solidFill>
+                <a:srgbClr val="0065BD"/>
+              </a:solidFill>
+            </a:endParaRPr>
           </a:p>
         </p:txBody>
       </p:sp>
@@ -14003,7 +14049,7 @@
           <p:cNvPr id="2" name="Inhaltsplatzhalter 1">
             <a:extLst>
               <a:ext uri="{FF2B5EF4-FFF2-40B4-BE49-F238E27FC236}">
-                <a16:creationId xmlns:a16="http://schemas.microsoft.com/office/drawing/2014/main" id="{AF5E1AF3-1581-421B-A599-E9071F5546C2}"/>
+                <a16:creationId xmlns:a16="http://schemas.microsoft.com/office/drawing/2014/main" id="{26C01E87-7423-4DA4-88FA-23AAD9B3C566}"/>
               </a:ext>
             </a:extLst>
           </p:cNvPr>
@@ -14020,30 +14066,58 @@
           <a:lstStyle/>
           <a:p>
             <a:r>
-              <a:rPr lang="de-DE" dirty="0"/>
+              <a:rPr lang="de-DE" dirty="0">
+                <a:highlight>
+                  <a:srgbClr val="FFFF00"/>
+                </a:highlight>
+              </a:rPr>
               <a:t>Best Model </a:t>
             </a:r>
             <a:r>
-              <a:rPr lang="de-DE" dirty="0" err="1"/>
+              <a:rPr lang="de-DE" dirty="0" err="1">
+                <a:highlight>
+                  <a:srgbClr val="FFFF00"/>
+                </a:highlight>
+              </a:rPr>
               <a:t>or</a:t>
             </a:r>
             <a:r>
-              <a:rPr lang="de-DE" dirty="0"/>
+              <a:rPr lang="de-DE" dirty="0">
+                <a:highlight>
+                  <a:srgbClr val="FFFF00"/>
+                </a:highlight>
+              </a:rPr>
               <a:t> </a:t>
             </a:r>
             <a:r>
-              <a:rPr lang="de-DE" dirty="0" err="1"/>
+              <a:rPr lang="de-DE" dirty="0" err="1">
+                <a:highlight>
+                  <a:srgbClr val="FFFF00"/>
+                </a:highlight>
+              </a:rPr>
               <a:t>even</a:t>
             </a:r>
             <a:r>
-              <a:rPr lang="de-DE" dirty="0"/>
+              <a:rPr lang="de-DE" dirty="0">
+                <a:highlight>
+                  <a:srgbClr val="FFFF00"/>
+                </a:highlight>
+              </a:rPr>
               <a:t> all 4 </a:t>
             </a:r>
             <a:r>
-              <a:rPr lang="de-DE" dirty="0" err="1"/>
+              <a:rPr lang="de-DE" dirty="0" err="1">
+                <a:highlight>
+                  <a:srgbClr val="FFFF00"/>
+                </a:highlight>
+              </a:rPr>
               <a:t>models</a:t>
             </a:r>
-            <a:endParaRPr lang="en-GB" dirty="0"/>
+            <a:endParaRPr lang="en-GB" dirty="0">
+              <a:highlight>
+                <a:srgbClr val="FFFF00"/>
+              </a:highlight>
+            </a:endParaRPr>
           </a:p>
         </p:txBody>
       </p:sp>
@@ -14052,7 +14126,7 @@
           <p:cNvPr id="3" name="Foliennummernplatzhalter 2">
             <a:extLst>
               <a:ext uri="{FF2B5EF4-FFF2-40B4-BE49-F238E27FC236}">
-                <a16:creationId xmlns:a16="http://schemas.microsoft.com/office/drawing/2014/main" id="{584175C1-6D2E-4EDF-A16E-9F118DA9158A}"/>
+                <a16:creationId xmlns:a16="http://schemas.microsoft.com/office/drawing/2014/main" id="{19B291ED-DCB7-40F3-BAEA-14D2B068ACFF}"/>
               </a:ext>
             </a:extLst>
           </p:cNvPr>
@@ -14082,7 +14156,7 @@
           <p:cNvPr id="4" name="Fußzeilenplatzhalter 3">
             <a:extLst>
               <a:ext uri="{FF2B5EF4-FFF2-40B4-BE49-F238E27FC236}">
-                <a16:creationId xmlns:a16="http://schemas.microsoft.com/office/drawing/2014/main" id="{F234FF18-EDD0-4AE0-8FFB-0A91AF0021B4}"/>
+                <a16:creationId xmlns:a16="http://schemas.microsoft.com/office/drawing/2014/main" id="{C0509345-AB65-4B8A-BE67-35F43208CF84}"/>
               </a:ext>
             </a:extLst>
           </p:cNvPr>
@@ -14108,10 +14182,47 @@
       </p:sp>
       <p:sp>
         <p:nvSpPr>
-          <p:cNvPr id="5" name="Titel 4">
+          <p:cNvPr id="5" name="Textplatzhalter 4">
             <a:extLst>
               <a:ext uri="{FF2B5EF4-FFF2-40B4-BE49-F238E27FC236}">
-                <a16:creationId xmlns:a16="http://schemas.microsoft.com/office/drawing/2014/main" id="{42ADABA4-9F12-4E50-92D4-435A2E15036B}"/>
+                <a16:creationId xmlns:a16="http://schemas.microsoft.com/office/drawing/2014/main" id="{562E6E03-B7FC-4FFE-9147-82FBEF76C04C}"/>
+              </a:ext>
+            </a:extLst>
+          </p:cNvPr>
+          <p:cNvSpPr>
+            <a:spLocks noGrp="1"/>
+          </p:cNvSpPr>
+          <p:nvPr>
+            <p:ph type="body" sz="quarter" idx="13"/>
+          </p:nvPr>
+        </p:nvSpPr>
+        <p:spPr/>
+        <p:txBody>
+          <a:bodyPr/>
+          <a:lstStyle/>
+          <a:p>
+            <a:r>
+              <a:rPr lang="de-DE" sz="2000" dirty="0">
+                <a:solidFill>
+                  <a:srgbClr val="0065BD"/>
+                </a:solidFill>
+              </a:rPr>
+              <a:t>Final Model</a:t>
+            </a:r>
+            <a:endParaRPr lang="en-GB" sz="2000" dirty="0">
+              <a:solidFill>
+                <a:srgbClr val="0065BD"/>
+              </a:solidFill>
+            </a:endParaRPr>
+          </a:p>
+        </p:txBody>
+      </p:sp>
+      <p:sp>
+        <p:nvSpPr>
+          <p:cNvPr id="6" name="Titel 5">
+            <a:extLst>
+              <a:ext uri="{FF2B5EF4-FFF2-40B4-BE49-F238E27FC236}">
+                <a16:creationId xmlns:a16="http://schemas.microsoft.com/office/drawing/2014/main" id="{540D87DB-8347-44F9-ABEA-93CBCC4AF79D}"/>
               </a:ext>
             </a:extLst>
           </p:cNvPr>
@@ -14142,7 +14253,7 @@
     </p:spTree>
     <p:extLst>
       <p:ext uri="{BB962C8B-B14F-4D97-AF65-F5344CB8AC3E}">
-        <p14:creationId xmlns:p14="http://schemas.microsoft.com/office/powerpoint/2010/main" val="1688690728"/>
+        <p14:creationId xmlns:p14="http://schemas.microsoft.com/office/powerpoint/2010/main" val="2814868931"/>
       </p:ext>
     </p:extLst>
   </p:cSld>
@@ -14222,27 +14333,51 @@
               <a:buChar char="-"/>
             </a:pPr>
             <a:r>
-              <a:rPr lang="de-DE" dirty="0" err="1"/>
+              <a:rPr lang="de-DE" dirty="0" err="1">
+                <a:highlight>
+                  <a:srgbClr val="FFFF00"/>
+                </a:highlight>
+              </a:rPr>
               <a:t>Statistically</a:t>
             </a:r>
             <a:r>
-              <a:rPr lang="de-DE" dirty="0"/>
+              <a:rPr lang="de-DE" dirty="0">
+                <a:highlight>
+                  <a:srgbClr val="FFFF00"/>
+                </a:highlight>
+              </a:rPr>
               <a:t> </a:t>
             </a:r>
             <a:r>
-              <a:rPr lang="de-DE" dirty="0" err="1"/>
+              <a:rPr lang="de-DE" dirty="0" err="1">
+                <a:highlight>
+                  <a:srgbClr val="FFFF00"/>
+                </a:highlight>
+              </a:rPr>
               <a:t>significant</a:t>
             </a:r>
             <a:r>
-              <a:rPr lang="de-DE" dirty="0"/>
+              <a:rPr lang="de-DE" dirty="0">
+                <a:highlight>
+                  <a:srgbClr val="FFFF00"/>
+                </a:highlight>
+              </a:rPr>
               <a:t> </a:t>
             </a:r>
             <a:r>
-              <a:rPr lang="de-DE" dirty="0" err="1"/>
+              <a:rPr lang="de-DE" dirty="0" err="1">
+                <a:highlight>
+                  <a:srgbClr val="FFFF00"/>
+                </a:highlight>
+              </a:rPr>
               <a:t>parameters</a:t>
             </a:r>
             <a:r>
-              <a:rPr lang="de-DE" dirty="0"/>
+              <a:rPr lang="de-DE" dirty="0">
+                <a:highlight>
+                  <a:srgbClr val="FFFF00"/>
+                </a:highlight>
+              </a:rPr>
               <a:t>:</a:t>
             </a:r>
           </a:p>
@@ -14255,10 +14390,18 @@
               <a:buChar char="•"/>
             </a:pPr>
             <a:r>
-              <a:rPr lang="de-DE" dirty="0" err="1"/>
+              <a:rPr lang="de-DE" dirty="0" err="1">
+                <a:highlight>
+                  <a:srgbClr val="FFFF00"/>
+                </a:highlight>
+              </a:rPr>
               <a:t>xy</a:t>
             </a:r>
-            <a:endParaRPr lang="de-DE" dirty="0"/>
+            <a:endParaRPr lang="de-DE" dirty="0">
+              <a:highlight>
+                <a:srgbClr val="FFFF00"/>
+              </a:highlight>
+            </a:endParaRPr>
           </a:p>
           <a:p>
             <a:pPr marL="285750" indent="-285750">
@@ -14269,83 +14412,163 @@
               <a:buChar char="-"/>
             </a:pPr>
             <a:r>
-              <a:rPr lang="de-DE" dirty="0" err="1"/>
+              <a:rPr lang="de-DE" dirty="0" err="1">
+                <a:highlight>
+                  <a:srgbClr val="FFFF00"/>
+                </a:highlight>
+              </a:rPr>
               <a:t>Variance</a:t>
             </a:r>
             <a:r>
-              <a:rPr lang="de-DE" dirty="0"/>
+              <a:rPr lang="de-DE" dirty="0">
+                <a:highlight>
+                  <a:srgbClr val="FFFF00"/>
+                </a:highlight>
+              </a:rPr>
               <a:t> in “</a:t>
             </a:r>
             <a:r>
-              <a:rPr lang="de-DE" dirty="0" err="1"/>
+              <a:rPr lang="de-DE" dirty="0" err="1">
+                <a:highlight>
+                  <a:srgbClr val="FFFF00"/>
+                </a:highlight>
+              </a:rPr>
               <a:t>overinstalled</a:t>
             </a:r>
             <a:r>
-              <a:rPr lang="de-DE" dirty="0"/>
+              <a:rPr lang="de-DE" dirty="0">
+                <a:highlight>
+                  <a:srgbClr val="FFFF00"/>
+                </a:highlight>
+              </a:rPr>
               <a:t>“ </a:t>
             </a:r>
             <a:r>
-              <a:rPr lang="de-DE" dirty="0" err="1"/>
+              <a:rPr lang="de-DE" dirty="0" err="1">
+                <a:highlight>
+                  <a:srgbClr val="FFFF00"/>
+                </a:highlight>
+              </a:rPr>
               <a:t>capacity</a:t>
             </a:r>
             <a:r>
-              <a:rPr lang="de-DE" dirty="0"/>
+              <a:rPr lang="de-DE" dirty="0">
+                <a:highlight>
+                  <a:srgbClr val="FFFF00"/>
+                </a:highlight>
+              </a:rPr>
               <a:t> </a:t>
             </a:r>
             <a:r>
-              <a:rPr lang="de-DE" dirty="0" err="1"/>
+              <a:rPr lang="de-DE" dirty="0" err="1">
+                <a:highlight>
+                  <a:srgbClr val="FFFF00"/>
+                </a:highlight>
+              </a:rPr>
               <a:t>that</a:t>
             </a:r>
             <a:r>
-              <a:rPr lang="de-DE" dirty="0"/>
+              <a:rPr lang="de-DE" dirty="0">
+                <a:highlight>
+                  <a:srgbClr val="FFFF00"/>
+                </a:highlight>
+              </a:rPr>
               <a:t> </a:t>
             </a:r>
             <a:r>
-              <a:rPr lang="de-DE" dirty="0" err="1"/>
+              <a:rPr lang="de-DE" dirty="0" err="1">
+                <a:highlight>
+                  <a:srgbClr val="FFFF00"/>
+                </a:highlight>
+              </a:rPr>
               <a:t>can</a:t>
             </a:r>
             <a:r>
-              <a:rPr lang="de-DE" dirty="0"/>
+              <a:rPr lang="de-DE" dirty="0">
+                <a:highlight>
+                  <a:srgbClr val="FFFF00"/>
+                </a:highlight>
+              </a:rPr>
               <a:t> </a:t>
             </a:r>
             <a:r>
-              <a:rPr lang="de-DE" dirty="0" err="1"/>
+              <a:rPr lang="de-DE" dirty="0" err="1">
+                <a:highlight>
+                  <a:srgbClr val="FFFF00"/>
+                </a:highlight>
+              </a:rPr>
               <a:t>be</a:t>
             </a:r>
             <a:r>
-              <a:rPr lang="de-DE" dirty="0"/>
+              <a:rPr lang="de-DE" dirty="0">
+                <a:highlight>
+                  <a:srgbClr val="FFFF00"/>
+                </a:highlight>
+              </a:rPr>
               <a:t> </a:t>
             </a:r>
             <a:r>
-              <a:rPr lang="de-DE" dirty="0" err="1"/>
+              <a:rPr lang="de-DE" dirty="0" err="1">
+                <a:highlight>
+                  <a:srgbClr val="FFFF00"/>
+                </a:highlight>
+              </a:rPr>
               <a:t>described</a:t>
             </a:r>
             <a:r>
-              <a:rPr lang="de-DE" dirty="0"/>
+              <a:rPr lang="de-DE" dirty="0">
+                <a:highlight>
+                  <a:srgbClr val="FFFF00"/>
+                </a:highlight>
+              </a:rPr>
               <a:t> </a:t>
             </a:r>
             <a:r>
-              <a:rPr lang="de-DE" dirty="0" err="1"/>
+              <a:rPr lang="de-DE" dirty="0" err="1">
+                <a:highlight>
+                  <a:srgbClr val="FFFF00"/>
+                </a:highlight>
+              </a:rPr>
               <a:t>by</a:t>
             </a:r>
             <a:r>
-              <a:rPr lang="de-DE" dirty="0"/>
+              <a:rPr lang="de-DE" dirty="0">
+                <a:highlight>
+                  <a:srgbClr val="FFFF00"/>
+                </a:highlight>
+              </a:rPr>
               <a:t> </a:t>
             </a:r>
             <a:r>
-              <a:rPr lang="de-DE" dirty="0" err="1"/>
+              <a:rPr lang="de-DE" dirty="0" err="1">
+                <a:highlight>
+                  <a:srgbClr val="FFFF00"/>
+                </a:highlight>
+              </a:rPr>
               <a:t>the</a:t>
             </a:r>
             <a:r>
-              <a:rPr lang="de-DE" dirty="0"/>
+              <a:rPr lang="de-DE" dirty="0">
+                <a:highlight>
+                  <a:srgbClr val="FFFF00"/>
+                </a:highlight>
+              </a:rPr>
               <a:t> </a:t>
             </a:r>
             <a:r>
-              <a:rPr lang="de-DE" dirty="0" err="1"/>
+              <a:rPr lang="de-DE" dirty="0" err="1">
+                <a:highlight>
+                  <a:srgbClr val="FFFF00"/>
+                </a:highlight>
+              </a:rPr>
               <a:t>model</a:t>
             </a:r>
             <a:r>
-              <a:rPr lang="de-DE" dirty="0"/>
+              <a:rPr lang="de-DE" dirty="0">
+                <a:highlight>
+                  <a:srgbClr val="FFFF00"/>
+                </a:highlight>
+              </a:rPr>
               <a:t>:</a:t>
             </a:r>
           </a:p>
@@ -14379,42 +14602,82 @@
               <a:buChar char="-"/>
             </a:pPr>
             <a:r>
-              <a:rPr lang="de-DE" dirty="0" err="1"/>
+              <a:rPr lang="de-DE" dirty="0" err="1">
+                <a:highlight>
+                  <a:srgbClr val="FFFF00"/>
+                </a:highlight>
+              </a:rPr>
               <a:t>Reliability</a:t>
             </a:r>
             <a:r>
-              <a:rPr lang="de-DE" dirty="0"/>
+              <a:rPr lang="de-DE" dirty="0">
+                <a:highlight>
+                  <a:srgbClr val="FFFF00"/>
+                </a:highlight>
+              </a:rPr>
               <a:t> </a:t>
             </a:r>
             <a:r>
-              <a:rPr lang="de-DE" dirty="0" err="1"/>
+              <a:rPr lang="de-DE" dirty="0" err="1">
+                <a:highlight>
+                  <a:srgbClr val="FFFF00"/>
+                </a:highlight>
+              </a:rPr>
               <a:t>of</a:t>
             </a:r>
             <a:r>
-              <a:rPr lang="de-DE" dirty="0"/>
+              <a:rPr lang="de-DE" dirty="0">
+                <a:highlight>
+                  <a:srgbClr val="FFFF00"/>
+                </a:highlight>
+              </a:rPr>
               <a:t> </a:t>
             </a:r>
             <a:r>
-              <a:rPr lang="de-DE" dirty="0" err="1"/>
+              <a:rPr lang="de-DE" dirty="0" err="1">
+                <a:highlight>
+                  <a:srgbClr val="FFFF00"/>
+                </a:highlight>
+              </a:rPr>
               <a:t>supply</a:t>
             </a:r>
             <a:r>
-              <a:rPr lang="de-DE" dirty="0"/>
+              <a:rPr lang="de-DE" dirty="0">
+                <a:highlight>
+                  <a:srgbClr val="FFFF00"/>
+                </a:highlight>
+              </a:rPr>
               <a:t> </a:t>
             </a:r>
             <a:r>
-              <a:rPr lang="de-DE" dirty="0" err="1"/>
+              <a:rPr lang="de-DE" dirty="0" err="1">
+                <a:highlight>
+                  <a:srgbClr val="FFFF00"/>
+                </a:highlight>
+              </a:rPr>
               <a:t>ensured</a:t>
             </a:r>
             <a:r>
-              <a:rPr lang="de-DE" dirty="0"/>
+              <a:rPr lang="de-DE" dirty="0">
+                <a:highlight>
+                  <a:srgbClr val="FFFF00"/>
+                </a:highlight>
+              </a:rPr>
               <a:t> </a:t>
             </a:r>
             <a:r>
-              <a:rPr lang="de-DE" dirty="0" err="1"/>
+              <a:rPr lang="de-DE" dirty="0" err="1">
+                <a:highlight>
+                  <a:srgbClr val="FFFF00"/>
+                </a:highlight>
+              </a:rPr>
               <a:t>by</a:t>
             </a:r>
-            <a:endParaRPr lang="de-DE" dirty="0"/>
+            <a:endParaRPr lang="de-DE" dirty="0">
+              <a:highlight>
+                <a:srgbClr val="FFFF00"/>
+              </a:highlight>
+            </a:endParaRPr>
           </a:p>
           <a:p>
             <a:pPr marL="285750" indent="-285750">
@@ -14691,26 +14954,50 @@
               <a:buChar char="-"/>
             </a:pPr>
             <a:r>
-              <a:rPr lang="de-DE" dirty="0" err="1"/>
+              <a:rPr lang="de-DE" dirty="0" err="1">
+                <a:highlight>
+                  <a:srgbClr val="FFFF00"/>
+                </a:highlight>
+              </a:rPr>
               <a:t>Differences</a:t>
             </a:r>
             <a:r>
-              <a:rPr lang="de-DE" dirty="0"/>
+              <a:rPr lang="de-DE" dirty="0">
+                <a:highlight>
+                  <a:srgbClr val="FFFF00"/>
+                </a:highlight>
+              </a:rPr>
               <a:t> in </a:t>
             </a:r>
             <a:r>
-              <a:rPr lang="de-DE" dirty="0" err="1"/>
+              <a:rPr lang="de-DE" dirty="0" err="1">
+                <a:highlight>
+                  <a:srgbClr val="FFFF00"/>
+                </a:highlight>
+              </a:rPr>
               <a:t>results</a:t>
             </a:r>
             <a:r>
-              <a:rPr lang="de-DE" dirty="0"/>
+              <a:rPr lang="de-DE" dirty="0">
+                <a:highlight>
+                  <a:srgbClr val="FFFF00"/>
+                </a:highlight>
+              </a:rPr>
               <a:t> in different </a:t>
             </a:r>
             <a:r>
-              <a:rPr lang="de-DE" dirty="0" err="1"/>
+              <a:rPr lang="de-DE" dirty="0" err="1">
+                <a:highlight>
+                  <a:srgbClr val="FFFF00"/>
+                </a:highlight>
+              </a:rPr>
               <a:t>localities</a:t>
             </a:r>
-            <a:endParaRPr lang="de-DE" dirty="0"/>
+            <a:endParaRPr lang="de-DE" dirty="0">
+              <a:highlight>
+                <a:srgbClr val="FFFF00"/>
+              </a:highlight>
+            </a:endParaRPr>
           </a:p>
           <a:p>
             <a:pPr marL="461963" lvl="1" indent="-285750">
@@ -14721,67 +15008,131 @@
               <a:buChar char="•"/>
             </a:pPr>
             <a:r>
-              <a:rPr lang="de-DE" dirty="0" err="1"/>
+              <a:rPr lang="de-DE" dirty="0" err="1">
+                <a:highlight>
+                  <a:srgbClr val="FFFF00"/>
+                </a:highlight>
+              </a:rPr>
               <a:t>Locality</a:t>
             </a:r>
             <a:r>
-              <a:rPr lang="de-DE" dirty="0"/>
+              <a:rPr lang="de-DE" dirty="0">
+                <a:highlight>
+                  <a:srgbClr val="FFFF00"/>
+                </a:highlight>
+              </a:rPr>
               <a:t> </a:t>
             </a:r>
             <a:r>
-              <a:rPr lang="de-DE" dirty="0" err="1"/>
+              <a:rPr lang="de-DE" dirty="0" err="1">
+                <a:highlight>
+                  <a:srgbClr val="FFFF00"/>
+                </a:highlight>
+              </a:rPr>
               <a:t>that</a:t>
             </a:r>
             <a:r>
-              <a:rPr lang="de-DE" dirty="0"/>
+              <a:rPr lang="de-DE" dirty="0">
+                <a:highlight>
+                  <a:srgbClr val="FFFF00"/>
+                </a:highlight>
+              </a:rPr>
               <a:t> </a:t>
             </a:r>
             <a:r>
-              <a:rPr lang="de-DE" dirty="0" err="1"/>
+              <a:rPr lang="de-DE" dirty="0" err="1">
+                <a:highlight>
+                  <a:srgbClr val="FFFF00"/>
+                </a:highlight>
+              </a:rPr>
               <a:t>is</a:t>
             </a:r>
             <a:r>
-              <a:rPr lang="de-DE" dirty="0"/>
+              <a:rPr lang="de-DE" dirty="0">
+                <a:highlight>
+                  <a:srgbClr val="FFFF00"/>
+                </a:highlight>
+              </a:rPr>
               <a:t> </a:t>
             </a:r>
             <a:r>
-              <a:rPr lang="de-DE" dirty="0" err="1"/>
+              <a:rPr lang="de-DE" dirty="0" err="1">
+                <a:highlight>
+                  <a:srgbClr val="FFFF00"/>
+                </a:highlight>
+              </a:rPr>
               <a:t>best</a:t>
             </a:r>
             <a:r>
-              <a:rPr lang="de-DE" dirty="0"/>
+              <a:rPr lang="de-DE" dirty="0">
+                <a:highlight>
+                  <a:srgbClr val="FFFF00"/>
+                </a:highlight>
+              </a:rPr>
               <a:t> </a:t>
             </a:r>
             <a:r>
-              <a:rPr lang="de-DE" dirty="0" err="1"/>
+              <a:rPr lang="de-DE" dirty="0" err="1">
+                <a:highlight>
+                  <a:srgbClr val="FFFF00"/>
+                </a:highlight>
+              </a:rPr>
               <a:t>described</a:t>
             </a:r>
             <a:r>
-              <a:rPr lang="de-DE" dirty="0"/>
+              <a:rPr lang="de-DE" dirty="0">
+                <a:highlight>
+                  <a:srgbClr val="FFFF00"/>
+                </a:highlight>
+              </a:rPr>
               <a:t> </a:t>
             </a:r>
             <a:r>
-              <a:rPr lang="de-DE" dirty="0" err="1"/>
+              <a:rPr lang="de-DE" dirty="0" err="1">
+                <a:highlight>
+                  <a:srgbClr val="FFFF00"/>
+                </a:highlight>
+              </a:rPr>
               <a:t>by</a:t>
             </a:r>
             <a:r>
-              <a:rPr lang="de-DE" dirty="0"/>
+              <a:rPr lang="de-DE" dirty="0">
+                <a:highlight>
+                  <a:srgbClr val="FFFF00"/>
+                </a:highlight>
+              </a:rPr>
               <a:t> </a:t>
             </a:r>
             <a:r>
-              <a:rPr lang="de-DE" dirty="0" err="1"/>
+              <a:rPr lang="de-DE" dirty="0" err="1">
+                <a:highlight>
+                  <a:srgbClr val="FFFF00"/>
+                </a:highlight>
+              </a:rPr>
               <a:t>capacity</a:t>
             </a:r>
             <a:r>
-              <a:rPr lang="de-DE" dirty="0"/>
+              <a:rPr lang="de-DE" dirty="0">
+                <a:highlight>
+                  <a:srgbClr val="FFFF00"/>
+                </a:highlight>
+              </a:rPr>
               <a:t> </a:t>
             </a:r>
             <a:r>
-              <a:rPr lang="de-DE" dirty="0" err="1"/>
+              <a:rPr lang="de-DE" dirty="0" err="1">
+                <a:highlight>
+                  <a:srgbClr val="FFFF00"/>
+                </a:highlight>
+              </a:rPr>
               <a:t>prices</a:t>
             </a:r>
             <a:r>
-              <a:rPr lang="de-DE" dirty="0"/>
+              <a:rPr lang="de-DE" dirty="0">
+                <a:highlight>
+                  <a:srgbClr val="FFFF00"/>
+                </a:highlight>
+              </a:rPr>
               <a:t>:</a:t>
             </a:r>
           </a:p>
@@ -14794,67 +15145,131 @@
               <a:buChar char="•"/>
             </a:pPr>
             <a:r>
-              <a:rPr lang="de-DE" dirty="0" err="1"/>
+              <a:rPr lang="de-DE" dirty="0" err="1">
+                <a:highlight>
+                  <a:srgbClr val="FFFF00"/>
+                </a:highlight>
+              </a:rPr>
               <a:t>Locality</a:t>
             </a:r>
             <a:r>
-              <a:rPr lang="de-DE" dirty="0"/>
+              <a:rPr lang="de-DE" dirty="0">
+                <a:highlight>
+                  <a:srgbClr val="FFFF00"/>
+                </a:highlight>
+              </a:rPr>
               <a:t> </a:t>
             </a:r>
             <a:r>
-              <a:rPr lang="de-DE" dirty="0" err="1"/>
+              <a:rPr lang="de-DE" dirty="0" err="1">
+                <a:highlight>
+                  <a:srgbClr val="FFFF00"/>
+                </a:highlight>
+              </a:rPr>
               <a:t>that</a:t>
             </a:r>
             <a:r>
-              <a:rPr lang="de-DE" dirty="0"/>
+              <a:rPr lang="de-DE" dirty="0">
+                <a:highlight>
+                  <a:srgbClr val="FFFF00"/>
+                </a:highlight>
+              </a:rPr>
               <a:t> </a:t>
             </a:r>
             <a:r>
-              <a:rPr lang="de-DE" dirty="0" err="1"/>
+              <a:rPr lang="de-DE" dirty="0" err="1">
+                <a:highlight>
+                  <a:srgbClr val="FFFF00"/>
+                </a:highlight>
+              </a:rPr>
               <a:t>is</a:t>
             </a:r>
             <a:r>
-              <a:rPr lang="de-DE" dirty="0"/>
+              <a:rPr lang="de-DE" dirty="0">
+                <a:highlight>
+                  <a:srgbClr val="FFFF00"/>
+                </a:highlight>
+              </a:rPr>
               <a:t> </a:t>
             </a:r>
             <a:r>
-              <a:rPr lang="de-DE" dirty="0" err="1"/>
+              <a:rPr lang="de-DE" dirty="0" err="1">
+                <a:highlight>
+                  <a:srgbClr val="FFFF00"/>
+                </a:highlight>
+              </a:rPr>
               <a:t>worst</a:t>
             </a:r>
             <a:r>
-              <a:rPr lang="de-DE" dirty="0"/>
+              <a:rPr lang="de-DE" dirty="0">
+                <a:highlight>
+                  <a:srgbClr val="FFFF00"/>
+                </a:highlight>
+              </a:rPr>
               <a:t> </a:t>
             </a:r>
             <a:r>
-              <a:rPr lang="de-DE" dirty="0" err="1"/>
+              <a:rPr lang="de-DE" dirty="0" err="1">
+                <a:highlight>
+                  <a:srgbClr val="FFFF00"/>
+                </a:highlight>
+              </a:rPr>
               <a:t>described</a:t>
             </a:r>
             <a:r>
-              <a:rPr lang="de-DE" dirty="0"/>
+              <a:rPr lang="de-DE" dirty="0">
+                <a:highlight>
+                  <a:srgbClr val="FFFF00"/>
+                </a:highlight>
+              </a:rPr>
               <a:t> </a:t>
             </a:r>
             <a:r>
-              <a:rPr lang="de-DE" dirty="0" err="1"/>
+              <a:rPr lang="de-DE" dirty="0" err="1">
+                <a:highlight>
+                  <a:srgbClr val="FFFF00"/>
+                </a:highlight>
+              </a:rPr>
               <a:t>by</a:t>
             </a:r>
             <a:r>
-              <a:rPr lang="de-DE" dirty="0"/>
+              <a:rPr lang="de-DE" dirty="0">
+                <a:highlight>
+                  <a:srgbClr val="FFFF00"/>
+                </a:highlight>
+              </a:rPr>
               <a:t> </a:t>
             </a:r>
             <a:r>
-              <a:rPr lang="de-DE" dirty="0" err="1"/>
+              <a:rPr lang="de-DE" dirty="0" err="1">
+                <a:highlight>
+                  <a:srgbClr val="FFFF00"/>
+                </a:highlight>
+              </a:rPr>
               <a:t>capacity</a:t>
             </a:r>
             <a:r>
-              <a:rPr lang="de-DE" dirty="0"/>
+              <a:rPr lang="de-DE" dirty="0">
+                <a:highlight>
+                  <a:srgbClr val="FFFF00"/>
+                </a:highlight>
+              </a:rPr>
               <a:t> </a:t>
             </a:r>
             <a:r>
-              <a:rPr lang="de-DE" dirty="0" err="1"/>
+              <a:rPr lang="de-DE" dirty="0" err="1">
+                <a:highlight>
+                  <a:srgbClr val="FFFF00"/>
+                </a:highlight>
+              </a:rPr>
               <a:t>prices</a:t>
             </a:r>
             <a:r>
-              <a:rPr lang="de-DE" dirty="0"/>
+              <a:rPr lang="de-DE" dirty="0">
+                <a:highlight>
+                  <a:srgbClr val="FFFF00"/>
+                </a:highlight>
+              </a:rPr>
               <a:t>:</a:t>
             </a:r>
           </a:p>
@@ -14867,7 +15282,11 @@
               <a:buChar char="-"/>
             </a:pPr>
             <a:r>
-              <a:rPr lang="de-DE" dirty="0"/>
+              <a:rPr lang="de-DE" dirty="0">
+                <a:highlight>
+                  <a:srgbClr val="FFFF00"/>
+                </a:highlight>
+              </a:rPr>
               <a:t>??</a:t>
             </a:r>
           </a:p>
@@ -15207,274 +15626,391 @@
         </p:nvSpPr>
         <p:spPr>
           <a:xfrm>
-            <a:off x="806245" y="1762188"/>
-            <a:ext cx="8021844" cy="4699572"/>
+            <a:off x="884903" y="1762188"/>
+            <a:ext cx="7943186" cy="4699572"/>
           </a:xfrm>
         </p:spPr>
         <p:txBody>
           <a:bodyPr/>
           <a:lstStyle/>
           <a:p>
-            <a:pPr marL="285750" indent="-285750" defTabSz="360000">
-              <a:spcBef>
-                <a:spcPts val="1200"/>
-              </a:spcBef>
-              <a:buFontTx/>
-              <a:buChar char="-"/>
-            </a:pPr>
-            <a:r>
-              <a:rPr lang="de-DE" dirty="0" err="1"/>
-              <a:t>Installed</a:t>
-            </a:r>
-            <a:r>
-              <a:rPr lang="de-DE" dirty="0"/>
-              <a:t> </a:t>
-            </a:r>
-            <a:r>
-              <a:rPr lang="de-DE" dirty="0" err="1"/>
-              <a:t>capacity</a:t>
-            </a:r>
-            <a:r>
-              <a:rPr lang="de-DE" dirty="0"/>
-              <a:t> </a:t>
-            </a:r>
-            <a:r>
-              <a:rPr lang="de-DE" dirty="0" err="1"/>
-              <a:t>is</a:t>
-            </a:r>
-            <a:r>
-              <a:rPr lang="de-DE" dirty="0"/>
-              <a:t> (not) </a:t>
-            </a:r>
-            <a:r>
-              <a:rPr lang="de-DE" dirty="0" err="1"/>
-              <a:t>driven</a:t>
-            </a:r>
-            <a:r>
-              <a:rPr lang="de-DE" dirty="0"/>
-              <a:t> </a:t>
-            </a:r>
-            <a:r>
-              <a:rPr lang="de-DE" dirty="0" err="1"/>
-              <a:t>by</a:t>
-            </a:r>
-            <a:r>
-              <a:rPr lang="de-DE" dirty="0"/>
-              <a:t> </a:t>
-            </a:r>
-            <a:r>
-              <a:rPr lang="de-DE" dirty="0" err="1"/>
-              <a:t>capacity</a:t>
-            </a:r>
-            <a:r>
-              <a:rPr lang="de-DE" dirty="0"/>
-              <a:t> </a:t>
-            </a:r>
-            <a:r>
-              <a:rPr lang="de-DE" dirty="0" err="1"/>
-              <a:t>prices</a:t>
-            </a:r>
-            <a:endParaRPr lang="de-DE" dirty="0"/>
-          </a:p>
-          <a:p>
             <a:pPr defTabSz="360000">
               <a:spcBef>
                 <a:spcPts val="1200"/>
               </a:spcBef>
             </a:pPr>
             <a:r>
-              <a:rPr lang="de-DE" dirty="0"/>
-              <a:t>	</a:t>
+              <a:rPr lang="de-DE" dirty="0" err="1">
+                <a:highlight>
+                  <a:srgbClr val="FFFF00"/>
+                </a:highlight>
+              </a:rPr>
+              <a:t>Installed</a:t>
             </a:r>
             <a:r>
               <a:rPr lang="de-DE" dirty="0">
-                <a:sym typeface="Wingdings" panose="05000000000000000000" pitchFamily="2" charset="2"/>
-              </a:rPr>
-              <a:t> </a:t>
-            </a:r>
-            <a:r>
-              <a:rPr lang="de-DE" dirty="0"/>
-              <a:t>Main </a:t>
-            </a:r>
-            <a:r>
-              <a:rPr lang="de-DE" dirty="0" err="1"/>
-              <a:t>driver</a:t>
-            </a:r>
-            <a:r>
-              <a:rPr lang="de-DE" dirty="0"/>
+                <a:highlight>
+                  <a:srgbClr val="FFFF00"/>
+                </a:highlight>
+              </a:rPr>
               <a:t> </a:t>
             </a:r>
             <a:r>
-              <a:rPr lang="de-DE" dirty="0" err="1"/>
-              <a:t>according</a:t>
-            </a:r>
-            <a:r>
-              <a:rPr lang="de-DE" dirty="0"/>
+              <a:rPr lang="de-DE" dirty="0" err="1">
+                <a:highlight>
+                  <a:srgbClr val="FFFF00"/>
+                </a:highlight>
+              </a:rPr>
+              <a:t>capacity</a:t>
+            </a:r>
+            <a:r>
+              <a:rPr lang="de-DE" dirty="0">
+                <a:highlight>
+                  <a:srgbClr val="FFFF00"/>
+                </a:highlight>
+              </a:rPr>
               <a:t> </a:t>
             </a:r>
             <a:r>
-              <a:rPr lang="de-DE" dirty="0" err="1"/>
-              <a:t>to</a:t>
-            </a:r>
-            <a:r>
-              <a:rPr lang="de-DE" dirty="0"/>
+              <a:rPr lang="de-DE" dirty="0" err="1">
+                <a:highlight>
+                  <a:srgbClr val="FFFF00"/>
+                </a:highlight>
+              </a:rPr>
+              <a:t>is</a:t>
+            </a:r>
+            <a:r>
+              <a:rPr lang="de-DE" dirty="0">
+                <a:highlight>
+                  <a:srgbClr val="FFFF00"/>
+                </a:highlight>
+              </a:rPr>
+              <a:t> (not) </a:t>
+            </a:r>
+            <a:r>
+              <a:rPr lang="de-DE" dirty="0" err="1">
+                <a:highlight>
+                  <a:srgbClr val="FFFF00"/>
+                </a:highlight>
+              </a:rPr>
+              <a:t>driven</a:t>
+            </a:r>
+            <a:r>
+              <a:rPr lang="de-DE" dirty="0">
+                <a:highlight>
+                  <a:srgbClr val="FFFF00"/>
+                </a:highlight>
+              </a:rPr>
               <a:t> </a:t>
             </a:r>
             <a:r>
-              <a:rPr lang="de-DE" dirty="0" err="1"/>
-              <a:t>model</a:t>
-            </a:r>
-            <a:r>
-              <a:rPr lang="de-DE" dirty="0"/>
+              <a:rPr lang="de-DE" dirty="0" err="1">
+                <a:highlight>
+                  <a:srgbClr val="FFFF00"/>
+                </a:highlight>
+              </a:rPr>
+              <a:t>by</a:t>
+            </a:r>
+            <a:r>
+              <a:rPr lang="de-DE" dirty="0">
+                <a:highlight>
+                  <a:srgbClr val="FFFF00"/>
+                </a:highlight>
+              </a:rPr>
               <a:t> </a:t>
             </a:r>
             <a:r>
-              <a:rPr lang="de-DE" dirty="0" err="1"/>
-              <a:t>is</a:t>
-            </a:r>
-            <a:r>
-              <a:rPr lang="de-DE" dirty="0"/>
+              <a:rPr lang="de-DE" dirty="0" err="1">
+                <a:highlight>
+                  <a:srgbClr val="FFFF00"/>
+                </a:highlight>
+              </a:rPr>
+              <a:t>capacity</a:t>
+            </a:r>
+            <a:r>
+              <a:rPr lang="de-DE" dirty="0">
+                <a:highlight>
+                  <a:srgbClr val="FFFF00"/>
+                </a:highlight>
+              </a:rPr>
               <a:t> </a:t>
             </a:r>
             <a:r>
-              <a:rPr lang="de-DE" dirty="0" err="1"/>
-              <a:t>xy</a:t>
-            </a:r>
-            <a:r>
-              <a:rPr lang="de-DE" dirty="0"/>
-              <a:t> / Other </a:t>
-            </a:r>
-            <a:r>
-              <a:rPr lang="de-DE" dirty="0" err="1"/>
-              <a:t>drivers</a:t>
-            </a:r>
-            <a:endParaRPr lang="de-DE" dirty="0"/>
-          </a:p>
-          <a:p>
-            <a:pPr marL="285750" indent="-285750" defTabSz="360000">
+              <a:rPr lang="de-DE" dirty="0" err="1">
+                <a:highlight>
+                  <a:srgbClr val="FFFF00"/>
+                </a:highlight>
+              </a:rPr>
+              <a:t>prices</a:t>
+            </a:r>
+            <a:endParaRPr lang="de-DE" dirty="0">
+              <a:highlight>
+                <a:srgbClr val="FFFF00"/>
+              </a:highlight>
+            </a:endParaRPr>
+          </a:p>
+          <a:p>
+            <a:pPr defTabSz="360000">
               <a:spcBef>
                 <a:spcPts val="1200"/>
               </a:spcBef>
-              <a:buFontTx/>
-              <a:buChar char="-"/>
             </a:pPr>
             <a:r>
-              <a:rPr lang="de-DE" dirty="0" err="1"/>
-              <a:t>However</a:t>
-            </a:r>
-            <a:r>
-              <a:rPr lang="de-DE" dirty="0"/>
-              <a:t>, </a:t>
-            </a:r>
-            <a:r>
-              <a:rPr lang="de-DE" b="1" dirty="0"/>
-              <a:t>in </a:t>
-            </a:r>
-            <a:r>
-              <a:rPr lang="de-DE" b="1" dirty="0" err="1"/>
-              <a:t>first</a:t>
-            </a:r>
-            <a:r>
-              <a:rPr lang="de-DE" b="1" dirty="0"/>
+              <a:rPr lang="de-DE" dirty="0">
+                <a:highlight>
+                  <a:srgbClr val="FFFF00"/>
+                </a:highlight>
+              </a:rPr>
+              <a:t>	</a:t>
+            </a:r>
+            <a:r>
+              <a:rPr lang="de-DE" dirty="0">
+                <a:highlight>
+                  <a:srgbClr val="FFFF00"/>
+                </a:highlight>
+                <a:sym typeface="Wingdings" panose="05000000000000000000" pitchFamily="2" charset="2"/>
+              </a:rPr>
+              <a:t> </a:t>
+            </a:r>
+            <a:r>
+              <a:rPr lang="de-DE" dirty="0">
+                <a:highlight>
+                  <a:srgbClr val="FFFF00"/>
+                </a:highlight>
+              </a:rPr>
+              <a:t>Main </a:t>
+            </a:r>
+            <a:r>
+              <a:rPr lang="de-DE" dirty="0" err="1">
+                <a:highlight>
+                  <a:srgbClr val="FFFF00"/>
+                </a:highlight>
+              </a:rPr>
+              <a:t>driver</a:t>
+            </a:r>
+            <a:r>
+              <a:rPr lang="de-DE" dirty="0">
+                <a:highlight>
+                  <a:srgbClr val="FFFF00"/>
+                </a:highlight>
+              </a:rPr>
               <a:t> </a:t>
             </a:r>
             <a:r>
-              <a:rPr lang="de-DE" b="1" dirty="0" err="1"/>
-              <a:t>years</a:t>
-            </a:r>
-            <a:r>
-              <a:rPr lang="de-DE" b="1" dirty="0"/>
+              <a:rPr lang="de-DE" dirty="0" err="1">
+                <a:highlight>
+                  <a:srgbClr val="FFFF00"/>
+                </a:highlight>
+              </a:rPr>
+              <a:t>according</a:t>
+            </a:r>
+            <a:r>
+              <a:rPr lang="de-DE" dirty="0">
+                <a:highlight>
+                  <a:srgbClr val="FFFF00"/>
+                </a:highlight>
+              </a:rPr>
               <a:t> </a:t>
             </a:r>
             <a:r>
-              <a:rPr lang="de-DE" dirty="0"/>
-              <a:t>after </a:t>
-            </a:r>
-            <a:r>
-              <a:rPr lang="de-DE" dirty="0" err="1"/>
-              <a:t>installation</a:t>
-            </a:r>
-            <a:r>
-              <a:rPr lang="de-DE" dirty="0"/>
+              <a:rPr lang="de-DE" dirty="0" err="1">
+                <a:highlight>
+                  <a:srgbClr val="FFFF00"/>
+                </a:highlight>
+              </a:rPr>
+              <a:t>to</a:t>
+            </a:r>
+            <a:r>
+              <a:rPr lang="de-DE" dirty="0">
+                <a:highlight>
+                  <a:srgbClr val="FFFF00"/>
+                </a:highlight>
+              </a:rPr>
               <a:t> </a:t>
             </a:r>
             <a:r>
-              <a:rPr lang="de-DE" dirty="0" err="1"/>
-              <a:t>of</a:t>
-            </a:r>
-            <a:r>
-              <a:rPr lang="de-DE" dirty="0"/>
+              <a:rPr lang="de-DE" dirty="0" err="1">
+                <a:highlight>
+                  <a:srgbClr val="FFFF00"/>
+                </a:highlight>
+              </a:rPr>
+              <a:t>model</a:t>
+            </a:r>
+            <a:r>
+              <a:rPr lang="de-DE" dirty="0">
+                <a:highlight>
+                  <a:srgbClr val="FFFF00"/>
+                </a:highlight>
+              </a:rPr>
               <a:t> </a:t>
             </a:r>
             <a:r>
-              <a:rPr lang="de-DE" dirty="0" err="1"/>
-              <a:t>capacity</a:t>
-            </a:r>
-            <a:r>
-              <a:rPr lang="de-DE" dirty="0"/>
+              <a:rPr lang="de-DE" dirty="0" err="1">
+                <a:highlight>
+                  <a:srgbClr val="FFFF00"/>
+                </a:highlight>
+              </a:rPr>
+              <a:t>is</a:t>
+            </a:r>
+            <a:r>
+              <a:rPr lang="de-DE" dirty="0">
+                <a:highlight>
+                  <a:srgbClr val="FFFF00"/>
+                </a:highlight>
+              </a:rPr>
               <a:t> </a:t>
             </a:r>
             <a:r>
-              <a:rPr lang="de-DE" dirty="0" err="1"/>
-              <a:t>markets</a:t>
-            </a:r>
-            <a:r>
-              <a:rPr lang="de-DE" dirty="0"/>
-              <a:t> (</a:t>
-            </a:r>
-            <a:r>
-              <a:rPr lang="de-DE" dirty="0" err="1"/>
-              <a:t>early</a:t>
-            </a:r>
-            <a:r>
-              <a:rPr lang="de-DE" dirty="0"/>
-              <a:t> 2000‘s), </a:t>
-            </a:r>
-            <a:r>
-              <a:rPr lang="de-DE" dirty="0" err="1"/>
-              <a:t>we</a:t>
-            </a:r>
-            <a:r>
-              <a:rPr lang="de-DE" dirty="0"/>
-              <a:t> </a:t>
-            </a:r>
-            <a:r>
-              <a:rPr lang="de-DE" dirty="0" err="1"/>
-              <a:t>see</a:t>
-            </a:r>
-            <a:r>
-              <a:rPr lang="de-DE" dirty="0"/>
-              <a:t> an </a:t>
-            </a:r>
-            <a:r>
-              <a:rPr lang="de-DE" b="1" dirty="0" err="1"/>
-              <a:t>increase</a:t>
-            </a:r>
-            <a:r>
-              <a:rPr lang="de-DE" b="1" dirty="0"/>
-              <a:t> in </a:t>
-            </a:r>
-            <a:r>
-              <a:rPr lang="de-DE" b="1" dirty="0" err="1"/>
-              <a:t>installed</a:t>
-            </a:r>
-            <a:r>
-              <a:rPr lang="de-DE" b="1" dirty="0"/>
-              <a:t> </a:t>
-            </a:r>
-            <a:r>
-              <a:rPr lang="de-DE" b="1" dirty="0" err="1"/>
-              <a:t>capacity</a:t>
-            </a:r>
-            <a:endParaRPr lang="de-DE" b="1" dirty="0"/>
-          </a:p>
-          <a:p>
-            <a:pPr marL="285750" indent="-285750" defTabSz="360000">
+              <a:rPr lang="de-DE" dirty="0" err="1">
+                <a:highlight>
+                  <a:srgbClr val="FFFF00"/>
+                </a:highlight>
+              </a:rPr>
+              <a:t>xy</a:t>
+            </a:r>
+            <a:r>
+              <a:rPr lang="de-DE" dirty="0">
+                <a:highlight>
+                  <a:srgbClr val="FFFF00"/>
+                </a:highlight>
+              </a:rPr>
+              <a:t> / Other </a:t>
+            </a:r>
+            <a:r>
+              <a:rPr lang="de-DE" dirty="0" err="1">
+                <a:highlight>
+                  <a:srgbClr val="FFFF00"/>
+                </a:highlight>
+              </a:rPr>
+              <a:t>drivers</a:t>
+            </a:r>
+            <a:endParaRPr lang="de-DE" dirty="0">
+              <a:highlight>
+                <a:srgbClr val="FFFF00"/>
+              </a:highlight>
+            </a:endParaRPr>
+          </a:p>
+          <a:p>
+            <a:pPr defTabSz="360000">
               <a:spcBef>
                 <a:spcPts val="1200"/>
               </a:spcBef>
-              <a:buFontTx/>
-              <a:buChar char="-"/>
+            </a:pPr>
+            <a:r>
+              <a:rPr lang="de-DE" dirty="0" err="1"/>
+              <a:t>However</a:t>
+            </a:r>
+            <a:r>
+              <a:rPr lang="de-DE" dirty="0"/>
+              <a:t>, </a:t>
+            </a:r>
+            <a:r>
+              <a:rPr lang="de-DE" b="1" dirty="0"/>
+              <a:t>in </a:t>
+            </a:r>
+            <a:r>
+              <a:rPr lang="de-DE" b="1" dirty="0" err="1"/>
+              <a:t>first</a:t>
+            </a:r>
+            <a:r>
+              <a:rPr lang="de-DE" b="1" dirty="0"/>
+              <a:t> </a:t>
+            </a:r>
+            <a:r>
+              <a:rPr lang="de-DE" b="1" dirty="0" err="1"/>
+              <a:t>years</a:t>
+            </a:r>
+            <a:r>
+              <a:rPr lang="de-DE" b="1" dirty="0"/>
+              <a:t> </a:t>
+            </a:r>
+            <a:r>
+              <a:rPr lang="de-DE" dirty="0"/>
+              <a:t>after </a:t>
+            </a:r>
+            <a:r>
+              <a:rPr lang="de-DE" dirty="0" err="1"/>
+              <a:t>installation</a:t>
+            </a:r>
+            <a:r>
+              <a:rPr lang="de-DE" dirty="0"/>
+              <a:t> </a:t>
+            </a:r>
+            <a:r>
+              <a:rPr lang="de-DE" dirty="0" err="1"/>
+              <a:t>of</a:t>
+            </a:r>
+            <a:r>
+              <a:rPr lang="de-DE" dirty="0"/>
+              <a:t> </a:t>
+            </a:r>
+            <a:r>
+              <a:rPr lang="de-DE" dirty="0" err="1"/>
+              <a:t>capacity</a:t>
+            </a:r>
+            <a:r>
+              <a:rPr lang="de-DE" dirty="0"/>
+              <a:t> </a:t>
+            </a:r>
+            <a:r>
+              <a:rPr lang="de-DE" dirty="0" err="1"/>
+              <a:t>markets</a:t>
+            </a:r>
+            <a:r>
+              <a:rPr lang="de-DE" dirty="0"/>
+              <a:t> (</a:t>
+            </a:r>
+            <a:r>
+              <a:rPr lang="de-DE" dirty="0" err="1"/>
+              <a:t>early</a:t>
+            </a:r>
+            <a:r>
+              <a:rPr lang="de-DE" dirty="0"/>
+              <a:t> 2000‘s), </a:t>
+            </a:r>
+            <a:r>
+              <a:rPr lang="de-DE" dirty="0" err="1"/>
+              <a:t>we</a:t>
+            </a:r>
+            <a:r>
+              <a:rPr lang="de-DE" dirty="0"/>
+              <a:t> </a:t>
+            </a:r>
+            <a:r>
+              <a:rPr lang="de-DE" dirty="0" err="1"/>
+              <a:t>see</a:t>
+            </a:r>
+            <a:r>
+              <a:rPr lang="de-DE" dirty="0"/>
+              <a:t> an </a:t>
+            </a:r>
+            <a:r>
+              <a:rPr lang="de-DE" b="1" dirty="0" err="1"/>
+              <a:t>increase</a:t>
+            </a:r>
+            <a:r>
+              <a:rPr lang="de-DE" b="1" dirty="0"/>
+              <a:t> in </a:t>
+            </a:r>
+            <a:r>
+              <a:rPr lang="de-DE" b="1" dirty="0" err="1"/>
+              <a:t>installed</a:t>
+            </a:r>
+            <a:r>
+              <a:rPr lang="de-DE" b="1" dirty="0"/>
+              <a:t> </a:t>
+            </a:r>
+            <a:r>
+              <a:rPr lang="de-DE" b="1" dirty="0" err="1"/>
+              <a:t>capacity</a:t>
+            </a:r>
+            <a:endParaRPr lang="de-DE" b="1" dirty="0"/>
+          </a:p>
+          <a:p>
+            <a:pPr defTabSz="360000">
+              <a:spcBef>
+                <a:spcPts val="1200"/>
+              </a:spcBef>
             </a:pPr>
             <a:r>
               <a:rPr lang="de-DE" b="1" dirty="0"/>
@@ -15615,12 +16151,10 @@
             <a:endParaRPr lang="de-DE" dirty="0"/>
           </a:p>
           <a:p>
-            <a:pPr marL="285750" indent="-285750" defTabSz="360000">
+            <a:pPr defTabSz="360000">
               <a:spcBef>
                 <a:spcPts val="1200"/>
               </a:spcBef>
-              <a:buFontTx/>
-              <a:buChar char="-"/>
             </a:pPr>
             <a:r>
               <a:rPr lang="de-DE" dirty="0"/>
@@ -15656,7 +16190,7 @@
             </a:r>
             <a:r>
               <a:rPr lang="de-DE" dirty="0" err="1"/>
-              <a:t>achieving</a:t>
+              <a:t>that</a:t>
             </a:r>
             <a:r>
               <a:rPr lang="de-DE" dirty="0"/>
@@ -15684,8 +16218,29 @@
             </a:r>
             <a:r>
               <a:rPr lang="de-DE" dirty="0"/>
-              <a:t>,</a:t>
-            </a:r>
+              <a:t> </a:t>
+            </a:r>
+            <a:r>
+              <a:rPr lang="de-DE" dirty="0" err="1"/>
+              <a:t>has</a:t>
+            </a:r>
+            <a:r>
+              <a:rPr lang="de-DE" dirty="0"/>
+              <a:t> </a:t>
+            </a:r>
+            <a:r>
+              <a:rPr lang="de-DE" dirty="0" err="1"/>
+              <a:t>been</a:t>
+            </a:r>
+            <a:r>
+              <a:rPr lang="de-DE" dirty="0"/>
+              <a:t> </a:t>
+            </a:r>
+            <a:r>
+              <a:rPr lang="de-DE" dirty="0" err="1"/>
+              <a:t>achieved</a:t>
+            </a:r>
+            <a:endParaRPr lang="de-DE" dirty="0"/>
           </a:p>
           <a:p>
             <a:pPr lvl="2" indent="0" defTabSz="360000">
@@ -16185,84 +16740,6 @@
   <p:clrMapOvr>
     <a:masterClrMapping/>
   </p:clrMapOvr>
-  <p:timing>
-    <p:tnLst>
-      <p:par>
-        <p:cTn id="1" dur="indefinite" restart="never" nodeType="tmRoot">
-          <p:childTnLst>
-            <p:seq concurrent="1" nextAc="seek">
-              <p:cTn id="2" dur="indefinite" nodeType="mainSeq">
-                <p:childTnLst>
-                  <p:par>
-                    <p:cTn id="3" fill="hold">
-                      <p:stCondLst>
-                        <p:cond delay="indefinite"/>
-                      </p:stCondLst>
-                      <p:childTnLst>
-                        <p:par>
-                          <p:cTn id="4" fill="hold">
-                            <p:stCondLst>
-                              <p:cond delay="0"/>
-                            </p:stCondLst>
-                            <p:childTnLst>
-                              <p:par>
-                                <p:cTn id="5" presetID="1" presetClass="entr" presetSubtype="0" fill="hold" grpId="0" nodeType="clickEffect">
-                                  <p:stCondLst>
-                                    <p:cond delay="0"/>
-                                  </p:stCondLst>
-                                  <p:childTnLst>
-                                    <p:set>
-                                      <p:cBhvr>
-                                        <p:cTn id="6" dur="1" fill="hold">
-                                          <p:stCondLst>
-                                            <p:cond delay="0"/>
-                                          </p:stCondLst>
-                                        </p:cTn>
-                                        <p:tgtEl>
-                                          <p:spTgt spid="10"/>
-                                        </p:tgtEl>
-                                        <p:attrNameLst>
-                                          <p:attrName>style.visibility</p:attrName>
-                                        </p:attrNameLst>
-                                      </p:cBhvr>
-                                      <p:to>
-                                        <p:strVal val="visible"/>
-                                      </p:to>
-                                    </p:set>
-                                  </p:childTnLst>
-                                </p:cTn>
-                              </p:par>
-                            </p:childTnLst>
-                          </p:cTn>
-                        </p:par>
-                      </p:childTnLst>
-                    </p:cTn>
-                  </p:par>
-                </p:childTnLst>
-              </p:cTn>
-              <p:prevCondLst>
-                <p:cond evt="onPrev" delay="0">
-                  <p:tgtEl>
-                    <p:sldTgt/>
-                  </p:tgtEl>
-                </p:cond>
-              </p:prevCondLst>
-              <p:nextCondLst>
-                <p:cond evt="onNext" delay="0">
-                  <p:tgtEl>
-                    <p:sldTgt/>
-                  </p:tgtEl>
-                </p:cond>
-              </p:nextCondLst>
-            </p:seq>
-          </p:childTnLst>
-        </p:cTn>
-      </p:par>
-    </p:tnLst>
-    <p:bldLst>
-      <p:bldP spid="10" grpId="0" animBg="1"/>
-    </p:bldLst>
-  </p:timing>
 </p:sld>
 </file>
 
@@ -20080,7 +20557,12 @@
             <p:ph type="ftr" sz="quarter" idx="12"/>
           </p:nvPr>
         </p:nvSpPr>
-        <p:spPr/>
+        <p:spPr>
+          <a:xfrm>
+            <a:off x="311162" y="6511266"/>
+            <a:ext cx="6464280" cy="365125"/>
+          </a:xfrm>
+        </p:spPr>
         <p:txBody>
           <a:bodyPr/>
           <a:lstStyle/>
@@ -20911,8 +21393,8 @@
         </p:nvSpPr>
         <p:spPr>
           <a:xfrm>
-            <a:off x="4051113" y="2437644"/>
-            <a:ext cx="4646032" cy="4017381"/>
+            <a:off x="4051112" y="2437644"/>
+            <a:ext cx="4746588" cy="4017381"/>
           </a:xfrm>
           <a:prstGeom prst="rect">
             <a:avLst/>
@@ -21206,7 +21688,18 @@
               <a:rPr lang="en-US" dirty="0">
                 <a:cs typeface="Arial"/>
               </a:rPr>
-              <a:t>Idea: Recover fixed costs during times when demand &gt; supply (scarcity price)</a:t>
+              <a:t>Idea: Recover fixed costs during times when </a:t>
+            </a:r>
+            <a:br>
+              <a:rPr lang="en-US" dirty="0">
+                <a:cs typeface="Arial"/>
+              </a:rPr>
+            </a:br>
+            <a:r>
+              <a:rPr lang="en-US" dirty="0">
+                <a:cs typeface="Arial"/>
+              </a:rPr>
+              <a:t>demand &gt; supply (scarcity price)</a:t>
             </a:r>
           </a:p>
           <a:p>
@@ -21499,8 +21992,8 @@
         </p:nvSpPr>
         <p:spPr>
           <a:xfrm>
-            <a:off x="346300" y="6026850"/>
-            <a:ext cx="3535615" cy="259552"/>
+            <a:off x="346301" y="6017766"/>
+            <a:ext cx="3191486" cy="268636"/>
           </a:xfrm>
           <a:prstGeom prst="rect">
             <a:avLst/>
@@ -21700,7 +22193,7 @@
               <a:rPr lang="en-US" sz="1050" dirty="0">
                 <a:cs typeface="Arial"/>
               </a:rPr>
-              <a:t>https://stoft.com/2021/02/frozen-electric-blackouts-intexas/</a:t>
+              <a:t>From: https://stoft.com/2021/02/frozen-electric-blackouts-intexas/</a:t>
             </a:r>
             <a:endParaRPr lang="en-US" sz="1400" dirty="0"/>
           </a:p>
@@ -22557,7 +23050,7 @@
         </p:nvSpPr>
         <p:spPr>
           <a:xfrm>
-            <a:off x="3963349" y="5597580"/>
+            <a:off x="3963349" y="5511411"/>
             <a:ext cx="4863659" cy="172338"/>
           </a:xfrm>
           <a:prstGeom prst="rect">
@@ -23176,8 +23669,8 @@
           <a:chExt cx="0" cy="0"/>
         </a:xfrm>
       </p:grpSpPr>
-      <mc:AlternateContent xmlns:mc="http://schemas.openxmlformats.org/markup-compatibility/2006" xmlns:a14="http://schemas.microsoft.com/office/drawing/2010/main">
-        <mc:Choice Requires="a14">
+      <mc:AlternateContent xmlns:mc="http://schemas.openxmlformats.org/markup-compatibility/2006">
+        <mc:Choice xmlns:a14="http://schemas.microsoft.com/office/drawing/2010/main" Requires="a14">
           <p:sp>
             <p:nvSpPr>
               <p:cNvPr id="2" name="Inhaltsplatzhalter 1">
@@ -23204,24 +23697,6 @@
               <a:bodyPr/>
               <a:lstStyle/>
               <a:p>
-                <a:r>
-                  <a:rPr lang="de-DE" sz="1800" b="1" dirty="0">
-                    <a:solidFill>
-                      <a:srgbClr val="0065BD"/>
-                    </a:solidFill>
-                    <a:sym typeface="Wingdings" panose="05000000000000000000" pitchFamily="2" charset="2"/>
-                  </a:rPr>
-                  <a:t>E</a:t>
-                </a:r>
-                <a:r>
-                  <a:rPr lang="hu-HU" sz="1800" b="1" dirty="0">
-                    <a:solidFill>
-                      <a:srgbClr val="0065BD"/>
-                    </a:solidFill>
-                    <a:sym typeface="Wingdings" panose="05000000000000000000" pitchFamily="2" charset="2"/>
-                  </a:rPr>
-                  <a:t>conometric model</a:t>
-                </a:r>
                 <a:endParaRPr lang="de-DE" sz="1800" b="1" dirty="0">
                   <a:solidFill>
                     <a:srgbClr val="0065BD"/>
@@ -23510,6 +23985,11 @@
                   <a:rPr lang="de-DE" dirty="0"/>
                   <a:t> </a:t>
                 </a:r>
+                <a:r>
+                  <a:rPr lang="de-DE" dirty="0" err="1"/>
+                  <a:t>prices</a:t>
+                </a:r>
+                <a:endParaRPr lang="de-DE" dirty="0"/>
               </a:p>
               <a:p>
                 <a:pPr marL="646113" lvl="2" indent="-285750">
@@ -23555,7 +24035,7 @@
             </p:txBody>
           </p:sp>
         </mc:Choice>
-        <mc:Fallback xmlns="">
+        <mc:Fallback>
           <p:sp>
             <p:nvSpPr>
               <p:cNvPr id="2" name="Inhaltsplatzhalter 1">
@@ -23580,7 +24060,7 @@
               <a:blipFill>
                 <a:blip r:embed="rId2"/>
                 <a:stretch>
-                  <a:fillRect l="-1748" t="-1427"/>
+                  <a:fillRect/>
                 </a:stretch>
               </a:blipFill>
             </p:spPr>
@@ -24397,6 +24877,346 @@
           </a:prstGeom>
         </p:spPr>
       </p:pic>
+      <p:sp>
+        <p:nvSpPr>
+          <p:cNvPr id="10" name="Inhaltsplatzhalter 1">
+            <a:extLst>
+              <a:ext uri="{FF2B5EF4-FFF2-40B4-BE49-F238E27FC236}">
+                <a16:creationId xmlns:a16="http://schemas.microsoft.com/office/drawing/2014/main" id="{B8721C53-5B09-42E7-8A84-2E9E2C02E9B6}"/>
+              </a:ext>
+            </a:extLst>
+          </p:cNvPr>
+          <p:cNvSpPr txBox="1">
+            <a:spLocks/>
+          </p:cNvSpPr>
+          <p:nvPr/>
+        </p:nvSpPr>
+        <p:spPr>
+          <a:xfrm>
+            <a:off x="319090" y="1762188"/>
+            <a:ext cx="8508999" cy="536536"/>
+          </a:xfrm>
+          <a:prstGeom prst="rect">
+            <a:avLst/>
+          </a:prstGeom>
+          <a:noFill/>
+          <a:ln w="9525">
+            <a:noFill/>
+            <a:miter lim="800000"/>
+            <a:headEnd/>
+            <a:tailEnd/>
+          </a:ln>
+        </p:spPr>
+        <p:txBody>
+          <a:bodyPr vert="horz" wrap="square" lIns="0" tIns="0" rIns="0" bIns="0" numCol="1" anchor="t" anchorCtr="0" compatLnSpc="1">
+            <a:prstTxWarp prst="textNoShape">
+              <a:avLst/>
+            </a:prstTxWarp>
+          </a:bodyPr>
+          <a:lstStyle>
+            <a:lvl1pPr algn="l" rtl="0" eaLnBrk="0" fontAlgn="base" hangingPunct="0">
+              <a:lnSpc>
+                <a:spcPct val="114000"/>
+              </a:lnSpc>
+              <a:spcBef>
+                <a:spcPct val="0"/>
+              </a:spcBef>
+              <a:spcAft>
+                <a:spcPct val="0"/>
+              </a:spcAft>
+              <a:defRPr lang="de-DE" sz="1600" kern="1200" noProof="0" dirty="0" smtClean="0">
+                <a:solidFill>
+                  <a:schemeClr val="tx1"/>
+                </a:solidFill>
+                <a:latin typeface="+mn-lt"/>
+                <a:ea typeface="+mn-ea"/>
+                <a:cs typeface="+mn-cs"/>
+              </a:defRPr>
+            </a:lvl1pPr>
+            <a:lvl2pPr marL="176213" indent="-176213" algn="l" rtl="0" eaLnBrk="0" fontAlgn="base" hangingPunct="0">
+              <a:lnSpc>
+                <a:spcPct val="114000"/>
+              </a:lnSpc>
+              <a:spcBef>
+                <a:spcPct val="0"/>
+              </a:spcBef>
+              <a:spcAft>
+                <a:spcPct val="0"/>
+              </a:spcAft>
+              <a:buFont typeface="Arial" charset="0"/>
+              <a:buChar char="•"/>
+              <a:defRPr lang="de-DE" sz="1600" kern="1200" noProof="0" dirty="0" smtClean="0">
+                <a:solidFill>
+                  <a:schemeClr val="tx1"/>
+                </a:solidFill>
+                <a:latin typeface="+mn-lt"/>
+                <a:ea typeface="+mn-ea"/>
+                <a:cs typeface="+mn-cs"/>
+              </a:defRPr>
+            </a:lvl2pPr>
+            <a:lvl3pPr marL="360363" indent="-184150" algn="l" rtl="0" eaLnBrk="0" fontAlgn="base" hangingPunct="0">
+              <a:lnSpc>
+                <a:spcPct val="125000"/>
+              </a:lnSpc>
+              <a:spcBef>
+                <a:spcPct val="0"/>
+              </a:spcBef>
+              <a:spcAft>
+                <a:spcPct val="0"/>
+              </a:spcAft>
+              <a:buFont typeface="Symbol" pitchFamily="18" charset="2"/>
+              <a:buChar char="-"/>
+              <a:defRPr sz="1600" kern="1200">
+                <a:solidFill>
+                  <a:schemeClr val="tx1"/>
+                </a:solidFill>
+                <a:latin typeface="+mn-lt"/>
+                <a:ea typeface="+mn-ea"/>
+                <a:cs typeface="+mn-cs"/>
+              </a:defRPr>
+            </a:lvl3pPr>
+            <a:lvl4pPr marL="538163" indent="-177800" algn="l" rtl="0" eaLnBrk="0" fontAlgn="base" hangingPunct="0">
+              <a:lnSpc>
+                <a:spcPct val="125000"/>
+              </a:lnSpc>
+              <a:spcBef>
+                <a:spcPct val="0"/>
+              </a:spcBef>
+              <a:spcAft>
+                <a:spcPct val="0"/>
+              </a:spcAft>
+              <a:buFont typeface="Symbol" pitchFamily="18" charset="2"/>
+              <a:buChar char="-"/>
+              <a:defRPr sz="1400" kern="1200">
+                <a:solidFill>
+                  <a:schemeClr val="tx1"/>
+                </a:solidFill>
+                <a:latin typeface="+mn-lt"/>
+                <a:ea typeface="+mn-ea"/>
+                <a:cs typeface="+mn-cs"/>
+              </a:defRPr>
+            </a:lvl4pPr>
+            <a:lvl5pPr marL="714375" indent="-176213" algn="l" rtl="0" eaLnBrk="0" fontAlgn="base" hangingPunct="0">
+              <a:lnSpc>
+                <a:spcPct val="125000"/>
+              </a:lnSpc>
+              <a:spcBef>
+                <a:spcPct val="0"/>
+              </a:spcBef>
+              <a:spcAft>
+                <a:spcPct val="0"/>
+              </a:spcAft>
+              <a:buFont typeface="Symbol" pitchFamily="18" charset="2"/>
+              <a:buChar char="-"/>
+              <a:defRPr sz="1400" kern="1200">
+                <a:solidFill>
+                  <a:schemeClr val="tx1"/>
+                </a:solidFill>
+                <a:latin typeface="+mn-lt"/>
+                <a:ea typeface="+mn-ea"/>
+                <a:cs typeface="+mn-cs"/>
+              </a:defRPr>
+            </a:lvl5pPr>
+            <a:lvl6pPr marL="2514600" indent="-228600" algn="l" defTabSz="914400" rtl="0" eaLnBrk="1" latinLnBrk="0" hangingPunct="1">
+              <a:spcBef>
+                <a:spcPct val="20000"/>
+              </a:spcBef>
+              <a:buFont typeface="Arial" pitchFamily="34" charset="0"/>
+              <a:buChar char="•"/>
+              <a:defRPr sz="2000" kern="1200">
+                <a:solidFill>
+                  <a:schemeClr val="tx1"/>
+                </a:solidFill>
+                <a:latin typeface="+mn-lt"/>
+                <a:ea typeface="+mn-ea"/>
+                <a:cs typeface="+mn-cs"/>
+              </a:defRPr>
+            </a:lvl6pPr>
+            <a:lvl7pPr marL="2971800" indent="-228600" algn="l" defTabSz="914400" rtl="0" eaLnBrk="1" latinLnBrk="0" hangingPunct="1">
+              <a:spcBef>
+                <a:spcPct val="20000"/>
+              </a:spcBef>
+              <a:buFont typeface="Arial" pitchFamily="34" charset="0"/>
+              <a:buChar char="•"/>
+              <a:defRPr sz="2000" kern="1200">
+                <a:solidFill>
+                  <a:schemeClr val="tx1"/>
+                </a:solidFill>
+                <a:latin typeface="+mn-lt"/>
+                <a:ea typeface="+mn-ea"/>
+                <a:cs typeface="+mn-cs"/>
+              </a:defRPr>
+            </a:lvl7pPr>
+            <a:lvl8pPr marL="3429000" indent="-228600" algn="l" defTabSz="914400" rtl="0" eaLnBrk="1" latinLnBrk="0" hangingPunct="1">
+              <a:spcBef>
+                <a:spcPct val="20000"/>
+              </a:spcBef>
+              <a:buFont typeface="Arial" pitchFamily="34" charset="0"/>
+              <a:buChar char="•"/>
+              <a:defRPr sz="2000" kern="1200">
+                <a:solidFill>
+                  <a:schemeClr val="tx1"/>
+                </a:solidFill>
+                <a:latin typeface="+mn-lt"/>
+                <a:ea typeface="+mn-ea"/>
+                <a:cs typeface="+mn-cs"/>
+              </a:defRPr>
+            </a:lvl8pPr>
+            <a:lvl9pPr marL="3886200" indent="-228600" algn="l" defTabSz="914400" rtl="0" eaLnBrk="1" latinLnBrk="0" hangingPunct="1">
+              <a:spcBef>
+                <a:spcPct val="20000"/>
+              </a:spcBef>
+              <a:buFont typeface="Arial" pitchFamily="34" charset="0"/>
+              <a:buChar char="•"/>
+              <a:defRPr sz="2000" kern="1200">
+                <a:solidFill>
+                  <a:schemeClr val="tx1"/>
+                </a:solidFill>
+                <a:latin typeface="+mn-lt"/>
+                <a:ea typeface="+mn-ea"/>
+                <a:cs typeface="+mn-cs"/>
+              </a:defRPr>
+            </a:lvl9pPr>
+          </a:lstStyle>
+          <a:p>
+            <a:r>
+              <a:rPr lang="en-GB" sz="2000" dirty="0">
+                <a:solidFill>
+                  <a:srgbClr val="0065BD"/>
+                </a:solidFill>
+              </a:rPr>
+              <a:t>Multiple Regression Analysis</a:t>
+            </a:r>
+            <a:endParaRPr lang="en-GB" dirty="0">
+              <a:solidFill>
+                <a:srgbClr val="0065BD"/>
+              </a:solidFill>
+              <a:cs typeface="Arial"/>
+            </a:endParaRPr>
+          </a:p>
+        </p:txBody>
+      </p:sp>
+      <p:pic>
+        <p:nvPicPr>
+          <p:cNvPr id="12" name="Grafik 11" descr="Warnung">
+            <a:extLst>
+              <a:ext uri="{FF2B5EF4-FFF2-40B4-BE49-F238E27FC236}">
+                <a16:creationId xmlns:a16="http://schemas.microsoft.com/office/drawing/2014/main" id="{384EAE6E-E347-4604-909A-222A26A4788C}"/>
+              </a:ext>
+            </a:extLst>
+          </p:cNvPr>
+          <p:cNvPicPr>
+            <a:picLocks noChangeAspect="1"/>
+          </p:cNvPicPr>
+          <p:nvPr/>
+        </p:nvPicPr>
+        <p:blipFill>
+          <a:blip r:embed="rId9">
+            <a:extLst>
+              <a:ext uri="{96DAC541-7B7A-43D3-8B79-37D633B846F1}">
+                <asvg:svgBlip xmlns:asvg="http://schemas.microsoft.com/office/drawing/2016/SVG/main" r:embed="rId10"/>
+              </a:ext>
+            </a:extLst>
+          </a:blip>
+          <a:stretch>
+            <a:fillRect/>
+          </a:stretch>
+        </p:blipFill>
+        <p:spPr>
+          <a:xfrm>
+            <a:off x="4493167" y="5422879"/>
+            <a:ext cx="324000" cy="324000"/>
+          </a:xfrm>
+          <a:prstGeom prst="rect">
+            <a:avLst/>
+          </a:prstGeom>
+        </p:spPr>
+      </p:pic>
+      <p:sp>
+        <p:nvSpPr>
+          <p:cNvPr id="8" name="Textfeld 7">
+            <a:extLst>
+              <a:ext uri="{FF2B5EF4-FFF2-40B4-BE49-F238E27FC236}">
+                <a16:creationId xmlns:a16="http://schemas.microsoft.com/office/drawing/2014/main" id="{F47A1C8E-C15E-4502-9697-ABF0B63098B7}"/>
+              </a:ext>
+            </a:extLst>
+          </p:cNvPr>
+          <p:cNvSpPr txBox="1"/>
+          <p:nvPr/>
+        </p:nvSpPr>
+        <p:spPr>
+          <a:xfrm>
+            <a:off x="4893727" y="5445115"/>
+            <a:ext cx="3959882" cy="537968"/>
+          </a:xfrm>
+          <a:prstGeom prst="rect">
+            <a:avLst/>
+          </a:prstGeom>
+          <a:noFill/>
+        </p:spPr>
+        <p:txBody>
+          <a:bodyPr wrap="square" lIns="0" tIns="0" rIns="0" bIns="0" rtlCol="0">
+            <a:spAutoFit/>
+          </a:bodyPr>
+          <a:lstStyle/>
+          <a:p>
+            <a:pPr>
+              <a:lnSpc>
+                <a:spcPct val="114000"/>
+              </a:lnSpc>
+            </a:pPr>
+            <a:r>
+              <a:rPr lang="de-DE" sz="1600" dirty="0">
+                <a:latin typeface="+mn-lt"/>
+              </a:rPr>
+              <a:t>Potential </a:t>
+            </a:r>
+            <a:r>
+              <a:rPr lang="de-DE" sz="1600" dirty="0" err="1">
+                <a:latin typeface="+mn-lt"/>
+              </a:rPr>
+              <a:t>problem</a:t>
+            </a:r>
+            <a:r>
+              <a:rPr lang="de-DE" sz="1600" dirty="0">
+                <a:latin typeface="+mn-lt"/>
+              </a:rPr>
+              <a:t> </a:t>
+            </a:r>
+            <a:r>
+              <a:rPr lang="de-DE" sz="1600" dirty="0" err="1">
+                <a:latin typeface="+mn-lt"/>
+              </a:rPr>
+              <a:t>with</a:t>
+            </a:r>
+            <a:r>
+              <a:rPr lang="de-DE" sz="1600" dirty="0">
+                <a:latin typeface="+mn-lt"/>
+              </a:rPr>
+              <a:t> </a:t>
+            </a:r>
+            <a:r>
+              <a:rPr lang="de-DE" sz="1600" dirty="0" err="1">
+                <a:latin typeface="+mn-lt"/>
+              </a:rPr>
+              <a:t>multicollinearity</a:t>
+            </a:r>
+            <a:endParaRPr lang="de-DE" sz="1600" dirty="0">
+              <a:latin typeface="+mn-lt"/>
+            </a:endParaRPr>
+          </a:p>
+          <a:p>
+            <a:pPr>
+              <a:lnSpc>
+                <a:spcPct val="114000"/>
+              </a:lnSpc>
+            </a:pPr>
+            <a:endParaRPr lang="en-GB" sz="1600" dirty="0" err="1">
+              <a:latin typeface="+mn-lt"/>
+            </a:endParaRPr>
+          </a:p>
+        </p:txBody>
+      </p:sp>
     </p:spTree>
     <p:extLst>
       <p:ext uri="{BB962C8B-B14F-4D97-AF65-F5344CB8AC3E}">
@@ -24407,6 +25227,111 @@
   <p:clrMapOvr>
     <a:masterClrMapping/>
   </p:clrMapOvr>
+  <p:timing>
+    <p:tnLst>
+      <p:par>
+        <p:cTn id="1" dur="indefinite" restart="never" nodeType="tmRoot">
+          <p:childTnLst>
+            <p:seq concurrent="1" nextAc="seek">
+              <p:cTn id="2" dur="indefinite" nodeType="mainSeq">
+                <p:childTnLst>
+                  <p:par>
+                    <p:cTn id="3" fill="hold">
+                      <p:stCondLst>
+                        <p:cond delay="indefinite"/>
+                      </p:stCondLst>
+                      <p:childTnLst>
+                        <p:par>
+                          <p:cTn id="4" fill="hold">
+                            <p:stCondLst>
+                              <p:cond delay="0"/>
+                            </p:stCondLst>
+                            <p:childTnLst>
+                              <p:par>
+                                <p:cTn id="5" presetID="1" presetClass="entr" presetSubtype="0" fill="hold" grpId="0" nodeType="clickEffect">
+                                  <p:stCondLst>
+                                    <p:cond delay="0"/>
+                                  </p:stCondLst>
+                                  <p:childTnLst>
+                                    <p:set>
+                                      <p:cBhvr>
+                                        <p:cTn id="6" dur="1" fill="hold">
+                                          <p:stCondLst>
+                                            <p:cond delay="0"/>
+                                          </p:stCondLst>
+                                        </p:cTn>
+                                        <p:tgtEl>
+                                          <p:spTgt spid="8"/>
+                                        </p:tgtEl>
+                                        <p:attrNameLst>
+                                          <p:attrName>style.visibility</p:attrName>
+                                        </p:attrNameLst>
+                                      </p:cBhvr>
+                                      <p:to>
+                                        <p:strVal val="visible"/>
+                                      </p:to>
+                                    </p:set>
+                                  </p:childTnLst>
+                                </p:cTn>
+                              </p:par>
+                              <p:par>
+                                <p:cTn id="7" presetID="1" presetClass="entr" presetSubtype="0" fill="hold" nodeType="withEffect">
+                                  <p:stCondLst>
+                                    <p:cond delay="0"/>
+                                  </p:stCondLst>
+                                  <p:childTnLst>
+                                    <p:set>
+                                      <p:cBhvr>
+                                        <p:cTn id="8" dur="1" fill="hold">
+                                          <p:stCondLst>
+                                            <p:cond delay="0"/>
+                                          </p:stCondLst>
+                                        </p:cTn>
+                                        <p:tgtEl>
+                                          <p:spTgt spid="12"/>
+                                        </p:tgtEl>
+                                        <p:attrNameLst>
+                                          <p:attrName>style.visibility</p:attrName>
+                                        </p:attrNameLst>
+                                      </p:cBhvr>
+                                      <p:to>
+                                        <p:strVal val="visible"/>
+                                      </p:to>
+                                    </p:set>
+                                  </p:childTnLst>
+                                </p:cTn>
+                              </p:par>
+                            </p:childTnLst>
+                          </p:cTn>
+                        </p:par>
+                      </p:childTnLst>
+                    </p:cTn>
+                  </p:par>
+                </p:childTnLst>
+              </p:cTn>
+              <p:prevCondLst>
+                <p:cond evt="onPrev" delay="0">
+                  <p:tgtEl>
+                    <p:sldTgt/>
+                  </p:tgtEl>
+                </p:cond>
+              </p:prevCondLst>
+              <p:nextCondLst>
+                <p:cond evt="onNext" delay="0">
+                  <p:tgtEl>
+                    <p:sldTgt/>
+                  </p:tgtEl>
+                </p:cond>
+              </p:nextCondLst>
+            </p:seq>
+          </p:childTnLst>
+        </p:cTn>
+      </p:par>
+    </p:tnLst>
+    <p:bldLst>
+      <p:bldP spid="8" grpId="0"/>
+    </p:bldLst>
+  </p:timing>
 </p:sld>
 </file>
 
@@ -24609,7 +25534,11 @@
           <a:lstStyle/>
           <a:p>
             <a:r>
-              <a:rPr lang="en-GB" sz="2000" dirty="0"/>
+              <a:rPr lang="en-GB" sz="2000" dirty="0">
+                <a:solidFill>
+                  <a:srgbClr val="0065BD"/>
+                </a:solidFill>
+              </a:rPr>
               <a:t>New York Installed Capacity Market (ICAP)</a:t>
             </a:r>
           </a:p>
@@ -25161,7 +26090,7 @@
             </a:r>
           </a:p>
           <a:p>
-            <a:pPr lvl="1">
+            <a:pPr marL="452438" lvl="1" indent="-274638">
               <a:lnSpc>
                 <a:spcPct val="113000"/>
               </a:lnSpc>
@@ -25171,7 +26100,7 @@
             </a:pPr>
             <a:r>
               <a:rPr lang="en-GB" dirty="0"/>
-              <a:t>derived from </a:t>
+              <a:t>Derived from </a:t>
             </a:r>
             <a:r>
               <a:rPr lang="en-GB" b="1" dirty="0"/>
@@ -25179,7 +26108,7 @@
             </a:r>
           </a:p>
           <a:p>
-            <a:pPr lvl="1">
+            <a:pPr marL="452438" lvl="1" indent="-274638">
               <a:lnSpc>
                 <a:spcPct val="113000"/>
               </a:lnSpc>
@@ -25189,7 +26118,7 @@
             </a:pPr>
             <a:r>
               <a:rPr lang="en-GB" dirty="0"/>
-              <a:t>adjusted by </a:t>
+              <a:t>Adjusted by </a:t>
             </a:r>
             <a:r>
               <a:rPr lang="en-GB" b="1" dirty="0"/>
@@ -25201,7 +26130,7 @@
             </a:r>
           </a:p>
           <a:p>
-            <a:pPr lvl="1">
+            <a:pPr marL="452438" lvl="1" indent="-274638">
               <a:lnSpc>
                 <a:spcPct val="113000"/>
               </a:lnSpc>
@@ -25211,7 +26140,7 @@
             </a:pPr>
             <a:r>
               <a:rPr lang="en-GB" dirty="0"/>
-              <a:t>tailored to the </a:t>
+              <a:t>Tailored to the </a:t>
             </a:r>
             <a:r>
               <a:rPr lang="en-GB" b="1" dirty="0"/>
@@ -25620,7 +26549,7 @@
         </p:nvSpPr>
         <p:spPr>
           <a:xfrm>
-            <a:off x="6046839" y="3279495"/>
+            <a:off x="6125497" y="3429000"/>
             <a:ext cx="2536722" cy="714951"/>
           </a:xfrm>
           <a:prstGeom prst="rect">
@@ -26450,10 +27379,18 @@
           <a:lstStyle/>
           <a:p>
             <a:r>
-              <a:rPr lang="de-DE" sz="2000" dirty="0"/>
+              <a:rPr lang="de-DE" sz="2000" dirty="0">
+                <a:solidFill>
+                  <a:srgbClr val="0065BD"/>
+                </a:solidFill>
+              </a:rPr>
               <a:t>Workflow</a:t>
             </a:r>
-            <a:endParaRPr lang="en-GB" sz="2000" dirty="0"/>
+            <a:endParaRPr lang="en-GB" sz="2000" dirty="0">
+              <a:solidFill>
+                <a:srgbClr val="0065BD"/>
+              </a:solidFill>
+            </a:endParaRPr>
           </a:p>
         </p:txBody>
       </p:sp>
@@ -26511,14 +27448,14 @@
           <p:nvPr>
             <p:extLst>
               <p:ext uri="{D42A27DB-BD31-4B8C-83A1-F6EECF244321}">
-                <p14:modId xmlns:p14="http://schemas.microsoft.com/office/powerpoint/2010/main" val="105587028"/>
+                <p14:modId xmlns:p14="http://schemas.microsoft.com/office/powerpoint/2010/main" val="1233241339"/>
               </p:ext>
             </p:extLst>
           </p:nvPr>
         </p:nvGraphicFramePr>
         <p:xfrm>
-          <a:off x="1524000" y="2011508"/>
-          <a:ext cx="6096000" cy="4064000"/>
+          <a:off x="2138516" y="1991843"/>
+          <a:ext cx="4866968" cy="3592879"/>
         </p:xfrm>
         <a:graphic>
           <a:graphicData uri="http://schemas.openxmlformats.org/drawingml/2006/diagram">
@@ -26526,6 +27463,239 @@
           </a:graphicData>
         </a:graphic>
       </p:graphicFrame>
+      <p:sp>
+        <p:nvSpPr>
+          <p:cNvPr id="7" name="Pfeil: nach unten 6">
+            <a:extLst>
+              <a:ext uri="{FF2B5EF4-FFF2-40B4-BE49-F238E27FC236}">
+                <a16:creationId xmlns:a16="http://schemas.microsoft.com/office/drawing/2014/main" id="{85FB354A-945C-4507-90DB-A7766F8D67CA}"/>
+              </a:ext>
+            </a:extLst>
+          </p:cNvPr>
+          <p:cNvSpPr/>
+          <p:nvPr/>
+        </p:nvSpPr>
+        <p:spPr>
+          <a:xfrm>
+            <a:off x="4286863" y="5408251"/>
+            <a:ext cx="570274" cy="359287"/>
+          </a:xfrm>
+          <a:prstGeom prst="downArrow">
+            <a:avLst/>
+          </a:prstGeom>
+          <a:solidFill>
+            <a:srgbClr val="0065BD"/>
+          </a:solidFill>
+        </p:spPr>
+        <p:style>
+          <a:lnRef idx="2">
+            <a:schemeClr val="lt1">
+              <a:hueOff val="0"/>
+              <a:satOff val="0"/>
+              <a:lumOff val="0"/>
+              <a:alphaOff val="0"/>
+            </a:schemeClr>
+          </a:lnRef>
+          <a:fillRef idx="1">
+            <a:scrgbClr r="0" g="0" b="0"/>
+          </a:fillRef>
+          <a:effectRef idx="0">
+            <a:schemeClr val="accent1">
+              <a:tint val="60000"/>
+              <a:hueOff val="0"/>
+              <a:satOff val="0"/>
+              <a:lumOff val="0"/>
+              <a:alphaOff val="0"/>
+            </a:schemeClr>
+          </a:effectRef>
+          <a:fontRef idx="minor">
+            <a:schemeClr val="dk1">
+              <a:hueOff val="0"/>
+              <a:satOff val="0"/>
+              <a:lumOff val="0"/>
+              <a:alphaOff val="0"/>
+            </a:schemeClr>
+          </a:fontRef>
+        </p:style>
+      </p:sp>
+      <p:grpSp>
+        <p:nvGrpSpPr>
+          <p:cNvPr id="8" name="Gruppieren 7">
+            <a:extLst>
+              <a:ext uri="{FF2B5EF4-FFF2-40B4-BE49-F238E27FC236}">
+                <a16:creationId xmlns:a16="http://schemas.microsoft.com/office/drawing/2014/main" id="{36033FAA-3CC6-42B6-854D-7F55D1BA7C74}"/>
+              </a:ext>
+            </a:extLst>
+          </p:cNvPr>
+          <p:cNvGrpSpPr/>
+          <p:nvPr/>
+        </p:nvGrpSpPr>
+        <p:grpSpPr>
+          <a:xfrm>
+            <a:off x="1423494" y="5672521"/>
+            <a:ext cx="6297010" cy="778513"/>
+            <a:chOff x="-715022" y="2791909"/>
+            <a:chExt cx="6297010" cy="778513"/>
+          </a:xfrm>
+        </p:grpSpPr>
+        <p:sp>
+          <p:nvSpPr>
+            <p:cNvPr id="10" name="Rechteck 9">
+              <a:extLst>
+                <a:ext uri="{FF2B5EF4-FFF2-40B4-BE49-F238E27FC236}">
+                  <a16:creationId xmlns:a16="http://schemas.microsoft.com/office/drawing/2014/main" id="{648B4EC3-03B9-4941-B031-55AEBCC3FF3A}"/>
+                </a:ext>
+              </a:extLst>
+            </p:cNvPr>
+            <p:cNvSpPr/>
+            <p:nvPr/>
+          </p:nvSpPr>
+          <p:spPr>
+            <a:xfrm>
+              <a:off x="625448" y="2896758"/>
+              <a:ext cx="3616071" cy="673664"/>
+            </a:xfrm>
+            <a:prstGeom prst="rect">
+              <a:avLst/>
+            </a:prstGeom>
+          </p:spPr>
+          <p:style>
+            <a:lnRef idx="0">
+              <a:schemeClr val="dk1">
+                <a:alpha val="0"/>
+                <a:hueOff val="0"/>
+                <a:satOff val="0"/>
+                <a:lumOff val="0"/>
+                <a:alphaOff val="0"/>
+              </a:schemeClr>
+            </a:lnRef>
+            <a:fillRef idx="0">
+              <a:schemeClr val="lt1">
+                <a:alpha val="0"/>
+                <a:hueOff val="0"/>
+                <a:satOff val="0"/>
+                <a:lumOff val="0"/>
+                <a:alphaOff val="0"/>
+              </a:schemeClr>
+            </a:fillRef>
+            <a:effectRef idx="0">
+              <a:schemeClr val="lt1">
+                <a:alpha val="0"/>
+                <a:hueOff val="0"/>
+                <a:satOff val="0"/>
+                <a:lumOff val="0"/>
+                <a:alphaOff val="0"/>
+              </a:schemeClr>
+            </a:effectRef>
+            <a:fontRef idx="minor">
+              <a:schemeClr val="tx1">
+                <a:hueOff val="0"/>
+                <a:satOff val="0"/>
+                <a:lumOff val="0"/>
+                <a:alphaOff val="0"/>
+              </a:schemeClr>
+            </a:fontRef>
+          </p:style>
+        </p:sp>
+        <p:sp>
+          <p:nvSpPr>
+            <p:cNvPr id="11" name="Textfeld 10">
+              <a:extLst>
+                <a:ext uri="{FF2B5EF4-FFF2-40B4-BE49-F238E27FC236}">
+                  <a16:creationId xmlns:a16="http://schemas.microsoft.com/office/drawing/2014/main" id="{FBBDCD87-9BA4-4F9C-98B2-FF4EEEDF4F34}"/>
+                </a:ext>
+              </a:extLst>
+            </p:cNvPr>
+            <p:cNvSpPr txBox="1"/>
+            <p:nvPr/>
+          </p:nvSpPr>
+          <p:spPr>
+            <a:xfrm>
+              <a:off x="-715022" y="2791909"/>
+              <a:ext cx="6297010" cy="673664"/>
+            </a:xfrm>
+            <a:prstGeom prst="rect">
+              <a:avLst/>
+            </a:prstGeom>
+          </p:spPr>
+          <p:style>
+            <a:lnRef idx="0">
+              <a:scrgbClr r="0" g="0" b="0"/>
+            </a:lnRef>
+            <a:fillRef idx="0">
+              <a:scrgbClr r="0" g="0" b="0"/>
+            </a:fillRef>
+            <a:effectRef idx="0">
+              <a:scrgbClr r="0" g="0" b="0"/>
+            </a:effectRef>
+            <a:fontRef idx="minor">
+              <a:schemeClr val="tx1">
+                <a:hueOff val="0"/>
+                <a:satOff val="0"/>
+                <a:lumOff val="0"/>
+                <a:alphaOff val="0"/>
+              </a:schemeClr>
+            </a:fontRef>
+          </p:style>
+          <p:txBody>
+            <a:bodyPr spcFirstLastPara="0" vert="horz" wrap="square" lIns="113792" tIns="113792" rIns="113792" bIns="113792" numCol="1" spcCol="1270" anchor="ctr" anchorCtr="0">
+              <a:noAutofit/>
+            </a:bodyPr>
+            <a:lstStyle/>
+            <a:p>
+              <a:pPr marL="0" lvl="0" indent="0" algn="ctr" defTabSz="711200">
+                <a:lnSpc>
+                  <a:spcPct val="90000"/>
+                </a:lnSpc>
+                <a:spcBef>
+                  <a:spcPct val="0"/>
+                </a:spcBef>
+                <a:spcAft>
+                  <a:spcPct val="35000"/>
+                </a:spcAft>
+                <a:buNone/>
+              </a:pPr>
+              <a:r>
+                <a:rPr lang="de-DE" sz="1600" kern="1200" dirty="0" err="1"/>
+                <a:t>Adjust</a:t>
+              </a:r>
+              <a:r>
+                <a:rPr lang="de-DE" sz="1600" kern="1200" dirty="0"/>
+                <a:t> </a:t>
+              </a:r>
+              <a:r>
+                <a:rPr lang="de-DE" sz="1600" kern="1200" dirty="0" err="1"/>
+                <a:t>independent</a:t>
+              </a:r>
+              <a:r>
+                <a:rPr lang="de-DE" sz="1600" kern="1200" dirty="0"/>
+                <a:t> variables </a:t>
+              </a:r>
+              <a:r>
+                <a:rPr lang="de-DE" sz="1600" kern="1200" dirty="0" err="1"/>
+                <a:t>to</a:t>
+              </a:r>
+              <a:r>
+                <a:rPr lang="de-DE" sz="1600" kern="1200" dirty="0"/>
+                <a:t> </a:t>
+              </a:r>
+              <a:r>
+                <a:rPr lang="de-DE" sz="1600" kern="1200" dirty="0" err="1"/>
+                <a:t>decrease</a:t>
+              </a:r>
+              <a:r>
+                <a:rPr lang="de-DE" sz="1600" kern="1200" dirty="0"/>
+                <a:t> </a:t>
+              </a:r>
+              <a:r>
+                <a:rPr lang="de-DE" sz="1600" kern="1200" dirty="0" err="1"/>
+                <a:t>multicollinearity</a:t>
+              </a:r>
+              <a:endParaRPr lang="en-GB" sz="1600" kern="1200" dirty="0"/>
+            </a:p>
+          </p:txBody>
+        </p:sp>
+      </p:grpSp>
     </p:spTree>
     <p:extLst>
       <p:ext uri="{BB962C8B-B14F-4D97-AF65-F5344CB8AC3E}">

--- a/Final_Presentation_Borvendeg_Hantke.pptx
+++ b/Final_Presentation_Borvendeg_Hantke.pptx
@@ -14060,7 +14060,12 @@
             <p:ph idx="1"/>
           </p:nvPr>
         </p:nvSpPr>
-        <p:spPr/>
+        <p:spPr>
+          <a:xfrm>
+            <a:off x="319089" y="2510913"/>
+            <a:ext cx="8508999" cy="3962400"/>
+          </a:xfrm>
+        </p:spPr>
         <p:txBody>
           <a:bodyPr/>
           <a:lstStyle/>
@@ -14071,47 +14076,7 @@
                   <a:srgbClr val="FFFF00"/>
                 </a:highlight>
               </a:rPr>
-              <a:t>Best Model </a:t>
-            </a:r>
-            <a:r>
-              <a:rPr lang="de-DE" dirty="0" err="1">
-                <a:highlight>
-                  <a:srgbClr val="FFFF00"/>
-                </a:highlight>
-              </a:rPr>
-              <a:t>or</a:t>
-            </a:r>
-            <a:r>
-              <a:rPr lang="de-DE" dirty="0">
-                <a:highlight>
-                  <a:srgbClr val="FFFF00"/>
-                </a:highlight>
-              </a:rPr>
-              <a:t> </a:t>
-            </a:r>
-            <a:r>
-              <a:rPr lang="de-DE" dirty="0" err="1">
-                <a:highlight>
-                  <a:srgbClr val="FFFF00"/>
-                </a:highlight>
-              </a:rPr>
-              <a:t>even</a:t>
-            </a:r>
-            <a:r>
-              <a:rPr lang="de-DE" dirty="0">
-                <a:highlight>
-                  <a:srgbClr val="FFFF00"/>
-                </a:highlight>
-              </a:rPr>
-              <a:t> all 4 </a:t>
-            </a:r>
-            <a:r>
-              <a:rPr lang="de-DE" dirty="0" err="1">
-                <a:highlight>
-                  <a:srgbClr val="FFFF00"/>
-                </a:highlight>
-              </a:rPr>
-              <a:t>models</a:t>
+              <a:t>Best Model</a:t>
             </a:r>
             <a:endParaRPr lang="en-GB" dirty="0">
               <a:highlight>
@@ -14333,51 +14298,27 @@
               <a:buChar char="-"/>
             </a:pPr>
             <a:r>
-              <a:rPr lang="de-DE" dirty="0" err="1">
-                <a:highlight>
-                  <a:srgbClr val="FFFF00"/>
-                </a:highlight>
-              </a:rPr>
+              <a:rPr lang="de-DE" dirty="0" err="1"/>
               <a:t>Statistically</a:t>
             </a:r>
             <a:r>
-              <a:rPr lang="de-DE" dirty="0">
-                <a:highlight>
-                  <a:srgbClr val="FFFF00"/>
-                </a:highlight>
-              </a:rPr>
+              <a:rPr lang="de-DE" dirty="0"/>
               <a:t> </a:t>
             </a:r>
             <a:r>
-              <a:rPr lang="de-DE" dirty="0" err="1">
-                <a:highlight>
-                  <a:srgbClr val="FFFF00"/>
-                </a:highlight>
-              </a:rPr>
+              <a:rPr lang="de-DE" dirty="0" err="1"/>
               <a:t>significant</a:t>
             </a:r>
             <a:r>
-              <a:rPr lang="de-DE" dirty="0">
-                <a:highlight>
-                  <a:srgbClr val="FFFF00"/>
-                </a:highlight>
-              </a:rPr>
+              <a:rPr lang="de-DE" dirty="0"/>
               <a:t> </a:t>
             </a:r>
             <a:r>
-              <a:rPr lang="de-DE" dirty="0" err="1">
-                <a:highlight>
-                  <a:srgbClr val="FFFF00"/>
-                </a:highlight>
-              </a:rPr>
+              <a:rPr lang="de-DE" dirty="0" err="1"/>
               <a:t>parameters</a:t>
             </a:r>
             <a:r>
-              <a:rPr lang="de-DE" dirty="0">
-                <a:highlight>
-                  <a:srgbClr val="FFFF00"/>
-                </a:highlight>
-              </a:rPr>
+              <a:rPr lang="de-DE" dirty="0"/>
               <a:t>:</a:t>
             </a:r>
           </a:p>
@@ -14390,18 +14331,26 @@
               <a:buChar char="•"/>
             </a:pPr>
             <a:r>
-              <a:rPr lang="de-DE" dirty="0" err="1">
-                <a:highlight>
-                  <a:srgbClr val="FFFF00"/>
-                </a:highlight>
-              </a:rPr>
-              <a:t>xy</a:t>
-            </a:r>
-            <a:endParaRPr lang="de-DE" dirty="0">
-              <a:highlight>
-                <a:srgbClr val="FFFF00"/>
-              </a:highlight>
-            </a:endParaRPr>
+              <a:rPr lang="de-DE" dirty="0" err="1"/>
+              <a:t>Capacity</a:t>
+            </a:r>
+            <a:r>
+              <a:rPr lang="de-DE" dirty="0"/>
+              <a:t> </a:t>
+            </a:r>
+            <a:r>
+              <a:rPr lang="de-DE" dirty="0" err="1"/>
+              <a:t>price</a:t>
+            </a:r>
+            <a:r>
+              <a:rPr lang="de-DE" dirty="0"/>
+              <a:t> </a:t>
+            </a:r>
+            <a:r>
+              <a:rPr lang="de-DE" dirty="0" err="1"/>
+              <a:t>features</a:t>
+            </a:r>
+            <a:endParaRPr lang="de-DE" dirty="0"/>
           </a:p>
           <a:p>
             <a:pPr marL="285750" indent="-285750">
@@ -14412,165 +14361,105 @@
               <a:buChar char="-"/>
             </a:pPr>
             <a:r>
-              <a:rPr lang="de-DE" dirty="0" err="1">
-                <a:highlight>
-                  <a:srgbClr val="FFFF00"/>
-                </a:highlight>
-              </a:rPr>
+              <a:rPr lang="de-DE" dirty="0" err="1"/>
               <a:t>Variance</a:t>
             </a:r>
             <a:r>
-              <a:rPr lang="de-DE" dirty="0">
-                <a:highlight>
-                  <a:srgbClr val="FFFF00"/>
-                </a:highlight>
-              </a:rPr>
+              <a:rPr lang="de-DE" dirty="0"/>
               <a:t> in “</a:t>
             </a:r>
             <a:r>
-              <a:rPr lang="de-DE" dirty="0" err="1">
-                <a:highlight>
-                  <a:srgbClr val="FFFF00"/>
-                </a:highlight>
-              </a:rPr>
+              <a:rPr lang="de-DE" dirty="0" err="1"/>
               <a:t>overinstalled</a:t>
             </a:r>
             <a:r>
-              <a:rPr lang="de-DE" dirty="0">
-                <a:highlight>
-                  <a:srgbClr val="FFFF00"/>
-                </a:highlight>
-              </a:rPr>
+              <a:rPr lang="de-DE" dirty="0"/>
               <a:t>“ </a:t>
             </a:r>
             <a:r>
-              <a:rPr lang="de-DE" dirty="0" err="1">
-                <a:highlight>
-                  <a:srgbClr val="FFFF00"/>
-                </a:highlight>
-              </a:rPr>
+              <a:rPr lang="de-DE" dirty="0" err="1"/>
               <a:t>capacity</a:t>
             </a:r>
             <a:r>
-              <a:rPr lang="de-DE" dirty="0">
-                <a:highlight>
-                  <a:srgbClr val="FFFF00"/>
-                </a:highlight>
-              </a:rPr>
+              <a:rPr lang="de-DE" dirty="0"/>
               <a:t> </a:t>
             </a:r>
             <a:r>
-              <a:rPr lang="de-DE" dirty="0" err="1">
-                <a:highlight>
-                  <a:srgbClr val="FFFF00"/>
-                </a:highlight>
-              </a:rPr>
+              <a:rPr lang="de-DE" dirty="0" err="1"/>
               <a:t>that</a:t>
             </a:r>
             <a:r>
-              <a:rPr lang="de-DE" dirty="0">
-                <a:highlight>
-                  <a:srgbClr val="FFFF00"/>
-                </a:highlight>
-              </a:rPr>
+              <a:rPr lang="de-DE" dirty="0"/>
               <a:t> </a:t>
             </a:r>
             <a:r>
-              <a:rPr lang="de-DE" dirty="0" err="1">
-                <a:highlight>
-                  <a:srgbClr val="FFFF00"/>
-                </a:highlight>
-              </a:rPr>
+              <a:rPr lang="de-DE" dirty="0" err="1"/>
               <a:t>can</a:t>
             </a:r>
             <a:r>
-              <a:rPr lang="de-DE" dirty="0">
-                <a:highlight>
-                  <a:srgbClr val="FFFF00"/>
-                </a:highlight>
-              </a:rPr>
+              <a:rPr lang="de-DE" dirty="0"/>
               <a:t> </a:t>
             </a:r>
             <a:r>
-              <a:rPr lang="de-DE" dirty="0" err="1">
-                <a:highlight>
-                  <a:srgbClr val="FFFF00"/>
-                </a:highlight>
-              </a:rPr>
+              <a:rPr lang="de-DE" dirty="0" err="1"/>
               <a:t>be</a:t>
             </a:r>
             <a:r>
-              <a:rPr lang="de-DE" dirty="0">
-                <a:highlight>
-                  <a:srgbClr val="FFFF00"/>
-                </a:highlight>
-              </a:rPr>
+              <a:rPr lang="de-DE" dirty="0"/>
               <a:t> </a:t>
             </a:r>
             <a:r>
-              <a:rPr lang="de-DE" dirty="0" err="1">
-                <a:highlight>
-                  <a:srgbClr val="FFFF00"/>
-                </a:highlight>
-              </a:rPr>
+              <a:rPr lang="de-DE" dirty="0" err="1"/>
               <a:t>described</a:t>
             </a:r>
             <a:r>
-              <a:rPr lang="de-DE" dirty="0">
-                <a:highlight>
-                  <a:srgbClr val="FFFF00"/>
-                </a:highlight>
-              </a:rPr>
+              <a:rPr lang="de-DE" dirty="0"/>
               <a:t> </a:t>
             </a:r>
             <a:r>
-              <a:rPr lang="de-DE" dirty="0" err="1">
-                <a:highlight>
-                  <a:srgbClr val="FFFF00"/>
-                </a:highlight>
-              </a:rPr>
+              <a:rPr lang="de-DE" dirty="0" err="1"/>
               <a:t>by</a:t>
             </a:r>
             <a:r>
-              <a:rPr lang="de-DE" dirty="0">
-                <a:highlight>
-                  <a:srgbClr val="FFFF00"/>
-                </a:highlight>
-              </a:rPr>
+              <a:rPr lang="de-DE" dirty="0"/>
               <a:t> </a:t>
             </a:r>
             <a:r>
-              <a:rPr lang="de-DE" dirty="0" err="1">
-                <a:highlight>
-                  <a:srgbClr val="FFFF00"/>
-                </a:highlight>
-              </a:rPr>
+              <a:rPr lang="de-DE" dirty="0" err="1"/>
               <a:t>the</a:t>
             </a:r>
             <a:r>
-              <a:rPr lang="de-DE" dirty="0">
-                <a:highlight>
-                  <a:srgbClr val="FFFF00"/>
-                </a:highlight>
-              </a:rPr>
+              <a:rPr lang="de-DE" dirty="0"/>
               <a:t> </a:t>
             </a:r>
             <a:r>
-              <a:rPr lang="de-DE" dirty="0" err="1">
-                <a:highlight>
-                  <a:srgbClr val="FFFF00"/>
-                </a:highlight>
-              </a:rPr>
+              <a:rPr lang="de-DE" dirty="0" err="1"/>
               <a:t>model</a:t>
             </a:r>
             <a:r>
-              <a:rPr lang="de-DE" dirty="0">
-                <a:highlight>
-                  <a:srgbClr val="FFFF00"/>
-                </a:highlight>
-              </a:rPr>
+              <a:rPr lang="de-DE" dirty="0"/>
               <a:t>:</a:t>
             </a:r>
+            <a:br>
+              <a:rPr lang="de-DE" dirty="0"/>
+            </a:br>
+            <a:r>
+              <a:rPr lang="de-DE" dirty="0"/>
+              <a:t>R² = 33-55%, </a:t>
+            </a:r>
+            <a:r>
+              <a:rPr lang="de-DE" dirty="0" err="1"/>
+              <a:t>depending</a:t>
+            </a:r>
+            <a:r>
+              <a:rPr lang="de-DE" dirty="0"/>
+              <a:t> on </a:t>
+            </a:r>
+            <a:r>
+              <a:rPr lang="de-DE" dirty="0" err="1"/>
+              <a:t>locality</a:t>
+            </a:r>
+            <a:endParaRPr lang="de-DE" dirty="0"/>
           </a:p>
           <a:p>
             <a:pPr marL="285750" indent="-285750">
@@ -14602,76 +14491,332 @@
               <a:buChar char="-"/>
             </a:pPr>
             <a:r>
+              <a:rPr lang="de-DE" dirty="0" err="1"/>
+              <a:t>Reliability</a:t>
+            </a:r>
+            <a:r>
+              <a:rPr lang="de-DE" dirty="0"/>
+              <a:t> </a:t>
+            </a:r>
+            <a:r>
+              <a:rPr lang="de-DE" dirty="0" err="1"/>
+              <a:t>of</a:t>
+            </a:r>
+            <a:r>
+              <a:rPr lang="de-DE" dirty="0"/>
+              <a:t> </a:t>
+            </a:r>
+            <a:r>
+              <a:rPr lang="de-DE" dirty="0" err="1"/>
+              <a:t>supply</a:t>
+            </a:r>
+            <a:r>
+              <a:rPr lang="de-DE" dirty="0"/>
+              <a:t> not </a:t>
+            </a:r>
+            <a:r>
+              <a:rPr lang="de-DE" dirty="0" err="1"/>
+              <a:t>ensured</a:t>
+            </a:r>
+            <a:r>
+              <a:rPr lang="de-DE" dirty="0"/>
+              <a:t> </a:t>
+            </a:r>
+            <a:r>
+              <a:rPr lang="de-DE" dirty="0" err="1"/>
+              <a:t>by</a:t>
+            </a:r>
+            <a:r>
+              <a:rPr lang="de-DE" dirty="0"/>
+              <a:t> </a:t>
+            </a:r>
+            <a:r>
+              <a:rPr lang="de-DE" dirty="0" err="1"/>
+              <a:t>capacity</a:t>
+            </a:r>
+            <a:r>
+              <a:rPr lang="de-DE" dirty="0"/>
+              <a:t> </a:t>
+            </a:r>
+            <a:r>
+              <a:rPr lang="de-DE" dirty="0" err="1"/>
+              <a:t>prices</a:t>
+            </a:r>
+            <a:r>
+              <a:rPr lang="de-DE" dirty="0"/>
+              <a:t> </a:t>
+            </a:r>
+            <a:r>
+              <a:rPr lang="de-DE" dirty="0" err="1"/>
+              <a:t>or</a:t>
+            </a:r>
+            <a:r>
+              <a:rPr lang="de-DE" dirty="0"/>
+              <a:t> </a:t>
+            </a:r>
+            <a:r>
+              <a:rPr lang="de-DE" dirty="0" err="1"/>
+              <a:t>day-ahead</a:t>
+            </a:r>
+            <a:r>
+              <a:rPr lang="de-DE" dirty="0"/>
+              <a:t> </a:t>
+            </a:r>
+            <a:r>
+              <a:rPr lang="de-DE" dirty="0" err="1"/>
+              <a:t>electricity</a:t>
+            </a:r>
+            <a:r>
+              <a:rPr lang="de-DE" dirty="0"/>
+              <a:t> </a:t>
+            </a:r>
+            <a:r>
+              <a:rPr lang="de-DE" dirty="0" err="1"/>
+              <a:t>prices</a:t>
+            </a:r>
+            <a:endParaRPr lang="de-DE" dirty="0"/>
+          </a:p>
+          <a:p>
+            <a:pPr marL="285750" indent="-285750">
+              <a:spcBef>
+                <a:spcPts val="600"/>
+              </a:spcBef>
+              <a:buFontTx/>
+              <a:buChar char="-"/>
+            </a:pPr>
+            <a:r>
+              <a:rPr lang="de-DE" dirty="0" err="1"/>
+              <a:t>Reliability</a:t>
+            </a:r>
+            <a:r>
+              <a:rPr lang="de-DE" dirty="0"/>
+              <a:t> </a:t>
+            </a:r>
+            <a:r>
+              <a:rPr lang="de-DE" dirty="0" err="1"/>
+              <a:t>forced</a:t>
+            </a:r>
+            <a:r>
+              <a:rPr lang="de-DE" dirty="0"/>
+              <a:t> </a:t>
+            </a:r>
+            <a:r>
+              <a:rPr lang="de-DE" dirty="0" err="1"/>
+              <a:t>by</a:t>
+            </a:r>
+            <a:r>
+              <a:rPr lang="de-DE" dirty="0"/>
+              <a:t> </a:t>
+            </a:r>
+            <a:r>
+              <a:rPr lang="de-DE" dirty="0" err="1"/>
+              <a:t>calculated</a:t>
+            </a:r>
+            <a:r>
+              <a:rPr lang="de-DE" dirty="0"/>
+              <a:t> UCAP </a:t>
+            </a:r>
+            <a:r>
+              <a:rPr lang="de-DE" dirty="0" err="1"/>
+              <a:t>that</a:t>
+            </a:r>
+            <a:r>
+              <a:rPr lang="de-DE" dirty="0"/>
+              <a:t> </a:t>
+            </a:r>
+            <a:r>
+              <a:rPr lang="de-DE" dirty="0" err="1"/>
+              <a:t>each</a:t>
+            </a:r>
+            <a:r>
+              <a:rPr lang="de-DE" dirty="0"/>
+              <a:t> </a:t>
+            </a:r>
+            <a:r>
+              <a:rPr lang="de-DE" dirty="0" err="1"/>
+              <a:t>load</a:t>
+            </a:r>
+            <a:r>
+              <a:rPr lang="de-DE" dirty="0"/>
+              <a:t> </a:t>
+            </a:r>
+            <a:r>
+              <a:rPr lang="de-DE" dirty="0" err="1"/>
+              <a:t>serving</a:t>
+            </a:r>
+            <a:r>
+              <a:rPr lang="de-DE" dirty="0"/>
+              <a:t> </a:t>
+            </a:r>
+            <a:r>
+              <a:rPr lang="de-DE" dirty="0" err="1"/>
+              <a:t>entity</a:t>
+            </a:r>
+            <a:r>
+              <a:rPr lang="de-DE" dirty="0"/>
+              <a:t> </a:t>
+            </a:r>
+            <a:r>
+              <a:rPr lang="de-DE" dirty="0" err="1"/>
+              <a:t>has</a:t>
+            </a:r>
+            <a:r>
+              <a:rPr lang="de-DE" dirty="0"/>
+              <a:t> </a:t>
+            </a:r>
+            <a:r>
+              <a:rPr lang="de-DE" dirty="0" err="1"/>
+              <a:t>to</a:t>
+            </a:r>
+            <a:r>
+              <a:rPr lang="de-DE" dirty="0"/>
+              <a:t> </a:t>
+            </a:r>
+            <a:r>
+              <a:rPr lang="de-DE" dirty="0" err="1"/>
+              <a:t>procure</a:t>
+            </a:r>
+            <a:endParaRPr lang="de-DE" dirty="0"/>
+          </a:p>
+          <a:p>
+            <a:pPr marL="285750" indent="-285750">
+              <a:spcBef>
+                <a:spcPts val="600"/>
+              </a:spcBef>
+              <a:buFont typeface="Wingdings" panose="05000000000000000000" pitchFamily="2" charset="2"/>
+              <a:buChar char="à"/>
+            </a:pPr>
+            <a:r>
               <a:rPr lang="de-DE" dirty="0" err="1">
-                <a:highlight>
-                  <a:srgbClr val="FFFF00"/>
-                </a:highlight>
+                <a:sym typeface="Wingdings" panose="05000000000000000000" pitchFamily="2" charset="2"/>
               </a:rPr>
-              <a:t>Reliability</a:t>
+              <a:t>Capacity</a:t>
             </a:r>
             <a:r>
               <a:rPr lang="de-DE" dirty="0">
-                <a:highlight>
-                  <a:srgbClr val="FFFF00"/>
-                </a:highlight>
+                <a:sym typeface="Wingdings" panose="05000000000000000000" pitchFamily="2" charset="2"/>
               </a:rPr>
               <a:t> </a:t>
             </a:r>
             <a:r>
               <a:rPr lang="de-DE" dirty="0" err="1">
-                <a:highlight>
-                  <a:srgbClr val="FFFF00"/>
-                </a:highlight>
+                <a:sym typeface="Wingdings" panose="05000000000000000000" pitchFamily="2" charset="2"/>
+              </a:rPr>
+              <a:t>prices</a:t>
+            </a:r>
+            <a:r>
+              <a:rPr lang="de-DE" dirty="0">
+                <a:sym typeface="Wingdings" panose="05000000000000000000" pitchFamily="2" charset="2"/>
+              </a:rPr>
+              <a:t> </a:t>
+            </a:r>
+            <a:r>
+              <a:rPr lang="de-DE" dirty="0" err="1">
+                <a:sym typeface="Wingdings" panose="05000000000000000000" pitchFamily="2" charset="2"/>
+              </a:rPr>
+              <a:t>are</a:t>
+            </a:r>
+            <a:r>
+              <a:rPr lang="de-DE" dirty="0">
+                <a:sym typeface="Wingdings" panose="05000000000000000000" pitchFamily="2" charset="2"/>
+              </a:rPr>
+              <a:t> </a:t>
+            </a:r>
+            <a:r>
+              <a:rPr lang="de-DE" dirty="0" err="1">
+                <a:sym typeface="Wingdings" panose="05000000000000000000" pitchFamily="2" charset="2"/>
+              </a:rPr>
+              <a:t>the</a:t>
+            </a:r>
+            <a:r>
+              <a:rPr lang="de-DE" dirty="0">
+                <a:sym typeface="Wingdings" panose="05000000000000000000" pitchFamily="2" charset="2"/>
+              </a:rPr>
+              <a:t> </a:t>
+            </a:r>
+            <a:r>
+              <a:rPr lang="de-DE" dirty="0" err="1">
+                <a:sym typeface="Wingdings" panose="05000000000000000000" pitchFamily="2" charset="2"/>
+              </a:rPr>
+              <a:t>reflection</a:t>
+            </a:r>
+            <a:r>
+              <a:rPr lang="de-DE" dirty="0">
+                <a:sym typeface="Wingdings" panose="05000000000000000000" pitchFamily="2" charset="2"/>
+              </a:rPr>
+              <a:t> </a:t>
+            </a:r>
+            <a:r>
+              <a:rPr lang="de-DE" dirty="0" err="1">
+                <a:sym typeface="Wingdings" panose="05000000000000000000" pitchFamily="2" charset="2"/>
               </a:rPr>
               <a:t>of</a:t>
             </a:r>
             <a:r>
               <a:rPr lang="de-DE" dirty="0">
-                <a:highlight>
-                  <a:srgbClr val="FFFF00"/>
-                </a:highlight>
+                <a:sym typeface="Wingdings" panose="05000000000000000000" pitchFamily="2" charset="2"/>
+              </a:rPr>
+              <a:t> a </a:t>
+            </a:r>
+            <a:r>
+              <a:rPr lang="de-DE" dirty="0" err="1">
+                <a:sym typeface="Wingdings" panose="05000000000000000000" pitchFamily="2" charset="2"/>
+              </a:rPr>
+              <a:t>technical</a:t>
+            </a:r>
+            <a:r>
+              <a:rPr lang="de-DE" dirty="0">
+                <a:sym typeface="Wingdings" panose="05000000000000000000" pitchFamily="2" charset="2"/>
               </a:rPr>
               <a:t> </a:t>
             </a:r>
             <a:r>
               <a:rPr lang="de-DE" dirty="0" err="1">
-                <a:highlight>
-                  <a:srgbClr val="FFFF00"/>
-                </a:highlight>
+                <a:sym typeface="Wingdings" panose="05000000000000000000" pitchFamily="2" charset="2"/>
               </a:rPr>
-              <a:t>supply</a:t>
+              <a:t>decision</a:t>
             </a:r>
             <a:r>
               <a:rPr lang="de-DE" dirty="0">
-                <a:highlight>
-                  <a:srgbClr val="FFFF00"/>
-                </a:highlight>
+                <a:sym typeface="Wingdings" panose="05000000000000000000" pitchFamily="2" charset="2"/>
               </a:rPr>
               <a:t> </a:t>
             </a:r>
             <a:r>
               <a:rPr lang="de-DE" dirty="0" err="1">
-                <a:highlight>
-                  <a:srgbClr val="FFFF00"/>
-                </a:highlight>
+                <a:sym typeface="Wingdings" panose="05000000000000000000" pitchFamily="2" charset="2"/>
               </a:rPr>
-              <a:t>ensured</a:t>
+              <a:t>made</a:t>
             </a:r>
             <a:r>
               <a:rPr lang="de-DE" dirty="0">
-                <a:highlight>
-                  <a:srgbClr val="FFFF00"/>
-                </a:highlight>
+                <a:sym typeface="Wingdings" panose="05000000000000000000" pitchFamily="2" charset="2"/>
               </a:rPr>
               <a:t> </a:t>
             </a:r>
             <a:r>
               <a:rPr lang="de-DE" dirty="0" err="1">
-                <a:highlight>
-                  <a:srgbClr val="FFFF00"/>
-                </a:highlight>
+                <a:sym typeface="Wingdings" panose="05000000000000000000" pitchFamily="2" charset="2"/>
               </a:rPr>
               <a:t>by</a:t>
+            </a:r>
+            <a:r>
+              <a:rPr lang="de-DE" dirty="0">
+                <a:sym typeface="Wingdings" panose="05000000000000000000" pitchFamily="2" charset="2"/>
+              </a:rPr>
+              <a:t> </a:t>
+            </a:r>
+            <a:r>
+              <a:rPr lang="de-DE" dirty="0" err="1">
+                <a:sym typeface="Wingdings" panose="05000000000000000000" pitchFamily="2" charset="2"/>
+              </a:rPr>
+              <a:t>the</a:t>
+            </a:r>
+            <a:r>
+              <a:rPr lang="de-DE" dirty="0">
+                <a:sym typeface="Wingdings" panose="05000000000000000000" pitchFamily="2" charset="2"/>
+              </a:rPr>
+              <a:t> ISO</a:t>
             </a:r>
             <a:endParaRPr lang="de-DE" dirty="0">
               <a:highlight>
@@ -14855,7 +15000,7 @@
         </p:blipFill>
         <p:spPr>
           <a:xfrm>
-            <a:off x="323083" y="3468328"/>
+            <a:off x="323083" y="3743631"/>
             <a:ext cx="396000" cy="396000"/>
           </a:xfrm>
           <a:prstGeom prst="rect">
@@ -14926,19 +15071,110 @@
             </a:pPr>
             <a:r>
               <a:rPr lang="de-DE" b="1" dirty="0"/>
-              <a:t>Interpretation </a:t>
-            </a:r>
-            <a:r>
-              <a:rPr lang="de-DE" b="1" dirty="0" err="1"/>
-              <a:t>of</a:t>
-            </a:r>
-            <a:r>
-              <a:rPr lang="de-DE" b="1" dirty="0"/>
-              <a:t> </a:t>
+              <a:t>Model </a:t>
             </a:r>
             <a:r>
               <a:rPr lang="de-DE" b="1" dirty="0" err="1"/>
               <a:t>results</a:t>
+            </a:r>
+            <a:r>
+              <a:rPr lang="de-DE" b="1" dirty="0"/>
+              <a:t> vs. </a:t>
+            </a:r>
+            <a:r>
+              <a:rPr lang="de-DE" b="1" dirty="0" err="1"/>
+              <a:t>data</a:t>
+            </a:r>
+            <a:r>
+              <a:rPr lang="de-DE" b="1" dirty="0"/>
+              <a:t>:</a:t>
+            </a:r>
+          </a:p>
+          <a:p>
+            <a:pPr>
+              <a:spcBef>
+                <a:spcPts val="600"/>
+              </a:spcBef>
+            </a:pPr>
+            <a:endParaRPr lang="de-DE" dirty="0"/>
+          </a:p>
+          <a:p>
+            <a:pPr>
+              <a:spcBef>
+                <a:spcPts val="600"/>
+              </a:spcBef>
+            </a:pPr>
+            <a:endParaRPr lang="de-DE" dirty="0"/>
+          </a:p>
+          <a:p>
+            <a:pPr>
+              <a:spcBef>
+                <a:spcPts val="600"/>
+              </a:spcBef>
+            </a:pPr>
+            <a:endParaRPr lang="de-DE" dirty="0"/>
+          </a:p>
+          <a:p>
+            <a:pPr>
+              <a:spcBef>
+                <a:spcPts val="600"/>
+              </a:spcBef>
+            </a:pPr>
+            <a:endParaRPr lang="de-DE" dirty="0"/>
+          </a:p>
+          <a:p>
+            <a:pPr>
+              <a:spcBef>
+                <a:spcPts val="600"/>
+              </a:spcBef>
+            </a:pPr>
+            <a:endParaRPr lang="de-DE" dirty="0"/>
+          </a:p>
+          <a:p>
+            <a:pPr>
+              <a:spcBef>
+                <a:spcPts val="600"/>
+              </a:spcBef>
+            </a:pPr>
+            <a:endParaRPr lang="de-DE" dirty="0"/>
+          </a:p>
+          <a:p>
+            <a:pPr>
+              <a:spcBef>
+                <a:spcPts val="600"/>
+              </a:spcBef>
+            </a:pPr>
+            <a:endParaRPr lang="de-DE" dirty="0"/>
+          </a:p>
+          <a:p>
+            <a:pPr>
+              <a:spcBef>
+                <a:spcPts val="600"/>
+              </a:spcBef>
+            </a:pPr>
+            <a:endParaRPr lang="de-DE" dirty="0"/>
+          </a:p>
+          <a:p>
+            <a:pPr>
+              <a:spcBef>
+                <a:spcPts val="600"/>
+              </a:spcBef>
+            </a:pPr>
+            <a:endParaRPr lang="de-DE" dirty="0"/>
+          </a:p>
+          <a:p>
+            <a:pPr>
+              <a:spcBef>
+                <a:spcPts val="600"/>
+              </a:spcBef>
+            </a:pPr>
+            <a:r>
+              <a:rPr lang="de-DE" b="1" dirty="0"/>
+              <a:t>Statistical </a:t>
+            </a:r>
+            <a:r>
+              <a:rPr lang="de-DE" b="1" dirty="0" err="1"/>
+              <a:t>problems</a:t>
             </a:r>
             <a:r>
               <a:rPr lang="de-DE" b="1" dirty="0"/>
@@ -14954,324 +15190,10 @@
               <a:buChar char="-"/>
             </a:pPr>
             <a:r>
-              <a:rPr lang="de-DE" dirty="0" err="1">
-                <a:highlight>
-                  <a:srgbClr val="FFFF00"/>
-                </a:highlight>
-              </a:rPr>
-              <a:t>Differences</a:t>
-            </a:r>
-            <a:r>
-              <a:rPr lang="de-DE" dirty="0">
-                <a:highlight>
-                  <a:srgbClr val="FFFF00"/>
-                </a:highlight>
-              </a:rPr>
-              <a:t> in </a:t>
-            </a:r>
-            <a:r>
-              <a:rPr lang="de-DE" dirty="0" err="1">
-                <a:highlight>
-                  <a:srgbClr val="FFFF00"/>
-                </a:highlight>
-              </a:rPr>
-              <a:t>results</a:t>
-            </a:r>
-            <a:r>
-              <a:rPr lang="de-DE" dirty="0">
-                <a:highlight>
-                  <a:srgbClr val="FFFF00"/>
-                </a:highlight>
-              </a:rPr>
-              <a:t> in different </a:t>
-            </a:r>
-            <a:r>
-              <a:rPr lang="de-DE" dirty="0" err="1">
-                <a:highlight>
-                  <a:srgbClr val="FFFF00"/>
-                </a:highlight>
-              </a:rPr>
-              <a:t>localities</a:t>
-            </a:r>
-            <a:endParaRPr lang="de-DE" dirty="0">
-              <a:highlight>
-                <a:srgbClr val="FFFF00"/>
-              </a:highlight>
-            </a:endParaRPr>
-          </a:p>
-          <a:p>
-            <a:pPr marL="461963" lvl="1" indent="-285750">
-              <a:spcBef>
-                <a:spcPts val="600"/>
-              </a:spcBef>
-              <a:buFont typeface="Arial" panose="020B0604020202020204" pitchFamily="34" charset="0"/>
-              <a:buChar char="•"/>
-            </a:pPr>
-            <a:r>
-              <a:rPr lang="de-DE" dirty="0" err="1">
-                <a:highlight>
-                  <a:srgbClr val="FFFF00"/>
-                </a:highlight>
-              </a:rPr>
-              <a:t>Locality</a:t>
-            </a:r>
-            <a:r>
-              <a:rPr lang="de-DE" dirty="0">
-                <a:highlight>
-                  <a:srgbClr val="FFFF00"/>
-                </a:highlight>
-              </a:rPr>
-              <a:t> </a:t>
-            </a:r>
-            <a:r>
-              <a:rPr lang="de-DE" dirty="0" err="1">
-                <a:highlight>
-                  <a:srgbClr val="FFFF00"/>
-                </a:highlight>
-              </a:rPr>
-              <a:t>that</a:t>
-            </a:r>
-            <a:r>
-              <a:rPr lang="de-DE" dirty="0">
-                <a:highlight>
-                  <a:srgbClr val="FFFF00"/>
-                </a:highlight>
-              </a:rPr>
-              <a:t> </a:t>
-            </a:r>
-            <a:r>
-              <a:rPr lang="de-DE" dirty="0" err="1">
-                <a:highlight>
-                  <a:srgbClr val="FFFF00"/>
-                </a:highlight>
-              </a:rPr>
-              <a:t>is</a:t>
-            </a:r>
-            <a:r>
-              <a:rPr lang="de-DE" dirty="0">
-                <a:highlight>
-                  <a:srgbClr val="FFFF00"/>
-                </a:highlight>
-              </a:rPr>
-              <a:t> </a:t>
-            </a:r>
-            <a:r>
-              <a:rPr lang="de-DE" dirty="0" err="1">
-                <a:highlight>
-                  <a:srgbClr val="FFFF00"/>
-                </a:highlight>
-              </a:rPr>
-              <a:t>best</a:t>
-            </a:r>
-            <a:r>
-              <a:rPr lang="de-DE" dirty="0">
-                <a:highlight>
-                  <a:srgbClr val="FFFF00"/>
-                </a:highlight>
-              </a:rPr>
-              <a:t> </a:t>
-            </a:r>
-            <a:r>
-              <a:rPr lang="de-DE" dirty="0" err="1">
-                <a:highlight>
-                  <a:srgbClr val="FFFF00"/>
-                </a:highlight>
-              </a:rPr>
-              <a:t>described</a:t>
-            </a:r>
-            <a:r>
-              <a:rPr lang="de-DE" dirty="0">
-                <a:highlight>
-                  <a:srgbClr val="FFFF00"/>
-                </a:highlight>
-              </a:rPr>
-              <a:t> </a:t>
-            </a:r>
-            <a:r>
-              <a:rPr lang="de-DE" dirty="0" err="1">
-                <a:highlight>
-                  <a:srgbClr val="FFFF00"/>
-                </a:highlight>
-              </a:rPr>
-              <a:t>by</a:t>
-            </a:r>
-            <a:r>
-              <a:rPr lang="de-DE" dirty="0">
-                <a:highlight>
-                  <a:srgbClr val="FFFF00"/>
-                </a:highlight>
-              </a:rPr>
-              <a:t> </a:t>
-            </a:r>
-            <a:r>
-              <a:rPr lang="de-DE" dirty="0" err="1">
-                <a:highlight>
-                  <a:srgbClr val="FFFF00"/>
-                </a:highlight>
-              </a:rPr>
-              <a:t>capacity</a:t>
-            </a:r>
-            <a:r>
-              <a:rPr lang="de-DE" dirty="0">
-                <a:highlight>
-                  <a:srgbClr val="FFFF00"/>
-                </a:highlight>
-              </a:rPr>
-              <a:t> </a:t>
-            </a:r>
-            <a:r>
-              <a:rPr lang="de-DE" dirty="0" err="1">
-                <a:highlight>
-                  <a:srgbClr val="FFFF00"/>
-                </a:highlight>
-              </a:rPr>
-              <a:t>prices</a:t>
-            </a:r>
-            <a:r>
-              <a:rPr lang="de-DE" dirty="0">
-                <a:highlight>
-                  <a:srgbClr val="FFFF00"/>
-                </a:highlight>
-              </a:rPr>
-              <a:t>:</a:t>
-            </a:r>
-          </a:p>
-          <a:p>
-            <a:pPr marL="461963" lvl="1" indent="-285750">
-              <a:spcBef>
-                <a:spcPts val="600"/>
-              </a:spcBef>
-              <a:buFont typeface="Arial" panose="020B0604020202020204" pitchFamily="34" charset="0"/>
-              <a:buChar char="•"/>
-            </a:pPr>
-            <a:r>
-              <a:rPr lang="de-DE" dirty="0" err="1">
-                <a:highlight>
-                  <a:srgbClr val="FFFF00"/>
-                </a:highlight>
-              </a:rPr>
-              <a:t>Locality</a:t>
-            </a:r>
-            <a:r>
-              <a:rPr lang="de-DE" dirty="0">
-                <a:highlight>
-                  <a:srgbClr val="FFFF00"/>
-                </a:highlight>
-              </a:rPr>
-              <a:t> </a:t>
-            </a:r>
-            <a:r>
-              <a:rPr lang="de-DE" dirty="0" err="1">
-                <a:highlight>
-                  <a:srgbClr val="FFFF00"/>
-                </a:highlight>
-              </a:rPr>
-              <a:t>that</a:t>
-            </a:r>
-            <a:r>
-              <a:rPr lang="de-DE" dirty="0">
-                <a:highlight>
-                  <a:srgbClr val="FFFF00"/>
-                </a:highlight>
-              </a:rPr>
-              <a:t> </a:t>
-            </a:r>
-            <a:r>
-              <a:rPr lang="de-DE" dirty="0" err="1">
-                <a:highlight>
-                  <a:srgbClr val="FFFF00"/>
-                </a:highlight>
-              </a:rPr>
-              <a:t>is</a:t>
-            </a:r>
-            <a:r>
-              <a:rPr lang="de-DE" dirty="0">
-                <a:highlight>
-                  <a:srgbClr val="FFFF00"/>
-                </a:highlight>
-              </a:rPr>
-              <a:t> </a:t>
-            </a:r>
-            <a:r>
-              <a:rPr lang="de-DE" dirty="0" err="1">
-                <a:highlight>
-                  <a:srgbClr val="FFFF00"/>
-                </a:highlight>
-              </a:rPr>
-              <a:t>worst</a:t>
-            </a:r>
-            <a:r>
-              <a:rPr lang="de-DE" dirty="0">
-                <a:highlight>
-                  <a:srgbClr val="FFFF00"/>
-                </a:highlight>
-              </a:rPr>
-              <a:t> </a:t>
-            </a:r>
-            <a:r>
-              <a:rPr lang="de-DE" dirty="0" err="1">
-                <a:highlight>
-                  <a:srgbClr val="FFFF00"/>
-                </a:highlight>
-              </a:rPr>
-              <a:t>described</a:t>
-            </a:r>
-            <a:r>
-              <a:rPr lang="de-DE" dirty="0">
-                <a:highlight>
-                  <a:srgbClr val="FFFF00"/>
-                </a:highlight>
-              </a:rPr>
-              <a:t> </a:t>
-            </a:r>
-            <a:r>
-              <a:rPr lang="de-DE" dirty="0" err="1">
-                <a:highlight>
-                  <a:srgbClr val="FFFF00"/>
-                </a:highlight>
-              </a:rPr>
-              <a:t>by</a:t>
-            </a:r>
-            <a:r>
-              <a:rPr lang="de-DE" dirty="0">
-                <a:highlight>
-                  <a:srgbClr val="FFFF00"/>
-                </a:highlight>
-              </a:rPr>
-              <a:t> </a:t>
-            </a:r>
-            <a:r>
-              <a:rPr lang="de-DE" dirty="0" err="1">
-                <a:highlight>
-                  <a:srgbClr val="FFFF00"/>
-                </a:highlight>
-              </a:rPr>
-              <a:t>capacity</a:t>
-            </a:r>
-            <a:r>
-              <a:rPr lang="de-DE" dirty="0">
-                <a:highlight>
-                  <a:srgbClr val="FFFF00"/>
-                </a:highlight>
-              </a:rPr>
-              <a:t> </a:t>
-            </a:r>
-            <a:r>
-              <a:rPr lang="de-DE" dirty="0" err="1">
-                <a:highlight>
-                  <a:srgbClr val="FFFF00"/>
-                </a:highlight>
-              </a:rPr>
-              <a:t>prices</a:t>
-            </a:r>
-            <a:r>
-              <a:rPr lang="de-DE" dirty="0">
-                <a:highlight>
-                  <a:srgbClr val="FFFF00"/>
-                </a:highlight>
-              </a:rPr>
-              <a:t>:</a:t>
-            </a:r>
+              <a:rPr lang="de-DE" dirty="0" err="1"/>
+              <a:t>Multicollinearity</a:t>
+            </a:r>
+            <a:endParaRPr lang="de-DE" dirty="0"/>
           </a:p>
           <a:p>
             <a:pPr marL="285750" indent="-285750">
@@ -15282,64 +15204,6 @@
               <a:buChar char="-"/>
             </a:pPr>
             <a:r>
-              <a:rPr lang="de-DE" dirty="0">
-                <a:highlight>
-                  <a:srgbClr val="FFFF00"/>
-                </a:highlight>
-              </a:rPr>
-              <a:t>??</a:t>
-            </a:r>
-          </a:p>
-          <a:p>
-            <a:pPr>
-              <a:spcBef>
-                <a:spcPts val="600"/>
-              </a:spcBef>
-            </a:pPr>
-            <a:endParaRPr lang="de-DE" dirty="0"/>
-          </a:p>
-          <a:p>
-            <a:pPr>
-              <a:spcBef>
-                <a:spcPts val="600"/>
-              </a:spcBef>
-            </a:pPr>
-            <a:r>
-              <a:rPr lang="de-DE" b="1" dirty="0"/>
-              <a:t>Statistical </a:t>
-            </a:r>
-            <a:r>
-              <a:rPr lang="de-DE" b="1" dirty="0" err="1"/>
-              <a:t>problems</a:t>
-            </a:r>
-            <a:r>
-              <a:rPr lang="de-DE" b="1" dirty="0"/>
-              <a:t>:</a:t>
-            </a:r>
-          </a:p>
-          <a:p>
-            <a:pPr marL="285750" indent="-285750">
-              <a:spcBef>
-                <a:spcPts val="600"/>
-              </a:spcBef>
-              <a:buFontTx/>
-              <a:buChar char="-"/>
-            </a:pPr>
-            <a:r>
-              <a:rPr lang="de-DE" dirty="0" err="1"/>
-              <a:t>Multicollinearity</a:t>
-            </a:r>
-            <a:endParaRPr lang="de-DE" dirty="0"/>
-          </a:p>
-          <a:p>
-            <a:pPr marL="285750" indent="-285750">
-              <a:spcBef>
-                <a:spcPts val="600"/>
-              </a:spcBef>
-              <a:buFontTx/>
-              <a:buChar char="-"/>
-            </a:pPr>
-            <a:r>
               <a:rPr lang="de-DE" dirty="0" err="1"/>
               <a:t>Stationarity</a:t>
             </a:r>
@@ -15354,52 +15218,6 @@
             <a:r>
               <a:rPr lang="de-DE" dirty="0"/>
               <a:t>)</a:t>
-            </a:r>
-          </a:p>
-          <a:p>
-            <a:pPr marL="285750" indent="-285750">
-              <a:spcBef>
-                <a:spcPts val="600"/>
-              </a:spcBef>
-              <a:buFontTx/>
-              <a:buChar char="-"/>
-            </a:pPr>
-            <a:r>
-              <a:rPr lang="de-DE" dirty="0"/>
-              <a:t>Right time lags? (</a:t>
-            </a:r>
-            <a:r>
-              <a:rPr lang="de-DE" dirty="0" err="1"/>
-              <a:t>investors</a:t>
-            </a:r>
-            <a:r>
-              <a:rPr lang="de-DE" dirty="0"/>
-              <a:t>‘ </a:t>
-            </a:r>
-            <a:r>
-              <a:rPr lang="de-DE" dirty="0" err="1"/>
-              <a:t>hesitatement</a:t>
-            </a:r>
-            <a:r>
-              <a:rPr lang="de-DE" dirty="0"/>
-              <a:t>)</a:t>
-            </a:r>
-          </a:p>
-          <a:p>
-            <a:pPr marL="285750" indent="-285750">
-              <a:spcBef>
-                <a:spcPts val="600"/>
-              </a:spcBef>
-              <a:buFontTx/>
-              <a:buChar char="-"/>
-            </a:pPr>
-            <a:r>
-              <a:rPr lang="de-DE" dirty="0" err="1"/>
-              <a:t>Omitted</a:t>
-            </a:r>
-            <a:r>
-              <a:rPr lang="de-DE" dirty="0"/>
-              <a:t> variables</a:t>
             </a:r>
           </a:p>
           <a:p>
@@ -15534,7 +15352,7 @@
         </p:blipFill>
         <p:spPr>
           <a:xfrm>
-            <a:off x="355090" y="3839225"/>
+            <a:off x="355090" y="5262308"/>
             <a:ext cx="324000" cy="324000"/>
           </a:xfrm>
           <a:prstGeom prst="rect">
@@ -15570,7 +15388,7 @@
         </p:blipFill>
         <p:spPr>
           <a:xfrm>
-            <a:off x="319090" y="1713028"/>
+            <a:off x="319090" y="1693364"/>
             <a:ext cx="396000" cy="396000"/>
           </a:xfrm>
           <a:prstGeom prst="rect">
@@ -15578,6 +15396,215 @@
           </a:prstGeom>
         </p:spPr>
       </p:pic>
+      <p:sp>
+        <p:nvSpPr>
+          <p:cNvPr id="7" name="Textfeld 6">
+            <a:extLst>
+              <a:ext uri="{FF2B5EF4-FFF2-40B4-BE49-F238E27FC236}">
+                <a16:creationId xmlns:a16="http://schemas.microsoft.com/office/drawing/2014/main" id="{DDCF5E0E-BD92-4481-A407-FB110B566748}"/>
+              </a:ext>
+            </a:extLst>
+          </p:cNvPr>
+          <p:cNvSpPr txBox="1"/>
+          <p:nvPr/>
+        </p:nvSpPr>
+        <p:spPr>
+          <a:xfrm>
+            <a:off x="4237702" y="5664964"/>
+            <a:ext cx="4227871" cy="826637"/>
+          </a:xfrm>
+          <a:prstGeom prst="rect">
+            <a:avLst/>
+          </a:prstGeom>
+          <a:noFill/>
+        </p:spPr>
+        <p:txBody>
+          <a:bodyPr wrap="square" lIns="0" tIns="0" rIns="0" bIns="0" rtlCol="0">
+            <a:spAutoFit/>
+          </a:bodyPr>
+          <a:lstStyle/>
+          <a:p>
+            <a:pPr marL="285750" indent="-285750">
+              <a:spcBef>
+                <a:spcPts val="600"/>
+              </a:spcBef>
+              <a:buFontTx/>
+              <a:buChar char="-"/>
+            </a:pPr>
+            <a:r>
+              <a:rPr lang="de-DE" sz="1600" dirty="0"/>
+              <a:t>Right time lags? (</a:t>
+            </a:r>
+            <a:r>
+              <a:rPr lang="de-DE" sz="1600" dirty="0" err="1"/>
+              <a:t>investors</a:t>
+            </a:r>
+            <a:r>
+              <a:rPr lang="de-DE" sz="1600" dirty="0"/>
+              <a:t>‘ </a:t>
+            </a:r>
+            <a:r>
+              <a:rPr lang="de-DE" sz="1600" dirty="0" err="1"/>
+              <a:t>hesitation</a:t>
+            </a:r>
+            <a:r>
+              <a:rPr lang="de-DE" sz="1600" dirty="0"/>
+              <a:t>)</a:t>
+            </a:r>
+          </a:p>
+          <a:p>
+            <a:pPr marL="285750" indent="-285750">
+              <a:spcBef>
+                <a:spcPts val="600"/>
+              </a:spcBef>
+              <a:buFontTx/>
+              <a:buChar char="-"/>
+            </a:pPr>
+            <a:r>
+              <a:rPr lang="de-DE" sz="1600" dirty="0" err="1"/>
+              <a:t>Omitted</a:t>
+            </a:r>
+            <a:r>
+              <a:rPr lang="de-DE" sz="1600" dirty="0"/>
+              <a:t> variables</a:t>
+            </a:r>
+          </a:p>
+          <a:p>
+            <a:pPr>
+              <a:lnSpc>
+                <a:spcPct val="114000"/>
+              </a:lnSpc>
+            </a:pPr>
+            <a:endParaRPr lang="en-GB" sz="1600" dirty="0" err="1">
+              <a:latin typeface="+mn-lt"/>
+            </a:endParaRPr>
+          </a:p>
+        </p:txBody>
+      </p:sp>
+      <p:sp>
+        <p:nvSpPr>
+          <p:cNvPr id="8" name="Rechteck 7">
+            <a:extLst>
+              <a:ext uri="{FF2B5EF4-FFF2-40B4-BE49-F238E27FC236}">
+                <a16:creationId xmlns:a16="http://schemas.microsoft.com/office/drawing/2014/main" id="{A7A1F708-BB18-44DE-AD8C-44AFB39DA3E1}"/>
+              </a:ext>
+            </a:extLst>
+          </p:cNvPr>
+          <p:cNvSpPr/>
+          <p:nvPr/>
+        </p:nvSpPr>
+        <p:spPr>
+          <a:xfrm>
+            <a:off x="715090" y="2497394"/>
+            <a:ext cx="3522612" cy="1995948"/>
+          </a:xfrm>
+          <a:prstGeom prst="rect">
+            <a:avLst/>
+          </a:prstGeom>
+          <a:ln>
+            <a:noFill/>
+          </a:ln>
+        </p:spPr>
+        <p:style>
+          <a:lnRef idx="2">
+            <a:schemeClr val="accent1">
+              <a:shade val="50000"/>
+            </a:schemeClr>
+          </a:lnRef>
+          <a:fillRef idx="1">
+            <a:schemeClr val="accent1"/>
+          </a:fillRef>
+          <a:effectRef idx="0">
+            <a:schemeClr val="accent1"/>
+          </a:effectRef>
+          <a:fontRef idx="minor">
+            <a:schemeClr val="lt1"/>
+          </a:fontRef>
+        </p:style>
+        <p:txBody>
+          <a:bodyPr rot="0" spcFirstLastPara="0" vertOverflow="overflow" horzOverflow="overflow" vert="horz" wrap="square" lIns="91440" tIns="45720" rIns="91440" bIns="45720" numCol="1" spcCol="0" rtlCol="0" fromWordArt="0" anchor="t" anchorCtr="0" forceAA="0" compatLnSpc="1">
+            <a:prstTxWarp prst="textNoShape">
+              <a:avLst/>
+            </a:prstTxWarp>
+            <a:noAutofit/>
+          </a:bodyPr>
+          <a:lstStyle/>
+          <a:p>
+            <a:pPr algn="ctr">
+              <a:lnSpc>
+                <a:spcPct val="114000"/>
+              </a:lnSpc>
+            </a:pPr>
+            <a:r>
+              <a:rPr lang="de-DE" dirty="0"/>
+              <a:t>ICAP</a:t>
+            </a:r>
+            <a:endParaRPr lang="en-GB" dirty="0"/>
+          </a:p>
+        </p:txBody>
+      </p:sp>
+      <p:sp>
+        <p:nvSpPr>
+          <p:cNvPr id="12" name="Rechteck 11">
+            <a:extLst>
+              <a:ext uri="{FF2B5EF4-FFF2-40B4-BE49-F238E27FC236}">
+                <a16:creationId xmlns:a16="http://schemas.microsoft.com/office/drawing/2014/main" id="{D988DA57-60E8-47B6-84D6-CE75FD148755}"/>
+              </a:ext>
+            </a:extLst>
+          </p:cNvPr>
+          <p:cNvSpPr/>
+          <p:nvPr/>
+        </p:nvSpPr>
+        <p:spPr>
+          <a:xfrm>
+            <a:off x="4662742" y="2465872"/>
+            <a:ext cx="3522612" cy="1995948"/>
+          </a:xfrm>
+          <a:prstGeom prst="rect">
+            <a:avLst/>
+          </a:prstGeom>
+          <a:ln>
+            <a:noFill/>
+          </a:ln>
+        </p:spPr>
+        <p:style>
+          <a:lnRef idx="2">
+            <a:schemeClr val="accent1">
+              <a:shade val="50000"/>
+            </a:schemeClr>
+          </a:lnRef>
+          <a:fillRef idx="1">
+            <a:schemeClr val="accent1"/>
+          </a:fillRef>
+          <a:effectRef idx="0">
+            <a:schemeClr val="accent1"/>
+          </a:effectRef>
+          <a:fontRef idx="minor">
+            <a:schemeClr val="lt1"/>
+          </a:fontRef>
+        </p:style>
+        <p:txBody>
+          <a:bodyPr rot="0" spcFirstLastPara="0" vertOverflow="overflow" horzOverflow="overflow" vert="horz" wrap="square" lIns="91440" tIns="45720" rIns="91440" bIns="45720" numCol="1" spcCol="0" rtlCol="0" fromWordArt="0" anchor="t" anchorCtr="0" forceAA="0" compatLnSpc="1">
+            <a:prstTxWarp prst="textNoShape">
+              <a:avLst/>
+            </a:prstTxWarp>
+            <a:noAutofit/>
+          </a:bodyPr>
+          <a:lstStyle/>
+          <a:p>
+            <a:pPr algn="ctr">
+              <a:lnSpc>
+                <a:spcPct val="114000"/>
+              </a:lnSpc>
+            </a:pPr>
+            <a:r>
+              <a:rPr lang="de-DE" dirty="0" err="1"/>
+              <a:t>Oversupply</a:t>
+            </a:r>
+            <a:endParaRPr lang="en-GB" dirty="0"/>
+          </a:p>
+        </p:txBody>
+      </p:sp>
     </p:spTree>
     <p:extLst>
       <p:ext uri="{BB962C8B-B14F-4D97-AF65-F5344CB8AC3E}">
@@ -15640,114 +15667,82 @@
               </a:spcBef>
             </a:pPr>
             <a:r>
-              <a:rPr lang="de-DE" dirty="0" err="1">
-                <a:highlight>
-                  <a:srgbClr val="FFFF00"/>
-                </a:highlight>
-              </a:rPr>
+              <a:rPr lang="de-DE" dirty="0" err="1"/>
               <a:t>Installed</a:t>
             </a:r>
             <a:r>
-              <a:rPr lang="de-DE" dirty="0">
-                <a:highlight>
-                  <a:srgbClr val="FFFF00"/>
-                </a:highlight>
-              </a:rPr>
+              <a:rPr lang="de-DE" dirty="0"/>
               <a:t> </a:t>
             </a:r>
             <a:r>
-              <a:rPr lang="de-DE" dirty="0" err="1">
-                <a:highlight>
-                  <a:srgbClr val="FFFF00"/>
-                </a:highlight>
-              </a:rPr>
+              <a:rPr lang="de-DE" dirty="0" err="1"/>
               <a:t>capacity</a:t>
             </a:r>
             <a:r>
-              <a:rPr lang="de-DE" dirty="0">
-                <a:highlight>
-                  <a:srgbClr val="FFFF00"/>
-                </a:highlight>
-              </a:rPr>
+              <a:rPr lang="de-DE" dirty="0"/>
               <a:t> </a:t>
             </a:r>
             <a:r>
-              <a:rPr lang="de-DE" dirty="0" err="1">
-                <a:highlight>
-                  <a:srgbClr val="FFFF00"/>
-                </a:highlight>
-              </a:rPr>
+              <a:rPr lang="de-DE" dirty="0" err="1"/>
               <a:t>is</a:t>
             </a:r>
             <a:r>
-              <a:rPr lang="de-DE" dirty="0">
-                <a:highlight>
-                  <a:srgbClr val="FFFF00"/>
-                </a:highlight>
-              </a:rPr>
-              <a:t> (not) </a:t>
-            </a:r>
-            <a:r>
-              <a:rPr lang="de-DE" dirty="0" err="1">
-                <a:highlight>
-                  <a:srgbClr val="FFFF00"/>
-                </a:highlight>
-              </a:rPr>
+              <a:rPr lang="de-DE" dirty="0"/>
+              <a:t> not </a:t>
+            </a:r>
+            <a:r>
+              <a:rPr lang="de-DE" dirty="0" err="1"/>
               <a:t>driven</a:t>
             </a:r>
             <a:r>
-              <a:rPr lang="de-DE" dirty="0">
-                <a:highlight>
-                  <a:srgbClr val="FFFF00"/>
-                </a:highlight>
-              </a:rPr>
+              <a:rPr lang="de-DE" dirty="0"/>
               <a:t> </a:t>
             </a:r>
             <a:r>
-              <a:rPr lang="de-DE" dirty="0" err="1">
-                <a:highlight>
-                  <a:srgbClr val="FFFF00"/>
-                </a:highlight>
-              </a:rPr>
+              <a:rPr lang="de-DE" dirty="0" err="1"/>
               <a:t>by</a:t>
             </a:r>
             <a:r>
-              <a:rPr lang="de-DE" dirty="0">
-                <a:highlight>
-                  <a:srgbClr val="FFFF00"/>
-                </a:highlight>
-              </a:rPr>
+              <a:rPr lang="de-DE" dirty="0"/>
               <a:t> </a:t>
             </a:r>
             <a:r>
-              <a:rPr lang="de-DE" dirty="0" err="1">
-                <a:highlight>
-                  <a:srgbClr val="FFFF00"/>
-                </a:highlight>
-              </a:rPr>
+              <a:rPr lang="de-DE" dirty="0" err="1"/>
               <a:t>capacity</a:t>
             </a:r>
             <a:r>
-              <a:rPr lang="de-DE" dirty="0">
-                <a:highlight>
-                  <a:srgbClr val="FFFF00"/>
-                </a:highlight>
-              </a:rPr>
+              <a:rPr lang="de-DE" dirty="0"/>
               <a:t> </a:t>
             </a:r>
             <a:r>
-              <a:rPr lang="de-DE" dirty="0" err="1">
-                <a:highlight>
-                  <a:srgbClr val="FFFF00"/>
-                </a:highlight>
-              </a:rPr>
+              <a:rPr lang="de-DE" dirty="0" err="1"/>
               <a:t>prices</a:t>
             </a:r>
-            <a:endParaRPr lang="de-DE" dirty="0">
-              <a:highlight>
-                <a:srgbClr val="FFFF00"/>
-              </a:highlight>
-            </a:endParaRPr>
+            <a:r>
+              <a:rPr lang="de-DE" dirty="0"/>
+              <a:t> acc. </a:t>
+            </a:r>
+            <a:r>
+              <a:rPr lang="de-DE" dirty="0" err="1"/>
+              <a:t>to</a:t>
+            </a:r>
+            <a:r>
+              <a:rPr lang="de-DE" dirty="0"/>
+              <a:t> </a:t>
+            </a:r>
+            <a:r>
+              <a:rPr lang="de-DE" dirty="0" err="1"/>
+              <a:t>our</a:t>
+            </a:r>
+            <a:r>
+              <a:rPr lang="de-DE" dirty="0"/>
+              <a:t> </a:t>
+            </a:r>
+            <a:r>
+              <a:rPr lang="de-DE" dirty="0" err="1"/>
+              <a:t>model</a:t>
+            </a:r>
+            <a:endParaRPr lang="de-DE" dirty="0"/>
           </a:p>
           <a:p>
             <a:pPr defTabSz="360000">
@@ -15756,139 +15751,103 @@
               </a:spcBef>
             </a:pPr>
             <a:r>
+              <a:rPr lang="de-DE" dirty="0"/>
+              <a:t>	</a:t>
+            </a:r>
+            <a:r>
               <a:rPr lang="de-DE" dirty="0">
-                <a:highlight>
-                  <a:srgbClr val="FFFF00"/>
-                </a:highlight>
-              </a:rPr>
-              <a:t>	</a:t>
-            </a:r>
-            <a:r>
-              <a:rPr lang="de-DE" dirty="0">
-                <a:highlight>
-                  <a:srgbClr val="FFFF00"/>
-                </a:highlight>
                 <a:sym typeface="Wingdings" panose="05000000000000000000" pitchFamily="2" charset="2"/>
               </a:rPr>
               <a:t> </a:t>
             </a:r>
             <a:r>
-              <a:rPr lang="de-DE" dirty="0">
-                <a:highlight>
-                  <a:srgbClr val="FFFF00"/>
-                </a:highlight>
-              </a:rPr>
-              <a:t>Main </a:t>
-            </a:r>
-            <a:r>
-              <a:rPr lang="de-DE" dirty="0" err="1">
-                <a:highlight>
-                  <a:srgbClr val="FFFF00"/>
-                </a:highlight>
-              </a:rPr>
-              <a:t>driver</a:t>
-            </a:r>
-            <a:r>
-              <a:rPr lang="de-DE" dirty="0">
-                <a:highlight>
-                  <a:srgbClr val="FFFF00"/>
-                </a:highlight>
-              </a:rPr>
+              <a:rPr lang="de-DE" dirty="0"/>
+              <a:t>Model </a:t>
+            </a:r>
+            <a:r>
+              <a:rPr lang="de-DE" dirty="0" err="1"/>
+              <a:t>shows</a:t>
+            </a:r>
+            <a:r>
+              <a:rPr lang="de-DE" dirty="0"/>
+              <a:t> fundamental </a:t>
+            </a:r>
+            <a:r>
+              <a:rPr lang="de-DE" dirty="0" err="1"/>
+              <a:t>correlation</a:t>
+            </a:r>
+            <a:r>
+              <a:rPr lang="de-DE" dirty="0"/>
               <a:t> </a:t>
             </a:r>
             <a:r>
-              <a:rPr lang="de-DE" dirty="0" err="1">
-                <a:highlight>
-                  <a:srgbClr val="FFFF00"/>
-                </a:highlight>
-              </a:rPr>
-              <a:t>according</a:t>
-            </a:r>
-            <a:r>
-              <a:rPr lang="de-DE" dirty="0">
-                <a:highlight>
-                  <a:srgbClr val="FFFF00"/>
-                </a:highlight>
-              </a:rPr>
+              <a:rPr lang="de-DE" dirty="0" err="1"/>
+              <a:t>between</a:t>
+            </a:r>
+            <a:r>
+              <a:rPr lang="de-DE" dirty="0"/>
               <a:t> </a:t>
             </a:r>
             <a:r>
-              <a:rPr lang="de-DE" dirty="0" err="1">
-                <a:highlight>
-                  <a:srgbClr val="FFFF00"/>
-                </a:highlight>
-              </a:rPr>
-              <a:t>to</a:t>
-            </a:r>
-            <a:r>
-              <a:rPr lang="de-DE" dirty="0">
-                <a:highlight>
-                  <a:srgbClr val="FFFF00"/>
-                </a:highlight>
-              </a:rPr>
+              <a:rPr lang="de-DE" dirty="0" err="1"/>
+              <a:t>price</a:t>
+            </a:r>
+            <a:r>
+              <a:rPr lang="de-DE" dirty="0"/>
+              <a:t> and </a:t>
+            </a:r>
+            <a:r>
+              <a:rPr lang="de-DE" dirty="0" err="1"/>
+              <a:t>installed</a:t>
+            </a:r>
+            <a:r>
+              <a:rPr lang="de-DE" dirty="0"/>
               <a:t> </a:t>
             </a:r>
             <a:r>
-              <a:rPr lang="de-DE" dirty="0" err="1">
-                <a:highlight>
-                  <a:srgbClr val="FFFF00"/>
-                </a:highlight>
-              </a:rPr>
-              <a:t>model</a:t>
-            </a:r>
-            <a:r>
-              <a:rPr lang="de-DE" dirty="0">
-                <a:highlight>
-                  <a:srgbClr val="FFFF00"/>
-                </a:highlight>
-              </a:rPr>
+              <a:rPr lang="de-DE" dirty="0" err="1"/>
+              <a:t>capacity</a:t>
+            </a:r>
+            <a:r>
+              <a:rPr lang="de-DE" dirty="0"/>
+              <a:t> – </a:t>
+            </a:r>
+            <a:br>
+              <a:rPr lang="de-DE" dirty="0"/>
+            </a:br>
+            <a:r>
+              <a:rPr lang="de-DE" dirty="0"/>
+              <a:t>		</a:t>
+            </a:r>
+            <a:r>
+              <a:rPr lang="de-DE" dirty="0" err="1"/>
+              <a:t>rather</a:t>
+            </a:r>
+            <a:r>
+              <a:rPr lang="de-DE" dirty="0"/>
               <a:t> </a:t>
             </a:r>
             <a:r>
-              <a:rPr lang="de-DE" dirty="0" err="1">
-                <a:highlight>
-                  <a:srgbClr val="FFFF00"/>
-                </a:highlight>
-              </a:rPr>
-              <a:t>is</a:t>
-            </a:r>
-            <a:r>
-              <a:rPr lang="de-DE" dirty="0">
-                <a:highlight>
-                  <a:srgbClr val="FFFF00"/>
-                </a:highlight>
-              </a:rPr>
+              <a:rPr lang="de-DE" dirty="0" err="1"/>
+              <a:t>than</a:t>
+            </a:r>
+            <a:r>
+              <a:rPr lang="de-DE" dirty="0"/>
               <a:t> </a:t>
             </a:r>
             <a:r>
-              <a:rPr lang="de-DE" dirty="0" err="1">
-                <a:highlight>
-                  <a:srgbClr val="FFFF00"/>
-                </a:highlight>
-              </a:rPr>
-              <a:t>xy</a:t>
-            </a:r>
-            <a:r>
-              <a:rPr lang="de-DE" dirty="0">
-                <a:highlight>
-                  <a:srgbClr val="FFFF00"/>
-                </a:highlight>
-              </a:rPr>
-              <a:t> / Other </a:t>
-            </a:r>
-            <a:r>
-              <a:rPr lang="de-DE" dirty="0" err="1">
-                <a:highlight>
-                  <a:srgbClr val="FFFF00"/>
-                </a:highlight>
-              </a:rPr>
-              <a:t>drivers</a:t>
-            </a:r>
-            <a:endParaRPr lang="de-DE" dirty="0">
-              <a:highlight>
-                <a:srgbClr val="FFFF00"/>
-              </a:highlight>
-            </a:endParaRPr>
+              <a:rPr lang="de-DE" dirty="0" err="1"/>
+              <a:t>capacity</a:t>
+            </a:r>
+            <a:r>
+              <a:rPr lang="de-DE" dirty="0"/>
+              <a:t> </a:t>
+            </a:r>
+            <a:r>
+              <a:rPr lang="de-DE" dirty="0" err="1"/>
+              <a:t>expansion</a:t>
+            </a:r>
+            <a:endParaRPr lang="de-DE" dirty="0"/>
           </a:p>
           <a:p>
             <a:pPr defTabSz="360000">
@@ -16076,7 +16035,7 @@
             </a:r>
             <a:r>
               <a:rPr lang="de-DE" dirty="0" err="1"/>
-              <a:t>How</a:t>
+              <a:t>ensure</a:t>
             </a:r>
             <a:r>
               <a:rPr lang="de-DE" dirty="0"/>
@@ -16084,7 +16043,7 @@
             </a:r>
             <a:r>
               <a:rPr lang="de-DE" dirty="0" err="1"/>
-              <a:t>to</a:t>
+              <a:t>sufficient</a:t>
             </a:r>
             <a:r>
               <a:rPr lang="de-DE" dirty="0"/>
@@ -16092,7 +16051,15 @@
             </a:r>
             <a:r>
               <a:rPr lang="de-DE" dirty="0" err="1"/>
-              <a:t>ensure</a:t>
+              <a:t>investment</a:t>
+            </a:r>
+            <a:r>
+              <a:rPr lang="de-DE" dirty="0"/>
+              <a:t> in </a:t>
+            </a:r>
+            <a:r>
+              <a:rPr lang="de-DE" dirty="0" err="1"/>
+              <a:t>generation</a:t>
             </a:r>
             <a:r>
               <a:rPr lang="de-DE" dirty="0"/>
@@ -16100,35 +16067,7 @@
             </a:r>
             <a:r>
               <a:rPr lang="de-DE" dirty="0" err="1"/>
-              <a:t>sufficient</a:t>
-            </a:r>
-            <a:r>
-              <a:rPr lang="de-DE" dirty="0"/>
-              <a:t> </a:t>
-            </a:r>
-            <a:r>
-              <a:rPr lang="de-DE" dirty="0" err="1"/>
-              <a:t>investment</a:t>
-            </a:r>
-            <a:r>
-              <a:rPr lang="de-DE" dirty="0"/>
-              <a:t> in </a:t>
-            </a:r>
-            <a:r>
-              <a:rPr lang="de-DE" dirty="0" err="1"/>
-              <a:t>generation</a:t>
-            </a:r>
-            <a:r>
-              <a:rPr lang="de-DE" dirty="0"/>
-              <a:t> </a:t>
-            </a:r>
-            <a:r>
-              <a:rPr lang="de-DE" dirty="0" err="1"/>
               <a:t>capacity</a:t>
-            </a:r>
-            <a:r>
-              <a:rPr lang="de-DE" dirty="0"/>
-              <a:t>?</a:t>
             </a:r>
             <a:r>
               <a:rPr lang="de-DE" dirty="0">
@@ -16553,7 +16492,7 @@
         </p:blipFill>
         <p:spPr>
           <a:xfrm>
-            <a:off x="376505" y="2587973"/>
+            <a:off x="376505" y="2851165"/>
             <a:ext cx="360000" cy="360000"/>
           </a:xfrm>
           <a:prstGeom prst="rect">
@@ -16589,7 +16528,7 @@
         </p:blipFill>
         <p:spPr>
           <a:xfrm>
-            <a:off x="412505" y="3324328"/>
+            <a:off x="412505" y="3589803"/>
             <a:ext cx="288000" cy="288000"/>
           </a:xfrm>
           <a:prstGeom prst="rect">
@@ -16625,7 +16564,7 @@
         </p:blipFill>
         <p:spPr>
           <a:xfrm>
-            <a:off x="376505" y="4092310"/>
+            <a:off x="376505" y="4357785"/>
             <a:ext cx="360000" cy="360000"/>
           </a:xfrm>
           <a:prstGeom prst="rect">
@@ -16683,7 +16622,7 @@
         </p:nvSpPr>
         <p:spPr>
           <a:xfrm>
-            <a:off x="634180" y="5760637"/>
+            <a:off x="634180" y="6026111"/>
             <a:ext cx="344129" cy="304377"/>
           </a:xfrm>
           <a:prstGeom prst="rightArrow">
@@ -23669,8 +23608,8 @@
           <a:chExt cx="0" cy="0"/>
         </a:xfrm>
       </p:grpSpPr>
-      <mc:AlternateContent xmlns:mc="http://schemas.openxmlformats.org/markup-compatibility/2006">
-        <mc:Choice xmlns:a14="http://schemas.microsoft.com/office/drawing/2010/main" Requires="a14">
+      <mc:AlternateContent xmlns:mc="http://schemas.openxmlformats.org/markup-compatibility/2006" xmlns:a14="http://schemas.microsoft.com/office/drawing/2010/main">
+        <mc:Choice Requires="a14">
           <p:sp>
             <p:nvSpPr>
               <p:cNvPr id="2" name="Inhaltsplatzhalter 1">
@@ -24035,7 +23974,7 @@
             </p:txBody>
           </p:sp>
         </mc:Choice>
-        <mc:Fallback>
+        <mc:Fallback xmlns="">
           <p:sp>
             <p:nvSpPr>
               <p:cNvPr id="2" name="Inhaltsplatzhalter 1">

--- a/Final_Presentation_Borvendeg_Hantke.pptx
+++ b/Final_Presentation_Borvendeg_Hantke.pptx
@@ -23608,8 +23608,8 @@
           <a:chExt cx="0" cy="0"/>
         </a:xfrm>
       </p:grpSpPr>
-      <mc:AlternateContent xmlns:mc="http://schemas.openxmlformats.org/markup-compatibility/2006" xmlns:a14="http://schemas.microsoft.com/office/drawing/2010/main">
-        <mc:Choice Requires="a14">
+      <mc:AlternateContent xmlns:mc="http://schemas.openxmlformats.org/markup-compatibility/2006">
+        <mc:Choice xmlns:a14="http://schemas.microsoft.com/office/drawing/2010/main" Requires="a14">
           <p:sp>
             <p:nvSpPr>
               <p:cNvPr id="2" name="Inhaltsplatzhalter 1">
@@ -23659,12 +23659,12 @@
                 </a:endParaRPr>
               </a:p>
               <a:p>
-                <a:endParaRPr lang="de-DE" dirty="0">
+                <a:endParaRPr lang="de-DE" sz="1400" dirty="0">
                   <a:sym typeface="Wingdings" panose="05000000000000000000" pitchFamily="2" charset="2"/>
                 </a:endParaRPr>
               </a:p>
               <a:p>
-                <a:endParaRPr lang="de-DE" sz="2400" dirty="0">
+                <a:endParaRPr lang="de-DE" sz="2000" dirty="0">
                   <a:sym typeface="Wingdings" panose="05000000000000000000" pitchFamily="2" charset="2"/>
                 </a:endParaRPr>
               </a:p>
@@ -23691,10 +23691,52 @@
                   <a:buChar char="•"/>
                 </a:pPr>
                 <a:r>
+                  <a:rPr lang="de-DE" dirty="0">
+                    <a:sym typeface="Wingdings" panose="05000000000000000000" pitchFamily="2" charset="2"/>
+                  </a:rPr>
+                  <a:t>Change in </a:t>
+                </a:r>
+                <a:r>
                   <a:rPr lang="de-DE" dirty="0" err="1">
                     <a:sym typeface="Wingdings" panose="05000000000000000000" pitchFamily="2" charset="2"/>
                   </a:rPr>
-                  <a:t>Difference</a:t>
+                  <a:t>generation</a:t>
+                </a:r>
+                <a:r>
+                  <a:rPr lang="de-DE" dirty="0">
+                    <a:sym typeface="Wingdings" panose="05000000000000000000" pitchFamily="2" charset="2"/>
+                  </a:rPr>
+                  <a:t> </a:t>
+                </a:r>
+                <a:r>
+                  <a:rPr lang="de-DE" dirty="0" err="1">
+                    <a:sym typeface="Wingdings" panose="05000000000000000000" pitchFamily="2" charset="2"/>
+                  </a:rPr>
+                  <a:t>capacity</a:t>
+                </a:r>
+                <a:r>
+                  <a:rPr lang="de-DE" dirty="0">
+                    <a:sym typeface="Wingdings" panose="05000000000000000000" pitchFamily="2" charset="2"/>
+                  </a:rPr>
+                  <a:t> </a:t>
+                </a:r>
+                <a:r>
+                  <a:rPr lang="de-DE" dirty="0" err="1">
+                    <a:sym typeface="Wingdings" panose="05000000000000000000" pitchFamily="2" charset="2"/>
+                  </a:rPr>
+                  <a:t>or</a:t>
+                </a:r>
+                <a:r>
+                  <a:rPr lang="de-DE" dirty="0">
+                    <a:sym typeface="Wingdings" panose="05000000000000000000" pitchFamily="2" charset="2"/>
+                  </a:rPr>
+                  <a:t> </a:t>
+                </a:r>
+                <a:r>
+                  <a:rPr lang="de-DE" dirty="0" err="1">
+                    <a:sym typeface="Wingdings" panose="05000000000000000000" pitchFamily="2" charset="2"/>
+                  </a:rPr>
+                  <a:t>difference</a:t>
                 </a:r>
                 <a:r>
                   <a:rPr lang="de-DE" dirty="0">
@@ -23707,18 +23749,6 @@
                     <a:sym typeface="Wingdings" panose="05000000000000000000" pitchFamily="2" charset="2"/>
                   </a:rPr>
                   <a:t>between</a:t>
-                </a:r>
-                <a:r>
-                  <a:rPr lang="hu-HU" dirty="0">
-                    <a:sym typeface="Wingdings" panose="05000000000000000000" pitchFamily="2" charset="2"/>
-                  </a:rPr>
-                  <a:t> ge</a:t>
-                </a:r>
-                <a:r>
-                  <a:rPr lang="de-DE" dirty="0" err="1">
-                    <a:sym typeface="Wingdings" panose="05000000000000000000" pitchFamily="2" charset="2"/>
-                  </a:rPr>
-                  <a:t>neration</a:t>
                 </a:r>
                 <a:r>
                   <a:rPr lang="de-DE" dirty="0">
@@ -23764,12 +23794,31 @@
                 </a:r>
                 <a14:m>
                   <m:oMath xmlns:m="http://schemas.openxmlformats.org/officeDocument/2006/math">
-                    <m:r>
-                      <a:rPr lang="de-DE" b="1" i="1">
-                        <a:latin typeface="Cambria Math" panose="02040503050406030204" pitchFamily="18" charset="0"/>
-                      </a:rPr>
-                      <m:t>𝒀</m:t>
-                    </m:r>
+                    <m:sSub>
+                      <m:sSubPr>
+                        <m:ctrlPr>
+                          <a:rPr lang="de-DE" b="1" i="1" smtClean="0">
+                            <a:latin typeface="Cambria Math" panose="02040503050406030204" pitchFamily="18" charset="0"/>
+                          </a:rPr>
+                        </m:ctrlPr>
+                      </m:sSubPr>
+                      <m:e>
+                        <m:r>
+                          <a:rPr lang="de-DE" b="1" i="1" smtClean="0">
+                            <a:latin typeface="Cambria Math" panose="02040503050406030204" pitchFamily="18" charset="0"/>
+                          </a:rPr>
+                          <m:t>𝒀</m:t>
+                        </m:r>
+                      </m:e>
+                      <m:sub>
+                        <m:r>
+                          <a:rPr lang="de-DE" b="1" i="1" smtClean="0">
+                            <a:latin typeface="Cambria Math" panose="02040503050406030204" pitchFamily="18" charset="0"/>
+                          </a:rPr>
+                          <m:t>𝑨</m:t>
+                        </m:r>
+                      </m:sub>
+                    </m:sSub>
                     <m:r>
                       <a:rPr lang="de-DE" b="1" i="1">
                         <a:latin typeface="Cambria Math" panose="02040503050406030204" pitchFamily="18" charset="0"/>
@@ -23785,6 +23834,13 @@
                         </m:ctrlPr>
                       </m:sSubPr>
                       <m:e>
+                        <m:r>
+                          <a:rPr lang="de-DE" b="1" i="1">
+                            <a:latin typeface="Cambria Math" panose="02040503050406030204" pitchFamily="18" charset="0"/>
+                            <a:ea typeface="Cambria Math" panose="02040503050406030204" pitchFamily="18" charset="0"/>
+                          </a:rPr>
+                          <m:t>𝚫</m:t>
+                        </m:r>
                         <m:r>
                           <a:rPr lang="de-DE" b="1" i="1" smtClean="0">
                             <a:latin typeface="Cambria Math" panose="02040503050406030204" pitchFamily="18" charset="0"/>
@@ -23802,8 +23858,89 @@
                         </m:r>
                       </m:sub>
                     </m:sSub>
+                  </m:oMath>
+                </a14:m>
+                <a:endParaRPr lang="de-DE" b="1" dirty="0">
+                  <a:ea typeface="Cambria Math" panose="02040503050406030204" pitchFamily="18" charset="0"/>
+                </a:endParaRPr>
+              </a:p>
+              <a:p>
+                <a:pPr lvl="2" indent="0">
+                  <a:buNone/>
+                </a:pPr>
+                <a:r>
+                  <a:rPr lang="de-DE" b="1" dirty="0"/>
+                  <a:t>	</a:t>
+                </a:r>
+                <a14:m>
+                  <m:oMath xmlns:m="http://schemas.openxmlformats.org/officeDocument/2006/math">
+                    <m:sSub>
+                      <m:sSubPr>
+                        <m:ctrlPr>
+                          <a:rPr lang="de-DE" b="1" i="1">
+                            <a:latin typeface="Cambria Math" panose="02040503050406030204" pitchFamily="18" charset="0"/>
+                          </a:rPr>
+                        </m:ctrlPr>
+                      </m:sSubPr>
+                      <m:e>
+                        <m:r>
+                          <a:rPr lang="de-DE" b="1" i="1">
+                            <a:latin typeface="Cambria Math" panose="02040503050406030204" pitchFamily="18" charset="0"/>
+                          </a:rPr>
+                          <m:t>𝒀</m:t>
+                        </m:r>
+                      </m:e>
+                      <m:sub>
+                        <m:r>
+                          <a:rPr lang="de-DE" b="1" i="1" smtClean="0">
+                            <a:latin typeface="Cambria Math" panose="02040503050406030204" pitchFamily="18" charset="0"/>
+                          </a:rPr>
+                          <m:t>𝑩</m:t>
+                        </m:r>
+                      </m:sub>
+                    </m:sSub>
                     <m:r>
-                      <a:rPr lang="de-DE" b="1" i="1" smtClean="0">
+                      <a:rPr lang="de-DE" b="1" i="1">
+                        <a:latin typeface="Cambria Math" panose="02040503050406030204" pitchFamily="18" charset="0"/>
+                      </a:rPr>
+                      <m:t>= </m:t>
+                    </m:r>
+                    <m:sSub>
+                      <m:sSubPr>
+                        <m:ctrlPr>
+                          <a:rPr lang="de-DE" b="1" i="1">
+                            <a:latin typeface="Cambria Math" panose="02040503050406030204" pitchFamily="18" charset="0"/>
+                          </a:rPr>
+                        </m:ctrlPr>
+                      </m:sSubPr>
+                      <m:e>
+                        <m:r>
+                          <a:rPr lang="de-DE" b="1" i="1">
+                            <a:latin typeface="Cambria Math" panose="02040503050406030204" pitchFamily="18" charset="0"/>
+                          </a:rPr>
+                          <m:t>𝑮𝒆𝒏𝒆𝒓𝒂𝒕𝒊𝒐𝒏</m:t>
+                        </m:r>
+                      </m:e>
+                      <m:sub>
+                        <m:r>
+                          <a:rPr lang="de-DE" b="1" i="1">
+                            <a:latin typeface="Cambria Math" panose="02040503050406030204" pitchFamily="18" charset="0"/>
+                            <a:ea typeface="Cambria Math" panose="02040503050406030204" pitchFamily="18" charset="0"/>
+                          </a:rPr>
+                          <m:t>𝒊𝒏𝒔𝒕𝒂𝒍𝒍𝒆𝒅</m:t>
+                        </m:r>
+                      </m:sub>
+                    </m:sSub>
+                  </m:oMath>
+                </a14:m>
+                <a:r>
+                  <a:rPr lang="de-DE" b="1" dirty="0"/>
+                  <a:t> </a:t>
+                </a:r>
+                <a14:m>
+                  <m:oMath xmlns:m="http://schemas.openxmlformats.org/officeDocument/2006/math">
+                    <m:r>
+                      <a:rPr lang="de-DE" b="1" i="1">
                         <a:latin typeface="Cambria Math" panose="02040503050406030204" pitchFamily="18" charset="0"/>
                       </a:rPr>
                       <m:t>−</m:t>
@@ -23824,7 +23961,7 @@
                       </m:sSubPr>
                       <m:e>
                         <m:r>
-                          <a:rPr lang="de-DE" b="1" i="1" smtClean="0">
+                          <a:rPr lang="de-DE" b="1" i="1">
                             <a:latin typeface="Cambria Math" panose="02040503050406030204" pitchFamily="18" charset="0"/>
                           </a:rPr>
                           <m:t>𝑫𝒆𝒎𝒂𝒏𝒅</m:t>
@@ -23832,7 +23969,7 @@
                       </m:e>
                       <m:sub>
                         <m:r>
-                          <a:rPr lang="de-DE" b="1" i="1" smtClean="0">
+                          <a:rPr lang="de-DE" b="1" i="1">
                             <a:latin typeface="Cambria Math" panose="02040503050406030204" pitchFamily="18" charset="0"/>
                             <a:ea typeface="Cambria Math" panose="02040503050406030204" pitchFamily="18" charset="0"/>
                           </a:rPr>
@@ -23974,7 +24111,7 @@
             </p:txBody>
           </p:sp>
         </mc:Choice>
-        <mc:Fallback xmlns="">
+        <mc:Fallback>
           <p:sp>
             <p:nvSpPr>
               <p:cNvPr id="2" name="Inhaltsplatzhalter 1">
@@ -23999,7 +24136,7 @@
               <a:blipFill>
                 <a:blip r:embed="rId2"/>
                 <a:stretch>
-                  <a:fillRect/>
+                  <a:fillRect b="-2853"/>
                 </a:stretch>
               </a:blipFill>
             </p:spPr>
@@ -24126,8 +24263,8 @@
           </a:p>
         </p:txBody>
       </p:sp>
-      <mc:AlternateContent xmlns:mc="http://schemas.openxmlformats.org/markup-compatibility/2006" xmlns:a14="http://schemas.microsoft.com/office/drawing/2010/main">
-        <mc:Choice Requires="a14">
+      <mc:AlternateContent xmlns:mc="http://schemas.openxmlformats.org/markup-compatibility/2006">
+        <mc:Choice xmlns:a14="http://schemas.microsoft.com/office/drawing/2010/main" Requires="a14">
           <p:sp>
             <p:nvSpPr>
               <p:cNvPr id="6" name="Rechteck 5">
@@ -24142,8 +24279,8 @@
             </p:nvSpPr>
             <p:spPr>
               <a:xfrm>
-                <a:off x="1766452" y="2314490"/>
-                <a:ext cx="3553699" cy="800452"/>
+                <a:off x="1789471" y="2314490"/>
+                <a:ext cx="3845312" cy="800452"/>
               </a:xfrm>
               <a:prstGeom prst="rect">
                 <a:avLst/>
@@ -24295,6 +24432,15 @@
                           </m:r>
                         </m:sub>
                       </m:sSub>
+                      <m:r>
+                        <a:rPr lang="hu-HU" b="1" i="1">
+                          <a:solidFill>
+                            <a:schemeClr val="tx1"/>
+                          </a:solidFill>
+                          <a:latin typeface="Cambria Math" panose="02040503050406030204" pitchFamily="18" charset="0"/>
+                        </a:rPr>
+                        <m:t>∗</m:t>
+                      </m:r>
                       <m:sSub>
                         <m:sSubPr>
                           <m:ctrlPr>
@@ -24478,7 +24624,7 @@
             </p:txBody>
           </p:sp>
         </mc:Choice>
-        <mc:Fallback xmlns="">
+        <mc:Fallback>
           <p:sp>
             <p:nvSpPr>
               <p:cNvPr id="6" name="Rechteck 5">
@@ -24495,8 +24641,8 @@
             </p:nvSpPr>
             <p:spPr>
               <a:xfrm>
-                <a:off x="1766452" y="2314490"/>
-                <a:ext cx="3553699" cy="800452"/>
+                <a:off x="1789471" y="2314490"/>
+                <a:ext cx="3845312" cy="800452"/>
               </a:xfrm>
               <a:prstGeom prst="rect">
                 <a:avLst/>
@@ -24772,7 +24918,7 @@
         </p:blipFill>
         <p:spPr>
           <a:xfrm>
-            <a:off x="499045" y="3588152"/>
+            <a:off x="499045" y="3450503"/>
             <a:ext cx="360000" cy="360000"/>
           </a:xfrm>
           <a:prstGeom prst="rect">
@@ -24808,7 +24954,7 @@
         </p:blipFill>
         <p:spPr>
           <a:xfrm>
-            <a:off x="502684" y="4719204"/>
+            <a:off x="502684" y="4935511"/>
             <a:ext cx="360000" cy="360000"/>
           </a:xfrm>
           <a:prstGeom prst="rect">
@@ -25063,7 +25209,7 @@
         </p:blipFill>
         <p:spPr>
           <a:xfrm>
-            <a:off x="4493167" y="5422879"/>
+            <a:off x="4572000" y="5754140"/>
             <a:ext cx="324000" cy="324000"/>
           </a:xfrm>
           <a:prstGeom prst="rect">
@@ -25085,7 +25231,7 @@
         </p:nvSpPr>
         <p:spPr>
           <a:xfrm>
-            <a:off x="4893727" y="5445115"/>
+            <a:off x="4972560" y="5796040"/>
             <a:ext cx="3959882" cy="537968"/>
           </a:xfrm>
           <a:prstGeom prst="rect">

--- a/Final_Presentation_Borvendeg_Hantke.pptx
+++ b/Final_Presentation_Borvendeg_Hantke.pptx
@@ -10,10 +10,10 @@
     <p:sldMasterId id="2147483697" r:id="rId6"/>
   </p:sldMasterIdLst>
   <p:notesMasterIdLst>
-    <p:notesMasterId r:id="rId28"/>
+    <p:notesMasterId r:id="rId30"/>
   </p:notesMasterIdLst>
   <p:handoutMasterIdLst>
-    <p:handoutMasterId r:id="rId29"/>
+    <p:handoutMasterId r:id="rId31"/>
   </p:handoutMasterIdLst>
   <p:sldIdLst>
     <p:sldId id="355" r:id="rId7"/>
@@ -34,9 +34,11 @@
     <p:sldId id="394" r:id="rId22"/>
     <p:sldId id="383" r:id="rId23"/>
     <p:sldId id="373" r:id="rId24"/>
-    <p:sldId id="400" r:id="rId25"/>
-    <p:sldId id="396" r:id="rId26"/>
-    <p:sldId id="395" r:id="rId27"/>
+    <p:sldId id="402" r:id="rId25"/>
+    <p:sldId id="403" r:id="rId26"/>
+    <p:sldId id="400" r:id="rId27"/>
+    <p:sldId id="396" r:id="rId28"/>
+    <p:sldId id="395" r:id="rId29"/>
   </p:sldIdLst>
   <p:sldSz cx="9144000" cy="6858000" type="screen4x3"/>
   <p:notesSz cx="9925050" cy="6665913"/>
@@ -3227,7 +3229,7 @@
               <a:pPr>
                 <a:defRPr/>
               </a:pPr>
-              <a:t>19/06/2023</a:t>
+              <a:t>20/06/2023</a:t>
             </a:fld>
             <a:endParaRPr lang="en-GB"/>
           </a:p>
@@ -3320,7 +3322,7 @@
               <a:pPr>
                 <a:defRPr/>
               </a:pPr>
-              <a:t>‹Nr.›</a:t>
+              <a:t>‹#›</a:t>
             </a:fld>
             <a:endParaRPr lang="en-GB"/>
           </a:p>
@@ -3446,7 +3448,7 @@
               <a:pPr>
                 <a:defRPr/>
               </a:pPr>
-              <a:t>19/06/2023</a:t>
+              <a:t>20/06/2023</a:t>
             </a:fld>
             <a:endParaRPr lang="en-GB"/>
           </a:p>
@@ -3638,7 +3640,7 @@
               <a:pPr>
                 <a:defRPr/>
               </a:pPr>
-              <a:t>‹Nr.›</a:t>
+              <a:t>‹#›</a:t>
             </a:fld>
             <a:endParaRPr lang="en-GB"/>
           </a:p>
@@ -4121,7 +4123,7 @@
             <a:fld id="{CE58CB1E-F828-4F11-99E0-327109AF9DA4}" type="slidenum">
               <a:rPr lang="de-DE" smtClean="0"/>
               <a:pPr/>
-              <a:t>‹Nr.›</a:t>
+              <a:t>‹#›</a:t>
             </a:fld>
             <a:endParaRPr lang="de-DE"/>
           </a:p>
@@ -4372,7 +4374,7 @@
             <a:fld id="{CE58CB1E-F828-4F11-99E0-327109AF9DA4}" type="slidenum">
               <a:rPr lang="de-DE" smtClean="0"/>
               <a:pPr/>
-              <a:t>‹Nr.›</a:t>
+              <a:t>‹#›</a:t>
             </a:fld>
             <a:endParaRPr lang="de-DE"/>
           </a:p>
@@ -4717,7 +4719,7 @@
             <a:fld id="{CE58CB1E-F828-4F11-99E0-327109AF9DA4}" type="slidenum">
               <a:rPr lang="de-DE" smtClean="0"/>
               <a:pPr/>
-              <a:t>‹Nr.›</a:t>
+              <a:t>‹#›</a:t>
             </a:fld>
             <a:endParaRPr lang="de-DE"/>
           </a:p>
@@ -4948,7 +4950,7 @@
             <a:fld id="{CE58CB1E-F828-4F11-99E0-327109AF9DA4}" type="slidenum">
               <a:rPr lang="de-DE" smtClean="0"/>
               <a:pPr/>
-              <a:t>‹Nr.›</a:t>
+              <a:t>‹#›</a:t>
             </a:fld>
             <a:endParaRPr lang="de-DE"/>
           </a:p>
@@ -5184,7 +5186,7 @@
             <a:fld id="{CE58CB1E-F828-4F11-99E0-327109AF9DA4}" type="slidenum">
               <a:rPr lang="de-DE" smtClean="0"/>
               <a:pPr/>
-              <a:t>‹Nr.›</a:t>
+              <a:t>‹#›</a:t>
             </a:fld>
             <a:endParaRPr lang="de-DE"/>
           </a:p>
@@ -5537,7 +5539,7 @@
             <a:fld id="{CE58CB1E-F828-4F11-99E0-327109AF9DA4}" type="slidenum">
               <a:rPr lang="de-DE" smtClean="0"/>
               <a:pPr/>
-              <a:t>‹Nr.›</a:t>
+              <a:t>‹#›</a:t>
             </a:fld>
             <a:endParaRPr lang="de-DE"/>
           </a:p>
@@ -5745,7 +5747,7 @@
             <a:fld id="{CE58CB1E-F828-4F11-99E0-327109AF9DA4}" type="slidenum">
               <a:rPr lang="de-DE" smtClean="0"/>
               <a:pPr/>
-              <a:t>‹Nr.›</a:t>
+              <a:t>‹#›</a:t>
             </a:fld>
             <a:endParaRPr lang="de-DE"/>
           </a:p>
@@ -6093,7 +6095,7 @@
             <a:fld id="{CE58CB1E-F828-4F11-99E0-327109AF9DA4}" type="slidenum">
               <a:rPr lang="de-DE" smtClean="0"/>
               <a:pPr/>
-              <a:t>‹Nr.›</a:t>
+              <a:t>‹#›</a:t>
             </a:fld>
             <a:endParaRPr lang="de-DE"/>
           </a:p>
@@ -6398,7 +6400,7 @@
             <a:fld id="{CE58CB1E-F828-4F11-99E0-327109AF9DA4}" type="slidenum">
               <a:rPr lang="de-DE" smtClean="0"/>
               <a:pPr/>
-              <a:t>‹Nr.›</a:t>
+              <a:t>‹#›</a:t>
             </a:fld>
             <a:endParaRPr lang="de-DE"/>
           </a:p>
@@ -6585,7 +6587,7 @@
             <a:fld id="{CE58CB1E-F828-4F11-99E0-327109AF9DA4}" type="slidenum">
               <a:rPr lang="de-DE" smtClean="0"/>
               <a:pPr/>
-              <a:t>‹Nr.›</a:t>
+              <a:t>‹#›</a:t>
             </a:fld>
             <a:endParaRPr lang="de-DE"/>
           </a:p>
@@ -6784,7 +6786,7 @@
             <a:fld id="{CE58CB1E-F828-4F11-99E0-327109AF9DA4}" type="slidenum">
               <a:rPr lang="de-DE" smtClean="0"/>
               <a:pPr/>
-              <a:t>‹Nr.›</a:t>
+              <a:t>‹#›</a:t>
             </a:fld>
             <a:endParaRPr lang="de-DE"/>
           </a:p>
@@ -6985,7 +6987,7 @@
             <a:fld id="{CE58CB1E-F828-4F11-99E0-327109AF9DA4}" type="slidenum">
               <a:rPr lang="de-DE" smtClean="0"/>
               <a:pPr/>
-              <a:t>‹Nr.›</a:t>
+              <a:t>‹#›</a:t>
             </a:fld>
             <a:endParaRPr lang="de-DE"/>
           </a:p>
@@ -7078,7 +7080,7 @@
             <a:fld id="{CE58CB1E-F828-4F11-99E0-327109AF9DA4}" type="slidenum">
               <a:rPr lang="de-DE" smtClean="0"/>
               <a:pPr/>
-              <a:t>‹Nr.›</a:t>
+              <a:t>‹#›</a:t>
             </a:fld>
             <a:endParaRPr lang="de-DE"/>
           </a:p>
@@ -7361,7 +7363,7 @@
             <a:fld id="{CE58CB1E-F828-4F11-99E0-327109AF9DA4}" type="slidenum">
               <a:rPr lang="de-DE" smtClean="0"/>
               <a:pPr/>
-              <a:t>‹Nr.›</a:t>
+              <a:t>‹#›</a:t>
             </a:fld>
             <a:endParaRPr lang="de-DE"/>
           </a:p>
@@ -7560,7 +7562,7 @@
             <a:fld id="{CE58CB1E-F828-4F11-99E0-327109AF9DA4}" type="slidenum">
               <a:rPr lang="de-DE" smtClean="0"/>
               <a:pPr/>
-              <a:t>‹Nr.›</a:t>
+              <a:t>‹#›</a:t>
             </a:fld>
             <a:endParaRPr lang="de-DE"/>
           </a:p>
@@ -7736,7 +7738,7 @@
             <a:fld id="{CE58CB1E-F828-4F11-99E0-327109AF9DA4}" type="slidenum">
               <a:rPr lang="de-DE" smtClean="0"/>
               <a:pPr/>
-              <a:t>‹Nr.›</a:t>
+              <a:t>‹#›</a:t>
             </a:fld>
             <a:endParaRPr lang="de-DE"/>
           </a:p>
@@ -8105,7 +8107,7 @@
             <a:fld id="{CE58CB1E-F828-4F11-99E0-327109AF9DA4}" type="slidenum">
               <a:rPr lang="de-DE" smtClean="0"/>
               <a:pPr/>
-              <a:t>‹Nr.›</a:t>
+              <a:t>‹#›</a:t>
             </a:fld>
             <a:endParaRPr lang="de-DE"/>
           </a:p>
@@ -8304,7 +8306,7 @@
             <a:fld id="{CE58CB1E-F828-4F11-99E0-327109AF9DA4}" type="slidenum">
               <a:rPr lang="de-DE" smtClean="0"/>
               <a:pPr/>
-              <a:t>‹Nr.›</a:t>
+              <a:t>‹#›</a:t>
             </a:fld>
             <a:endParaRPr lang="de-DE"/>
           </a:p>
@@ -8528,7 +8530,7 @@
             <a:fld id="{CE58CB1E-F828-4F11-99E0-327109AF9DA4}" type="slidenum">
               <a:rPr lang="de-DE" smtClean="0"/>
               <a:pPr/>
-              <a:t>‹Nr.›</a:t>
+              <a:t>‹#›</a:t>
             </a:fld>
             <a:endParaRPr lang="de-DE"/>
           </a:p>
@@ -8715,7 +8717,7 @@
             <a:fld id="{CE58CB1E-F828-4F11-99E0-327109AF9DA4}" type="slidenum">
               <a:rPr lang="de-DE" smtClean="0"/>
               <a:pPr/>
-              <a:t>‹Nr.›</a:t>
+              <a:t>‹#›</a:t>
             </a:fld>
             <a:endParaRPr lang="de-DE"/>
           </a:p>
@@ -8954,7 +8956,7 @@
             <a:fld id="{CE58CB1E-F828-4F11-99E0-327109AF9DA4}" type="slidenum">
               <a:rPr lang="de-DE" smtClean="0"/>
               <a:pPr/>
-              <a:t>‹Nr.›</a:t>
+              <a:t>‹#›</a:t>
             </a:fld>
             <a:endParaRPr lang="de-DE"/>
           </a:p>
@@ -9431,7 +9433,7 @@
                   <a:spcPct val="114000"/>
                 </a:lnSpc>
               </a:pPr>
-              <a:t>‹Nr.›</a:t>
+              <a:t>‹#›</a:t>
             </a:fld>
             <a:endParaRPr lang="de-DE" sz="1200">
               <a:latin typeface="+mn-lt"/>
@@ -9523,7 +9525,7 @@
             <a:fld id="{CE58CB1E-F828-4F11-99E0-327109AF9DA4}" type="slidenum">
               <a:rPr lang="de-DE" noProof="0" smtClean="0"/>
               <a:pPr/>
-              <a:t>‹Nr.›</a:t>
+              <a:t>‹#›</a:t>
             </a:fld>
             <a:endParaRPr lang="de-DE" noProof="0"/>
           </a:p>
@@ -10037,7 +10039,7 @@
             <a:fld id="{CE58CB1E-F828-4F11-99E0-327109AF9DA4}" type="slidenum">
               <a:rPr lang="de-DE" smtClean="0"/>
               <a:pPr/>
-              <a:t>‹Nr.›</a:t>
+              <a:t>‹#›</a:t>
             </a:fld>
             <a:endParaRPr lang="de-DE"/>
           </a:p>
@@ -10713,7 +10715,7 @@
             <a:fld id="{CE58CB1E-F828-4F11-99E0-327109AF9DA4}" type="slidenum">
               <a:rPr lang="de-DE" smtClean="0"/>
               <a:pPr/>
-              <a:t>‹Nr.›</a:t>
+              <a:t>‹#›</a:t>
             </a:fld>
             <a:endParaRPr lang="de-DE"/>
           </a:p>
@@ -11338,7 +11340,7 @@
             <a:fld id="{CE58CB1E-F828-4F11-99E0-327109AF9DA4}" type="slidenum">
               <a:rPr lang="de-DE" smtClean="0"/>
               <a:pPr/>
-              <a:t>‹Nr.›</a:t>
+              <a:t>‹#›</a:t>
             </a:fld>
             <a:endParaRPr lang="de-DE"/>
           </a:p>
@@ -11935,7 +11937,7 @@
             <a:fld id="{CE58CB1E-F828-4F11-99E0-327109AF9DA4}" type="slidenum">
               <a:rPr lang="de-DE" smtClean="0"/>
               <a:pPr/>
-              <a:t>‹Nr.›</a:t>
+              <a:t>‹#›</a:t>
             </a:fld>
             <a:endParaRPr lang="de-DE"/>
           </a:p>
@@ -13808,77 +13810,6 @@
       </p:grpSpPr>
       <p:sp>
         <p:nvSpPr>
-          <p:cNvPr id="2" name="Inhaltsplatzhalter 1">
-            <a:extLst>
-              <a:ext uri="{FF2B5EF4-FFF2-40B4-BE49-F238E27FC236}">
-                <a16:creationId xmlns:a16="http://schemas.microsoft.com/office/drawing/2014/main" id="{26C01E87-7423-4DA4-88FA-23AAD9B3C566}"/>
-              </a:ext>
-            </a:extLst>
-          </p:cNvPr>
-          <p:cNvSpPr>
-            <a:spLocks noGrp="1"/>
-          </p:cNvSpPr>
-          <p:nvPr>
-            <p:ph idx="1"/>
-          </p:nvPr>
-        </p:nvSpPr>
-        <p:spPr/>
-        <p:txBody>
-          <a:bodyPr/>
-          <a:lstStyle/>
-          <a:p>
-            <a:r>
-              <a:rPr lang="de-DE" dirty="0">
-                <a:highlight>
-                  <a:srgbClr val="FFFF00"/>
-                </a:highlight>
-              </a:rPr>
-              <a:t>All </a:t>
-            </a:r>
-            <a:r>
-              <a:rPr lang="de-DE" dirty="0" err="1">
-                <a:highlight>
-                  <a:srgbClr val="FFFF00"/>
-                </a:highlight>
-              </a:rPr>
-              <a:t>parameters</a:t>
-            </a:r>
-            <a:r>
-              <a:rPr lang="de-DE" dirty="0">
-                <a:highlight>
-                  <a:srgbClr val="FFFF00"/>
-                </a:highlight>
-              </a:rPr>
-              <a:t> </a:t>
-            </a:r>
-            <a:r>
-              <a:rPr lang="de-DE" dirty="0">
-                <a:highlight>
-                  <a:srgbClr val="FFFF00"/>
-                </a:highlight>
-                <a:sym typeface="Wingdings" panose="05000000000000000000" pitchFamily="2" charset="2"/>
-              </a:rPr>
-              <a:t> </a:t>
-            </a:r>
-            <a:r>
-              <a:rPr lang="de-DE" dirty="0" err="1">
-                <a:highlight>
-                  <a:srgbClr val="FFFF00"/>
-                </a:highlight>
-                <a:sym typeface="Wingdings" panose="05000000000000000000" pitchFamily="2" charset="2"/>
-              </a:rPr>
-              <a:t>multicollinearity</a:t>
-            </a:r>
-            <a:endParaRPr lang="en-GB" dirty="0">
-              <a:highlight>
-                <a:srgbClr val="FFFF00"/>
-              </a:highlight>
-            </a:endParaRPr>
-          </a:p>
-        </p:txBody>
-      </p:sp>
-      <p:sp>
-        <p:nvSpPr>
           <p:cNvPr id="3" name="Foliennummernplatzhalter 2">
             <a:extLst>
               <a:ext uri="{FF2B5EF4-FFF2-40B4-BE49-F238E27FC236}">
@@ -13958,12 +13889,20 @@
           <a:lstStyle/>
           <a:p>
             <a:r>
-              <a:rPr lang="de-DE" sz="2000" dirty="0">
+              <a:rPr lang="hu-HU" sz="2000" dirty="0" err="1">
                 <a:solidFill>
                   <a:srgbClr val="0065BD"/>
                 </a:solidFill>
               </a:rPr>
-              <a:t>First Model</a:t>
+              <a:t>Model</a:t>
+            </a:r>
+            <a:r>
+              <a:rPr lang="hu-HU" sz="2000" dirty="0">
+                <a:solidFill>
+                  <a:srgbClr val="0065BD"/>
+                </a:solidFill>
+              </a:rPr>
+              <a:t> A</a:t>
             </a:r>
             <a:endParaRPr lang="en-GB" sz="2000" dirty="0">
               <a:solidFill>
@@ -14014,6 +13953,302 @@
           </a:p>
         </p:txBody>
       </p:sp>
+      <p:sp>
+        <p:nvSpPr>
+          <p:cNvPr id="11" name="Inhaltsplatzhalter 1">
+            <a:extLst>
+              <a:ext uri="{FF2B5EF4-FFF2-40B4-BE49-F238E27FC236}">
+                <a16:creationId xmlns:a16="http://schemas.microsoft.com/office/drawing/2014/main" id="{63D1EBC7-C1B0-4468-C9E6-D7AD5D7CFBA3}"/>
+              </a:ext>
+            </a:extLst>
+          </p:cNvPr>
+          <p:cNvSpPr>
+            <a:spLocks noGrp="1"/>
+          </p:cNvSpPr>
+          <p:nvPr>
+            <p:ph idx="1"/>
+          </p:nvPr>
+        </p:nvSpPr>
+        <p:spPr>
+          <a:xfrm>
+            <a:off x="319089" y="2510913"/>
+            <a:ext cx="3224213" cy="3671226"/>
+          </a:xfrm>
+        </p:spPr>
+        <p:txBody>
+          <a:bodyPr/>
+          <a:lstStyle/>
+          <a:p>
+            <a:r>
+              <a:rPr lang="hu-HU" b="1" dirty="0" err="1"/>
+              <a:t>Results</a:t>
+            </a:r>
+            <a:r>
+              <a:rPr lang="hu-HU" b="1" dirty="0"/>
+              <a:t>:</a:t>
+            </a:r>
+          </a:p>
+          <a:p>
+            <a:pPr marL="285750" indent="-285750">
+              <a:buFont typeface="Arial" panose="020B0604020202020204" pitchFamily="34" charset="0"/>
+              <a:buChar char="•"/>
+            </a:pPr>
+            <a:r>
+              <a:rPr lang="hu-HU" dirty="0"/>
+              <a:t>4-year-lagged </a:t>
+            </a:r>
+            <a:r>
+              <a:rPr lang="hu-HU" dirty="0" err="1"/>
+              <a:t>capacity</a:t>
+            </a:r>
+            <a:r>
+              <a:rPr lang="hu-HU" dirty="0"/>
+              <a:t> </a:t>
+            </a:r>
+            <a:r>
+              <a:rPr lang="hu-HU" dirty="0" err="1"/>
+              <a:t>prices</a:t>
+            </a:r>
+            <a:r>
+              <a:rPr lang="hu-HU" dirty="0"/>
+              <a:t> </a:t>
+            </a:r>
+            <a:r>
+              <a:rPr lang="hu-HU" dirty="0" err="1"/>
+              <a:t>are</a:t>
+            </a:r>
+            <a:r>
+              <a:rPr lang="hu-HU" dirty="0"/>
+              <a:t> </a:t>
+            </a:r>
+            <a:r>
+              <a:rPr lang="hu-HU" dirty="0" err="1"/>
+              <a:t>significant</a:t>
+            </a:r>
+            <a:r>
+              <a:rPr lang="hu-HU" dirty="0"/>
+              <a:t> </a:t>
+            </a:r>
+            <a:r>
+              <a:rPr lang="hu-HU" dirty="0" err="1"/>
+              <a:t>with</a:t>
+            </a:r>
+            <a:r>
+              <a:rPr lang="hu-HU" dirty="0"/>
+              <a:t> </a:t>
+            </a:r>
+            <a:r>
+              <a:rPr lang="hu-HU" dirty="0" err="1"/>
+              <a:t>positive</a:t>
+            </a:r>
+            <a:r>
+              <a:rPr lang="hu-HU" dirty="0"/>
+              <a:t> </a:t>
+            </a:r>
+            <a:r>
+              <a:rPr lang="hu-HU" dirty="0" err="1"/>
+              <a:t>coefficient</a:t>
+            </a:r>
+            <a:endParaRPr lang="hu-HU" dirty="0"/>
+          </a:p>
+          <a:p>
+            <a:pPr marL="285750" indent="-285750">
+              <a:buFont typeface="Arial" panose="020B0604020202020204" pitchFamily="34" charset="0"/>
+              <a:buChar char="•"/>
+            </a:pPr>
+            <a:r>
+              <a:rPr lang="hu-HU" dirty="0"/>
+              <a:t>3- and 4-year-lagged </a:t>
+            </a:r>
+            <a:r>
+              <a:rPr lang="hu-HU" dirty="0" err="1"/>
+              <a:t>day-ahead</a:t>
+            </a:r>
+            <a:r>
+              <a:rPr lang="hu-HU" dirty="0"/>
+              <a:t> </a:t>
+            </a:r>
+            <a:r>
+              <a:rPr lang="hu-HU" dirty="0" err="1"/>
+              <a:t>prices</a:t>
+            </a:r>
+            <a:r>
+              <a:rPr lang="hu-HU" dirty="0"/>
+              <a:t> </a:t>
+            </a:r>
+            <a:r>
+              <a:rPr lang="hu-HU" dirty="0" err="1"/>
+              <a:t>are</a:t>
+            </a:r>
+            <a:r>
+              <a:rPr lang="hu-HU" dirty="0"/>
+              <a:t> </a:t>
+            </a:r>
+            <a:r>
+              <a:rPr lang="hu-HU" dirty="0" err="1"/>
+              <a:t>significant</a:t>
+            </a:r>
+            <a:r>
+              <a:rPr lang="hu-HU" dirty="0"/>
+              <a:t> </a:t>
+            </a:r>
+            <a:r>
+              <a:rPr lang="hu-HU" dirty="0" err="1"/>
+              <a:t>with</a:t>
+            </a:r>
+            <a:r>
+              <a:rPr lang="hu-HU" dirty="0"/>
+              <a:t> </a:t>
+            </a:r>
+            <a:r>
+              <a:rPr lang="hu-HU" dirty="0" err="1"/>
+              <a:t>negative</a:t>
+            </a:r>
+            <a:r>
+              <a:rPr lang="hu-HU" dirty="0"/>
+              <a:t> </a:t>
+            </a:r>
+            <a:r>
+              <a:rPr lang="hu-HU" dirty="0" err="1"/>
+              <a:t>coefficient</a:t>
+            </a:r>
+            <a:endParaRPr lang="hu-HU" dirty="0"/>
+          </a:p>
+          <a:p>
+            <a:endParaRPr lang="hu-HU" dirty="0"/>
+          </a:p>
+          <a:p>
+            <a:r>
+              <a:rPr lang="hu-HU" b="1" dirty="0" err="1"/>
+              <a:t>Conclusion</a:t>
+            </a:r>
+            <a:r>
+              <a:rPr lang="hu-HU" b="1" dirty="0"/>
+              <a:t>:</a:t>
+            </a:r>
+          </a:p>
+          <a:p>
+            <a:pPr marL="285750" indent="-285750">
+              <a:buFont typeface="Arial" panose="020B0604020202020204" pitchFamily="34" charset="0"/>
+              <a:buChar char="•"/>
+            </a:pPr>
+            <a:r>
+              <a:rPr lang="hu-HU" dirty="0" err="1"/>
+              <a:t>High</a:t>
+            </a:r>
+            <a:r>
+              <a:rPr lang="hu-HU" dirty="0"/>
+              <a:t> </a:t>
+            </a:r>
+            <a:r>
+              <a:rPr lang="hu-HU" dirty="0" err="1"/>
+              <a:t>multicollinearity</a:t>
+            </a:r>
+            <a:r>
+              <a:rPr lang="hu-HU" dirty="0"/>
+              <a:t> </a:t>
+            </a:r>
+            <a:r>
+              <a:rPr lang="hu-HU" dirty="0" err="1"/>
+              <a:t>due</a:t>
+            </a:r>
+            <a:r>
+              <a:rPr lang="hu-HU" dirty="0"/>
+              <a:t> </a:t>
+            </a:r>
+            <a:r>
+              <a:rPr lang="hu-HU" dirty="0" err="1"/>
+              <a:t>to</a:t>
+            </a:r>
+            <a:r>
+              <a:rPr lang="hu-HU" dirty="0"/>
+              <a:t> </a:t>
+            </a:r>
+            <a:r>
+              <a:rPr lang="hu-HU" dirty="0" err="1"/>
+              <a:t>correlation</a:t>
+            </a:r>
+            <a:r>
+              <a:rPr lang="hu-HU" dirty="0"/>
+              <a:t> </a:t>
+            </a:r>
+            <a:r>
+              <a:rPr lang="hu-HU" dirty="0" err="1"/>
+              <a:t>between</a:t>
+            </a:r>
+            <a:r>
+              <a:rPr lang="hu-HU" dirty="0"/>
+              <a:t> </a:t>
+            </a:r>
+            <a:r>
+              <a:rPr lang="hu-HU" dirty="0" err="1"/>
+              <a:t>power</a:t>
+            </a:r>
+            <a:r>
+              <a:rPr lang="hu-HU" dirty="0"/>
+              <a:t> and </a:t>
+            </a:r>
+            <a:r>
+              <a:rPr lang="hu-HU" dirty="0" err="1"/>
+              <a:t>gas</a:t>
+            </a:r>
+            <a:r>
+              <a:rPr lang="hu-HU" dirty="0"/>
+              <a:t> </a:t>
+            </a:r>
+            <a:r>
+              <a:rPr lang="hu-HU" dirty="0" err="1"/>
+              <a:t>price</a:t>
+            </a:r>
+            <a:r>
+              <a:rPr lang="hu-HU" dirty="0"/>
+              <a:t> </a:t>
+            </a:r>
+            <a:r>
+              <a:rPr lang="hu-HU" dirty="0" err="1"/>
+              <a:t>features</a:t>
+            </a:r>
+            <a:endParaRPr lang="hu-HU" dirty="0"/>
+          </a:p>
+          <a:p>
+            <a:pPr marL="285750" indent="-285750">
+              <a:buFont typeface="Arial" panose="020B0604020202020204" pitchFamily="34" charset="0"/>
+              <a:buChar char="•"/>
+            </a:pPr>
+            <a:endParaRPr lang="en-GB" dirty="0"/>
+          </a:p>
+        </p:txBody>
+      </p:sp>
+      <p:pic>
+        <p:nvPicPr>
+          <p:cNvPr id="13" name="Picture 12">
+            <a:extLst>
+              <a:ext uri="{FF2B5EF4-FFF2-40B4-BE49-F238E27FC236}">
+                <a16:creationId xmlns:a16="http://schemas.microsoft.com/office/drawing/2014/main" id="{A42E70B8-D8A0-BADC-95A7-083AA860ED03}"/>
+              </a:ext>
+            </a:extLst>
+          </p:cNvPr>
+          <p:cNvPicPr>
+            <a:picLocks noChangeAspect="1"/>
+          </p:cNvPicPr>
+          <p:nvPr/>
+        </p:nvPicPr>
+        <p:blipFill>
+          <a:blip r:embed="rId2"/>
+          <a:stretch>
+            <a:fillRect/>
+          </a:stretch>
+        </p:blipFill>
+        <p:spPr>
+          <a:xfrm>
+            <a:off x="3644127" y="1522988"/>
+            <a:ext cx="5308085" cy="3960000"/>
+          </a:xfrm>
+          <a:prstGeom prst="rect">
+            <a:avLst/>
+          </a:prstGeom>
+        </p:spPr>
+      </p:pic>
     </p:spTree>
     <p:extLst>
       <p:ext uri="{BB962C8B-B14F-4D97-AF65-F5344CB8AC3E}">
@@ -14063,7 +14298,7 @@
         <p:spPr>
           <a:xfrm>
             <a:off x="319089" y="2510913"/>
-            <a:ext cx="8508999" cy="3962400"/>
+            <a:ext cx="3224213" cy="3671226"/>
           </a:xfrm>
         </p:spPr>
         <p:txBody>
@@ -14071,18 +14306,243 @@
           <a:lstStyle/>
           <a:p>
             <a:r>
-              <a:rPr lang="de-DE" dirty="0">
-                <a:highlight>
-                  <a:srgbClr val="FFFF00"/>
-                </a:highlight>
-              </a:rPr>
-              <a:t>Best Model</a:t>
-            </a:r>
-            <a:endParaRPr lang="en-GB" dirty="0">
-              <a:highlight>
-                <a:srgbClr val="FFFF00"/>
-              </a:highlight>
-            </a:endParaRPr>
+              <a:rPr lang="hu-HU" b="1" dirty="0" err="1"/>
+              <a:t>Results</a:t>
+            </a:r>
+            <a:r>
+              <a:rPr lang="hu-HU" b="1" dirty="0"/>
+              <a:t>:</a:t>
+            </a:r>
+          </a:p>
+          <a:p>
+            <a:pPr marL="285750" indent="-285750">
+              <a:buFont typeface="Arial" panose="020B0604020202020204" pitchFamily="34" charset="0"/>
+              <a:buChar char="•"/>
+            </a:pPr>
+            <a:r>
+              <a:rPr lang="hu-HU" dirty="0" err="1"/>
+              <a:t>Stronger</a:t>
+            </a:r>
+            <a:r>
+              <a:rPr lang="hu-HU" dirty="0"/>
+              <a:t> </a:t>
+            </a:r>
+            <a:r>
+              <a:rPr lang="hu-HU" dirty="0" err="1"/>
+              <a:t>models</a:t>
+            </a:r>
+            <a:r>
+              <a:rPr lang="hu-HU" dirty="0"/>
+              <a:t> </a:t>
+            </a:r>
+            <a:r>
+              <a:rPr lang="hu-HU" dirty="0" err="1"/>
+              <a:t>for</a:t>
+            </a:r>
+            <a:r>
+              <a:rPr lang="hu-HU" dirty="0"/>
+              <a:t> NYCA and NYC</a:t>
+            </a:r>
+          </a:p>
+          <a:p>
+            <a:pPr marL="285750" indent="-285750">
+              <a:buFont typeface="Arial" panose="020B0604020202020204" pitchFamily="34" charset="0"/>
+              <a:buChar char="•"/>
+            </a:pPr>
+            <a:r>
+              <a:rPr lang="hu-HU" dirty="0"/>
+              <a:t>ICAP </a:t>
+            </a:r>
+            <a:r>
+              <a:rPr lang="hu-HU" dirty="0" err="1"/>
+              <a:t>price</a:t>
+            </a:r>
+            <a:r>
+              <a:rPr lang="hu-HU" dirty="0"/>
+              <a:t> and </a:t>
+            </a:r>
+            <a:r>
+              <a:rPr lang="hu-HU" dirty="0" err="1"/>
+              <a:t>time-lags</a:t>
+            </a:r>
+            <a:r>
+              <a:rPr lang="hu-HU" dirty="0"/>
+              <a:t> </a:t>
+            </a:r>
+            <a:r>
+              <a:rPr lang="hu-HU" dirty="0" err="1"/>
+              <a:t>are</a:t>
+            </a:r>
+            <a:r>
+              <a:rPr lang="hu-HU" dirty="0"/>
+              <a:t> </a:t>
+            </a:r>
+            <a:r>
+              <a:rPr lang="hu-HU" dirty="0" err="1"/>
+              <a:t>significant</a:t>
+            </a:r>
+            <a:endParaRPr lang="hu-HU" dirty="0"/>
+          </a:p>
+          <a:p>
+            <a:pPr marL="285750" indent="-285750">
+              <a:buFont typeface="Arial" panose="020B0604020202020204" pitchFamily="34" charset="0"/>
+              <a:buChar char="•"/>
+            </a:pPr>
+            <a:r>
+              <a:rPr lang="hu-HU" dirty="0"/>
+              <a:t>Day-</a:t>
+            </a:r>
+            <a:r>
+              <a:rPr lang="hu-HU" dirty="0" err="1"/>
+              <a:t>ahead</a:t>
+            </a:r>
+            <a:r>
+              <a:rPr lang="hu-HU" dirty="0"/>
+              <a:t> </a:t>
+            </a:r>
+            <a:r>
+              <a:rPr lang="hu-HU" dirty="0" err="1"/>
+              <a:t>prices</a:t>
+            </a:r>
+            <a:r>
+              <a:rPr lang="hu-HU" dirty="0"/>
+              <a:t> </a:t>
+            </a:r>
+            <a:r>
+              <a:rPr lang="hu-HU" dirty="0" err="1"/>
+              <a:t>are</a:t>
+            </a:r>
+            <a:r>
+              <a:rPr lang="hu-HU" dirty="0"/>
+              <a:t> </a:t>
+            </a:r>
+            <a:r>
+              <a:rPr lang="hu-HU" dirty="0" err="1"/>
+              <a:t>insignificant</a:t>
+            </a:r>
+            <a:endParaRPr lang="hu-HU" dirty="0"/>
+          </a:p>
+          <a:p>
+            <a:endParaRPr lang="hu-HU" dirty="0"/>
+          </a:p>
+          <a:p>
+            <a:r>
+              <a:rPr lang="hu-HU" b="1" dirty="0" err="1"/>
+              <a:t>Conclusion</a:t>
+            </a:r>
+            <a:r>
+              <a:rPr lang="hu-HU" b="1" dirty="0"/>
+              <a:t>:</a:t>
+            </a:r>
+          </a:p>
+          <a:p>
+            <a:pPr marL="285750" indent="-285750">
+              <a:buFont typeface="Arial" panose="020B0604020202020204" pitchFamily="34" charset="0"/>
+              <a:buChar char="•"/>
+            </a:pPr>
+            <a:r>
+              <a:rPr lang="hu-HU" dirty="0" err="1"/>
+              <a:t>This</a:t>
+            </a:r>
+            <a:r>
+              <a:rPr lang="hu-HU" dirty="0"/>
+              <a:t> </a:t>
+            </a:r>
+            <a:r>
+              <a:rPr lang="hu-HU" dirty="0" err="1"/>
+              <a:t>model</a:t>
+            </a:r>
+            <a:r>
+              <a:rPr lang="hu-HU" dirty="0"/>
+              <a:t> </a:t>
+            </a:r>
+            <a:r>
+              <a:rPr lang="hu-HU" dirty="0" err="1"/>
+              <a:t>describes</a:t>
+            </a:r>
+            <a:r>
+              <a:rPr lang="hu-HU" dirty="0"/>
+              <a:t> </a:t>
+            </a:r>
+            <a:r>
+              <a:rPr lang="hu-HU" dirty="0" err="1"/>
+              <a:t>the</a:t>
+            </a:r>
+            <a:r>
+              <a:rPr lang="hu-HU" dirty="0"/>
+              <a:t> </a:t>
+            </a:r>
+            <a:r>
+              <a:rPr lang="hu-HU" dirty="0" err="1"/>
+              <a:t>capacity</a:t>
+            </a:r>
+            <a:r>
+              <a:rPr lang="hu-HU" dirty="0"/>
+              <a:t> market </a:t>
+            </a:r>
+            <a:r>
+              <a:rPr lang="hu-HU" dirty="0" err="1"/>
+              <a:t>fundamental</a:t>
+            </a:r>
+            <a:endParaRPr lang="hu-HU" dirty="0"/>
+          </a:p>
+          <a:p>
+            <a:pPr marL="285750" indent="-285750">
+              <a:buFont typeface="Arial" panose="020B0604020202020204" pitchFamily="34" charset="0"/>
+              <a:buChar char="•"/>
+            </a:pPr>
+            <a:r>
+              <a:rPr lang="hu-HU" dirty="0" err="1"/>
+              <a:t>Inverse</a:t>
+            </a:r>
+            <a:r>
+              <a:rPr lang="hu-HU" dirty="0"/>
+              <a:t>: </a:t>
+            </a:r>
+            <a:r>
+              <a:rPr lang="hu-HU" dirty="0" err="1"/>
+              <a:t>marginal</a:t>
+            </a:r>
+            <a:r>
+              <a:rPr lang="hu-HU" dirty="0"/>
+              <a:t> </a:t>
+            </a:r>
+            <a:r>
+              <a:rPr lang="hu-HU" dirty="0" err="1"/>
+              <a:t>utility</a:t>
+            </a:r>
+            <a:r>
+              <a:rPr lang="hu-HU" dirty="0"/>
+              <a:t> </a:t>
+            </a:r>
+            <a:r>
+              <a:rPr lang="hu-HU" dirty="0" err="1"/>
+              <a:t>curve</a:t>
+            </a:r>
+            <a:r>
+              <a:rPr lang="hu-HU" dirty="0"/>
+              <a:t> </a:t>
+            </a:r>
+            <a:r>
+              <a:rPr lang="hu-HU" dirty="0" err="1"/>
+              <a:t>for</a:t>
+            </a:r>
+            <a:r>
+              <a:rPr lang="hu-HU" dirty="0"/>
+              <a:t> </a:t>
+            </a:r>
+            <a:r>
+              <a:rPr lang="hu-HU" dirty="0" err="1"/>
+              <a:t>oversupply</a:t>
+            </a:r>
+            <a:endParaRPr lang="hu-HU" dirty="0"/>
+          </a:p>
+          <a:p>
+            <a:pPr marL="285750" indent="-285750">
+              <a:buFont typeface="Arial" panose="020B0604020202020204" pitchFamily="34" charset="0"/>
+              <a:buChar char="•"/>
+            </a:pPr>
+            <a:endParaRPr lang="en-GB" dirty="0"/>
           </a:p>
         </p:txBody>
       </p:sp>
@@ -14167,12 +14627,20 @@
           <a:lstStyle/>
           <a:p>
             <a:r>
-              <a:rPr lang="de-DE" sz="2000" dirty="0">
+              <a:rPr lang="hu-HU" sz="2000" dirty="0" err="1">
                 <a:solidFill>
                   <a:srgbClr val="0065BD"/>
                 </a:solidFill>
               </a:rPr>
-              <a:t>Final Model</a:t>
+              <a:t>Model</a:t>
+            </a:r>
+            <a:r>
+              <a:rPr lang="hu-HU" sz="2000" dirty="0">
+                <a:solidFill>
+                  <a:srgbClr val="0065BD"/>
+                </a:solidFill>
+              </a:rPr>
+              <a:t> B</a:t>
             </a:r>
             <a:endParaRPr lang="en-GB" sz="2000" dirty="0">
               <a:solidFill>
@@ -14215,6 +14683,36 @@
           </a:p>
         </p:txBody>
       </p:sp>
+      <p:pic>
+        <p:nvPicPr>
+          <p:cNvPr id="8" name="Picture 7">
+            <a:extLst>
+              <a:ext uri="{FF2B5EF4-FFF2-40B4-BE49-F238E27FC236}">
+                <a16:creationId xmlns:a16="http://schemas.microsoft.com/office/drawing/2014/main" id="{10A65EEA-BC9D-3E17-8049-37D725ABC0BC}"/>
+              </a:ext>
+            </a:extLst>
+          </p:cNvPr>
+          <p:cNvPicPr>
+            <a:picLocks noChangeAspect="1"/>
+          </p:cNvPicPr>
+          <p:nvPr/>
+        </p:nvPicPr>
+        <p:blipFill>
+          <a:blip r:embed="rId2"/>
+          <a:stretch>
+            <a:fillRect/>
+          </a:stretch>
+        </p:blipFill>
+        <p:spPr>
+          <a:xfrm>
+            <a:off x="3543302" y="1445975"/>
+            <a:ext cx="5308085" cy="3960000"/>
+          </a:xfrm>
+          <a:prstGeom prst="rect">
+            <a:avLst/>
+          </a:prstGeom>
+        </p:spPr>
+      </p:pic>
     </p:spTree>
     <p:extLst>
       <p:ext uri="{BB962C8B-B14F-4D97-AF65-F5344CB8AC3E}">
@@ -15433,7 +15931,7 @@
             </a:pPr>
             <a:r>
               <a:rPr lang="de-DE" sz="1600" dirty="0"/>
-              <a:t>Right time lags? (</a:t>
+              <a:t>Right time lags (</a:t>
             </a:r>
             <a:r>
               <a:rPr lang="de-DE" sz="1600" dirty="0" err="1"/>
@@ -15481,130 +15979,66 @@
           </a:p>
         </p:txBody>
       </p:sp>
-      <p:sp>
-        <p:nvSpPr>
-          <p:cNvPr id="8" name="Rechteck 7">
+      <p:pic>
+        <p:nvPicPr>
+          <p:cNvPr id="10" name="Picture 9">
             <a:extLst>
               <a:ext uri="{FF2B5EF4-FFF2-40B4-BE49-F238E27FC236}">
-                <a16:creationId xmlns:a16="http://schemas.microsoft.com/office/drawing/2014/main" id="{A7A1F708-BB18-44DE-AD8C-44AFB39DA3E1}"/>
+                <a16:creationId xmlns:a16="http://schemas.microsoft.com/office/drawing/2014/main" id="{EA9D5BEB-088A-A7D7-4E00-04CAB7FDB877}"/>
               </a:ext>
             </a:extLst>
           </p:cNvPr>
-          <p:cNvSpPr/>
+          <p:cNvPicPr>
+            <a:picLocks noChangeAspect="1"/>
+          </p:cNvPicPr>
           <p:nvPr/>
-        </p:nvSpPr>
+        </p:nvPicPr>
+        <p:blipFill>
+          <a:blip r:embed="rId6"/>
+          <a:stretch>
+            <a:fillRect/>
+          </a:stretch>
+        </p:blipFill>
         <p:spPr>
           <a:xfrm>
-            <a:off x="715090" y="2497394"/>
-            <a:ext cx="3522612" cy="1995948"/>
+            <a:off x="4627372" y="2084164"/>
+            <a:ext cx="4096566" cy="3060000"/>
           </a:xfrm>
           <a:prstGeom prst="rect">
             <a:avLst/>
           </a:prstGeom>
-          <a:ln>
-            <a:noFill/>
-          </a:ln>
         </p:spPr>
-        <p:style>
-          <a:lnRef idx="2">
-            <a:schemeClr val="accent1">
-              <a:shade val="50000"/>
-            </a:schemeClr>
-          </a:lnRef>
-          <a:fillRef idx="1">
-            <a:schemeClr val="accent1"/>
-          </a:fillRef>
-          <a:effectRef idx="0">
-            <a:schemeClr val="accent1"/>
-          </a:effectRef>
-          <a:fontRef idx="minor">
-            <a:schemeClr val="lt1"/>
-          </a:fontRef>
-        </p:style>
-        <p:txBody>
-          <a:bodyPr rot="0" spcFirstLastPara="0" vertOverflow="overflow" horzOverflow="overflow" vert="horz" wrap="square" lIns="91440" tIns="45720" rIns="91440" bIns="45720" numCol="1" spcCol="0" rtlCol="0" fromWordArt="0" anchor="t" anchorCtr="0" forceAA="0" compatLnSpc="1">
-            <a:prstTxWarp prst="textNoShape">
-              <a:avLst/>
-            </a:prstTxWarp>
-            <a:noAutofit/>
-          </a:bodyPr>
-          <a:lstStyle/>
-          <a:p>
-            <a:pPr algn="ctr">
-              <a:lnSpc>
-                <a:spcPct val="114000"/>
-              </a:lnSpc>
-            </a:pPr>
-            <a:r>
-              <a:rPr lang="de-DE" dirty="0"/>
-              <a:t>ICAP</a:t>
-            </a:r>
-            <a:endParaRPr lang="en-GB" dirty="0"/>
-          </a:p>
-        </p:txBody>
-      </p:sp>
-      <p:sp>
-        <p:nvSpPr>
-          <p:cNvPr id="12" name="Rechteck 11">
+      </p:pic>
+      <p:pic>
+        <p:nvPicPr>
+          <p:cNvPr id="14" name="Picture 13">
             <a:extLst>
               <a:ext uri="{FF2B5EF4-FFF2-40B4-BE49-F238E27FC236}">
-                <a16:creationId xmlns:a16="http://schemas.microsoft.com/office/drawing/2014/main" id="{D988DA57-60E8-47B6-84D6-CE75FD148755}"/>
+                <a16:creationId xmlns:a16="http://schemas.microsoft.com/office/drawing/2014/main" id="{B6A3CDFA-198C-1CAB-08E0-83B4BD48DE8F}"/>
               </a:ext>
             </a:extLst>
           </p:cNvPr>
-          <p:cNvSpPr/>
+          <p:cNvPicPr>
+            <a:picLocks noChangeAspect="1"/>
+          </p:cNvPicPr>
           <p:nvPr/>
-        </p:nvSpPr>
+        </p:nvPicPr>
+        <p:blipFill>
+          <a:blip r:embed="rId7"/>
+          <a:stretch>
+            <a:fillRect/>
+          </a:stretch>
+        </p:blipFill>
         <p:spPr>
           <a:xfrm>
-            <a:off x="4662742" y="2465872"/>
-            <a:ext cx="3522612" cy="1995948"/>
+            <a:off x="426656" y="2084164"/>
+            <a:ext cx="4096566" cy="3060000"/>
           </a:xfrm>
           <a:prstGeom prst="rect">
             <a:avLst/>
           </a:prstGeom>
-          <a:ln>
-            <a:noFill/>
-          </a:ln>
         </p:spPr>
-        <p:style>
-          <a:lnRef idx="2">
-            <a:schemeClr val="accent1">
-              <a:shade val="50000"/>
-            </a:schemeClr>
-          </a:lnRef>
-          <a:fillRef idx="1">
-            <a:schemeClr val="accent1"/>
-          </a:fillRef>
-          <a:effectRef idx="0">
-            <a:schemeClr val="accent1"/>
-          </a:effectRef>
-          <a:fontRef idx="minor">
-            <a:schemeClr val="lt1"/>
-          </a:fontRef>
-        </p:style>
-        <p:txBody>
-          <a:bodyPr rot="0" spcFirstLastPara="0" vertOverflow="overflow" horzOverflow="overflow" vert="horz" wrap="square" lIns="91440" tIns="45720" rIns="91440" bIns="45720" numCol="1" spcCol="0" rtlCol="0" fromWordArt="0" anchor="t" anchorCtr="0" forceAA="0" compatLnSpc="1">
-            <a:prstTxWarp prst="textNoShape">
-              <a:avLst/>
-            </a:prstTxWarp>
-            <a:noAutofit/>
-          </a:bodyPr>
-          <a:lstStyle/>
-          <a:p>
-            <a:pPr algn="ctr">
-              <a:lnSpc>
-                <a:spcPct val="114000"/>
-              </a:lnSpc>
-            </a:pPr>
-            <a:r>
-              <a:rPr lang="de-DE" dirty="0" err="1"/>
-              <a:t>Oversupply</a:t>
-            </a:r>
-            <a:endParaRPr lang="en-GB" dirty="0"/>
-          </a:p>
-        </p:txBody>
-      </p:sp>
+      </p:pic>
     </p:spTree>
     <p:extLst>
       <p:ext uri="{BB962C8B-B14F-4D97-AF65-F5344CB8AC3E}">
@@ -16792,29 +17226,10 @@
               <a:buChar char="-"/>
             </a:pPr>
             <a:r>
-              <a:rPr lang="de-DE" sz="1200" dirty="0">
-                <a:highlight>
-                  <a:srgbClr val="FFFF00"/>
-                </a:highlight>
-              </a:rPr>
-              <a:t>Day-</a:t>
-            </a:r>
-            <a:r>
-              <a:rPr lang="de-DE" sz="1200" dirty="0" err="1">
-                <a:highlight>
-                  <a:srgbClr val="FFFF00"/>
-                </a:highlight>
-              </a:rPr>
-              <a:t>Ahead</a:t>
-            </a:r>
-            <a:r>
-              <a:rPr lang="de-DE" sz="1200" dirty="0">
-                <a:highlight>
-                  <a:srgbClr val="FFFF00"/>
-                </a:highlight>
-              </a:rPr>
-              <a:t> Prices</a:t>
-            </a:r>
+              <a:rPr lang="de-DE" sz="1200" dirty="0"/>
+              <a:t>https://www.nyiso.com/energy-market-operational-data</a:t>
+            </a:r>
+            <a:endParaRPr lang="hu-HU" sz="1200" dirty="0"/>
           </a:p>
           <a:p>
             <a:pPr marL="285750" indent="-285750">
@@ -16822,20 +17237,8 @@
               <a:buChar char="-"/>
             </a:pPr>
             <a:r>
-              <a:rPr lang="de-DE" sz="1200" dirty="0" err="1">
-                <a:highlight>
-                  <a:srgbClr val="FFFF00"/>
-                </a:highlight>
-              </a:rPr>
-              <a:t>Capacity</a:t>
-            </a:r>
-            <a:r>
-              <a:rPr lang="de-DE" sz="1200" dirty="0">
-                <a:highlight>
-                  <a:srgbClr val="FFFF00"/>
-                </a:highlight>
-              </a:rPr>
-              <a:t> Prices</a:t>
+              <a:rPr lang="de-DE" sz="1200" dirty="0"/>
+              <a:t>http://icap.nyiso.com/ucap/public/auc_view_spot_detail.do</a:t>
             </a:r>
           </a:p>
           <a:p>
@@ -17389,7 +17792,7 @@
 </file>
 
 <file path=ppt/slides/slide19.xml><?xml version="1.0" encoding="utf-8"?>
-<p:sld xmlns:a="http://schemas.openxmlformats.org/drawingml/2006/main" xmlns:r="http://schemas.openxmlformats.org/officeDocument/2006/relationships" xmlns:p="http://schemas.openxmlformats.org/presentationml/2006/main" show="0">
+<p:sld xmlns:a="http://schemas.openxmlformats.org/drawingml/2006/main" xmlns:r="http://schemas.openxmlformats.org/officeDocument/2006/relationships" xmlns:p="http://schemas.openxmlformats.org/presentationml/2006/main">
   <p:cSld>
     <p:spTree>
       <p:nvGrpSpPr>
@@ -17514,45 +17917,47 @@
           <a:lstStyle/>
           <a:p>
             <a:r>
-              <a:rPr lang="de-DE" dirty="0" err="1"/>
-              <a:t>Safety-copy</a:t>
-            </a:r>
-            <a:r>
-              <a:rPr lang="de-DE" dirty="0"/>
-              <a:t> </a:t>
-            </a:r>
-            <a:r>
-              <a:rPr lang="de-DE" dirty="0" err="1"/>
-              <a:t>slides</a:t>
-            </a:r>
-            <a:r>
-              <a:rPr lang="de-DE" dirty="0"/>
-              <a:t> (</a:t>
-            </a:r>
-            <a:r>
-              <a:rPr lang="de-DE" dirty="0" err="1"/>
-              <a:t>duplicated</a:t>
-            </a:r>
-            <a:r>
-              <a:rPr lang="de-DE" dirty="0"/>
-              <a:t> </a:t>
-            </a:r>
-            <a:r>
-              <a:rPr lang="de-DE" dirty="0" err="1"/>
-              <a:t>versions</a:t>
-            </a:r>
-            <a:r>
-              <a:rPr lang="de-DE" dirty="0"/>
-              <a:t>)</a:t>
+              <a:rPr lang="hu-HU" dirty="0" err="1"/>
+              <a:t>Regressions</a:t>
             </a:r>
             <a:endParaRPr lang="en-US" dirty="0"/>
           </a:p>
         </p:txBody>
       </p:sp>
+      <p:pic>
+        <p:nvPicPr>
+          <p:cNvPr id="6" name="Picture 5">
+            <a:extLst>
+              <a:ext uri="{FF2B5EF4-FFF2-40B4-BE49-F238E27FC236}">
+                <a16:creationId xmlns:a16="http://schemas.microsoft.com/office/drawing/2014/main" id="{3366C2DE-E9E7-223A-CC83-1C828EBDD429}"/>
+              </a:ext>
+            </a:extLst>
+          </p:cNvPr>
+          <p:cNvPicPr>
+            <a:picLocks noChangeAspect="1"/>
+          </p:cNvPicPr>
+          <p:nvPr/>
+        </p:nvPicPr>
+        <p:blipFill>
+          <a:blip r:embed="rId2"/>
+          <a:stretch>
+            <a:fillRect/>
+          </a:stretch>
+        </p:blipFill>
+        <p:spPr>
+          <a:xfrm>
+            <a:off x="1226492" y="1497615"/>
+            <a:ext cx="6691015" cy="4864498"/>
+          </a:xfrm>
+          <a:prstGeom prst="rect">
+            <a:avLst/>
+          </a:prstGeom>
+        </p:spPr>
+      </p:pic>
     </p:spTree>
     <p:extLst>
       <p:ext uri="{BB962C8B-B14F-4D97-AF65-F5344CB8AC3E}">
-        <p14:creationId xmlns:p14="http://schemas.microsoft.com/office/powerpoint/2010/main" val="2965252113"/>
+        <p14:creationId xmlns:p14="http://schemas.microsoft.com/office/powerpoint/2010/main" val="2851998455"/>
       </p:ext>
     </p:extLst>
   </p:cSld>
@@ -17916,6 +18321,368 @@
 </file>
 
 <file path=ppt/slides/slide20.xml><?xml version="1.0" encoding="utf-8"?>
+<p:sld xmlns:a="http://schemas.openxmlformats.org/drawingml/2006/main" xmlns:r="http://schemas.openxmlformats.org/officeDocument/2006/relationships" xmlns:p="http://schemas.openxmlformats.org/presentationml/2006/main">
+  <p:cSld>
+    <p:spTree>
+      <p:nvGrpSpPr>
+        <p:cNvPr id="1" name=""/>
+        <p:cNvGrpSpPr/>
+        <p:nvPr/>
+      </p:nvGrpSpPr>
+      <p:grpSpPr>
+        <a:xfrm>
+          <a:off x="0" y="0"/>
+          <a:ext cx="0" cy="0"/>
+          <a:chOff x="0" y="0"/>
+          <a:chExt cx="0" cy="0"/>
+        </a:xfrm>
+      </p:grpSpPr>
+      <p:sp>
+        <p:nvSpPr>
+          <p:cNvPr id="3" name="Foliennummernplatzhalter 2">
+            <a:extLst>
+              <a:ext uri="{FF2B5EF4-FFF2-40B4-BE49-F238E27FC236}">
+                <a16:creationId xmlns:a16="http://schemas.microsoft.com/office/drawing/2014/main" id="{66420CAD-D433-4EC3-B425-67F173F9EFDF}"/>
+              </a:ext>
+            </a:extLst>
+          </p:cNvPr>
+          <p:cNvSpPr>
+            <a:spLocks noGrp="1"/>
+          </p:cNvSpPr>
+          <p:nvPr>
+            <p:ph type="sldNum" sz="quarter" idx="11"/>
+          </p:nvPr>
+        </p:nvSpPr>
+        <p:spPr/>
+        <p:txBody>
+          <a:bodyPr/>
+          <a:lstStyle/>
+          <a:p>
+            <a:fld id="{CE58CB1E-F828-4F11-99E0-327109AF9DA4}" type="slidenum">
+              <a:rPr lang="de-DE" smtClean="0"/>
+              <a:pPr/>
+              <a:t>20</a:t>
+            </a:fld>
+            <a:endParaRPr lang="de-DE"/>
+          </a:p>
+        </p:txBody>
+      </p:sp>
+      <p:sp>
+        <p:nvSpPr>
+          <p:cNvPr id="4" name="Fußzeilenplatzhalter 3">
+            <a:extLst>
+              <a:ext uri="{FF2B5EF4-FFF2-40B4-BE49-F238E27FC236}">
+                <a16:creationId xmlns:a16="http://schemas.microsoft.com/office/drawing/2014/main" id="{07C6311F-57BB-4FF9-BA0A-4E57C3E0D7A4}"/>
+              </a:ext>
+            </a:extLst>
+          </p:cNvPr>
+          <p:cNvSpPr>
+            <a:spLocks noGrp="1"/>
+          </p:cNvSpPr>
+          <p:nvPr>
+            <p:ph type="ftr" sz="quarter" idx="12"/>
+          </p:nvPr>
+        </p:nvSpPr>
+        <p:spPr/>
+        <p:txBody>
+          <a:bodyPr/>
+          <a:lstStyle/>
+          <a:p>
+            <a:r>
+              <a:rPr lang="de-DE" dirty="0" err="1"/>
+              <a:t>Máté</a:t>
+            </a:r>
+            <a:r>
+              <a:rPr lang="de-DE" dirty="0"/>
+              <a:t> </a:t>
+            </a:r>
+            <a:r>
+              <a:rPr lang="de-DE" dirty="0" err="1"/>
+              <a:t>Borvendég</a:t>
+            </a:r>
+            <a:r>
+              <a:rPr lang="de-DE" dirty="0"/>
+              <a:t>, Susanne Hantke | </a:t>
+            </a:r>
+            <a:r>
+              <a:rPr lang="de-DE" dirty="0" err="1"/>
+              <a:t>Capacity</a:t>
+            </a:r>
+            <a:r>
+              <a:rPr lang="de-DE" dirty="0"/>
+              <a:t> </a:t>
+            </a:r>
+            <a:r>
+              <a:rPr lang="de-DE" dirty="0" err="1"/>
+              <a:t>Markets</a:t>
+            </a:r>
+            <a:r>
+              <a:rPr lang="de-DE" dirty="0"/>
+              <a:t> | 21.06.2023</a:t>
+            </a:r>
+            <a:endParaRPr lang="en-US" dirty="0"/>
+          </a:p>
+        </p:txBody>
+      </p:sp>
+      <p:sp>
+        <p:nvSpPr>
+          <p:cNvPr id="5" name="Titel 4">
+            <a:extLst>
+              <a:ext uri="{FF2B5EF4-FFF2-40B4-BE49-F238E27FC236}">
+                <a16:creationId xmlns:a16="http://schemas.microsoft.com/office/drawing/2014/main" id="{29F93F66-CEEE-4366-A159-7BF1E4E0ECD6}"/>
+              </a:ext>
+            </a:extLst>
+          </p:cNvPr>
+          <p:cNvSpPr>
+            <a:spLocks noGrp="1"/>
+          </p:cNvSpPr>
+          <p:nvPr>
+            <p:ph type="title"/>
+          </p:nvPr>
+        </p:nvSpPr>
+        <p:spPr/>
+        <p:txBody>
+          <a:bodyPr/>
+          <a:lstStyle/>
+          <a:p>
+            <a:r>
+              <a:rPr lang="hu-HU" dirty="0" err="1"/>
+              <a:t>Regressions</a:t>
+            </a:r>
+            <a:r>
+              <a:rPr lang="hu-HU" dirty="0"/>
+              <a:t> (</a:t>
+            </a:r>
+            <a:r>
+              <a:rPr lang="hu-HU" dirty="0" err="1"/>
+              <a:t>Gas</a:t>
+            </a:r>
+            <a:r>
+              <a:rPr lang="hu-HU" dirty="0"/>
+              <a:t>)</a:t>
+            </a:r>
+            <a:endParaRPr lang="en-US" dirty="0"/>
+          </a:p>
+        </p:txBody>
+      </p:sp>
+      <p:pic>
+        <p:nvPicPr>
+          <p:cNvPr id="7" name="Picture 6">
+            <a:extLst>
+              <a:ext uri="{FF2B5EF4-FFF2-40B4-BE49-F238E27FC236}">
+                <a16:creationId xmlns:a16="http://schemas.microsoft.com/office/drawing/2014/main" id="{630E33E2-A0DF-56B1-F301-0C7CDE8DA568}"/>
+              </a:ext>
+            </a:extLst>
+          </p:cNvPr>
+          <p:cNvPicPr>
+            <a:picLocks noChangeAspect="1"/>
+          </p:cNvPicPr>
+          <p:nvPr/>
+        </p:nvPicPr>
+        <p:blipFill>
+          <a:blip r:embed="rId2"/>
+          <a:stretch>
+            <a:fillRect/>
+          </a:stretch>
+        </p:blipFill>
+        <p:spPr>
+          <a:xfrm>
+            <a:off x="1566443" y="1442523"/>
+            <a:ext cx="6011114" cy="5049078"/>
+          </a:xfrm>
+          <a:prstGeom prst="rect">
+            <a:avLst/>
+          </a:prstGeom>
+        </p:spPr>
+      </p:pic>
+    </p:spTree>
+    <p:extLst>
+      <p:ext uri="{BB962C8B-B14F-4D97-AF65-F5344CB8AC3E}">
+        <p14:creationId xmlns:p14="http://schemas.microsoft.com/office/powerpoint/2010/main" val="1432437779"/>
+      </p:ext>
+    </p:extLst>
+  </p:cSld>
+  <p:clrMapOvr>
+    <a:masterClrMapping/>
+  </p:clrMapOvr>
+</p:sld>
+</file>
+
+<file path=ppt/slides/slide21.xml><?xml version="1.0" encoding="utf-8"?>
+<p:sld xmlns:a="http://schemas.openxmlformats.org/drawingml/2006/main" xmlns:r="http://schemas.openxmlformats.org/officeDocument/2006/relationships" xmlns:p="http://schemas.openxmlformats.org/presentationml/2006/main" show="0">
+  <p:cSld>
+    <p:spTree>
+      <p:nvGrpSpPr>
+        <p:cNvPr id="1" name=""/>
+        <p:cNvGrpSpPr/>
+        <p:nvPr/>
+      </p:nvGrpSpPr>
+      <p:grpSpPr>
+        <a:xfrm>
+          <a:off x="0" y="0"/>
+          <a:ext cx="0" cy="0"/>
+          <a:chOff x="0" y="0"/>
+          <a:chExt cx="0" cy="0"/>
+        </a:xfrm>
+      </p:grpSpPr>
+      <p:sp>
+        <p:nvSpPr>
+          <p:cNvPr id="3" name="Foliennummernplatzhalter 2">
+            <a:extLst>
+              <a:ext uri="{FF2B5EF4-FFF2-40B4-BE49-F238E27FC236}">
+                <a16:creationId xmlns:a16="http://schemas.microsoft.com/office/drawing/2014/main" id="{66420CAD-D433-4EC3-B425-67F173F9EFDF}"/>
+              </a:ext>
+            </a:extLst>
+          </p:cNvPr>
+          <p:cNvSpPr>
+            <a:spLocks noGrp="1"/>
+          </p:cNvSpPr>
+          <p:nvPr>
+            <p:ph type="sldNum" sz="quarter" idx="11"/>
+          </p:nvPr>
+        </p:nvSpPr>
+        <p:spPr/>
+        <p:txBody>
+          <a:bodyPr/>
+          <a:lstStyle/>
+          <a:p>
+            <a:fld id="{CE58CB1E-F828-4F11-99E0-327109AF9DA4}" type="slidenum">
+              <a:rPr lang="de-DE" smtClean="0"/>
+              <a:pPr/>
+              <a:t>21</a:t>
+            </a:fld>
+            <a:endParaRPr lang="de-DE"/>
+          </a:p>
+        </p:txBody>
+      </p:sp>
+      <p:sp>
+        <p:nvSpPr>
+          <p:cNvPr id="4" name="Fußzeilenplatzhalter 3">
+            <a:extLst>
+              <a:ext uri="{FF2B5EF4-FFF2-40B4-BE49-F238E27FC236}">
+                <a16:creationId xmlns:a16="http://schemas.microsoft.com/office/drawing/2014/main" id="{07C6311F-57BB-4FF9-BA0A-4E57C3E0D7A4}"/>
+              </a:ext>
+            </a:extLst>
+          </p:cNvPr>
+          <p:cNvSpPr>
+            <a:spLocks noGrp="1"/>
+          </p:cNvSpPr>
+          <p:nvPr>
+            <p:ph type="ftr" sz="quarter" idx="12"/>
+          </p:nvPr>
+        </p:nvSpPr>
+        <p:spPr/>
+        <p:txBody>
+          <a:bodyPr/>
+          <a:lstStyle/>
+          <a:p>
+            <a:r>
+              <a:rPr lang="de-DE" dirty="0" err="1"/>
+              <a:t>Máté</a:t>
+            </a:r>
+            <a:r>
+              <a:rPr lang="de-DE" dirty="0"/>
+              <a:t> </a:t>
+            </a:r>
+            <a:r>
+              <a:rPr lang="de-DE" dirty="0" err="1"/>
+              <a:t>Borvendég</a:t>
+            </a:r>
+            <a:r>
+              <a:rPr lang="de-DE" dirty="0"/>
+              <a:t>, Susanne Hantke | </a:t>
+            </a:r>
+            <a:r>
+              <a:rPr lang="de-DE" dirty="0" err="1"/>
+              <a:t>Capacity</a:t>
+            </a:r>
+            <a:r>
+              <a:rPr lang="de-DE" dirty="0"/>
+              <a:t> </a:t>
+            </a:r>
+            <a:r>
+              <a:rPr lang="de-DE" dirty="0" err="1"/>
+              <a:t>Markets</a:t>
+            </a:r>
+            <a:r>
+              <a:rPr lang="de-DE" dirty="0"/>
+              <a:t> | 21.06.2023</a:t>
+            </a:r>
+            <a:endParaRPr lang="en-US" dirty="0"/>
+          </a:p>
+        </p:txBody>
+      </p:sp>
+      <p:sp>
+        <p:nvSpPr>
+          <p:cNvPr id="5" name="Titel 4">
+            <a:extLst>
+              <a:ext uri="{FF2B5EF4-FFF2-40B4-BE49-F238E27FC236}">
+                <a16:creationId xmlns:a16="http://schemas.microsoft.com/office/drawing/2014/main" id="{29F93F66-CEEE-4366-A159-7BF1E4E0ECD6}"/>
+              </a:ext>
+            </a:extLst>
+          </p:cNvPr>
+          <p:cNvSpPr>
+            <a:spLocks noGrp="1"/>
+          </p:cNvSpPr>
+          <p:nvPr>
+            <p:ph type="title"/>
+          </p:nvPr>
+        </p:nvSpPr>
+        <p:spPr/>
+        <p:txBody>
+          <a:bodyPr/>
+          <a:lstStyle/>
+          <a:p>
+            <a:r>
+              <a:rPr lang="de-DE" dirty="0" err="1"/>
+              <a:t>Safety-copy</a:t>
+            </a:r>
+            <a:r>
+              <a:rPr lang="de-DE" dirty="0"/>
+              <a:t> </a:t>
+            </a:r>
+            <a:r>
+              <a:rPr lang="de-DE" dirty="0" err="1"/>
+              <a:t>slides</a:t>
+            </a:r>
+            <a:r>
+              <a:rPr lang="de-DE" dirty="0"/>
+              <a:t> (</a:t>
+            </a:r>
+            <a:r>
+              <a:rPr lang="de-DE" dirty="0" err="1"/>
+              <a:t>duplicated</a:t>
+            </a:r>
+            <a:r>
+              <a:rPr lang="de-DE" dirty="0"/>
+              <a:t> </a:t>
+            </a:r>
+            <a:r>
+              <a:rPr lang="de-DE" dirty="0" err="1"/>
+              <a:t>versions</a:t>
+            </a:r>
+            <a:r>
+              <a:rPr lang="de-DE" dirty="0"/>
+              <a:t>)</a:t>
+            </a:r>
+            <a:endParaRPr lang="en-US" dirty="0"/>
+          </a:p>
+        </p:txBody>
+      </p:sp>
+    </p:spTree>
+    <p:extLst>
+      <p:ext uri="{BB962C8B-B14F-4D97-AF65-F5344CB8AC3E}">
+        <p14:creationId xmlns:p14="http://schemas.microsoft.com/office/powerpoint/2010/main" val="2965252113"/>
+      </p:ext>
+    </p:extLst>
+  </p:cSld>
+  <p:clrMapOvr>
+    <a:masterClrMapping/>
+  </p:clrMapOvr>
+</p:sld>
+</file>
+
+<file path=ppt/slides/slide22.xml><?xml version="1.0" encoding="utf-8"?>
 <p:sld xmlns:a="http://schemas.openxmlformats.org/drawingml/2006/main" xmlns:r="http://schemas.openxmlformats.org/officeDocument/2006/relationships" xmlns:p="http://schemas.openxmlformats.org/presentationml/2006/main" show="0">
   <p:cSld>
     <p:spTree>
@@ -18079,7 +18846,7 @@
             <a:fld id="{CE58CB1E-F828-4F11-99E0-327109AF9DA4}" type="slidenum">
               <a:rPr lang="de-DE" smtClean="0"/>
               <a:pPr/>
-              <a:t>20</a:t>
+              <a:t>22</a:t>
             </a:fld>
             <a:endParaRPr lang="de-DE"/>
           </a:p>
@@ -19298,7 +20065,7 @@
 </p:sld>
 </file>
 
-<file path=ppt/slides/slide21.xml><?xml version="1.0" encoding="utf-8"?>
+<file path=ppt/slides/slide23.xml><?xml version="1.0" encoding="utf-8"?>
 <p:sld xmlns:a="http://schemas.openxmlformats.org/drawingml/2006/main" xmlns:r="http://schemas.openxmlformats.org/officeDocument/2006/relationships" xmlns:p="http://schemas.openxmlformats.org/presentationml/2006/main" show="0">
   <p:cSld>
     <p:spTree>
@@ -19427,7 +20194,7 @@
             <a:fld id="{CE58CB1E-F828-4F11-99E0-327109AF9DA4}" type="slidenum">
               <a:rPr lang="de-DE" smtClean="0"/>
               <a:pPr/>
-              <a:t>21</a:t>
+              <a:t>23</a:t>
             </a:fld>
             <a:endParaRPr lang="de-DE"/>
           </a:p>
@@ -23608,8 +24375,8 @@
           <a:chExt cx="0" cy="0"/>
         </a:xfrm>
       </p:grpSpPr>
-      <mc:AlternateContent xmlns:mc="http://schemas.openxmlformats.org/markup-compatibility/2006">
-        <mc:Choice xmlns:a14="http://schemas.microsoft.com/office/drawing/2010/main" Requires="a14">
+      <mc:AlternateContent xmlns:mc="http://schemas.openxmlformats.org/markup-compatibility/2006" xmlns:a14="http://schemas.microsoft.com/office/drawing/2010/main">
+        <mc:Choice Requires="a14">
           <p:sp>
             <p:nvSpPr>
               <p:cNvPr id="2" name="Inhaltsplatzhalter 1">
@@ -23943,13 +24710,7 @@
                       <a:rPr lang="de-DE" b="1" i="1">
                         <a:latin typeface="Cambria Math" panose="02040503050406030204" pitchFamily="18" charset="0"/>
                       </a:rPr>
-                      <m:t>−</m:t>
-                    </m:r>
-                    <m:r>
-                      <a:rPr lang="de-DE" b="1" i="1">
-                        <a:latin typeface="Cambria Math" panose="02040503050406030204" pitchFamily="18" charset="0"/>
-                      </a:rPr>
-                      <m:t> </m:t>
+                      <m:t>− </m:t>
                     </m:r>
                     <m:sSub>
                       <m:sSubPr>
@@ -24111,7 +24872,7 @@
             </p:txBody>
           </p:sp>
         </mc:Choice>
-        <mc:Fallback>
+        <mc:Fallback xmlns="">
           <p:sp>
             <p:nvSpPr>
               <p:cNvPr id="2" name="Inhaltsplatzhalter 1">
@@ -24263,8 +25024,8 @@
           </a:p>
         </p:txBody>
       </p:sp>
-      <mc:AlternateContent xmlns:mc="http://schemas.openxmlformats.org/markup-compatibility/2006">
-        <mc:Choice xmlns:a14="http://schemas.microsoft.com/office/drawing/2010/main" Requires="a14">
+      <mc:AlternateContent xmlns:mc="http://schemas.openxmlformats.org/markup-compatibility/2006" xmlns:a14="http://schemas.microsoft.com/office/drawing/2010/main">
+        <mc:Choice Requires="a14">
           <p:sp>
             <p:nvSpPr>
               <p:cNvPr id="6" name="Rechteck 5">
@@ -24624,7 +25385,7 @@
             </p:txBody>
           </p:sp>
         </mc:Choice>
-        <mc:Fallback>
+        <mc:Fallback xmlns="">
           <p:sp>
             <p:nvSpPr>
               <p:cNvPr id="6" name="Rechteck 5">
@@ -27100,7 +27861,7 @@
       </p:pic>
       <p:pic>
         <p:nvPicPr>
-          <p:cNvPr id="8" name="Picture 7">
+          <p:cNvPr id="8" name="Content Placeholder 7">
             <a:extLst>
               <a:ext uri="{FF2B5EF4-FFF2-40B4-BE49-F238E27FC236}">
                 <a16:creationId xmlns:a16="http://schemas.microsoft.com/office/drawing/2014/main" id="{3B1E56E5-7EFC-4F68-82BC-844B583FDEDE}"/>

--- a/Final_Presentation_Borvendeg_Hantke.pptx
+++ b/Final_Presentation_Borvendeg_Hantke.pptx
@@ -12488,10 +12488,14 @@
           <a:p>
             <a:r>
               <a:rPr lang="de-DE" dirty="0"/>
-              <a:t>Munich, 21</a:t>
-            </a:r>
-            <a:r>
-              <a:rPr lang="de-DE" baseline="30000" dirty="0"/>
+              <a:t>Munich, 2</a:t>
+            </a:r>
+            <a:r>
+              <a:rPr lang="hu-HU" dirty="0"/>
+              <a:t>2</a:t>
+            </a:r>
+            <a:r>
+              <a:rPr lang="de-DE" baseline="30000" dirty="0" err="1"/>
               <a:t>st</a:t>
             </a:r>
             <a:r>
@@ -12932,10 +12936,22 @@
               <a:t>Natural gas power plants </a:t>
             </a:r>
             <a:r>
-              <a:rPr lang="de-DE" dirty="0" err="1">
+              <a:rPr lang="hu-HU" dirty="0" err="1">
                 <a:sym typeface="Wingdings" panose="05000000000000000000" pitchFamily="2" charset="2"/>
               </a:rPr>
-              <a:t>build</a:t>
+              <a:t>are</a:t>
+            </a:r>
+            <a:r>
+              <a:rPr lang="hu-HU" dirty="0">
+                <a:sym typeface="Wingdings" panose="05000000000000000000" pitchFamily="2" charset="2"/>
+              </a:rPr>
+              <a:t> </a:t>
+            </a:r>
+            <a:r>
+              <a:rPr lang="hu-HU" dirty="0" err="1">
+                <a:sym typeface="Wingdings" panose="05000000000000000000" pitchFamily="2" charset="2"/>
+              </a:rPr>
+              <a:t>constructed</a:t>
             </a:r>
             <a:r>
               <a:rPr lang="de-DE" dirty="0">
@@ -12953,7 +12969,19 @@
               <a:rPr lang="de-DE" dirty="0">
                 <a:sym typeface="Wingdings" panose="05000000000000000000" pitchFamily="2" charset="2"/>
               </a:rPr>
-              <a:t> 2 </a:t>
+              <a:t> 2</a:t>
+            </a:r>
+            <a:r>
+              <a:rPr lang="hu-HU" dirty="0">
+                <a:sym typeface="Wingdings" panose="05000000000000000000" pitchFamily="2" charset="2"/>
+              </a:rPr>
+              <a:t>-4</a:t>
+            </a:r>
+            <a:r>
+              <a:rPr lang="de-DE" dirty="0">
+                <a:sym typeface="Wingdings" panose="05000000000000000000" pitchFamily="2" charset="2"/>
+              </a:rPr>
+              <a:t> </a:t>
             </a:r>
             <a:r>
               <a:rPr lang="de-DE" dirty="0" err="1">
@@ -13062,6 +13090,12 @@
               </a:rPr>
               <a:t> </a:t>
             </a:r>
+            <a:r>
+              <a:rPr lang="hu-HU" dirty="0" err="1">
+                <a:sym typeface="Wingdings" panose="05000000000000000000" pitchFamily="2" charset="2"/>
+              </a:rPr>
+              <a:t>expansion</a:t>
+            </a:r>
             <a:br>
               <a:rPr lang="de-DE" dirty="0">
                 <a:sym typeface="Wingdings" panose="05000000000000000000" pitchFamily="2" charset="2"/>
@@ -13185,7 +13219,37 @@
               <a:rPr lang="de-DE" dirty="0">
                 <a:sym typeface="Wingdings" panose="05000000000000000000" pitchFamily="2" charset="2"/>
               </a:rPr>
-              <a:t>Mapping </a:t>
+              <a:t>Mapping</a:t>
+            </a:r>
+            <a:r>
+              <a:rPr lang="hu-HU" dirty="0">
+                <a:sym typeface="Wingdings" panose="05000000000000000000" pitchFamily="2" charset="2"/>
+              </a:rPr>
+              <a:t> </a:t>
+            </a:r>
+            <a:r>
+              <a:rPr lang="hu-HU" dirty="0" err="1">
+                <a:sym typeface="Wingdings" panose="05000000000000000000" pitchFamily="2" charset="2"/>
+              </a:rPr>
+              <a:t>zonal</a:t>
+            </a:r>
+            <a:r>
+              <a:rPr lang="hu-HU" dirty="0">
+                <a:sym typeface="Wingdings" panose="05000000000000000000" pitchFamily="2" charset="2"/>
+              </a:rPr>
+              <a:t> </a:t>
+            </a:r>
+            <a:r>
+              <a:rPr lang="hu-HU" dirty="0" err="1">
+                <a:sym typeface="Wingdings" panose="05000000000000000000" pitchFamily="2" charset="2"/>
+              </a:rPr>
+              <a:t>prices</a:t>
+            </a:r>
+            <a:r>
+              <a:rPr lang="de-DE" dirty="0">
+                <a:sym typeface="Wingdings" panose="05000000000000000000" pitchFamily="2" charset="2"/>
+              </a:rPr>
+              <a:t> </a:t>
             </a:r>
             <a:r>
               <a:rPr lang="de-DE" dirty="0" err="1">
@@ -14102,6 +14166,14 @@
             </a:r>
             <a:r>
               <a:rPr lang="hu-HU" dirty="0" err="1"/>
+              <a:t>small</a:t>
+            </a:r>
+            <a:r>
+              <a:rPr lang="hu-HU" dirty="0"/>
+              <a:t> </a:t>
+            </a:r>
+            <a:r>
+              <a:rPr lang="hu-HU" dirty="0" err="1"/>
               <a:t>negative</a:t>
             </a:r>
             <a:r>
@@ -14355,15 +14427,7 @@
             </a:r>
             <a:r>
               <a:rPr lang="hu-HU" dirty="0" err="1"/>
-              <a:t>price</a:t>
-            </a:r>
-            <a:r>
-              <a:rPr lang="hu-HU" dirty="0"/>
-              <a:t> and </a:t>
-            </a:r>
-            <a:r>
-              <a:rPr lang="hu-HU" dirty="0" err="1"/>
-              <a:t>time-lags</a:t>
+              <a:t>prices</a:t>
             </a:r>
             <a:r>
               <a:rPr lang="hu-HU" dirty="0"/>
@@ -14380,6 +14444,30 @@
             <a:r>
               <a:rPr lang="hu-HU" dirty="0" err="1"/>
               <a:t>significant</a:t>
+            </a:r>
+            <a:r>
+              <a:rPr lang="hu-HU" dirty="0"/>
+              <a:t> </a:t>
+            </a:r>
+            <a:r>
+              <a:rPr lang="hu-HU" dirty="0" err="1"/>
+              <a:t>with</a:t>
+            </a:r>
+            <a:r>
+              <a:rPr lang="hu-HU" dirty="0"/>
+              <a:t> </a:t>
+            </a:r>
+            <a:r>
+              <a:rPr lang="hu-HU" dirty="0" err="1"/>
+              <a:t>negative</a:t>
+            </a:r>
+            <a:r>
+              <a:rPr lang="hu-HU" dirty="0"/>
+              <a:t> </a:t>
+            </a:r>
+            <a:r>
+              <a:rPr lang="hu-HU" dirty="0" err="1"/>
+              <a:t>coefficients</a:t>
             </a:r>
             <a:endParaRPr lang="hu-HU" dirty="0"/>
           </a:p>
@@ -14509,7 +14597,15 @@
             </a:r>
             <a:r>
               <a:rPr lang="hu-HU" dirty="0" err="1"/>
-              <a:t>utility</a:t>
+              <a:t>effect</a:t>
+            </a:r>
+            <a:r>
+              <a:rPr lang="hu-HU" dirty="0"/>
+              <a:t> of </a:t>
+            </a:r>
+            <a:r>
+              <a:rPr lang="hu-HU" dirty="0" err="1"/>
+              <a:t>oversupply</a:t>
             </a:r>
             <a:r>
               <a:rPr lang="hu-HU" dirty="0"/>
@@ -14517,23 +14613,15 @@
             </a:r>
             <a:r>
               <a:rPr lang="hu-HU" dirty="0" err="1"/>
-              <a:t>curve</a:t>
+              <a:t>on</a:t>
             </a:r>
             <a:r>
               <a:rPr lang="hu-HU" dirty="0"/>
-              <a:t> </a:t>
+              <a:t> ICAP </a:t>
             </a:r>
             <a:r>
               <a:rPr lang="hu-HU" dirty="0" err="1"/>
-              <a:t>for</a:t>
-            </a:r>
-            <a:r>
-              <a:rPr lang="hu-HU" dirty="0"/>
-              <a:t> </a:t>
-            </a:r>
-            <a:r>
-              <a:rPr lang="hu-HU" dirty="0" err="1"/>
-              <a:t>oversupply</a:t>
+              <a:t>prices</a:t>
             </a:r>
             <a:endParaRPr lang="hu-HU" dirty="0"/>
           </a:p>
@@ -14848,6 +14936,36 @@
               <a:rPr lang="de-DE" dirty="0" err="1"/>
               <a:t>features</a:t>
             </a:r>
+            <a:endParaRPr lang="hu-HU" dirty="0"/>
+          </a:p>
+          <a:p>
+            <a:pPr marL="461963" lvl="1" indent="-285750">
+              <a:spcBef>
+                <a:spcPts val="600"/>
+              </a:spcBef>
+              <a:buFont typeface="Arial" panose="020B0604020202020204" pitchFamily="34" charset="0"/>
+              <a:buChar char="•"/>
+            </a:pPr>
+            <a:r>
+              <a:rPr lang="hu-HU" dirty="0" err="1"/>
+              <a:t>Wholesale</a:t>
+            </a:r>
+            <a:r>
+              <a:rPr lang="hu-HU" dirty="0"/>
+              <a:t> </a:t>
+            </a:r>
+            <a:r>
+              <a:rPr lang="hu-HU" dirty="0" err="1"/>
+              <a:t>power</a:t>
+            </a:r>
+            <a:r>
+              <a:rPr lang="hu-HU" dirty="0"/>
+              <a:t> </a:t>
+            </a:r>
+            <a:r>
+              <a:rPr lang="hu-HU" dirty="0" err="1"/>
+              <a:t>prices</a:t>
+            </a:r>
             <a:endParaRPr lang="de-DE" dirty="0"/>
           </a:p>
           <a:p>
@@ -14864,21 +14982,29 @@
             </a:r>
             <a:r>
               <a:rPr lang="de-DE" dirty="0"/>
-              <a:t> in “</a:t>
-            </a:r>
-            <a:r>
-              <a:rPr lang="de-DE" dirty="0" err="1"/>
-              <a:t>overinstalled</a:t>
+              <a:t> in </a:t>
+            </a:r>
+            <a:r>
+              <a:rPr lang="hu-HU" dirty="0" err="1"/>
+              <a:t>installed</a:t>
             </a:r>
             <a:r>
               <a:rPr lang="de-DE" dirty="0"/>
-              <a:t>“ </a:t>
+              <a:t> </a:t>
             </a:r>
             <a:r>
               <a:rPr lang="de-DE" dirty="0" err="1"/>
               <a:t>capacity</a:t>
             </a:r>
             <a:r>
+              <a:rPr lang="hu-HU" dirty="0"/>
+              <a:t> / </a:t>
+            </a:r>
+            <a:r>
+              <a:rPr lang="hu-HU" dirty="0" err="1"/>
+              <a:t>oversupply</a:t>
+            </a:r>
+            <a:r>
               <a:rPr lang="de-DE" dirty="0"/>
               <a:t> </a:t>
             </a:r>
@@ -14933,6 +15059,10 @@
             <a:r>
               <a:rPr lang="de-DE" dirty="0" err="1"/>
               <a:t>model</a:t>
+            </a:r>
+            <a:r>
+              <a:rPr lang="hu-HU" dirty="0"/>
+              <a:t>s</a:t>
             </a:r>
             <a:r>
               <a:rPr lang="de-DE" dirty="0"/>
@@ -15010,11 +15140,39 @@
             </a:r>
             <a:r>
               <a:rPr lang="de-DE" dirty="0"/>
-              <a:t> not </a:t>
+              <a:t> </a:t>
+            </a:r>
+            <a:r>
+              <a:rPr lang="hu-HU" dirty="0"/>
+              <a:t>is </a:t>
+            </a:r>
+            <a:r>
+              <a:rPr lang="hu-HU" dirty="0" err="1"/>
+              <a:t>not</a:t>
+            </a:r>
+            <a:r>
+              <a:rPr lang="hu-HU" dirty="0"/>
+              <a:t> </a:t>
+            </a:r>
+            <a:r>
+              <a:rPr lang="hu-HU" dirty="0" err="1"/>
+              <a:t>significantly</a:t>
+            </a:r>
+            <a:r>
+              <a:rPr lang="hu-HU" dirty="0"/>
+              <a:t> </a:t>
+            </a:r>
+            <a:r>
+              <a:rPr lang="hu-HU" dirty="0" err="1"/>
+              <a:t>ensured</a:t>
+            </a:r>
+            <a:r>
+              <a:rPr lang="hu-HU" dirty="0"/>
+              <a:t> </a:t>
             </a:r>
             <a:r>
               <a:rPr lang="de-DE" dirty="0" err="1"/>
-              <a:t>ensured</a:t>
+              <a:t>by</a:t>
             </a:r>
             <a:r>
               <a:rPr lang="de-DE" dirty="0"/>
@@ -15022,7 +15180,7 @@
             </a:r>
             <a:r>
               <a:rPr lang="de-DE" dirty="0" err="1"/>
-              <a:t>by</a:t>
+              <a:t>capacity</a:t>
             </a:r>
             <a:r>
               <a:rPr lang="de-DE" dirty="0"/>
@@ -15030,49 +15188,9 @@
             </a:r>
             <a:r>
               <a:rPr lang="de-DE" dirty="0" err="1"/>
-              <a:t>capacity</a:t>
-            </a:r>
-            <a:r>
-              <a:rPr lang="de-DE" dirty="0"/>
-              <a:t> </a:t>
-            </a:r>
-            <a:r>
-              <a:rPr lang="de-DE" dirty="0" err="1"/>
               <a:t>prices</a:t>
             </a:r>
-            <a:r>
-              <a:rPr lang="de-DE" dirty="0"/>
-              <a:t> </a:t>
-            </a:r>
-            <a:r>
-              <a:rPr lang="de-DE" dirty="0" err="1"/>
-              <a:t>or</a:t>
-            </a:r>
-            <a:r>
-              <a:rPr lang="de-DE" dirty="0"/>
-              <a:t> </a:t>
-            </a:r>
-            <a:r>
-              <a:rPr lang="de-DE" dirty="0" err="1"/>
-              <a:t>day-ahead</a:t>
-            </a:r>
-            <a:r>
-              <a:rPr lang="de-DE" dirty="0"/>
-              <a:t> </a:t>
-            </a:r>
-            <a:r>
-              <a:rPr lang="de-DE" dirty="0" err="1"/>
-              <a:t>electricity</a:t>
-            </a:r>
-            <a:r>
-              <a:rPr lang="de-DE" dirty="0"/>
-              <a:t> </a:t>
-            </a:r>
-            <a:r>
-              <a:rPr lang="de-DE" dirty="0" err="1"/>
-              <a:t>prices</a:t>
-            </a:r>
-            <a:endParaRPr lang="de-DE" dirty="0"/>
+            <a:endParaRPr lang="hu-HU" dirty="0"/>
           </a:p>
           <a:p>
             <a:pPr marL="285750" indent="-285750">
@@ -15316,20 +15434,6 @@
               </a:rPr>
               <a:t> ISO</a:t>
             </a:r>
-            <a:endParaRPr lang="de-DE" dirty="0">
-              <a:highlight>
-                <a:srgbClr val="FFFF00"/>
-              </a:highlight>
-            </a:endParaRPr>
-          </a:p>
-          <a:p>
-            <a:pPr marL="285750" indent="-285750">
-              <a:spcBef>
-                <a:spcPts val="600"/>
-              </a:spcBef>
-              <a:buFontTx/>
-              <a:buChar char="-"/>
-            </a:pPr>
             <a:endParaRPr lang="de-DE" dirty="0"/>
           </a:p>
           <a:p>
@@ -15498,7 +15602,7 @@
         </p:blipFill>
         <p:spPr>
           <a:xfrm>
-            <a:off x="323083" y="3743631"/>
+            <a:off x="319090" y="4098614"/>
             <a:ext cx="396000" cy="396000"/>
           </a:xfrm>
           <a:prstGeom prst="rect">
@@ -15702,21 +15806,10 @@
               <a:buChar char="-"/>
             </a:pPr>
             <a:r>
-              <a:rPr lang="de-DE" dirty="0" err="1"/>
-              <a:t>Stationarity</a:t>
-            </a:r>
-            <a:r>
-              <a:rPr lang="de-DE" dirty="0"/>
-              <a:t> (time </a:t>
-            </a:r>
-            <a:r>
-              <a:rPr lang="de-DE" dirty="0" err="1"/>
-              <a:t>series</a:t>
-            </a:r>
-            <a:r>
-              <a:rPr lang="de-DE" dirty="0"/>
-              <a:t>)</a:t>
-            </a:r>
+              <a:rPr lang="hu-HU" dirty="0" err="1"/>
+              <a:t>Autocorrelation</a:t>
+            </a:r>
+            <a:endParaRPr lang="de-DE" dirty="0"/>
           </a:p>
           <a:p>
             <a:pPr marL="285750" indent="-285750">
@@ -16125,6 +16218,14 @@
               <a:t> not </a:t>
             </a:r>
             <a:r>
+              <a:rPr lang="hu-HU" dirty="0" err="1"/>
+              <a:t>significantly</a:t>
+            </a:r>
+            <a:r>
+              <a:rPr lang="hu-HU" dirty="0"/>
+              <a:t> </a:t>
+            </a:r>
+            <a:r>
               <a:rPr lang="de-DE" dirty="0" err="1"/>
               <a:t>driven</a:t>
             </a:r>
@@ -16175,6 +16276,10 @@
             <a:r>
               <a:rPr lang="de-DE" dirty="0" err="1"/>
               <a:t>model</a:t>
+            </a:r>
+            <a:r>
+              <a:rPr lang="hu-HU" dirty="0"/>
+              <a:t>s</a:t>
             </a:r>
             <a:endParaRPr lang="de-DE" dirty="0"/>
           </a:p>
@@ -16196,7 +16301,15 @@
             </a:r>
             <a:r>
               <a:rPr lang="de-DE" dirty="0"/>
-              <a:t>Model </a:t>
+              <a:t>Model</a:t>
+            </a:r>
+            <a:r>
+              <a:rPr lang="hu-HU" dirty="0"/>
+              <a:t> B</a:t>
+            </a:r>
+            <a:r>
+              <a:rPr lang="de-DE" dirty="0"/>
+              <a:t> </a:t>
             </a:r>
             <a:r>
               <a:rPr lang="de-DE" dirty="0" err="1"/>
@@ -16453,23 +16566,11 @@
               <a:rPr lang="de-DE" dirty="0">
                 <a:sym typeface="Wingdings" panose="05000000000000000000" pitchFamily="2" charset="2"/>
               </a:rPr>
-              <a:t> Initial </a:t>
-            </a:r>
-            <a:r>
-              <a:rPr lang="de-DE" dirty="0" err="1">
-                <a:sym typeface="Wingdings" panose="05000000000000000000" pitchFamily="2" charset="2"/>
-              </a:rPr>
-              <a:t>goal</a:t>
-            </a:r>
-            <a:r>
-              <a:rPr lang="de-DE" dirty="0">
-                <a:sym typeface="Wingdings" panose="05000000000000000000" pitchFamily="2" charset="2"/>
-              </a:rPr>
-              <a:t> “</a:t>
+              <a:t> </a:t>
             </a:r>
             <a:r>
               <a:rPr lang="de-DE" dirty="0" err="1"/>
-              <a:t>ensure</a:t>
+              <a:t>Missing</a:t>
             </a:r>
             <a:r>
               <a:rPr lang="de-DE" dirty="0"/>
@@ -16477,7 +16578,7 @@
             </a:r>
             <a:r>
               <a:rPr lang="de-DE" dirty="0" err="1"/>
-              <a:t>sufficient</a:t>
+              <a:t>money</a:t>
             </a:r>
             <a:r>
               <a:rPr lang="de-DE" dirty="0"/>
@@ -16485,7 +16586,31 @@
             </a:r>
             <a:r>
               <a:rPr lang="de-DE" dirty="0" err="1"/>
-              <a:t>investment</a:t>
+              <a:t>problem</a:t>
+            </a:r>
+            <a:r>
+              <a:rPr lang="de-DE" dirty="0"/>
+              <a:t> </a:t>
+            </a:r>
+            <a:r>
+              <a:rPr lang="de-DE" dirty="0" err="1"/>
+              <a:t>solved</a:t>
+            </a:r>
+            <a:r>
+              <a:rPr lang="de-DE" dirty="0"/>
+              <a:t> but </a:t>
+            </a:r>
+            <a:r>
+              <a:rPr lang="de-DE" dirty="0" err="1"/>
+              <a:t>no</a:t>
+            </a:r>
+            <a:r>
+              <a:rPr lang="de-DE" dirty="0"/>
+              <a:t> </a:t>
+            </a:r>
+            <a:r>
+              <a:rPr lang="de-DE" dirty="0" err="1"/>
+              <a:t>increase</a:t>
             </a:r>
             <a:r>
               <a:rPr lang="de-DE" dirty="0"/>
@@ -16493,7 +16618,7 @@
             </a:r>
             <a:r>
               <a:rPr lang="de-DE" dirty="0" err="1"/>
-              <a:t>generation</a:t>
+              <a:t>consumer</a:t>
             </a:r>
             <a:r>
               <a:rPr lang="de-DE" dirty="0"/>
@@ -16501,19 +16626,7 @@
             </a:r>
             <a:r>
               <a:rPr lang="de-DE" dirty="0" err="1"/>
-              <a:t>capacity</a:t>
-            </a:r>
-            <a:r>
-              <a:rPr lang="de-DE" dirty="0">
-                <a:sym typeface="Wingdings" panose="05000000000000000000" pitchFamily="2" charset="2"/>
-              </a:rPr>
-              <a:t>“ </a:t>
-            </a:r>
-            <a:r>
-              <a:rPr lang="de-DE" dirty="0" err="1">
-                <a:sym typeface="Wingdings" panose="05000000000000000000" pitchFamily="2" charset="2"/>
-              </a:rPr>
-              <a:t>achieved</a:t>
+              <a:t>benefit</a:t>
             </a:r>
             <a:r>
               <a:rPr lang="de-DE" dirty="0">
@@ -16728,12 +16841,26 @@
               </a:spcBef>
             </a:pPr>
             <a:r>
-              <a:rPr lang="de-DE" b="1" dirty="0"/>
-              <a:t>	</a:t>
+              <a:rPr lang="de-DE" b="1" dirty="0">
+                <a:sym typeface="Wingdings" panose="05000000000000000000" pitchFamily="2" charset="2"/>
+              </a:rPr>
+              <a:t>Initial </a:t>
+            </a:r>
+            <a:r>
+              <a:rPr lang="de-DE" b="1" dirty="0" err="1">
+                <a:sym typeface="Wingdings" panose="05000000000000000000" pitchFamily="2" charset="2"/>
+              </a:rPr>
+              <a:t>goal</a:t>
+            </a:r>
+            <a:r>
+              <a:rPr lang="de-DE" b="1" dirty="0">
+                <a:sym typeface="Wingdings" panose="05000000000000000000" pitchFamily="2" charset="2"/>
+              </a:rPr>
+              <a:t> “</a:t>
             </a:r>
             <a:r>
               <a:rPr lang="de-DE" b="1" dirty="0" err="1"/>
-              <a:t>Missing</a:t>
+              <a:t>ensure</a:t>
             </a:r>
             <a:r>
               <a:rPr lang="de-DE" b="1" dirty="0"/>
@@ -16741,7 +16868,7 @@
             </a:r>
             <a:r>
               <a:rPr lang="de-DE" b="1" dirty="0" err="1"/>
-              <a:t>money</a:t>
+              <a:t>sufficient</a:t>
             </a:r>
             <a:r>
               <a:rPr lang="de-DE" b="1" dirty="0"/>
@@ -16749,7 +16876,15 @@
             </a:r>
             <a:r>
               <a:rPr lang="de-DE" b="1" dirty="0" err="1"/>
-              <a:t>problem</a:t>
+              <a:t>investment</a:t>
+            </a:r>
+            <a:r>
+              <a:rPr lang="de-DE" b="1" dirty="0"/>
+              <a:t> in </a:t>
+            </a:r>
+            <a:r>
+              <a:rPr lang="de-DE" b="1" dirty="0" err="1"/>
+              <a:t>generation</a:t>
             </a:r>
             <a:r>
               <a:rPr lang="de-DE" b="1" dirty="0"/>
@@ -16757,41 +16892,23 @@
             </a:r>
             <a:r>
               <a:rPr lang="de-DE" b="1" dirty="0" err="1"/>
-              <a:t>solved</a:t>
-            </a:r>
-            <a:r>
-              <a:rPr lang="de-DE" b="1" dirty="0"/>
-              <a:t> but </a:t>
-            </a:r>
-            <a:r>
-              <a:rPr lang="de-DE" b="1" dirty="0" err="1"/>
-              <a:t>no</a:t>
-            </a:r>
-            <a:r>
-              <a:rPr lang="de-DE" b="1" dirty="0"/>
-              <a:t> </a:t>
-            </a:r>
-            <a:r>
-              <a:rPr lang="de-DE" b="1" dirty="0" err="1"/>
-              <a:t>increase</a:t>
-            </a:r>
-            <a:r>
-              <a:rPr lang="de-DE" b="1" dirty="0"/>
-              <a:t> in </a:t>
-            </a:r>
-            <a:r>
-              <a:rPr lang="de-DE" b="1" dirty="0" err="1"/>
-              <a:t>consumer</a:t>
-            </a:r>
-            <a:r>
-              <a:rPr lang="de-DE" b="1" dirty="0"/>
-              <a:t> </a:t>
-            </a:r>
-            <a:r>
-              <a:rPr lang="de-DE" b="1" dirty="0" err="1"/>
-              <a:t>benefit</a:t>
-            </a:r>
-            <a:endParaRPr lang="de-DE" b="1" dirty="0"/>
+              <a:t>capacity</a:t>
+            </a:r>
+            <a:r>
+              <a:rPr lang="de-DE" b="1" dirty="0">
+                <a:sym typeface="Wingdings" panose="05000000000000000000" pitchFamily="2" charset="2"/>
+              </a:rPr>
+              <a:t>“ </a:t>
+            </a:r>
+            <a:r>
+              <a:rPr lang="de-DE" b="1" dirty="0" err="1">
+                <a:sym typeface="Wingdings" panose="05000000000000000000" pitchFamily="2" charset="2"/>
+              </a:rPr>
+              <a:t>achieved</a:t>
+            </a:r>
+            <a:endParaRPr lang="hu-HU" b="1" dirty="0">
+              <a:sym typeface="Wingdings" panose="05000000000000000000" pitchFamily="2" charset="2"/>
+            </a:endParaRPr>
           </a:p>
           <a:p>
             <a:pPr defTabSz="360000">
@@ -17056,7 +17173,7 @@
         </p:nvSpPr>
         <p:spPr>
           <a:xfrm>
-            <a:off x="634180" y="6026111"/>
+            <a:off x="384440" y="6020115"/>
             <a:ext cx="344129" cy="304377"/>
           </a:xfrm>
           <a:prstGeom prst="rightArrow">
@@ -25024,8 +25141,8 @@
           </a:p>
         </p:txBody>
       </p:sp>
-      <mc:AlternateContent xmlns:mc="http://schemas.openxmlformats.org/markup-compatibility/2006" xmlns:a14="http://schemas.microsoft.com/office/drawing/2010/main">
-        <mc:Choice Requires="a14">
+      <mc:AlternateContent xmlns:mc="http://schemas.openxmlformats.org/markup-compatibility/2006">
+        <mc:Choice xmlns:a14="http://schemas.microsoft.com/office/drawing/2010/main" Requires="a14">
           <p:sp>
             <p:nvSpPr>
               <p:cNvPr id="6" name="Rechteck 5">
@@ -25040,8 +25157,8 @@
             </p:nvSpPr>
             <p:spPr>
               <a:xfrm>
-                <a:off x="1789471" y="2314490"/>
-                <a:ext cx="3845312" cy="800452"/>
+                <a:off x="859045" y="2314490"/>
+                <a:ext cx="4890308" cy="800452"/>
               </a:xfrm>
               <a:prstGeom prst="rect">
                 <a:avLst/>
@@ -25155,87 +25272,153 @@
                           </a:solidFill>
                           <a:latin typeface="Cambria Math" panose="02040503050406030204" pitchFamily="18" charset="0"/>
                         </a:rPr>
-                        <m:t>+ </m:t>
+                        <m:t>+</m:t>
                       </m:r>
-                      <m:sSub>
-                        <m:sSubPr>
+                      <m:nary>
+                        <m:naryPr>
+                          <m:chr m:val="∑"/>
+                          <m:supHide m:val="on"/>
                           <m:ctrlPr>
-                            <a:rPr lang="de-DE" b="1" i="1">
+                            <a:rPr lang="hu-HU" b="1" i="1">
                               <a:solidFill>
                                 <a:schemeClr val="tx1"/>
                               </a:solidFill>
                               <a:latin typeface="Cambria Math" panose="02040503050406030204" pitchFamily="18" charset="0"/>
                             </a:rPr>
                           </m:ctrlPr>
-                        </m:sSubPr>
-                        <m:e>
-                          <m:r>
-                            <a:rPr lang="de-DE" b="1" i="1">
-                              <a:solidFill>
-                                <a:schemeClr val="tx1"/>
-                              </a:solidFill>
-                              <a:latin typeface="Cambria Math" panose="02040503050406030204" pitchFamily="18" charset="0"/>
-                              <a:ea typeface="Cambria Math" panose="02040503050406030204" pitchFamily="18" charset="0"/>
-                            </a:rPr>
-                            <m:t>𝜷</m:t>
-                          </m:r>
-                        </m:e>
+                        </m:naryPr>
                         <m:sub>
                           <m:r>
-                            <a:rPr lang="de-DE" b="1" i="1">
-                              <a:solidFill>
-                                <a:schemeClr val="tx1"/>
-                              </a:solidFill>
-                              <a:latin typeface="Cambria Math" panose="02040503050406030204" pitchFamily="18" charset="0"/>
-                              <a:ea typeface="Cambria Math" panose="02040503050406030204" pitchFamily="18" charset="0"/>
-                            </a:rPr>
-                            <m:t>𝟏</m:t>
-                          </m:r>
-                        </m:sub>
-                      </m:sSub>
-                      <m:r>
-                        <a:rPr lang="hu-HU" b="1" i="1">
-                          <a:solidFill>
-                            <a:schemeClr val="tx1"/>
-                          </a:solidFill>
-                          <a:latin typeface="Cambria Math" panose="02040503050406030204" pitchFamily="18" charset="0"/>
-                        </a:rPr>
-                        <m:t>∗</m:t>
-                      </m:r>
-                      <m:sSub>
-                        <m:sSubPr>
-                          <m:ctrlPr>
-                            <a:rPr lang="hu-HU" b="1" i="1" smtClean="0">
+                            <a:rPr lang="hu-HU" b="1" i="1">
                               <a:solidFill>
                                 <a:schemeClr val="tx1"/>
                               </a:solidFill>
                               <a:latin typeface="Cambria Math" panose="02040503050406030204" pitchFamily="18" charset="0"/>
                             </a:rPr>
-                          </m:ctrlPr>
-                        </m:sSubPr>
+                            <m:t>𝒕</m:t>
+                          </m:r>
+                        </m:sub>
+                        <m:sup/>
                         <m:e>
+                          <m:sSub>
+                            <m:sSubPr>
+                              <m:ctrlPr>
+                                <a:rPr lang="de-DE" b="1" i="1">
+                                  <a:solidFill>
+                                    <a:schemeClr val="tx1"/>
+                                  </a:solidFill>
+                                  <a:latin typeface="Cambria Math" panose="02040503050406030204" pitchFamily="18" charset="0"/>
+                                </a:rPr>
+                              </m:ctrlPr>
+                            </m:sSubPr>
+                            <m:e>
+                              <m:r>
+                                <a:rPr lang="de-DE" b="1" i="1">
+                                  <a:solidFill>
+                                    <a:schemeClr val="tx1"/>
+                                  </a:solidFill>
+                                  <a:latin typeface="Cambria Math" panose="02040503050406030204" pitchFamily="18" charset="0"/>
+                                  <a:ea typeface="Cambria Math" panose="02040503050406030204" pitchFamily="18" charset="0"/>
+                                </a:rPr>
+                                <m:t>𝜷</m:t>
+                              </m:r>
+                            </m:e>
+                            <m:sub>
+                              <m:r>
+                                <a:rPr lang="de-DE" b="1" i="1">
+                                  <a:solidFill>
+                                    <a:schemeClr val="tx1"/>
+                                  </a:solidFill>
+                                  <a:latin typeface="Cambria Math" panose="02040503050406030204" pitchFamily="18" charset="0"/>
+                                  <a:ea typeface="Cambria Math" panose="02040503050406030204" pitchFamily="18" charset="0"/>
+                                </a:rPr>
+                                <m:t>𝟏</m:t>
+                              </m:r>
+                              <m:r>
+                                <a:rPr lang="hu-HU" b="1" i="1" smtClean="0">
+                                  <a:solidFill>
+                                    <a:schemeClr val="tx1"/>
+                                  </a:solidFill>
+                                  <a:latin typeface="Cambria Math" panose="02040503050406030204" pitchFamily="18" charset="0"/>
+                                  <a:ea typeface="Cambria Math" panose="02040503050406030204" pitchFamily="18" charset="0"/>
+                                </a:rPr>
+                                <m:t>,</m:t>
+                              </m:r>
+                              <m:r>
+                                <a:rPr lang="hu-HU" b="1" i="1" smtClean="0">
+                                  <a:solidFill>
+                                    <a:schemeClr val="tx1"/>
+                                  </a:solidFill>
+                                  <a:latin typeface="Cambria Math" panose="02040503050406030204" pitchFamily="18" charset="0"/>
+                                  <a:ea typeface="Cambria Math" panose="02040503050406030204" pitchFamily="18" charset="0"/>
+                                </a:rPr>
+                                <m:t>𝒕</m:t>
+                              </m:r>
+                            </m:sub>
+                          </m:sSub>
                           <m:r>
-                            <a:rPr lang="de-DE" b="1" i="1">
+                            <a:rPr lang="hu-HU" b="1" i="1">
                               <a:solidFill>
                                 <a:schemeClr val="tx1"/>
                               </a:solidFill>
                               <a:latin typeface="Cambria Math" panose="02040503050406030204" pitchFamily="18" charset="0"/>
                             </a:rPr>
-                            <m:t>𝑿</m:t>
+                            <m:t>∗</m:t>
                           </m:r>
+                          <m:sSub>
+                            <m:sSubPr>
+                              <m:ctrlPr>
+                                <a:rPr lang="hu-HU" b="1" i="1">
+                                  <a:solidFill>
+                                    <a:schemeClr val="tx1"/>
+                                  </a:solidFill>
+                                  <a:latin typeface="Cambria Math" panose="02040503050406030204" pitchFamily="18" charset="0"/>
+                                </a:rPr>
+                              </m:ctrlPr>
+                            </m:sSubPr>
+                            <m:e>
+                              <m:r>
+                                <a:rPr lang="de-DE" b="1" i="1">
+                                  <a:solidFill>
+                                    <a:schemeClr val="tx1"/>
+                                  </a:solidFill>
+                                  <a:latin typeface="Cambria Math" panose="02040503050406030204" pitchFamily="18" charset="0"/>
+                                </a:rPr>
+                                <m:t>𝑿</m:t>
+                              </m:r>
+                            </m:e>
+                            <m:sub>
+                              <m:r>
+                                <a:rPr lang="hu-HU" b="1" i="1">
+                                  <a:solidFill>
+                                    <a:schemeClr val="tx1"/>
+                                  </a:solidFill>
+                                  <a:latin typeface="Cambria Math" panose="02040503050406030204" pitchFamily="18" charset="0"/>
+                                </a:rPr>
+                                <m:t>𝟏</m:t>
+                              </m:r>
+                              <m:r>
+                                <a:rPr lang="hu-HU" b="1" i="1" smtClean="0">
+                                  <a:solidFill>
+                                    <a:schemeClr val="tx1"/>
+                                  </a:solidFill>
+                                  <a:latin typeface="Cambria Math" panose="02040503050406030204" pitchFamily="18" charset="0"/>
+                                </a:rPr>
+                                <m:t>,</m:t>
+                              </m:r>
+                              <m:r>
+                                <a:rPr lang="hu-HU" b="1" i="1" smtClean="0">
+                                  <a:solidFill>
+                                    <a:schemeClr val="tx1"/>
+                                  </a:solidFill>
+                                  <a:latin typeface="Cambria Math" panose="02040503050406030204" pitchFamily="18" charset="0"/>
+                                </a:rPr>
+                                <m:t>𝒕</m:t>
+                              </m:r>
+                            </m:sub>
+                          </m:sSub>
                         </m:e>
-                        <m:sub>
-                          <m:r>
-                            <a:rPr lang="hu-HU" b="1" i="1" smtClean="0">
-                              <a:solidFill>
-                                <a:schemeClr val="tx1"/>
-                              </a:solidFill>
-                              <a:latin typeface="Cambria Math" panose="02040503050406030204" pitchFamily="18" charset="0"/>
-                            </a:rPr>
-                            <m:t>𝟏</m:t>
-                          </m:r>
-                        </m:sub>
-                      </m:sSub>
+                      </m:nary>
                       <m:r>
                         <a:rPr lang="hu-HU" b="1" i="1" smtClean="0">
                           <a:solidFill>
@@ -25271,6 +25454,24 @@
                             </a:rPr>
                             <m:t>𝒊</m:t>
                           </m:r>
+                          <m:r>
+                            <a:rPr lang="hu-HU" b="1" i="1" smtClean="0">
+                              <a:solidFill>
+                                <a:schemeClr val="tx1"/>
+                              </a:solidFill>
+                              <a:latin typeface="Cambria Math" panose="02040503050406030204" pitchFamily="18" charset="0"/>
+                            </a:rPr>
+                            <m:t>, </m:t>
+                          </m:r>
+                          <m:r>
+                            <a:rPr lang="hu-HU" b="1" i="1" smtClean="0">
+                              <a:solidFill>
+                                <a:schemeClr val="tx1"/>
+                              </a:solidFill>
+                              <a:latin typeface="Cambria Math" panose="02040503050406030204" pitchFamily="18" charset="0"/>
+                            </a:rPr>
+                            <m:t>𝒕</m:t>
+                          </m:r>
                         </m:sub>
                         <m:sup/>
                         <m:e>
@@ -25305,6 +25506,24 @@
                                   <a:latin typeface="Cambria Math" panose="02040503050406030204" pitchFamily="18" charset="0"/>
                                 </a:rPr>
                                 <m:t>𝒊</m:t>
+                              </m:r>
+                              <m:r>
+                                <a:rPr lang="hu-HU" b="1" i="1" smtClean="0">
+                                  <a:solidFill>
+                                    <a:schemeClr val="tx1"/>
+                                  </a:solidFill>
+                                  <a:latin typeface="Cambria Math" panose="02040503050406030204" pitchFamily="18" charset="0"/>
+                                </a:rPr>
+                                <m:t>, </m:t>
+                              </m:r>
+                              <m:r>
+                                <a:rPr lang="hu-HU" b="1" i="1" smtClean="0">
+                                  <a:solidFill>
+                                    <a:schemeClr val="tx1"/>
+                                  </a:solidFill>
+                                  <a:latin typeface="Cambria Math" panose="02040503050406030204" pitchFamily="18" charset="0"/>
+                                </a:rPr>
+                                <m:t>𝒕</m:t>
                               </m:r>
                             </m:sub>
                           </m:sSub>
@@ -25349,6 +25568,24 @@
                                 </a:rPr>
                                 <m:t>𝒊</m:t>
                               </m:r>
+                              <m:r>
+                                <a:rPr lang="hu-HU" b="1" i="1" smtClean="0">
+                                  <a:solidFill>
+                                    <a:schemeClr val="tx1"/>
+                                  </a:solidFill>
+                                  <a:latin typeface="Cambria Math" panose="02040503050406030204" pitchFamily="18" charset="0"/>
+                                </a:rPr>
+                                <m:t>, </m:t>
+                              </m:r>
+                              <m:r>
+                                <a:rPr lang="hu-HU" b="1" i="1" smtClean="0">
+                                  <a:solidFill>
+                                    <a:schemeClr val="tx1"/>
+                                  </a:solidFill>
+                                  <a:latin typeface="Cambria Math" panose="02040503050406030204" pitchFamily="18" charset="0"/>
+                                </a:rPr>
+                                <m:t>𝒕</m:t>
+                              </m:r>
                             </m:sub>
                           </m:sSub>
                         </m:e>
@@ -25385,7 +25622,7 @@
             </p:txBody>
           </p:sp>
         </mc:Choice>
-        <mc:Fallback xmlns="">
+        <mc:Fallback>
           <p:sp>
             <p:nvSpPr>
               <p:cNvPr id="6" name="Rechteck 5">
@@ -25402,8 +25639,8 @@
             </p:nvSpPr>
             <p:spPr>
               <a:xfrm>
-                <a:off x="1789471" y="2314490"/>
-                <a:ext cx="3845312" cy="800452"/>
+                <a:off x="859045" y="2314490"/>
+                <a:ext cx="4890308" cy="800452"/>
               </a:xfrm>
               <a:prstGeom prst="rect">
                 <a:avLst/>
@@ -25435,8 +25672,8 @@
           </p:sp>
         </mc:Fallback>
       </mc:AlternateContent>
-      <mc:AlternateContent xmlns:mc="http://schemas.openxmlformats.org/markup-compatibility/2006" xmlns:a14="http://schemas.microsoft.com/office/drawing/2010/main">
-        <mc:Choice Requires="a14">
+      <mc:AlternateContent xmlns:mc="http://schemas.openxmlformats.org/markup-compatibility/2006">
+        <mc:Choice xmlns:a14="http://schemas.microsoft.com/office/drawing/2010/main" Requires="a14">
           <p:sp>
             <p:nvSpPr>
               <p:cNvPr id="7" name="Textfeld 6">
@@ -25451,8 +25688,8 @@
             </p:nvSpPr>
             <p:spPr>
               <a:xfrm>
-                <a:off x="6040360" y="2314490"/>
-                <a:ext cx="2674375" cy="1242135"/>
+                <a:off x="6002043" y="2336692"/>
+                <a:ext cx="2786648" cy="1263679"/>
               </a:xfrm>
               <a:prstGeom prst="rect">
                 <a:avLst/>
@@ -25512,6 +25749,18 @@
                           </a:rPr>
                           <m:t>1</m:t>
                         </m:r>
+                        <m:r>
+                          <a:rPr lang="hu-HU" sz="1600" b="0" i="1" smtClean="0">
+                            <a:latin typeface="Cambria Math" panose="02040503050406030204" pitchFamily="18" charset="0"/>
+                          </a:rPr>
+                          <m:t>,</m:t>
+                        </m:r>
+                        <m:r>
+                          <a:rPr lang="hu-HU" sz="1600" b="0" i="1" smtClean="0">
+                            <a:latin typeface="Cambria Math" panose="02040503050406030204" pitchFamily="18" charset="0"/>
+                          </a:rPr>
+                          <m:t>𝑡</m:t>
+                        </m:r>
                       </m:sub>
                     </m:sSub>
                   </m:oMath>
@@ -25550,6 +25799,18 @@
                             <a:latin typeface="Cambria Math" panose="02040503050406030204" pitchFamily="18" charset="0"/>
                           </a:rPr>
                           <m:t>𝑖</m:t>
+                        </m:r>
+                        <m:r>
+                          <a:rPr lang="hu-HU" sz="1600" b="0" i="1" smtClean="0">
+                            <a:latin typeface="Cambria Math" panose="02040503050406030204" pitchFamily="18" charset="0"/>
+                          </a:rPr>
+                          <m:t>, </m:t>
+                        </m:r>
+                        <m:r>
+                          <a:rPr lang="hu-HU" sz="1600" b="0" i="1" smtClean="0">
+                            <a:latin typeface="Cambria Math" panose="02040503050406030204" pitchFamily="18" charset="0"/>
+                          </a:rPr>
+                          <m:t>𝑡</m:t>
                         </m:r>
                       </m:sub>
                     </m:sSub>
@@ -25606,7 +25867,7 @@
             </p:txBody>
           </p:sp>
         </mc:Choice>
-        <mc:Fallback xmlns="">
+        <mc:Fallback>
           <p:sp>
             <p:nvSpPr>
               <p:cNvPr id="7" name="Textfeld 6">
@@ -25623,8 +25884,8 @@
             </p:nvSpPr>
             <p:spPr>
               <a:xfrm>
-                <a:off x="6040360" y="2314490"/>
-                <a:ext cx="2674375" cy="1242135"/>
+                <a:off x="6002043" y="2336692"/>
+                <a:ext cx="2786648" cy="1263679"/>
               </a:xfrm>
               <a:prstGeom prst="rect">
                 <a:avLst/>
@@ -25632,7 +25893,7 @@
               <a:blipFill>
                 <a:blip r:embed="rId4"/>
                 <a:stretch>
-                  <a:fillRect l="-2733" t="-5419" r="-683"/>
+                  <a:fillRect l="-2626" t="-4808" r="-219"/>
                 </a:stretch>
               </a:blipFill>
             </p:spPr>

--- a/Final_Presentation_Borvendeg_Hantke.pptx
+++ b/Final_Presentation_Borvendeg_Hantke.pptx
@@ -4149,8 +4149,12 @@
           </a:lstStyle>
           <a:p>
             <a:r>
+              <a:rPr lang="de-DE" dirty="0"/>
+              <a:t>Máté Borvendég, Susanne Hantke | </a:t>
+            </a:r>
+            <a:r>
               <a:rPr lang="de-DE" dirty="0" err="1"/>
-              <a:t>Máté</a:t>
+              <a:t>Capacity</a:t>
             </a:r>
             <a:r>
               <a:rPr lang="de-DE" dirty="0"/>
@@ -4158,27 +4162,11 @@
             </a:r>
             <a:r>
               <a:rPr lang="de-DE" dirty="0" err="1"/>
-              <a:t>Borvendég</a:t>
+              <a:t>Markets</a:t>
             </a:r>
             <a:r>
               <a:rPr lang="de-DE" dirty="0"/>
-              <a:t>, Susanne Hantke | </a:t>
-            </a:r>
-            <a:r>
-              <a:rPr lang="de-DE" dirty="0" err="1"/>
-              <a:t>Capacity</a:t>
-            </a:r>
-            <a:r>
-              <a:rPr lang="de-DE" dirty="0"/>
-              <a:t> </a:t>
-            </a:r>
-            <a:r>
-              <a:rPr lang="de-DE" dirty="0" err="1"/>
-              <a:t>Markets</a:t>
-            </a:r>
-            <a:r>
-              <a:rPr lang="de-DE" dirty="0"/>
-              <a:t> | 21.06.2023</a:t>
+              <a:t> | 22.06.2023</a:t>
             </a:r>
             <a:endParaRPr lang="en-US" dirty="0"/>
           </a:p>
@@ -4745,8 +4733,12 @@
           </a:lstStyle>
           <a:p>
             <a:r>
+              <a:rPr lang="de-DE" dirty="0"/>
+              <a:t>Máté Borvendég, Susanne Hantke | </a:t>
+            </a:r>
+            <a:r>
               <a:rPr lang="de-DE" dirty="0" err="1"/>
-              <a:t>Máté</a:t>
+              <a:t>Capacity</a:t>
             </a:r>
             <a:r>
               <a:rPr lang="de-DE" dirty="0"/>
@@ -4754,27 +4746,11 @@
             </a:r>
             <a:r>
               <a:rPr lang="de-DE" dirty="0" err="1"/>
-              <a:t>Borvendég</a:t>
+              <a:t>Markets</a:t>
             </a:r>
             <a:r>
               <a:rPr lang="de-DE" dirty="0"/>
-              <a:t>, Susanne Hantke | </a:t>
-            </a:r>
-            <a:r>
-              <a:rPr lang="de-DE" dirty="0" err="1"/>
-              <a:t>Capacity</a:t>
-            </a:r>
-            <a:r>
-              <a:rPr lang="de-DE" dirty="0"/>
-              <a:t> </a:t>
-            </a:r>
-            <a:r>
-              <a:rPr lang="de-DE" dirty="0" err="1"/>
-              <a:t>Markets</a:t>
-            </a:r>
-            <a:r>
-              <a:rPr lang="de-DE" dirty="0"/>
-              <a:t> | 21.06.2023</a:t>
+              <a:t> | 22.06.2023</a:t>
             </a:r>
             <a:endParaRPr lang="en-US" dirty="0"/>
           </a:p>
@@ -4981,8 +4957,12 @@
           </a:lstStyle>
           <a:p>
             <a:r>
+              <a:rPr lang="de-DE" dirty="0"/>
+              <a:t>Máté Borvendég, Susanne Hantke | </a:t>
+            </a:r>
+            <a:r>
               <a:rPr lang="de-DE" dirty="0" err="1"/>
-              <a:t>Máté</a:t>
+              <a:t>Capacity</a:t>
             </a:r>
             <a:r>
               <a:rPr lang="de-DE" dirty="0"/>
@@ -4990,27 +4970,11 @@
             </a:r>
             <a:r>
               <a:rPr lang="de-DE" dirty="0" err="1"/>
-              <a:t>Borvendég</a:t>
+              <a:t>Markets</a:t>
             </a:r>
             <a:r>
               <a:rPr lang="de-DE" dirty="0"/>
-              <a:t>, Susanne Hantke | </a:t>
-            </a:r>
-            <a:r>
-              <a:rPr lang="de-DE" dirty="0" err="1"/>
-              <a:t>Capacity</a:t>
-            </a:r>
-            <a:r>
-              <a:rPr lang="de-DE" dirty="0"/>
-              <a:t> </a:t>
-            </a:r>
-            <a:r>
-              <a:rPr lang="de-DE" dirty="0" err="1"/>
-              <a:t>Markets</a:t>
-            </a:r>
-            <a:r>
-              <a:rPr lang="de-DE" dirty="0"/>
-              <a:t> | 21.06.2023</a:t>
+              <a:t> | 22.06.2023</a:t>
             </a:r>
             <a:endParaRPr lang="en-US" dirty="0"/>
           </a:p>
@@ -5212,8 +5176,12 @@
           </a:lstStyle>
           <a:p>
             <a:r>
+              <a:rPr lang="de-DE" dirty="0"/>
+              <a:t>Máté Borvendég, Susanne Hantke | </a:t>
+            </a:r>
+            <a:r>
               <a:rPr lang="de-DE" dirty="0" err="1"/>
-              <a:t>Máté</a:t>
+              <a:t>Capacity</a:t>
             </a:r>
             <a:r>
               <a:rPr lang="de-DE" dirty="0"/>
@@ -5221,27 +5189,11 @@
             </a:r>
             <a:r>
               <a:rPr lang="de-DE" dirty="0" err="1"/>
-              <a:t>Borvendég</a:t>
+              <a:t>Markets</a:t>
             </a:r>
             <a:r>
               <a:rPr lang="de-DE" dirty="0"/>
-              <a:t>, Susanne Hantke | </a:t>
-            </a:r>
-            <a:r>
-              <a:rPr lang="de-DE" dirty="0" err="1"/>
-              <a:t>Capacity</a:t>
-            </a:r>
-            <a:r>
-              <a:rPr lang="de-DE" dirty="0"/>
-              <a:t> </a:t>
-            </a:r>
-            <a:r>
-              <a:rPr lang="de-DE" dirty="0" err="1"/>
-              <a:t>Markets</a:t>
-            </a:r>
-            <a:r>
-              <a:rPr lang="de-DE" dirty="0"/>
-              <a:t> | 21.06.2023</a:t>
+              <a:t> | 22.06.2023</a:t>
             </a:r>
             <a:endParaRPr lang="en-US" dirty="0"/>
           </a:p>
@@ -5565,8 +5517,12 @@
           </a:lstStyle>
           <a:p>
             <a:r>
+              <a:rPr lang="de-DE" dirty="0"/>
+              <a:t>Máté Borvendég, Susanne Hantke | </a:t>
+            </a:r>
+            <a:r>
               <a:rPr lang="de-DE" dirty="0" err="1"/>
-              <a:t>Máté</a:t>
+              <a:t>Capacity</a:t>
             </a:r>
             <a:r>
               <a:rPr lang="de-DE" dirty="0"/>
@@ -5574,27 +5530,11 @@
             </a:r>
             <a:r>
               <a:rPr lang="de-DE" dirty="0" err="1"/>
-              <a:t>Borvendég</a:t>
+              <a:t>Markets</a:t>
             </a:r>
             <a:r>
               <a:rPr lang="de-DE" dirty="0"/>
-              <a:t>, Susanne Hantke | </a:t>
-            </a:r>
-            <a:r>
-              <a:rPr lang="de-DE" dirty="0" err="1"/>
-              <a:t>Capacity</a:t>
-            </a:r>
-            <a:r>
-              <a:rPr lang="de-DE" dirty="0"/>
-              <a:t> </a:t>
-            </a:r>
-            <a:r>
-              <a:rPr lang="de-DE" dirty="0" err="1"/>
-              <a:t>Markets</a:t>
-            </a:r>
-            <a:r>
-              <a:rPr lang="de-DE" dirty="0"/>
-              <a:t> | 21.06.2023</a:t>
+              <a:t> | 22.06.2023</a:t>
             </a:r>
             <a:endParaRPr lang="en-US" dirty="0"/>
           </a:p>
@@ -5773,8 +5713,12 @@
           </a:lstStyle>
           <a:p>
             <a:r>
+              <a:rPr lang="de-DE" dirty="0"/>
+              <a:t>Máté Borvendég, Susanne Hantke | </a:t>
+            </a:r>
+            <a:r>
               <a:rPr lang="de-DE" dirty="0" err="1"/>
-              <a:t>Máté</a:t>
+              <a:t>Capacity</a:t>
             </a:r>
             <a:r>
               <a:rPr lang="de-DE" dirty="0"/>
@@ -5782,27 +5726,11 @@
             </a:r>
             <a:r>
               <a:rPr lang="de-DE" dirty="0" err="1"/>
-              <a:t>Borvendég</a:t>
+              <a:t>Markets</a:t>
             </a:r>
             <a:r>
               <a:rPr lang="de-DE" dirty="0"/>
-              <a:t>, Susanne Hantke | </a:t>
-            </a:r>
-            <a:r>
-              <a:rPr lang="de-DE" dirty="0" err="1"/>
-              <a:t>Capacity</a:t>
-            </a:r>
-            <a:r>
-              <a:rPr lang="de-DE" dirty="0"/>
-              <a:t> </a:t>
-            </a:r>
-            <a:r>
-              <a:rPr lang="de-DE" dirty="0" err="1"/>
-              <a:t>Markets</a:t>
-            </a:r>
-            <a:r>
-              <a:rPr lang="de-DE" dirty="0"/>
-              <a:t> | 21.06.2023</a:t>
+              <a:t> | 22.06.2023</a:t>
             </a:r>
             <a:endParaRPr lang="en-US" dirty="0"/>
           </a:p>
@@ -6121,8 +6049,12 @@
           </a:lstStyle>
           <a:p>
             <a:r>
+              <a:rPr lang="de-DE" dirty="0"/>
+              <a:t>Máté Borvendég, Susanne Hantke | </a:t>
+            </a:r>
+            <a:r>
               <a:rPr lang="de-DE" dirty="0" err="1"/>
-              <a:t>Máté</a:t>
+              <a:t>Capacity</a:t>
             </a:r>
             <a:r>
               <a:rPr lang="de-DE" dirty="0"/>
@@ -6130,27 +6062,11 @@
             </a:r>
             <a:r>
               <a:rPr lang="de-DE" dirty="0" err="1"/>
-              <a:t>Borvendég</a:t>
+              <a:t>Markets</a:t>
             </a:r>
             <a:r>
               <a:rPr lang="de-DE" dirty="0"/>
-              <a:t>, Susanne Hantke | </a:t>
-            </a:r>
-            <a:r>
-              <a:rPr lang="de-DE" dirty="0" err="1"/>
-              <a:t>Capacity</a:t>
-            </a:r>
-            <a:r>
-              <a:rPr lang="de-DE" dirty="0"/>
-              <a:t> </a:t>
-            </a:r>
-            <a:r>
-              <a:rPr lang="de-DE" dirty="0" err="1"/>
-              <a:t>Markets</a:t>
-            </a:r>
-            <a:r>
-              <a:rPr lang="de-DE" dirty="0"/>
-              <a:t> | 21.06.2023</a:t>
+              <a:t> | 22.06.2023</a:t>
             </a:r>
             <a:endParaRPr lang="en-US" dirty="0"/>
           </a:p>
@@ -8887,8 +8803,12 @@
           </a:lstStyle>
           <a:p>
             <a:r>
+              <a:rPr lang="de-DE" dirty="0"/>
+              <a:t>Máté Borvendég, Susanne Hantke | </a:t>
+            </a:r>
+            <a:r>
               <a:rPr lang="de-DE" dirty="0" err="1"/>
-              <a:t>Máté</a:t>
+              <a:t>Capacity</a:t>
             </a:r>
             <a:r>
               <a:rPr lang="de-DE" dirty="0"/>
@@ -8896,27 +8816,11 @@
             </a:r>
             <a:r>
               <a:rPr lang="de-DE" dirty="0" err="1"/>
-              <a:t>Borvendég</a:t>
+              <a:t>Markets</a:t>
             </a:r>
             <a:r>
               <a:rPr lang="de-DE" dirty="0"/>
-              <a:t>, Susanne Hantke | </a:t>
-            </a:r>
-            <a:r>
-              <a:rPr lang="de-DE" dirty="0" err="1"/>
-              <a:t>Capacity</a:t>
-            </a:r>
-            <a:r>
-              <a:rPr lang="de-DE" dirty="0"/>
-              <a:t> </a:t>
-            </a:r>
-            <a:r>
-              <a:rPr lang="de-DE" dirty="0" err="1"/>
-              <a:t>Markets</a:t>
-            </a:r>
-            <a:r>
-              <a:rPr lang="de-DE" dirty="0"/>
-              <a:t> | 21.06.2023</a:t>
+              <a:t> | 22.06.2023</a:t>
             </a:r>
             <a:endParaRPr lang="en-US" dirty="0"/>
           </a:p>
@@ -10753,8 +10657,12 @@
           </a:lstStyle>
           <a:p>
             <a:r>
+              <a:rPr lang="de-DE" dirty="0"/>
+              <a:t>Máté Borvendég, Susanne Hantke | </a:t>
+            </a:r>
+            <a:r>
               <a:rPr lang="de-DE" dirty="0" err="1"/>
-              <a:t>Máté</a:t>
+              <a:t>Capacity</a:t>
             </a:r>
             <a:r>
               <a:rPr lang="de-DE" dirty="0"/>
@@ -10762,27 +10670,11 @@
             </a:r>
             <a:r>
               <a:rPr lang="de-DE" dirty="0" err="1"/>
-              <a:t>Borvendég</a:t>
+              <a:t>Markets</a:t>
             </a:r>
             <a:r>
               <a:rPr lang="de-DE" dirty="0"/>
-              <a:t>, Susanne Hantke | </a:t>
-            </a:r>
-            <a:r>
-              <a:rPr lang="de-DE" dirty="0" err="1"/>
-              <a:t>Capacity</a:t>
-            </a:r>
-            <a:r>
-              <a:rPr lang="de-DE" dirty="0"/>
-              <a:t> </a:t>
-            </a:r>
-            <a:r>
-              <a:rPr lang="de-DE" dirty="0" err="1"/>
-              <a:t>Markets</a:t>
-            </a:r>
-            <a:r>
-              <a:rPr lang="de-DE" dirty="0"/>
-              <a:t> | 21.06.2023</a:t>
+              <a:t> | 22.06.2023</a:t>
             </a:r>
             <a:endParaRPr lang="en-US" dirty="0"/>
           </a:p>
@@ -13412,8 +13304,24 @@
           <a:lstStyle/>
           <a:p>
             <a:r>
-              <a:rPr lang="de-DE"/>
-              <a:t>Máté Borvendég, Susanne Hantke | Capacity Markets | 21.06.2023</a:t>
+              <a:rPr lang="de-DE" dirty="0"/>
+              <a:t>Máté Borvendég, Susanne Hantke | </a:t>
+            </a:r>
+            <a:r>
+              <a:rPr lang="de-DE" dirty="0" err="1"/>
+              <a:t>Capacity</a:t>
+            </a:r>
+            <a:r>
+              <a:rPr lang="de-DE" dirty="0"/>
+              <a:t> </a:t>
+            </a:r>
+            <a:r>
+              <a:rPr lang="de-DE" dirty="0" err="1"/>
+              <a:t>Markets</a:t>
+            </a:r>
+            <a:r>
+              <a:rPr lang="de-DE" dirty="0"/>
+              <a:t> | 22.06.2023</a:t>
             </a:r>
             <a:endParaRPr lang="en-US" dirty="0"/>
           </a:p>
@@ -13924,8 +13832,24 @@
           <a:lstStyle/>
           <a:p>
             <a:r>
-              <a:rPr lang="de-DE"/>
-              <a:t>Máté Borvendég, Susanne Hantke | Capacity Markets | 21.06.2023</a:t>
+              <a:rPr lang="de-DE" dirty="0"/>
+              <a:t>Máté Borvendég, Susanne Hantke | </a:t>
+            </a:r>
+            <a:r>
+              <a:rPr lang="de-DE" dirty="0" err="1"/>
+              <a:t>Capacity</a:t>
+            </a:r>
+            <a:r>
+              <a:rPr lang="de-DE" dirty="0"/>
+              <a:t> </a:t>
+            </a:r>
+            <a:r>
+              <a:rPr lang="de-DE" dirty="0" err="1"/>
+              <a:t>Markets</a:t>
+            </a:r>
+            <a:r>
+              <a:rPr lang="de-DE" dirty="0"/>
+              <a:t> | 22.06.2023</a:t>
             </a:r>
             <a:endParaRPr lang="en-US" dirty="0"/>
           </a:p>
@@ -14686,8 +14610,24 @@
           <a:lstStyle/>
           <a:p>
             <a:r>
-              <a:rPr lang="de-DE"/>
-              <a:t>Máté Borvendég, Susanne Hantke | Capacity Markets | 21.06.2023</a:t>
+              <a:rPr lang="de-DE" dirty="0"/>
+              <a:t>Máté Borvendég, Susanne Hantke | </a:t>
+            </a:r>
+            <a:r>
+              <a:rPr lang="de-DE" dirty="0" err="1"/>
+              <a:t>Capacity</a:t>
+            </a:r>
+            <a:r>
+              <a:rPr lang="de-DE" dirty="0"/>
+              <a:t> </a:t>
+            </a:r>
+            <a:r>
+              <a:rPr lang="de-DE" dirty="0" err="1"/>
+              <a:t>Markets</a:t>
+            </a:r>
+            <a:r>
+              <a:rPr lang="de-DE" dirty="0"/>
+              <a:t> | 22.06.2023</a:t>
             </a:r>
             <a:endParaRPr lang="en-US" dirty="0"/>
           </a:p>
@@ -15498,8 +15438,24 @@
           <a:lstStyle/>
           <a:p>
             <a:r>
-              <a:rPr lang="de-DE"/>
-              <a:t>Máté Borvendég, Susanne Hantke | Capacity Markets | 21.06.2023</a:t>
+              <a:rPr lang="de-DE" dirty="0"/>
+              <a:t>Máté Borvendég, Susanne Hantke | </a:t>
+            </a:r>
+            <a:r>
+              <a:rPr lang="de-DE" dirty="0" err="1"/>
+              <a:t>Capacity</a:t>
+            </a:r>
+            <a:r>
+              <a:rPr lang="de-DE" dirty="0"/>
+              <a:t> </a:t>
+            </a:r>
+            <a:r>
+              <a:rPr lang="de-DE" dirty="0" err="1"/>
+              <a:t>Markets</a:t>
+            </a:r>
+            <a:r>
+              <a:rPr lang="de-DE" dirty="0"/>
+              <a:t> | 22.06.2023</a:t>
             </a:r>
             <a:endParaRPr lang="en-US" dirty="0"/>
           </a:p>
@@ -15875,8 +15831,24 @@
           <a:lstStyle/>
           <a:p>
             <a:r>
-              <a:rPr lang="de-DE"/>
-              <a:t>Máté Borvendég, Susanne Hantke | Capacity Markets | 21.06.2023</a:t>
+              <a:rPr lang="de-DE" dirty="0"/>
+              <a:t>Máté Borvendég, Susanne Hantke | </a:t>
+            </a:r>
+            <a:r>
+              <a:rPr lang="de-DE" dirty="0" err="1"/>
+              <a:t>Capacity</a:t>
+            </a:r>
+            <a:r>
+              <a:rPr lang="de-DE" dirty="0"/>
+              <a:t> </a:t>
+            </a:r>
+            <a:r>
+              <a:rPr lang="de-DE" dirty="0" err="1"/>
+              <a:t>Markets</a:t>
+            </a:r>
+            <a:r>
+              <a:rPr lang="de-DE" dirty="0"/>
+              <a:t> | 22.06.2023</a:t>
             </a:r>
             <a:endParaRPr lang="en-US" dirty="0"/>
           </a:p>
@@ -16975,8 +16947,24 @@
           <a:lstStyle/>
           <a:p>
             <a:r>
-              <a:rPr lang="de-DE"/>
-              <a:t>Máté Borvendég, Susanne Hantke | Capacity Markets | 21.06.2023</a:t>
+              <a:rPr lang="de-DE" dirty="0"/>
+              <a:t>Máté Borvendég, Susanne Hantke | </a:t>
+            </a:r>
+            <a:r>
+              <a:rPr lang="de-DE" dirty="0" err="1"/>
+              <a:t>Capacity</a:t>
+            </a:r>
+            <a:r>
+              <a:rPr lang="de-DE" dirty="0"/>
+              <a:t> </a:t>
+            </a:r>
+            <a:r>
+              <a:rPr lang="de-DE" dirty="0" err="1"/>
+              <a:t>Markets</a:t>
+            </a:r>
+            <a:r>
+              <a:rPr lang="de-DE" dirty="0"/>
+              <a:t> | 22.06.2023</a:t>
             </a:r>
             <a:endParaRPr lang="en-US" dirty="0"/>
           </a:p>
@@ -17583,8 +17571,24 @@
           <a:lstStyle/>
           <a:p>
             <a:r>
-              <a:rPr lang="de-DE"/>
-              <a:t>Máté Borvendég, Susanne Hantke | Capacity Markets | 21.06.2023</a:t>
+              <a:rPr lang="de-DE" dirty="0"/>
+              <a:t>Máté Borvendég, Susanne Hantke | </a:t>
+            </a:r>
+            <a:r>
+              <a:rPr lang="de-DE" dirty="0" err="1"/>
+              <a:t>Capacity</a:t>
+            </a:r>
+            <a:r>
+              <a:rPr lang="de-DE" dirty="0"/>
+              <a:t> </a:t>
+            </a:r>
+            <a:r>
+              <a:rPr lang="de-DE" dirty="0" err="1"/>
+              <a:t>Markets</a:t>
+            </a:r>
+            <a:r>
+              <a:rPr lang="de-DE" dirty="0"/>
+              <a:t> | 22.06.2023</a:t>
             </a:r>
             <a:endParaRPr lang="en-US" dirty="0"/>
           </a:p>
@@ -17827,8 +17831,12 @@
           <a:lstStyle/>
           <a:p>
             <a:r>
+              <a:rPr lang="de-DE" dirty="0"/>
+              <a:t>Máté Borvendég, Susanne Hantke | </a:t>
+            </a:r>
+            <a:r>
               <a:rPr lang="de-DE" dirty="0" err="1"/>
-              <a:t>Máté</a:t>
+              <a:t>Capacity</a:t>
             </a:r>
             <a:r>
               <a:rPr lang="de-DE" dirty="0"/>
@@ -17836,27 +17844,11 @@
             </a:r>
             <a:r>
               <a:rPr lang="de-DE" dirty="0" err="1"/>
-              <a:t>Borvendég</a:t>
+              <a:t>Markets</a:t>
             </a:r>
             <a:r>
               <a:rPr lang="de-DE" dirty="0"/>
-              <a:t>, Susanne Hantke | </a:t>
-            </a:r>
-            <a:r>
-              <a:rPr lang="de-DE" dirty="0" err="1"/>
-              <a:t>Capacity</a:t>
-            </a:r>
-            <a:r>
-              <a:rPr lang="de-DE" dirty="0"/>
-              <a:t> </a:t>
-            </a:r>
-            <a:r>
-              <a:rPr lang="de-DE" dirty="0" err="1"/>
-              <a:t>Markets</a:t>
-            </a:r>
-            <a:r>
-              <a:rPr lang="de-DE" dirty="0"/>
-              <a:t> | 21.06.2023</a:t>
+              <a:t> | 22.06.2023</a:t>
             </a:r>
             <a:endParaRPr lang="en-US" dirty="0"/>
           </a:p>
@@ -17977,8 +17969,12 @@
           <a:lstStyle/>
           <a:p>
             <a:r>
+              <a:rPr lang="de-DE" dirty="0"/>
+              <a:t>Máté Borvendég, Susanne Hantke | </a:t>
+            </a:r>
+            <a:r>
               <a:rPr lang="de-DE" dirty="0" err="1"/>
-              <a:t>Máté</a:t>
+              <a:t>Capacity</a:t>
             </a:r>
             <a:r>
               <a:rPr lang="de-DE" dirty="0"/>
@@ -17986,27 +17982,11 @@
             </a:r>
             <a:r>
               <a:rPr lang="de-DE" dirty="0" err="1"/>
-              <a:t>Borvendég</a:t>
+              <a:t>Markets</a:t>
             </a:r>
             <a:r>
               <a:rPr lang="de-DE" dirty="0"/>
-              <a:t>, Susanne Hantke | </a:t>
-            </a:r>
-            <a:r>
-              <a:rPr lang="de-DE" dirty="0" err="1"/>
-              <a:t>Capacity</a:t>
-            </a:r>
-            <a:r>
-              <a:rPr lang="de-DE" dirty="0"/>
-              <a:t> </a:t>
-            </a:r>
-            <a:r>
-              <a:rPr lang="de-DE" dirty="0" err="1"/>
-              <a:t>Markets</a:t>
-            </a:r>
-            <a:r>
-              <a:rPr lang="de-DE" dirty="0"/>
-              <a:t> | 21.06.2023</a:t>
+              <a:t> | 22.06.2023</a:t>
             </a:r>
             <a:endParaRPr lang="en-US" dirty="0"/>
           </a:p>
@@ -18331,8 +18311,12 @@
           <a:lstStyle/>
           <a:p>
             <a:r>
+              <a:rPr lang="de-DE" dirty="0"/>
+              <a:t>Máté Borvendég, Susanne Hantke | </a:t>
+            </a:r>
+            <a:r>
               <a:rPr lang="de-DE" dirty="0" err="1"/>
-              <a:t>Máté</a:t>
+              <a:t>Capacity</a:t>
             </a:r>
             <a:r>
               <a:rPr lang="de-DE" dirty="0"/>
@@ -18340,27 +18324,11 @@
             </a:r>
             <a:r>
               <a:rPr lang="de-DE" dirty="0" err="1"/>
-              <a:t>Borvendég</a:t>
+              <a:t>Markets</a:t>
             </a:r>
             <a:r>
               <a:rPr lang="de-DE" dirty="0"/>
-              <a:t>, Susanne Hantke | </a:t>
-            </a:r>
-            <a:r>
-              <a:rPr lang="de-DE" dirty="0" err="1"/>
-              <a:t>Capacity</a:t>
-            </a:r>
-            <a:r>
-              <a:rPr lang="de-DE" dirty="0"/>
-              <a:t> </a:t>
-            </a:r>
-            <a:r>
-              <a:rPr lang="de-DE" dirty="0" err="1"/>
-              <a:t>Markets</a:t>
-            </a:r>
-            <a:r>
-              <a:rPr lang="de-DE" dirty="0"/>
-              <a:t> | 21.06.2023</a:t>
+              <a:t> | 22.06.2023</a:t>
             </a:r>
             <a:endParaRPr lang="en-US" dirty="0"/>
           </a:p>
@@ -18506,8 +18474,12 @@
           <a:lstStyle/>
           <a:p>
             <a:r>
+              <a:rPr lang="de-DE" dirty="0"/>
+              <a:t>Máté Borvendég, Susanne Hantke | </a:t>
+            </a:r>
+            <a:r>
               <a:rPr lang="de-DE" dirty="0" err="1"/>
-              <a:t>Máté</a:t>
+              <a:t>Capacity</a:t>
             </a:r>
             <a:r>
               <a:rPr lang="de-DE" dirty="0"/>
@@ -18515,27 +18487,11 @@
             </a:r>
             <a:r>
               <a:rPr lang="de-DE" dirty="0" err="1"/>
-              <a:t>Borvendég</a:t>
+              <a:t>Markets</a:t>
             </a:r>
             <a:r>
               <a:rPr lang="de-DE" dirty="0"/>
-              <a:t>, Susanne Hantke | </a:t>
-            </a:r>
-            <a:r>
-              <a:rPr lang="de-DE" dirty="0" err="1"/>
-              <a:t>Capacity</a:t>
-            </a:r>
-            <a:r>
-              <a:rPr lang="de-DE" dirty="0"/>
-              <a:t> </a:t>
-            </a:r>
-            <a:r>
-              <a:rPr lang="de-DE" dirty="0" err="1"/>
-              <a:t>Markets</a:t>
-            </a:r>
-            <a:r>
-              <a:rPr lang="de-DE" dirty="0"/>
-              <a:t> | 21.06.2023</a:t>
+              <a:t> | 22.06.2023</a:t>
             </a:r>
             <a:endParaRPr lang="en-US" dirty="0"/>
           </a:p>
@@ -18694,8 +18650,12 @@
           <a:lstStyle/>
           <a:p>
             <a:r>
+              <a:rPr lang="de-DE" dirty="0"/>
+              <a:t>Máté Borvendég, Susanne Hantke | </a:t>
+            </a:r>
+            <a:r>
               <a:rPr lang="de-DE" dirty="0" err="1"/>
-              <a:t>Máté</a:t>
+              <a:t>Capacity</a:t>
             </a:r>
             <a:r>
               <a:rPr lang="de-DE" dirty="0"/>
@@ -18703,27 +18663,11 @@
             </a:r>
             <a:r>
               <a:rPr lang="de-DE" dirty="0" err="1"/>
-              <a:t>Borvendég</a:t>
+              <a:t>Markets</a:t>
             </a:r>
             <a:r>
               <a:rPr lang="de-DE" dirty="0"/>
-              <a:t>, Susanne Hantke | </a:t>
-            </a:r>
-            <a:r>
-              <a:rPr lang="de-DE" dirty="0" err="1"/>
-              <a:t>Capacity</a:t>
-            </a:r>
-            <a:r>
-              <a:rPr lang="de-DE" dirty="0"/>
-              <a:t> </a:t>
-            </a:r>
-            <a:r>
-              <a:rPr lang="de-DE" dirty="0" err="1"/>
-              <a:t>Markets</a:t>
-            </a:r>
-            <a:r>
-              <a:rPr lang="de-DE" dirty="0"/>
-              <a:t> | 21.06.2023</a:t>
+              <a:t> | 22.06.2023</a:t>
             </a:r>
             <a:endParaRPr lang="en-US" dirty="0"/>
           </a:p>
@@ -18991,8 +18935,12 @@
           <a:lstStyle/>
           <a:p>
             <a:r>
+              <a:rPr lang="de-DE" dirty="0"/>
+              <a:t>Máté Borvendég, Susanne Hantke | </a:t>
+            </a:r>
+            <a:r>
               <a:rPr lang="de-DE" dirty="0" err="1"/>
-              <a:t>Máté</a:t>
+              <a:t>Capacity</a:t>
             </a:r>
             <a:r>
               <a:rPr lang="de-DE" dirty="0"/>
@@ -19000,27 +18948,11 @@
             </a:r>
             <a:r>
               <a:rPr lang="de-DE" dirty="0" err="1"/>
-              <a:t>Borvendég</a:t>
+              <a:t>Markets</a:t>
             </a:r>
             <a:r>
               <a:rPr lang="de-DE" dirty="0"/>
-              <a:t>, Susanne Hantke | </a:t>
-            </a:r>
-            <a:r>
-              <a:rPr lang="de-DE" dirty="0" err="1"/>
-              <a:t>Capacity</a:t>
-            </a:r>
-            <a:r>
-              <a:rPr lang="de-DE" dirty="0"/>
-              <a:t> </a:t>
-            </a:r>
-            <a:r>
-              <a:rPr lang="de-DE" dirty="0" err="1"/>
-              <a:t>Markets</a:t>
-            </a:r>
-            <a:r>
-              <a:rPr lang="de-DE" dirty="0"/>
-              <a:t> | 21.06.2023</a:t>
+              <a:t> | 22.06.2023</a:t>
             </a:r>
             <a:endParaRPr lang="en-US" dirty="0"/>
           </a:p>
@@ -20339,8 +20271,12 @@
           <a:lstStyle/>
           <a:p>
             <a:r>
+              <a:rPr lang="de-DE" dirty="0"/>
+              <a:t>Máté Borvendég, Susanne Hantke | </a:t>
+            </a:r>
+            <a:r>
               <a:rPr lang="de-DE" dirty="0" err="1"/>
-              <a:t>Máté</a:t>
+              <a:t>Capacity</a:t>
             </a:r>
             <a:r>
               <a:rPr lang="de-DE" dirty="0"/>
@@ -20348,27 +20284,11 @@
             </a:r>
             <a:r>
               <a:rPr lang="de-DE" dirty="0" err="1"/>
-              <a:t>Borvendég</a:t>
+              <a:t>Markets</a:t>
             </a:r>
             <a:r>
               <a:rPr lang="de-DE" dirty="0"/>
-              <a:t>, Susanne Hantke | </a:t>
-            </a:r>
-            <a:r>
-              <a:rPr lang="de-DE" dirty="0" err="1"/>
-              <a:t>Capacity</a:t>
-            </a:r>
-            <a:r>
-              <a:rPr lang="de-DE" dirty="0"/>
-              <a:t> </a:t>
-            </a:r>
-            <a:r>
-              <a:rPr lang="de-DE" dirty="0" err="1"/>
-              <a:t>Markets</a:t>
-            </a:r>
-            <a:r>
-              <a:rPr lang="de-DE" dirty="0"/>
-              <a:t> | 21.06.2023</a:t>
+              <a:t> | 22.06.2023</a:t>
             </a:r>
             <a:endParaRPr lang="en-US" dirty="0"/>
           </a:p>
@@ -21391,8 +21311,12 @@
           <a:lstStyle/>
           <a:p>
             <a:r>
+              <a:rPr lang="de-DE" dirty="0"/>
+              <a:t>Máté Borvendég, Susanne Hantke | </a:t>
+            </a:r>
+            <a:r>
               <a:rPr lang="de-DE" dirty="0" err="1"/>
-              <a:t>Máté</a:t>
+              <a:t>Capacity</a:t>
             </a:r>
             <a:r>
               <a:rPr lang="de-DE" dirty="0"/>
@@ -21400,27 +21324,11 @@
             </a:r>
             <a:r>
               <a:rPr lang="de-DE" dirty="0" err="1"/>
-              <a:t>Borvendég</a:t>
+              <a:t>Markets</a:t>
             </a:r>
             <a:r>
               <a:rPr lang="de-DE" dirty="0"/>
-              <a:t>, Susanne Hantke | </a:t>
-            </a:r>
-            <a:r>
-              <a:rPr lang="de-DE" dirty="0" err="1"/>
-              <a:t>Capacity</a:t>
-            </a:r>
-            <a:r>
-              <a:rPr lang="de-DE" dirty="0"/>
-              <a:t> </a:t>
-            </a:r>
-            <a:r>
-              <a:rPr lang="de-DE" dirty="0" err="1"/>
-              <a:t>Markets</a:t>
-            </a:r>
-            <a:r>
-              <a:rPr lang="de-DE" dirty="0"/>
-              <a:t> | 21.06.2023</a:t>
+              <a:t> | 22.06.2023</a:t>
             </a:r>
             <a:endParaRPr lang="en-US" dirty="0"/>
           </a:p>
@@ -23779,8 +23687,12 @@
           <a:lstStyle/>
           <a:p>
             <a:r>
+              <a:rPr lang="de-DE" dirty="0"/>
+              <a:t>Máté Borvendég, Susanne Hantke | </a:t>
+            </a:r>
+            <a:r>
               <a:rPr lang="de-DE" dirty="0" err="1"/>
-              <a:t>Máté</a:t>
+              <a:t>Capacity</a:t>
             </a:r>
             <a:r>
               <a:rPr lang="de-DE" dirty="0"/>
@@ -23788,27 +23700,11 @@
             </a:r>
             <a:r>
               <a:rPr lang="de-DE" dirty="0" err="1"/>
-              <a:t>Borvendég</a:t>
+              <a:t>Markets</a:t>
             </a:r>
             <a:r>
               <a:rPr lang="de-DE" dirty="0"/>
-              <a:t>, Susanne Hantke | </a:t>
-            </a:r>
-            <a:r>
-              <a:rPr lang="de-DE" dirty="0" err="1"/>
-              <a:t>Capacity</a:t>
-            </a:r>
-            <a:r>
-              <a:rPr lang="de-DE" dirty="0"/>
-              <a:t> </a:t>
-            </a:r>
-            <a:r>
-              <a:rPr lang="de-DE" dirty="0" err="1"/>
-              <a:t>Markets</a:t>
-            </a:r>
-            <a:r>
-              <a:rPr lang="de-DE" dirty="0"/>
-              <a:t> | 21.06.2023</a:t>
+              <a:t> | 22.06.2023</a:t>
             </a:r>
             <a:endParaRPr lang="en-US" dirty="0"/>
           </a:p>
@@ -25085,8 +24981,24 @@
           <a:lstStyle/>
           <a:p>
             <a:r>
-              <a:rPr lang="de-DE"/>
-              <a:t>Máté Borvendég, Susanne Hantke | Capacity Markets | 21.06.2023</a:t>
+              <a:rPr lang="de-DE" dirty="0"/>
+              <a:t>Máté Borvendég, Susanne Hantke | </a:t>
+            </a:r>
+            <a:r>
+              <a:rPr lang="de-DE" dirty="0" err="1"/>
+              <a:t>Capacity</a:t>
+            </a:r>
+            <a:r>
+              <a:rPr lang="de-DE" dirty="0"/>
+              <a:t> </a:t>
+            </a:r>
+            <a:r>
+              <a:rPr lang="de-DE" dirty="0" err="1"/>
+              <a:t>Markets</a:t>
+            </a:r>
+            <a:r>
+              <a:rPr lang="de-DE" dirty="0"/>
+              <a:t> | 22.06.2023</a:t>
             </a:r>
             <a:endParaRPr lang="en-US" dirty="0"/>
           </a:p>
@@ -25141,8 +25053,8 @@
           </a:p>
         </p:txBody>
       </p:sp>
-      <mc:AlternateContent xmlns:mc="http://schemas.openxmlformats.org/markup-compatibility/2006">
-        <mc:Choice xmlns:a14="http://schemas.microsoft.com/office/drawing/2010/main" Requires="a14">
+      <mc:AlternateContent xmlns:mc="http://schemas.openxmlformats.org/markup-compatibility/2006" xmlns:a14="http://schemas.microsoft.com/office/drawing/2010/main">
+        <mc:Choice Requires="a14">
           <p:sp>
             <p:nvSpPr>
               <p:cNvPr id="6" name="Rechteck 5">
@@ -25622,7 +25534,7 @@
             </p:txBody>
           </p:sp>
         </mc:Choice>
-        <mc:Fallback>
+        <mc:Fallback xmlns="">
           <p:sp>
             <p:nvSpPr>
               <p:cNvPr id="6" name="Rechteck 5">
@@ -25672,8 +25584,8 @@
           </p:sp>
         </mc:Fallback>
       </mc:AlternateContent>
-      <mc:AlternateContent xmlns:mc="http://schemas.openxmlformats.org/markup-compatibility/2006">
-        <mc:Choice xmlns:a14="http://schemas.microsoft.com/office/drawing/2010/main" Requires="a14">
+      <mc:AlternateContent xmlns:mc="http://schemas.openxmlformats.org/markup-compatibility/2006" xmlns:a14="http://schemas.microsoft.com/office/drawing/2010/main">
+        <mc:Choice Requires="a14">
           <p:sp>
             <p:nvSpPr>
               <p:cNvPr id="7" name="Textfeld 6">
@@ -25747,13 +25659,7 @@
                           <a:rPr lang="hu-HU" sz="1600" b="0" i="1" smtClean="0">
                             <a:latin typeface="Cambria Math" panose="02040503050406030204" pitchFamily="18" charset="0"/>
                           </a:rPr>
-                          <m:t>1</m:t>
-                        </m:r>
-                        <m:r>
-                          <a:rPr lang="hu-HU" sz="1600" b="0" i="1" smtClean="0">
-                            <a:latin typeface="Cambria Math" panose="02040503050406030204" pitchFamily="18" charset="0"/>
-                          </a:rPr>
-                          <m:t>,</m:t>
+                          <m:t>1,</m:t>
                         </m:r>
                         <m:r>
                           <a:rPr lang="hu-HU" sz="1600" b="0" i="1" smtClean="0">
@@ -25867,7 +25773,7 @@
             </p:txBody>
           </p:sp>
         </mc:Choice>
-        <mc:Fallback>
+        <mc:Fallback xmlns="">
           <p:sp>
             <p:nvSpPr>
               <p:cNvPr id="7" name="Textfeld 6">
@@ -26614,7 +26520,7 @@
           <a:p>
             <a:r>
               <a:rPr lang="en-GB" dirty="0"/>
-              <a:t>Máté Borvendég, Susanne Hantke | Capacity Markets | 21.06.2023</a:t>
+              <a:t>Máté Borvendég, Susanne Hantke | Capacity Markets | 22.06.2023</a:t>
             </a:r>
           </a:p>
         </p:txBody>
@@ -27490,8 +27396,12 @@
           <a:lstStyle/>
           <a:p>
             <a:r>
+              <a:rPr lang="de-DE" dirty="0"/>
+              <a:t>Máté Borvendég, Susanne Hantke | </a:t>
+            </a:r>
+            <a:r>
               <a:rPr lang="de-DE" dirty="0" err="1"/>
-              <a:t>Máté</a:t>
+              <a:t>Capacity</a:t>
             </a:r>
             <a:r>
               <a:rPr lang="de-DE" dirty="0"/>
@@ -27499,27 +27409,11 @@
             </a:r>
             <a:r>
               <a:rPr lang="de-DE" dirty="0" err="1"/>
-              <a:t>Borvendég</a:t>
+              <a:t>Markets</a:t>
             </a:r>
             <a:r>
               <a:rPr lang="de-DE" dirty="0"/>
-              <a:t>, Susanne Hantke | </a:t>
-            </a:r>
-            <a:r>
-              <a:rPr lang="de-DE" dirty="0" err="1"/>
-              <a:t>Capacity</a:t>
-            </a:r>
-            <a:r>
-              <a:rPr lang="de-DE" dirty="0"/>
-              <a:t> </a:t>
-            </a:r>
-            <a:r>
-              <a:rPr lang="de-DE" dirty="0" err="1"/>
-              <a:t>Markets</a:t>
-            </a:r>
-            <a:r>
-              <a:rPr lang="de-DE" dirty="0"/>
-              <a:t> | 21.06.2023</a:t>
+              <a:t> | 22.06.2023</a:t>
             </a:r>
             <a:endParaRPr lang="en-US" dirty="0"/>
           </a:p>
@@ -27968,8 +27862,12 @@
           <a:lstStyle/>
           <a:p>
             <a:r>
+              <a:rPr lang="de-DE" dirty="0"/>
+              <a:t>Máté Borvendég, Susanne Hantke | </a:t>
+            </a:r>
+            <a:r>
               <a:rPr lang="de-DE" dirty="0" err="1"/>
-              <a:t>Máté</a:t>
+              <a:t>Capacity</a:t>
             </a:r>
             <a:r>
               <a:rPr lang="de-DE" dirty="0"/>
@@ -27977,27 +27875,11 @@
             </a:r>
             <a:r>
               <a:rPr lang="de-DE" dirty="0" err="1"/>
-              <a:t>Borvendég</a:t>
+              <a:t>Markets</a:t>
             </a:r>
             <a:r>
               <a:rPr lang="de-DE" dirty="0"/>
-              <a:t>, Susanne Hantke | </a:t>
-            </a:r>
-            <a:r>
-              <a:rPr lang="de-DE" dirty="0" err="1"/>
-              <a:t>Capacity</a:t>
-            </a:r>
-            <a:r>
-              <a:rPr lang="de-DE" dirty="0"/>
-              <a:t> </a:t>
-            </a:r>
-            <a:r>
-              <a:rPr lang="de-DE" dirty="0" err="1"/>
-              <a:t>Markets</a:t>
-            </a:r>
-            <a:r>
-              <a:rPr lang="de-DE" dirty="0"/>
-              <a:t> | 21.06.2023</a:t>
+              <a:t> | 22.06.2023</a:t>
             </a:r>
             <a:endParaRPr lang="en-US" dirty="0"/>
           </a:p>
@@ -28457,8 +28339,24 @@
           <a:lstStyle/>
           <a:p>
             <a:r>
-              <a:rPr lang="de-DE"/>
-              <a:t>Máté Borvendég, Susanne Hantke | Capacity Markets | 21.06.2023</a:t>
+              <a:rPr lang="de-DE" dirty="0"/>
+              <a:t>Máté Borvendég, Susanne Hantke | </a:t>
+            </a:r>
+            <a:r>
+              <a:rPr lang="de-DE" dirty="0" err="1"/>
+              <a:t>Capacity</a:t>
+            </a:r>
+            <a:r>
+              <a:rPr lang="de-DE" dirty="0"/>
+              <a:t> </a:t>
+            </a:r>
+            <a:r>
+              <a:rPr lang="de-DE" dirty="0" err="1"/>
+              <a:t>Markets</a:t>
+            </a:r>
+            <a:r>
+              <a:rPr lang="de-DE" dirty="0"/>
+              <a:t> | 22.06.2023</a:t>
             </a:r>
             <a:endParaRPr lang="en-US" dirty="0"/>
           </a:p>
